--- a/Test Driven Development/materials/pptx/0. TDD-Why.pptx
+++ b/Test Driven Development/materials/pptx/0. TDD-Why.pptx
@@ -17152,12 +17152,6 @@
               </a:rPr>
               <a:t>Разработка через тестирование</a:t>
             </a:r>
-            <a:r>
-              <a:rPr lang="en-US" dirty="0" smtClean="0">
-                <a:latin typeface="Arial" charset="0"/>
-              </a:rPr>
-              <a:t/>
-            </a:r>
             <a:br>
               <a:rPr lang="en-US" dirty="0" smtClean="0">
                 <a:latin typeface="Arial" charset="0"/>
@@ -17196,7 +17190,6 @@
               <a:rPr lang="en-US" dirty="0"/>
               <a:t>0</a:t>
             </a:r>
-            <a:endParaRPr lang="en-US" dirty="0"/>
           </a:p>
         </p:txBody>
       </p:sp>
@@ -17324,12 +17317,6 @@
               </a:rPr>
               <a:t>Почему автоматизированные тесты?</a:t>
             </a:r>
-            <a:endParaRPr lang="ru-RU" dirty="0">
-              <a:solidFill>
-                <a:srgbClr val="161645"/>
-              </a:solidFill>
-              <a:latin typeface="Arial" charset="0"/>
-            </a:endParaRPr>
           </a:p>
         </p:txBody>
       </p:sp>
@@ -18461,6 +18448,46 @@
           <a:bodyPr/>
           <a:lstStyle/>
           <a:p>
+            <a:r>
+              <a:rPr lang="en-US" dirty="0" err="1" smtClean="0"/>
+              <a:t>git</a:t>
+            </a:r>
+            <a:r>
+              <a:rPr lang="en-US" dirty="0" smtClean="0"/>
+              <a:t> </a:t>
+            </a:r>
+            <a:r>
+              <a:rPr lang="en-US" dirty="0"/>
+              <a:t>clone </a:t>
+            </a:r>
+            <a:r>
+              <a:rPr lang="en-US" dirty="0" err="1"/>
+              <a:t>git</a:t>
+            </a:r>
+            <a:r>
+              <a:rPr lang="en-US" dirty="0"/>
+              <a:t>://</a:t>
+            </a:r>
+            <a:r>
+              <a:rPr lang="en-US" dirty="0" err="1"/>
+              <a:t>github.com</a:t>
+            </a:r>
+            <a:r>
+              <a:rPr lang="en-US" dirty="0"/>
+              <a:t>/</a:t>
+            </a:r>
+            <a:r>
+              <a:rPr lang="en-US" dirty="0" err="1"/>
+              <a:t>ivan-dyachenko</a:t>
+            </a:r>
+            <a:r>
+              <a:rPr lang="en-US" dirty="0"/>
+              <a:t>/</a:t>
+            </a:r>
+            <a:r>
+              <a:rPr lang="en-US" dirty="0" err="1"/>
+              <a:t>Trainings.git</a:t>
+            </a:r>
             <a:endParaRPr lang="en-US" dirty="0"/>
           </a:p>
         </p:txBody>
@@ -18503,7 +18530,27 @@
           <a:bodyPr/>
           <a:lstStyle/>
           <a:p>
-            <a:endParaRPr lang="en-US"/>
+            <a:r>
+              <a:rPr lang="en-US" dirty="0"/>
+              <a:t>https://</a:t>
+            </a:r>
+            <a:r>
+              <a:rPr lang="en-US" dirty="0" err="1"/>
+              <a:t>github.com</a:t>
+            </a:r>
+            <a:r>
+              <a:rPr lang="en-US" dirty="0"/>
+              <a:t>/</a:t>
+            </a:r>
+            <a:r>
+              <a:rPr lang="en-US" dirty="0" err="1"/>
+              <a:t>ivan-dyachenko</a:t>
+            </a:r>
+            <a:r>
+              <a:rPr lang="en-US" dirty="0"/>
+              <a:t>/Trainings</a:t>
+            </a:r>
+            <a:endParaRPr lang="en-US" dirty="0"/>
           </a:p>
         </p:txBody>
       </p:sp>
@@ -20950,11 +20997,6 @@
                 </a:rPr>
                 <a:t>Одобрен выдающимися специалистами</a:t>
               </a:r>
-              <a:endParaRPr lang="ru-RU" dirty="0">
-                <a:solidFill>
-                  <a:srgbClr val="004080"/>
-                </a:solidFill>
-              </a:endParaRPr>
             </a:p>
           </p:txBody>
         </p:sp>
@@ -21280,11 +21322,6 @@
                 </a:rPr>
                 <a:t>Применяется уже далеко не первый год</a:t>
               </a:r>
-              <a:endParaRPr lang="ru-RU" dirty="0">
-                <a:solidFill>
-                  <a:srgbClr val="004080"/>
-                </a:solidFill>
-              </a:endParaRPr>
             </a:p>
           </p:txBody>
         </p:sp>
@@ -22885,15 +22922,7 @@
                     <a:srgbClr val="004080"/>
                   </a:solidFill>
                 </a:rPr>
-                <a:t>Чистый </a:t>
-              </a:r>
-              <a:r>
-                <a:rPr lang="ru-RU" dirty="0" smtClean="0">
-                  <a:solidFill>
-                    <a:srgbClr val="004080"/>
-                  </a:solidFill>
-                </a:rPr>
-                <a:t>Код</a:t>
+                <a:t>Чистый Код</a:t>
               </a:r>
               <a:endParaRPr lang="ru-RU" dirty="0">
                 <a:solidFill>

--- a/Test Driven Development/materials/pptx/0. TDD-Why.pptx
+++ b/Test Driven Development/materials/pptx/0. TDD-Why.pptx
@@ -7,26 +7,38 @@
     <p:sldMasterId id="2147483694" r:id="rId3"/>
   </p:sldMasterIdLst>
   <p:notesMasterIdLst>
-    <p:notesMasterId r:id="rId21"/>
+    <p:notesMasterId r:id="rId33"/>
   </p:notesMasterIdLst>
   <p:sldIdLst>
     <p:sldId id="355" r:id="rId4"/>
     <p:sldId id="375" r:id="rId5"/>
     <p:sldId id="257" r:id="rId6"/>
-    <p:sldId id="376" r:id="rId7"/>
-    <p:sldId id="387" r:id="rId8"/>
-    <p:sldId id="381" r:id="rId9"/>
-    <p:sldId id="377" r:id="rId10"/>
-    <p:sldId id="379" r:id="rId11"/>
-    <p:sldId id="378" r:id="rId12"/>
-    <p:sldId id="380" r:id="rId13"/>
-    <p:sldId id="382" r:id="rId14"/>
-    <p:sldId id="383" r:id="rId15"/>
-    <p:sldId id="384" r:id="rId16"/>
-    <p:sldId id="385" r:id="rId17"/>
-    <p:sldId id="386" r:id="rId18"/>
-    <p:sldId id="357" r:id="rId19"/>
-    <p:sldId id="356" r:id="rId20"/>
+    <p:sldId id="388" r:id="rId7"/>
+    <p:sldId id="391" r:id="rId8"/>
+    <p:sldId id="393" r:id="rId9"/>
+    <p:sldId id="392" r:id="rId10"/>
+    <p:sldId id="390" r:id="rId11"/>
+    <p:sldId id="381" r:id="rId12"/>
+    <p:sldId id="396" r:id="rId13"/>
+    <p:sldId id="398" r:id="rId14"/>
+    <p:sldId id="397" r:id="rId15"/>
+    <p:sldId id="399" r:id="rId16"/>
+    <p:sldId id="400" r:id="rId17"/>
+    <p:sldId id="401" r:id="rId18"/>
+    <p:sldId id="376" r:id="rId19"/>
+    <p:sldId id="394" r:id="rId20"/>
+    <p:sldId id="395" r:id="rId21"/>
+    <p:sldId id="377" r:id="rId22"/>
+    <p:sldId id="379" r:id="rId23"/>
+    <p:sldId id="378" r:id="rId24"/>
+    <p:sldId id="380" r:id="rId25"/>
+    <p:sldId id="382" r:id="rId26"/>
+    <p:sldId id="383" r:id="rId27"/>
+    <p:sldId id="384" r:id="rId28"/>
+    <p:sldId id="385" r:id="rId29"/>
+    <p:sldId id="386" r:id="rId30"/>
+    <p:sldId id="357" r:id="rId31"/>
+    <p:sldId id="356" r:id="rId32"/>
   </p:sldIdLst>
   <p:sldSz cx="9144000" cy="6858000" type="screen4x3"/>
   <p:notesSz cx="6858000" cy="9144000"/>
@@ -210,7 +222,7 @@
           <a:p>
             <a:fld id="{B946ECE3-FD69-FE4C-B5B3-E9526994F809}" type="datetimeFigureOut">
               <a:rPr lang="en-US" smtClean="0"/>
-              <a:t>8/4/12</a:t>
+              <a:t>11/1/12</a:t>
             </a:fld>
             <a:endParaRPr lang="en-US"/>
           </a:p>
@@ -579,6 +591,1278 @@
 </p:notes>
 </file>
 
+<file path=ppt/notesSlides/notesSlide10.xml><?xml version="1.0" encoding="utf-8"?>
+<p:notes xmlns:a="http://schemas.openxmlformats.org/drawingml/2006/main" xmlns:r="http://schemas.openxmlformats.org/officeDocument/2006/relationships" xmlns:p="http://schemas.openxmlformats.org/presentationml/2006/main">
+  <p:cSld>
+    <p:spTree>
+      <p:nvGrpSpPr>
+        <p:cNvPr id="1" name=""/>
+        <p:cNvGrpSpPr/>
+        <p:nvPr/>
+      </p:nvGrpSpPr>
+      <p:grpSpPr>
+        <a:xfrm>
+          <a:off x="0" y="0"/>
+          <a:ext cx="0" cy="0"/>
+          <a:chOff x="0" y="0"/>
+          <a:chExt cx="0" cy="0"/>
+        </a:xfrm>
+      </p:grpSpPr>
+      <p:sp>
+        <p:nvSpPr>
+          <p:cNvPr id="2" name="Slide Image Placeholder 1"/>
+          <p:cNvSpPr>
+            <a:spLocks noGrp="1" noRot="1" noChangeAspect="1"/>
+          </p:cNvSpPr>
+          <p:nvPr>
+            <p:ph type="sldImg"/>
+          </p:nvPr>
+        </p:nvSpPr>
+        <p:spPr/>
+      </p:sp>
+      <p:sp>
+        <p:nvSpPr>
+          <p:cNvPr id="3" name="Notes Placeholder 2"/>
+          <p:cNvSpPr>
+            <a:spLocks noGrp="1"/>
+          </p:cNvSpPr>
+          <p:nvPr>
+            <p:ph type="body" idx="1"/>
+          </p:nvPr>
+        </p:nvSpPr>
+        <p:spPr/>
+        <p:txBody>
+          <a:bodyPr/>
+          <a:lstStyle/>
+          <a:p>
+            <a:endParaRPr lang="en-US" dirty="0"/>
+          </a:p>
+        </p:txBody>
+      </p:sp>
+      <p:sp>
+        <p:nvSpPr>
+          <p:cNvPr id="4" name="Slide Number Placeholder 3"/>
+          <p:cNvSpPr>
+            <a:spLocks noGrp="1"/>
+          </p:cNvSpPr>
+          <p:nvPr>
+            <p:ph type="sldNum" sz="quarter" idx="10"/>
+          </p:nvPr>
+        </p:nvSpPr>
+        <p:spPr/>
+        <p:txBody>
+          <a:bodyPr/>
+          <a:lstStyle/>
+          <a:p>
+            <a:fld id="{3A3568CC-110C-4346-A0AE-B1FBECAA9176}" type="slidenum">
+              <a:rPr lang="en-US" smtClean="0"/>
+              <a:t>13</a:t>
+            </a:fld>
+            <a:endParaRPr lang="en-US"/>
+          </a:p>
+        </p:txBody>
+      </p:sp>
+    </p:spTree>
+    <p:extLst>
+      <p:ext uri="{BB962C8B-B14F-4D97-AF65-F5344CB8AC3E}">
+        <p14:creationId xmlns:p14="http://schemas.microsoft.com/office/powerpoint/2010/main" val="599945650"/>
+      </p:ext>
+    </p:extLst>
+  </p:cSld>
+  <p:clrMapOvr>
+    <a:masterClrMapping/>
+  </p:clrMapOvr>
+</p:notes>
+</file>
+
+<file path=ppt/notesSlides/notesSlide11.xml><?xml version="1.0" encoding="utf-8"?>
+<p:notes xmlns:a="http://schemas.openxmlformats.org/drawingml/2006/main" xmlns:r="http://schemas.openxmlformats.org/officeDocument/2006/relationships" xmlns:p="http://schemas.openxmlformats.org/presentationml/2006/main">
+  <p:cSld>
+    <p:spTree>
+      <p:nvGrpSpPr>
+        <p:cNvPr id="1" name=""/>
+        <p:cNvGrpSpPr/>
+        <p:nvPr/>
+      </p:nvGrpSpPr>
+      <p:grpSpPr>
+        <a:xfrm>
+          <a:off x="0" y="0"/>
+          <a:ext cx="0" cy="0"/>
+          <a:chOff x="0" y="0"/>
+          <a:chExt cx="0" cy="0"/>
+        </a:xfrm>
+      </p:grpSpPr>
+      <p:sp>
+        <p:nvSpPr>
+          <p:cNvPr id="2" name="Slide Image Placeholder 1"/>
+          <p:cNvSpPr>
+            <a:spLocks noGrp="1" noRot="1" noChangeAspect="1"/>
+          </p:cNvSpPr>
+          <p:nvPr>
+            <p:ph type="sldImg"/>
+          </p:nvPr>
+        </p:nvSpPr>
+        <p:spPr/>
+      </p:sp>
+      <p:sp>
+        <p:nvSpPr>
+          <p:cNvPr id="3" name="Notes Placeholder 2"/>
+          <p:cNvSpPr>
+            <a:spLocks noGrp="1"/>
+          </p:cNvSpPr>
+          <p:nvPr>
+            <p:ph type="body" idx="1"/>
+          </p:nvPr>
+        </p:nvSpPr>
+        <p:spPr/>
+        <p:txBody>
+          <a:bodyPr/>
+          <a:lstStyle/>
+          <a:p>
+            <a:endParaRPr lang="en-US" dirty="0"/>
+          </a:p>
+        </p:txBody>
+      </p:sp>
+      <p:sp>
+        <p:nvSpPr>
+          <p:cNvPr id="4" name="Slide Number Placeholder 3"/>
+          <p:cNvSpPr>
+            <a:spLocks noGrp="1"/>
+          </p:cNvSpPr>
+          <p:nvPr>
+            <p:ph type="sldNum" sz="quarter" idx="10"/>
+          </p:nvPr>
+        </p:nvSpPr>
+        <p:spPr/>
+        <p:txBody>
+          <a:bodyPr/>
+          <a:lstStyle/>
+          <a:p>
+            <a:fld id="{3A3568CC-110C-4346-A0AE-B1FBECAA9176}" type="slidenum">
+              <a:rPr lang="en-US" smtClean="0"/>
+              <a:t>14</a:t>
+            </a:fld>
+            <a:endParaRPr lang="en-US"/>
+          </a:p>
+        </p:txBody>
+      </p:sp>
+    </p:spTree>
+    <p:extLst>
+      <p:ext uri="{BB962C8B-B14F-4D97-AF65-F5344CB8AC3E}">
+        <p14:creationId xmlns:p14="http://schemas.microsoft.com/office/powerpoint/2010/main" val="599945650"/>
+      </p:ext>
+    </p:extLst>
+  </p:cSld>
+  <p:clrMapOvr>
+    <a:masterClrMapping/>
+  </p:clrMapOvr>
+</p:notes>
+</file>
+
+<file path=ppt/notesSlides/notesSlide12.xml><?xml version="1.0" encoding="utf-8"?>
+<p:notes xmlns:a="http://schemas.openxmlformats.org/drawingml/2006/main" xmlns:r="http://schemas.openxmlformats.org/officeDocument/2006/relationships" xmlns:p="http://schemas.openxmlformats.org/presentationml/2006/main">
+  <p:cSld>
+    <p:spTree>
+      <p:nvGrpSpPr>
+        <p:cNvPr id="1" name=""/>
+        <p:cNvGrpSpPr/>
+        <p:nvPr/>
+      </p:nvGrpSpPr>
+      <p:grpSpPr>
+        <a:xfrm>
+          <a:off x="0" y="0"/>
+          <a:ext cx="0" cy="0"/>
+          <a:chOff x="0" y="0"/>
+          <a:chExt cx="0" cy="0"/>
+        </a:xfrm>
+      </p:grpSpPr>
+      <p:sp>
+        <p:nvSpPr>
+          <p:cNvPr id="2" name="Slide Image Placeholder 1"/>
+          <p:cNvSpPr>
+            <a:spLocks noGrp="1" noRot="1" noChangeAspect="1"/>
+          </p:cNvSpPr>
+          <p:nvPr>
+            <p:ph type="sldImg"/>
+          </p:nvPr>
+        </p:nvSpPr>
+        <p:spPr/>
+      </p:sp>
+      <p:sp>
+        <p:nvSpPr>
+          <p:cNvPr id="3" name="Notes Placeholder 2"/>
+          <p:cNvSpPr>
+            <a:spLocks noGrp="1"/>
+          </p:cNvSpPr>
+          <p:nvPr>
+            <p:ph type="body" idx="1"/>
+          </p:nvPr>
+        </p:nvSpPr>
+        <p:spPr/>
+        <p:txBody>
+          <a:bodyPr/>
+          <a:lstStyle/>
+          <a:p>
+            <a:pPr eaLnBrk="1" hangingPunct="1"/>
+            <a:r>
+              <a:rPr lang="ru-RU" b="0" dirty="0" smtClean="0"/>
+              <a:t>Обычно компонентное (модульное) тестирование проводится вызывая код, который необходимо проверить (при поддержке среды разработки)</a:t>
+            </a:r>
+          </a:p>
+          <a:p>
+            <a:pPr eaLnBrk="1" hangingPunct="1"/>
+            <a:r>
+              <a:rPr lang="ru-RU" b="0" dirty="0" smtClean="0"/>
+              <a:t>Все найденные дефекты, как правило, исправляются в коде без формального их описания в системе управления ошибками</a:t>
+            </a:r>
+          </a:p>
+        </p:txBody>
+      </p:sp>
+      <p:sp>
+        <p:nvSpPr>
+          <p:cNvPr id="4" name="Slide Number Placeholder 3"/>
+          <p:cNvSpPr>
+            <a:spLocks noGrp="1"/>
+          </p:cNvSpPr>
+          <p:nvPr>
+            <p:ph type="sldNum" sz="quarter" idx="10"/>
+          </p:nvPr>
+        </p:nvSpPr>
+        <p:spPr/>
+        <p:txBody>
+          <a:bodyPr/>
+          <a:lstStyle/>
+          <a:p>
+            <a:fld id="{3A3568CC-110C-4346-A0AE-B1FBECAA9176}" type="slidenum">
+              <a:rPr lang="en-US" smtClean="0"/>
+              <a:t>15</a:t>
+            </a:fld>
+            <a:endParaRPr lang="en-US"/>
+          </a:p>
+        </p:txBody>
+      </p:sp>
+    </p:spTree>
+    <p:extLst>
+      <p:ext uri="{BB962C8B-B14F-4D97-AF65-F5344CB8AC3E}">
+        <p14:creationId xmlns:p14="http://schemas.microsoft.com/office/powerpoint/2010/main" val="599945650"/>
+      </p:ext>
+    </p:extLst>
+  </p:cSld>
+  <p:clrMapOvr>
+    <a:masterClrMapping/>
+  </p:clrMapOvr>
+</p:notes>
+</file>
+
+<file path=ppt/notesSlides/notesSlide13.xml><?xml version="1.0" encoding="utf-8"?>
+<p:notes xmlns:a="http://schemas.openxmlformats.org/drawingml/2006/main" xmlns:r="http://schemas.openxmlformats.org/officeDocument/2006/relationships" xmlns:p="http://schemas.openxmlformats.org/presentationml/2006/main">
+  <p:cSld>
+    <p:spTree>
+      <p:nvGrpSpPr>
+        <p:cNvPr id="1" name=""/>
+        <p:cNvGrpSpPr/>
+        <p:nvPr/>
+      </p:nvGrpSpPr>
+      <p:grpSpPr>
+        <a:xfrm>
+          <a:off x="0" y="0"/>
+          <a:ext cx="0" cy="0"/>
+          <a:chOff x="0" y="0"/>
+          <a:chExt cx="0" cy="0"/>
+        </a:xfrm>
+      </p:grpSpPr>
+      <p:sp>
+        <p:nvSpPr>
+          <p:cNvPr id="2" name="Slide Image Placeholder 1"/>
+          <p:cNvSpPr>
+            <a:spLocks noGrp="1" noRot="1" noChangeAspect="1"/>
+          </p:cNvSpPr>
+          <p:nvPr>
+            <p:ph type="sldImg"/>
+          </p:nvPr>
+        </p:nvSpPr>
+        <p:spPr/>
+      </p:sp>
+      <p:sp>
+        <p:nvSpPr>
+          <p:cNvPr id="3" name="Notes Placeholder 2"/>
+          <p:cNvSpPr>
+            <a:spLocks noGrp="1"/>
+          </p:cNvSpPr>
+          <p:nvPr>
+            <p:ph type="body" idx="1"/>
+          </p:nvPr>
+        </p:nvSpPr>
+        <p:spPr/>
+        <p:txBody>
+          <a:bodyPr/>
+          <a:lstStyle/>
+          <a:p>
+            <a:pPr eaLnBrk="1" hangingPunct="1"/>
+            <a:r>
+              <a:rPr lang="ru-RU" b="0" dirty="0" smtClean="0"/>
+              <a:t>Как видно из графика, стоимость исправления ошибок минимальна на стадиях дизайна и разработки</a:t>
+            </a:r>
+          </a:p>
+          <a:p>
+            <a:pPr eaLnBrk="1" hangingPunct="1"/>
+            <a:r>
+              <a:rPr lang="ru-RU" b="0" dirty="0" smtClean="0"/>
+              <a:t>Т.е. было бы неплохо обнаруживать большую часть ошибок до начала фазы тестирования</a:t>
+            </a:r>
+          </a:p>
+          <a:p>
+            <a:endParaRPr lang="en-US" dirty="0"/>
+          </a:p>
+        </p:txBody>
+      </p:sp>
+      <p:sp>
+        <p:nvSpPr>
+          <p:cNvPr id="4" name="Slide Number Placeholder 3"/>
+          <p:cNvSpPr>
+            <a:spLocks noGrp="1"/>
+          </p:cNvSpPr>
+          <p:nvPr>
+            <p:ph type="sldNum" sz="quarter" idx="10"/>
+          </p:nvPr>
+        </p:nvSpPr>
+        <p:spPr/>
+        <p:txBody>
+          <a:bodyPr/>
+          <a:lstStyle/>
+          <a:p>
+            <a:fld id="{3A3568CC-110C-4346-A0AE-B1FBECAA9176}" type="slidenum">
+              <a:rPr lang="en-US" smtClean="0"/>
+              <a:t>17</a:t>
+            </a:fld>
+            <a:endParaRPr lang="en-US"/>
+          </a:p>
+        </p:txBody>
+      </p:sp>
+    </p:spTree>
+    <p:extLst>
+      <p:ext uri="{BB962C8B-B14F-4D97-AF65-F5344CB8AC3E}">
+        <p14:creationId xmlns:p14="http://schemas.microsoft.com/office/powerpoint/2010/main" val="599945650"/>
+      </p:ext>
+    </p:extLst>
+  </p:cSld>
+  <p:clrMapOvr>
+    <a:masterClrMapping/>
+  </p:clrMapOvr>
+</p:notes>
+</file>
+
+<file path=ppt/notesSlides/notesSlide14.xml><?xml version="1.0" encoding="utf-8"?>
+<p:notes xmlns:a="http://schemas.openxmlformats.org/drawingml/2006/main" xmlns:r="http://schemas.openxmlformats.org/officeDocument/2006/relationships" xmlns:p="http://schemas.openxmlformats.org/presentationml/2006/main">
+  <p:cSld>
+    <p:spTree>
+      <p:nvGrpSpPr>
+        <p:cNvPr id="1" name=""/>
+        <p:cNvGrpSpPr/>
+        <p:nvPr/>
+      </p:nvGrpSpPr>
+      <p:grpSpPr>
+        <a:xfrm>
+          <a:off x="0" y="0"/>
+          <a:ext cx="0" cy="0"/>
+          <a:chOff x="0" y="0"/>
+          <a:chExt cx="0" cy="0"/>
+        </a:xfrm>
+      </p:grpSpPr>
+      <p:sp>
+        <p:nvSpPr>
+          <p:cNvPr id="2" name="Slide Image Placeholder 1"/>
+          <p:cNvSpPr>
+            <a:spLocks noGrp="1" noRot="1" noChangeAspect="1"/>
+          </p:cNvSpPr>
+          <p:nvPr>
+            <p:ph type="sldImg"/>
+          </p:nvPr>
+        </p:nvSpPr>
+        <p:spPr/>
+      </p:sp>
+      <p:sp>
+        <p:nvSpPr>
+          <p:cNvPr id="3" name="Notes Placeholder 2"/>
+          <p:cNvSpPr>
+            <a:spLocks noGrp="1"/>
+          </p:cNvSpPr>
+          <p:nvPr>
+            <p:ph type="body" idx="1"/>
+          </p:nvPr>
+        </p:nvSpPr>
+        <p:spPr/>
+        <p:txBody>
+          <a:bodyPr/>
+          <a:lstStyle/>
+          <a:p>
+            <a:pPr eaLnBrk="1" hangingPunct="1"/>
+            <a:r>
+              <a:rPr lang="ru-RU" b="0" dirty="0" smtClean="0"/>
+              <a:t>Однако технологии автоматизированного тестирования дизайна (верификации требований и спецификаций) только начинают появляться</a:t>
+            </a:r>
+          </a:p>
+          <a:p>
+            <a:pPr eaLnBrk="1" hangingPunct="1"/>
+            <a:r>
+              <a:rPr lang="ru-RU" b="0" dirty="0" smtClean="0"/>
+              <a:t>В то же время, автоматизированное тестирование кода является широко распространенной практикой</a:t>
+            </a:r>
+          </a:p>
+          <a:p>
+            <a:pPr marL="0" marR="0" indent="0" algn="l" defTabSz="457200" rtl="0" eaLnBrk="1" fontAlgn="auto" latinLnBrk="0" hangingPunct="1">
+              <a:lnSpc>
+                <a:spcPct val="100000"/>
+              </a:lnSpc>
+              <a:spcBef>
+                <a:spcPts val="0"/>
+              </a:spcBef>
+              <a:spcAft>
+                <a:spcPts val="0"/>
+              </a:spcAft>
+              <a:buClrTx/>
+              <a:buSzTx/>
+              <a:buFontTx/>
+              <a:buNone/>
+              <a:tabLst/>
+              <a:defRPr/>
+            </a:pPr>
+            <a:r>
+              <a:rPr lang="ru-RU" b="0" dirty="0" smtClean="0"/>
+              <a:t>Таким образом, процесс тестирования затрагивает все фазы производства ПО, однако не на всех фазах он может быть успешно автоматизирован</a:t>
+            </a:r>
+          </a:p>
+          <a:p>
+            <a:pPr eaLnBrk="1" hangingPunct="1"/>
+            <a:endParaRPr lang="ru-RU" b="0" dirty="0" smtClean="0"/>
+          </a:p>
+          <a:p>
+            <a:endParaRPr lang="en-US" dirty="0"/>
+          </a:p>
+        </p:txBody>
+      </p:sp>
+      <p:sp>
+        <p:nvSpPr>
+          <p:cNvPr id="4" name="Slide Number Placeholder 3"/>
+          <p:cNvSpPr>
+            <a:spLocks noGrp="1"/>
+          </p:cNvSpPr>
+          <p:nvPr>
+            <p:ph type="sldNum" sz="quarter" idx="10"/>
+          </p:nvPr>
+        </p:nvSpPr>
+        <p:spPr/>
+        <p:txBody>
+          <a:bodyPr/>
+          <a:lstStyle/>
+          <a:p>
+            <a:fld id="{3A3568CC-110C-4346-A0AE-B1FBECAA9176}" type="slidenum">
+              <a:rPr lang="en-US" smtClean="0"/>
+              <a:t>18</a:t>
+            </a:fld>
+            <a:endParaRPr lang="en-US"/>
+          </a:p>
+        </p:txBody>
+      </p:sp>
+    </p:spTree>
+    <p:extLst>
+      <p:ext uri="{BB962C8B-B14F-4D97-AF65-F5344CB8AC3E}">
+        <p14:creationId xmlns:p14="http://schemas.microsoft.com/office/powerpoint/2010/main" val="599945650"/>
+      </p:ext>
+    </p:extLst>
+  </p:cSld>
+  <p:clrMapOvr>
+    <a:masterClrMapping/>
+  </p:clrMapOvr>
+</p:notes>
+</file>
+
+<file path=ppt/notesSlides/notesSlide2.xml><?xml version="1.0" encoding="utf-8"?>
+<p:notes xmlns:a="http://schemas.openxmlformats.org/drawingml/2006/main" xmlns:r="http://schemas.openxmlformats.org/officeDocument/2006/relationships" xmlns:p="http://schemas.openxmlformats.org/presentationml/2006/main">
+  <p:cSld>
+    <p:spTree>
+      <p:nvGrpSpPr>
+        <p:cNvPr id="1" name=""/>
+        <p:cNvGrpSpPr/>
+        <p:nvPr/>
+      </p:nvGrpSpPr>
+      <p:grpSpPr>
+        <a:xfrm>
+          <a:off x="0" y="0"/>
+          <a:ext cx="0" cy="0"/>
+          <a:chOff x="0" y="0"/>
+          <a:chExt cx="0" cy="0"/>
+        </a:xfrm>
+      </p:grpSpPr>
+      <p:sp>
+        <p:nvSpPr>
+          <p:cNvPr id="2" name="Slide Image Placeholder 1"/>
+          <p:cNvSpPr>
+            <a:spLocks noGrp="1" noRot="1" noChangeAspect="1"/>
+          </p:cNvSpPr>
+          <p:nvPr>
+            <p:ph type="sldImg"/>
+          </p:nvPr>
+        </p:nvSpPr>
+        <p:spPr/>
+      </p:sp>
+      <p:sp>
+        <p:nvSpPr>
+          <p:cNvPr id="3" name="Notes Placeholder 2"/>
+          <p:cNvSpPr>
+            <a:spLocks noGrp="1"/>
+          </p:cNvSpPr>
+          <p:nvPr>
+            <p:ph type="body" idx="1"/>
+          </p:nvPr>
+        </p:nvSpPr>
+        <p:spPr/>
+        <p:txBody>
+          <a:bodyPr/>
+          <a:lstStyle/>
+          <a:p>
+            <a:pPr eaLnBrk="1" hangingPunct="1"/>
+            <a:r>
+              <a:rPr lang="ru-RU" dirty="0" smtClean="0"/>
+              <a:t>Тестирование</a:t>
+            </a:r>
+            <a:r>
+              <a:rPr lang="ru-RU" b="0" dirty="0" smtClean="0"/>
+              <a:t> является одним из наиболее устоявшихся способов обеспечения качества разработки программного обеспечения</a:t>
+            </a:r>
+          </a:p>
+          <a:p>
+            <a:pPr eaLnBrk="1" hangingPunct="1"/>
+            <a:r>
+              <a:rPr lang="ru-RU" b="0" dirty="0" smtClean="0"/>
+              <a:t>Оно является одним из эффективных средств современной системы обеспечения качества программного продукта</a:t>
+            </a:r>
+          </a:p>
+          <a:p>
+            <a:endParaRPr lang="en-US" dirty="0"/>
+          </a:p>
+        </p:txBody>
+      </p:sp>
+      <p:sp>
+        <p:nvSpPr>
+          <p:cNvPr id="4" name="Slide Number Placeholder 3"/>
+          <p:cNvSpPr>
+            <a:spLocks noGrp="1"/>
+          </p:cNvSpPr>
+          <p:nvPr>
+            <p:ph type="sldNum" sz="quarter" idx="10"/>
+          </p:nvPr>
+        </p:nvSpPr>
+        <p:spPr/>
+        <p:txBody>
+          <a:bodyPr/>
+          <a:lstStyle/>
+          <a:p>
+            <a:fld id="{3A3568CC-110C-4346-A0AE-B1FBECAA9176}" type="slidenum">
+              <a:rPr lang="en-US" smtClean="0"/>
+              <a:t>4</a:t>
+            </a:fld>
+            <a:endParaRPr lang="en-US"/>
+          </a:p>
+        </p:txBody>
+      </p:sp>
+    </p:spTree>
+    <p:extLst>
+      <p:ext uri="{BB962C8B-B14F-4D97-AF65-F5344CB8AC3E}">
+        <p14:creationId xmlns:p14="http://schemas.microsoft.com/office/powerpoint/2010/main" val="599945650"/>
+      </p:ext>
+    </p:extLst>
+  </p:cSld>
+  <p:clrMapOvr>
+    <a:masterClrMapping/>
+  </p:clrMapOvr>
+</p:notes>
+</file>
+
+<file path=ppt/notesSlides/notesSlide3.xml><?xml version="1.0" encoding="utf-8"?>
+<p:notes xmlns:a="http://schemas.openxmlformats.org/drawingml/2006/main" xmlns:r="http://schemas.openxmlformats.org/officeDocument/2006/relationships" xmlns:p="http://schemas.openxmlformats.org/presentationml/2006/main">
+  <p:cSld>
+    <p:spTree>
+      <p:nvGrpSpPr>
+        <p:cNvPr id="1" name=""/>
+        <p:cNvGrpSpPr/>
+        <p:nvPr/>
+      </p:nvGrpSpPr>
+      <p:grpSpPr>
+        <a:xfrm>
+          <a:off x="0" y="0"/>
+          <a:ext cx="0" cy="0"/>
+          <a:chOff x="0" y="0"/>
+          <a:chExt cx="0" cy="0"/>
+        </a:xfrm>
+      </p:grpSpPr>
+      <p:sp>
+        <p:nvSpPr>
+          <p:cNvPr id="2" name="Slide Image Placeholder 1"/>
+          <p:cNvSpPr>
+            <a:spLocks noGrp="1" noRot="1" noChangeAspect="1"/>
+          </p:cNvSpPr>
+          <p:nvPr>
+            <p:ph type="sldImg"/>
+          </p:nvPr>
+        </p:nvSpPr>
+        <p:spPr/>
+      </p:sp>
+      <p:sp>
+        <p:nvSpPr>
+          <p:cNvPr id="3" name="Notes Placeholder 2"/>
+          <p:cNvSpPr>
+            <a:spLocks noGrp="1"/>
+          </p:cNvSpPr>
+          <p:nvPr>
+            <p:ph type="body" idx="1"/>
+          </p:nvPr>
+        </p:nvSpPr>
+        <p:spPr/>
+        <p:txBody>
+          <a:bodyPr/>
+          <a:lstStyle/>
+          <a:p>
+            <a:endParaRPr lang="en-US" dirty="0"/>
+          </a:p>
+        </p:txBody>
+      </p:sp>
+      <p:sp>
+        <p:nvSpPr>
+          <p:cNvPr id="4" name="Slide Number Placeholder 3"/>
+          <p:cNvSpPr>
+            <a:spLocks noGrp="1"/>
+          </p:cNvSpPr>
+          <p:nvPr>
+            <p:ph type="sldNum" sz="quarter" idx="10"/>
+          </p:nvPr>
+        </p:nvSpPr>
+        <p:spPr/>
+        <p:txBody>
+          <a:bodyPr/>
+          <a:lstStyle/>
+          <a:p>
+            <a:fld id="{3A3568CC-110C-4346-A0AE-B1FBECAA9176}" type="slidenum">
+              <a:rPr lang="en-US" smtClean="0"/>
+              <a:t>5</a:t>
+            </a:fld>
+            <a:endParaRPr lang="en-US"/>
+          </a:p>
+        </p:txBody>
+      </p:sp>
+    </p:spTree>
+    <p:extLst>
+      <p:ext uri="{BB962C8B-B14F-4D97-AF65-F5344CB8AC3E}">
+        <p14:creationId xmlns:p14="http://schemas.microsoft.com/office/powerpoint/2010/main" val="599945650"/>
+      </p:ext>
+    </p:extLst>
+  </p:cSld>
+  <p:clrMapOvr>
+    <a:masterClrMapping/>
+  </p:clrMapOvr>
+</p:notes>
+</file>
+
+<file path=ppt/notesSlides/notesSlide4.xml><?xml version="1.0" encoding="utf-8"?>
+<p:notes xmlns:a="http://schemas.openxmlformats.org/drawingml/2006/main" xmlns:r="http://schemas.openxmlformats.org/officeDocument/2006/relationships" xmlns:p="http://schemas.openxmlformats.org/presentationml/2006/main">
+  <p:cSld>
+    <p:spTree>
+      <p:nvGrpSpPr>
+        <p:cNvPr id="1" name=""/>
+        <p:cNvGrpSpPr/>
+        <p:nvPr/>
+      </p:nvGrpSpPr>
+      <p:grpSpPr>
+        <a:xfrm>
+          <a:off x="0" y="0"/>
+          <a:ext cx="0" cy="0"/>
+          <a:chOff x="0" y="0"/>
+          <a:chExt cx="0" cy="0"/>
+        </a:xfrm>
+      </p:grpSpPr>
+      <p:sp>
+        <p:nvSpPr>
+          <p:cNvPr id="2" name="Slide Image Placeholder 1"/>
+          <p:cNvSpPr>
+            <a:spLocks noGrp="1" noRot="1" noChangeAspect="1"/>
+          </p:cNvSpPr>
+          <p:nvPr>
+            <p:ph type="sldImg"/>
+          </p:nvPr>
+        </p:nvSpPr>
+        <p:spPr/>
+      </p:sp>
+      <p:sp>
+        <p:nvSpPr>
+          <p:cNvPr id="3" name="Notes Placeholder 2"/>
+          <p:cNvSpPr>
+            <a:spLocks noGrp="1"/>
+          </p:cNvSpPr>
+          <p:nvPr>
+            <p:ph type="body" idx="1"/>
+          </p:nvPr>
+        </p:nvSpPr>
+        <p:spPr/>
+        <p:txBody>
+          <a:bodyPr/>
+          <a:lstStyle/>
+          <a:p>
+            <a:endParaRPr lang="en-US" dirty="0"/>
+          </a:p>
+        </p:txBody>
+      </p:sp>
+      <p:sp>
+        <p:nvSpPr>
+          <p:cNvPr id="4" name="Slide Number Placeholder 3"/>
+          <p:cNvSpPr>
+            <a:spLocks noGrp="1"/>
+          </p:cNvSpPr>
+          <p:nvPr>
+            <p:ph type="sldNum" sz="quarter" idx="10"/>
+          </p:nvPr>
+        </p:nvSpPr>
+        <p:spPr/>
+        <p:txBody>
+          <a:bodyPr/>
+          <a:lstStyle/>
+          <a:p>
+            <a:fld id="{3A3568CC-110C-4346-A0AE-B1FBECAA9176}" type="slidenum">
+              <a:rPr lang="en-US" smtClean="0"/>
+              <a:t>6</a:t>
+            </a:fld>
+            <a:endParaRPr lang="en-US"/>
+          </a:p>
+        </p:txBody>
+      </p:sp>
+    </p:spTree>
+    <p:extLst>
+      <p:ext uri="{BB962C8B-B14F-4D97-AF65-F5344CB8AC3E}">
+        <p14:creationId xmlns:p14="http://schemas.microsoft.com/office/powerpoint/2010/main" val="599945650"/>
+      </p:ext>
+    </p:extLst>
+  </p:cSld>
+  <p:clrMapOvr>
+    <a:masterClrMapping/>
+  </p:clrMapOvr>
+</p:notes>
+</file>
+
+<file path=ppt/notesSlides/notesSlide5.xml><?xml version="1.0" encoding="utf-8"?>
+<p:notes xmlns:a="http://schemas.openxmlformats.org/drawingml/2006/main" xmlns:r="http://schemas.openxmlformats.org/officeDocument/2006/relationships" xmlns:p="http://schemas.openxmlformats.org/presentationml/2006/main">
+  <p:cSld>
+    <p:spTree>
+      <p:nvGrpSpPr>
+        <p:cNvPr id="1" name=""/>
+        <p:cNvGrpSpPr/>
+        <p:nvPr/>
+      </p:nvGrpSpPr>
+      <p:grpSpPr>
+        <a:xfrm>
+          <a:off x="0" y="0"/>
+          <a:ext cx="0" cy="0"/>
+          <a:chOff x="0" y="0"/>
+          <a:chExt cx="0" cy="0"/>
+        </a:xfrm>
+      </p:grpSpPr>
+      <p:sp>
+        <p:nvSpPr>
+          <p:cNvPr id="2" name="Slide Image Placeholder 1"/>
+          <p:cNvSpPr>
+            <a:spLocks noGrp="1" noRot="1" noChangeAspect="1"/>
+          </p:cNvSpPr>
+          <p:nvPr>
+            <p:ph type="sldImg"/>
+          </p:nvPr>
+        </p:nvSpPr>
+        <p:spPr/>
+      </p:sp>
+      <p:sp>
+        <p:nvSpPr>
+          <p:cNvPr id="3" name="Notes Placeholder 2"/>
+          <p:cNvSpPr>
+            <a:spLocks noGrp="1"/>
+          </p:cNvSpPr>
+          <p:nvPr>
+            <p:ph type="body" idx="1"/>
+          </p:nvPr>
+        </p:nvSpPr>
+        <p:spPr/>
+        <p:txBody>
+          <a:bodyPr/>
+          <a:lstStyle/>
+          <a:p>
+            <a:pPr marL="0" marR="0" indent="0" algn="l" defTabSz="457200" rtl="0" eaLnBrk="1" fontAlgn="auto" latinLnBrk="0" hangingPunct="1">
+              <a:lnSpc>
+                <a:spcPct val="100000"/>
+              </a:lnSpc>
+              <a:spcBef>
+                <a:spcPts val="0"/>
+              </a:spcBef>
+              <a:spcAft>
+                <a:spcPts val="0"/>
+              </a:spcAft>
+              <a:buClrTx/>
+              <a:buSzTx/>
+              <a:buFontTx/>
+              <a:buNone/>
+              <a:tabLst/>
+              <a:defRPr/>
+            </a:pPr>
+            <a:r>
+              <a:rPr lang="ru-RU" b="0" dirty="0" smtClean="0"/>
+              <a:t>Каждый из участников может иметь различное представление о продукте и о том, насколько он хорош или плох (то есть о том, насколько высоко качество продукта)</a:t>
+            </a:r>
+          </a:p>
+          <a:p>
+            <a:endParaRPr lang="en-US" dirty="0"/>
+          </a:p>
+        </p:txBody>
+      </p:sp>
+      <p:sp>
+        <p:nvSpPr>
+          <p:cNvPr id="4" name="Slide Number Placeholder 3"/>
+          <p:cNvSpPr>
+            <a:spLocks noGrp="1"/>
+          </p:cNvSpPr>
+          <p:nvPr>
+            <p:ph type="sldNum" sz="quarter" idx="10"/>
+          </p:nvPr>
+        </p:nvSpPr>
+        <p:spPr/>
+        <p:txBody>
+          <a:bodyPr/>
+          <a:lstStyle/>
+          <a:p>
+            <a:fld id="{3A3568CC-110C-4346-A0AE-B1FBECAA9176}" type="slidenum">
+              <a:rPr lang="en-US" smtClean="0"/>
+              <a:t>7</a:t>
+            </a:fld>
+            <a:endParaRPr lang="en-US"/>
+          </a:p>
+        </p:txBody>
+      </p:sp>
+    </p:spTree>
+    <p:extLst>
+      <p:ext uri="{BB962C8B-B14F-4D97-AF65-F5344CB8AC3E}">
+        <p14:creationId xmlns:p14="http://schemas.microsoft.com/office/powerpoint/2010/main" val="599945650"/>
+      </p:ext>
+    </p:extLst>
+  </p:cSld>
+  <p:clrMapOvr>
+    <a:masterClrMapping/>
+  </p:clrMapOvr>
+</p:notes>
+</file>
+
+<file path=ppt/notesSlides/notesSlide6.xml><?xml version="1.0" encoding="utf-8"?>
+<p:notes xmlns:a="http://schemas.openxmlformats.org/drawingml/2006/main" xmlns:r="http://schemas.openxmlformats.org/officeDocument/2006/relationships" xmlns:p="http://schemas.openxmlformats.org/presentationml/2006/main">
+  <p:cSld>
+    <p:spTree>
+      <p:nvGrpSpPr>
+        <p:cNvPr id="1" name=""/>
+        <p:cNvGrpSpPr/>
+        <p:nvPr/>
+      </p:nvGrpSpPr>
+      <p:grpSpPr>
+        <a:xfrm>
+          <a:off x="0" y="0"/>
+          <a:ext cx="0" cy="0"/>
+          <a:chOff x="0" y="0"/>
+          <a:chExt cx="0" cy="0"/>
+        </a:xfrm>
+      </p:grpSpPr>
+      <p:sp>
+        <p:nvSpPr>
+          <p:cNvPr id="2" name="Slide Image Placeholder 1"/>
+          <p:cNvSpPr>
+            <a:spLocks noGrp="1" noRot="1" noChangeAspect="1"/>
+          </p:cNvSpPr>
+          <p:nvPr>
+            <p:ph type="sldImg"/>
+          </p:nvPr>
+        </p:nvSpPr>
+        <p:spPr/>
+      </p:sp>
+      <p:sp>
+        <p:nvSpPr>
+          <p:cNvPr id="3" name="Notes Placeholder 2"/>
+          <p:cNvSpPr>
+            <a:spLocks noGrp="1"/>
+          </p:cNvSpPr>
+          <p:nvPr>
+            <p:ph type="body" idx="1"/>
+          </p:nvPr>
+        </p:nvSpPr>
+        <p:spPr/>
+        <p:txBody>
+          <a:bodyPr/>
+          <a:lstStyle/>
+          <a:p>
+            <a:endParaRPr lang="en-US" dirty="0"/>
+          </a:p>
+        </p:txBody>
+      </p:sp>
+      <p:sp>
+        <p:nvSpPr>
+          <p:cNvPr id="4" name="Slide Number Placeholder 3"/>
+          <p:cNvSpPr>
+            <a:spLocks noGrp="1"/>
+          </p:cNvSpPr>
+          <p:nvPr>
+            <p:ph type="sldNum" sz="quarter" idx="10"/>
+          </p:nvPr>
+        </p:nvSpPr>
+        <p:spPr/>
+        <p:txBody>
+          <a:bodyPr/>
+          <a:lstStyle/>
+          <a:p>
+            <a:fld id="{3A3568CC-110C-4346-A0AE-B1FBECAA9176}" type="slidenum">
+              <a:rPr lang="en-US" smtClean="0"/>
+              <a:t>8</a:t>
+            </a:fld>
+            <a:endParaRPr lang="en-US"/>
+          </a:p>
+        </p:txBody>
+      </p:sp>
+    </p:spTree>
+    <p:extLst>
+      <p:ext uri="{BB962C8B-B14F-4D97-AF65-F5344CB8AC3E}">
+        <p14:creationId xmlns:p14="http://schemas.microsoft.com/office/powerpoint/2010/main" val="599945650"/>
+      </p:ext>
+    </p:extLst>
+  </p:cSld>
+  <p:clrMapOvr>
+    <a:masterClrMapping/>
+  </p:clrMapOvr>
+</p:notes>
+</file>
+
+<file path=ppt/notesSlides/notesSlide7.xml><?xml version="1.0" encoding="utf-8"?>
+<p:notes xmlns:a="http://schemas.openxmlformats.org/drawingml/2006/main" xmlns:r="http://schemas.openxmlformats.org/officeDocument/2006/relationships" xmlns:p="http://schemas.openxmlformats.org/presentationml/2006/main">
+  <p:cSld>
+    <p:spTree>
+      <p:nvGrpSpPr>
+        <p:cNvPr id="1" name=""/>
+        <p:cNvGrpSpPr/>
+        <p:nvPr/>
+      </p:nvGrpSpPr>
+      <p:grpSpPr>
+        <a:xfrm>
+          <a:off x="0" y="0"/>
+          <a:ext cx="0" cy="0"/>
+          <a:chOff x="0" y="0"/>
+          <a:chExt cx="0" cy="0"/>
+        </a:xfrm>
+      </p:grpSpPr>
+      <p:sp>
+        <p:nvSpPr>
+          <p:cNvPr id="2" name="Slide Image Placeholder 1"/>
+          <p:cNvSpPr>
+            <a:spLocks noGrp="1" noRot="1" noChangeAspect="1"/>
+          </p:cNvSpPr>
+          <p:nvPr>
+            <p:ph type="sldImg"/>
+          </p:nvPr>
+        </p:nvSpPr>
+        <p:spPr/>
+      </p:sp>
+      <p:sp>
+        <p:nvSpPr>
+          <p:cNvPr id="3" name="Notes Placeholder 2"/>
+          <p:cNvSpPr>
+            <a:spLocks noGrp="1"/>
+          </p:cNvSpPr>
+          <p:nvPr>
+            <p:ph type="body" idx="1"/>
+          </p:nvPr>
+        </p:nvSpPr>
+        <p:spPr/>
+        <p:txBody>
+          <a:bodyPr/>
+          <a:lstStyle/>
+          <a:p>
+            <a:pPr eaLnBrk="1" hangingPunct="1">
+              <a:buFont typeface="Wingdings" pitchFamily="2" charset="2"/>
+              <a:buNone/>
+            </a:pPr>
+            <a:r>
+              <a:rPr lang="ru-RU" dirty="0" smtClean="0"/>
+              <a:t>Системное тестирование</a:t>
+            </a:r>
+            <a:endParaRPr lang="en-US" dirty="0" smtClean="0"/>
+          </a:p>
+          <a:p>
+            <a:pPr eaLnBrk="1" hangingPunct="1">
+              <a:buFont typeface="Wingdings" pitchFamily="2" charset="2"/>
+              <a:buNone/>
+            </a:pPr>
+            <a:r>
+              <a:rPr lang="en-US" dirty="0" smtClean="0"/>
+              <a:t>(</a:t>
+            </a:r>
+            <a:r>
+              <a:rPr lang="ru-RU" dirty="0" smtClean="0"/>
+              <a:t>System Testing):</a:t>
+            </a:r>
+            <a:endParaRPr lang="en-US" dirty="0" smtClean="0"/>
+          </a:p>
+          <a:p>
+            <a:pPr eaLnBrk="1" hangingPunct="1"/>
+            <a:r>
+              <a:rPr lang="ru-RU" b="0" dirty="0" smtClean="0"/>
+              <a:t>Основной задачей системного тестирования является проверка как функциональных, так и нефункциональных требований в системе в целом</a:t>
+            </a:r>
+          </a:p>
+          <a:p>
+            <a:endParaRPr lang="en-US" dirty="0"/>
+          </a:p>
+        </p:txBody>
+      </p:sp>
+      <p:sp>
+        <p:nvSpPr>
+          <p:cNvPr id="4" name="Slide Number Placeholder 3"/>
+          <p:cNvSpPr>
+            <a:spLocks noGrp="1"/>
+          </p:cNvSpPr>
+          <p:nvPr>
+            <p:ph type="sldNum" sz="quarter" idx="10"/>
+          </p:nvPr>
+        </p:nvSpPr>
+        <p:spPr/>
+        <p:txBody>
+          <a:bodyPr/>
+          <a:lstStyle/>
+          <a:p>
+            <a:fld id="{3A3568CC-110C-4346-A0AE-B1FBECAA9176}" type="slidenum">
+              <a:rPr lang="en-US" smtClean="0"/>
+              <a:t>10</a:t>
+            </a:fld>
+            <a:endParaRPr lang="en-US"/>
+          </a:p>
+        </p:txBody>
+      </p:sp>
+    </p:spTree>
+    <p:extLst>
+      <p:ext uri="{BB962C8B-B14F-4D97-AF65-F5344CB8AC3E}">
+        <p14:creationId xmlns:p14="http://schemas.microsoft.com/office/powerpoint/2010/main" val="599945650"/>
+      </p:ext>
+    </p:extLst>
+  </p:cSld>
+  <p:clrMapOvr>
+    <a:masterClrMapping/>
+  </p:clrMapOvr>
+</p:notes>
+</file>
+
+<file path=ppt/notesSlides/notesSlide8.xml><?xml version="1.0" encoding="utf-8"?>
+<p:notes xmlns:a="http://schemas.openxmlformats.org/drawingml/2006/main" xmlns:r="http://schemas.openxmlformats.org/officeDocument/2006/relationships" xmlns:p="http://schemas.openxmlformats.org/presentationml/2006/main">
+  <p:cSld>
+    <p:spTree>
+      <p:nvGrpSpPr>
+        <p:cNvPr id="1" name=""/>
+        <p:cNvGrpSpPr/>
+        <p:nvPr/>
+      </p:nvGrpSpPr>
+      <p:grpSpPr>
+        <a:xfrm>
+          <a:off x="0" y="0"/>
+          <a:ext cx="0" cy="0"/>
+          <a:chOff x="0" y="0"/>
+          <a:chExt cx="0" cy="0"/>
+        </a:xfrm>
+      </p:grpSpPr>
+      <p:sp>
+        <p:nvSpPr>
+          <p:cNvPr id="2" name="Slide Image Placeholder 1"/>
+          <p:cNvSpPr>
+            <a:spLocks noGrp="1" noRot="1" noChangeAspect="1"/>
+          </p:cNvSpPr>
+          <p:nvPr>
+            <p:ph type="sldImg"/>
+          </p:nvPr>
+        </p:nvSpPr>
+        <p:spPr/>
+      </p:sp>
+      <p:sp>
+        <p:nvSpPr>
+          <p:cNvPr id="3" name="Notes Placeholder 2"/>
+          <p:cNvSpPr>
+            <a:spLocks noGrp="1"/>
+          </p:cNvSpPr>
+          <p:nvPr>
+            <p:ph type="body" idx="1"/>
+          </p:nvPr>
+        </p:nvSpPr>
+        <p:spPr/>
+        <p:txBody>
+          <a:bodyPr/>
+          <a:lstStyle/>
+          <a:p>
+            <a:pPr eaLnBrk="1" hangingPunct="1">
+              <a:buFont typeface="Wingdings" pitchFamily="2" charset="2"/>
+              <a:buNone/>
+            </a:pPr>
+            <a:r>
+              <a:rPr lang="ru-RU" dirty="0" smtClean="0"/>
+              <a:t>Системное тестирование</a:t>
+            </a:r>
+            <a:endParaRPr lang="en-US" dirty="0" smtClean="0"/>
+          </a:p>
+          <a:p>
+            <a:pPr eaLnBrk="1" hangingPunct="1">
+              <a:buFont typeface="Wingdings" pitchFamily="2" charset="2"/>
+              <a:buNone/>
+            </a:pPr>
+            <a:r>
+              <a:rPr lang="en-US" dirty="0" smtClean="0"/>
+              <a:t>(</a:t>
+            </a:r>
+            <a:r>
+              <a:rPr lang="ru-RU" dirty="0" smtClean="0"/>
+              <a:t>System Testing):</a:t>
+            </a:r>
+            <a:endParaRPr lang="en-US" dirty="0" smtClean="0"/>
+          </a:p>
+          <a:p>
+            <a:pPr eaLnBrk="1" hangingPunct="1"/>
+            <a:r>
+              <a:rPr lang="ru-RU" b="0" dirty="0" smtClean="0"/>
+              <a:t>Основной задачей системного тестирования является проверка как функциональных, так и нефункциональных требований в системе в целом</a:t>
+            </a:r>
+          </a:p>
+          <a:p>
+            <a:endParaRPr lang="en-US" dirty="0"/>
+          </a:p>
+        </p:txBody>
+      </p:sp>
+      <p:sp>
+        <p:nvSpPr>
+          <p:cNvPr id="4" name="Slide Number Placeholder 3"/>
+          <p:cNvSpPr>
+            <a:spLocks noGrp="1"/>
+          </p:cNvSpPr>
+          <p:nvPr>
+            <p:ph type="sldNum" sz="quarter" idx="10"/>
+          </p:nvPr>
+        </p:nvSpPr>
+        <p:spPr/>
+        <p:txBody>
+          <a:bodyPr/>
+          <a:lstStyle/>
+          <a:p>
+            <a:fld id="{3A3568CC-110C-4346-A0AE-B1FBECAA9176}" type="slidenum">
+              <a:rPr lang="en-US" smtClean="0"/>
+              <a:t>11</a:t>
+            </a:fld>
+            <a:endParaRPr lang="en-US"/>
+          </a:p>
+        </p:txBody>
+      </p:sp>
+    </p:spTree>
+    <p:extLst>
+      <p:ext uri="{BB962C8B-B14F-4D97-AF65-F5344CB8AC3E}">
+        <p14:creationId xmlns:p14="http://schemas.microsoft.com/office/powerpoint/2010/main" val="599945650"/>
+      </p:ext>
+    </p:extLst>
+  </p:cSld>
+  <p:clrMapOvr>
+    <a:masterClrMapping/>
+  </p:clrMapOvr>
+</p:notes>
+</file>
+
+<file path=ppt/notesSlides/notesSlide9.xml><?xml version="1.0" encoding="utf-8"?>
+<p:notes xmlns:a="http://schemas.openxmlformats.org/drawingml/2006/main" xmlns:r="http://schemas.openxmlformats.org/officeDocument/2006/relationships" xmlns:p="http://schemas.openxmlformats.org/presentationml/2006/main">
+  <p:cSld>
+    <p:spTree>
+      <p:nvGrpSpPr>
+        <p:cNvPr id="1" name=""/>
+        <p:cNvGrpSpPr/>
+        <p:nvPr/>
+      </p:nvGrpSpPr>
+      <p:grpSpPr>
+        <a:xfrm>
+          <a:off x="0" y="0"/>
+          <a:ext cx="0" cy="0"/>
+          <a:chOff x="0" y="0"/>
+          <a:chExt cx="0" cy="0"/>
+        </a:xfrm>
+      </p:grpSpPr>
+      <p:sp>
+        <p:nvSpPr>
+          <p:cNvPr id="2" name="Slide Image Placeholder 1"/>
+          <p:cNvSpPr>
+            <a:spLocks noGrp="1" noRot="1" noChangeAspect="1"/>
+          </p:cNvSpPr>
+          <p:nvPr>
+            <p:ph type="sldImg"/>
+          </p:nvPr>
+        </p:nvSpPr>
+        <p:spPr/>
+      </p:sp>
+      <p:sp>
+        <p:nvSpPr>
+          <p:cNvPr id="3" name="Notes Placeholder 2"/>
+          <p:cNvSpPr>
+            <a:spLocks noGrp="1"/>
+          </p:cNvSpPr>
+          <p:nvPr>
+            <p:ph type="body" idx="1"/>
+          </p:nvPr>
+        </p:nvSpPr>
+        <p:spPr/>
+        <p:txBody>
+          <a:bodyPr/>
+          <a:lstStyle/>
+          <a:p>
+            <a:pPr eaLnBrk="1" hangingPunct="1"/>
+            <a:r>
+              <a:rPr lang="ru-RU" b="0" dirty="0" smtClean="0"/>
+              <a:t>Для минимизации рисков, связанных с особенностями поведения в системы в той или иной среде, во время тестирования рекомендуется использовать окружение максимально приближенное к тому, на которое будет установлен продукт после выдачи</a:t>
+            </a:r>
+          </a:p>
+          <a:p>
+            <a:endParaRPr lang="en-US" dirty="0"/>
+          </a:p>
+        </p:txBody>
+      </p:sp>
+      <p:sp>
+        <p:nvSpPr>
+          <p:cNvPr id="4" name="Slide Number Placeholder 3"/>
+          <p:cNvSpPr>
+            <a:spLocks noGrp="1"/>
+          </p:cNvSpPr>
+          <p:nvPr>
+            <p:ph type="sldNum" sz="quarter" idx="10"/>
+          </p:nvPr>
+        </p:nvSpPr>
+        <p:spPr/>
+        <p:txBody>
+          <a:bodyPr/>
+          <a:lstStyle/>
+          <a:p>
+            <a:fld id="{3A3568CC-110C-4346-A0AE-B1FBECAA9176}" type="slidenum">
+              <a:rPr lang="en-US" smtClean="0"/>
+              <a:t>12</a:t>
+            </a:fld>
+            <a:endParaRPr lang="en-US"/>
+          </a:p>
+        </p:txBody>
+      </p:sp>
+    </p:spTree>
+    <p:extLst>
+      <p:ext uri="{BB962C8B-B14F-4D97-AF65-F5344CB8AC3E}">
+        <p14:creationId xmlns:p14="http://schemas.microsoft.com/office/powerpoint/2010/main" val="599945650"/>
+      </p:ext>
+    </p:extLst>
+  </p:cSld>
+  <p:clrMapOvr>
+    <a:masterClrMapping/>
+  </p:clrMapOvr>
+</p:notes>
+</file>
+
 <file path=ppt/slideLayouts/slideLayout1.xml><?xml version="1.0" encoding="utf-8"?>
 <p:sldLayout xmlns:a="http://schemas.openxmlformats.org/drawingml/2006/main" xmlns:r="http://schemas.openxmlformats.org/officeDocument/2006/relationships" xmlns:p="http://schemas.openxmlformats.org/presentationml/2006/main" type="title" preserve="1">
   <p:cSld name="Title Slide">
@@ -760,7 +2044,7 @@
           <a:p>
             <a:fld id="{7793EDCB-5B64-3143-AFED-AA1357A092FA}" type="datetimeFigureOut">
               <a:rPr lang="en-US" smtClean="0"/>
-              <a:t>8/4/12</a:t>
+              <a:t>11/1/12</a:t>
             </a:fld>
             <a:endParaRPr lang="en-US"/>
           </a:p>
@@ -930,7 +2214,7 @@
           <a:p>
             <a:fld id="{7793EDCB-5B64-3143-AFED-AA1357A092FA}" type="datetimeFigureOut">
               <a:rPr lang="en-US" smtClean="0"/>
-              <a:t>8/4/12</a:t>
+              <a:t>11/1/12</a:t>
             </a:fld>
             <a:endParaRPr lang="en-US"/>
           </a:p>
@@ -1110,7 +2394,7 @@
           <a:p>
             <a:fld id="{7793EDCB-5B64-3143-AFED-AA1357A092FA}" type="datetimeFigureOut">
               <a:rPr lang="en-US" smtClean="0"/>
-              <a:t>8/4/12</a:t>
+              <a:t>11/1/12</a:t>
             </a:fld>
             <a:endParaRPr lang="en-US"/>
           </a:p>
@@ -4153,7 +5437,7 @@
           <a:p>
             <a:fld id="{7793EDCB-5B64-3143-AFED-AA1357A092FA}" type="datetimeFigureOut">
               <a:rPr lang="en-US" smtClean="0"/>
-              <a:t>8/4/12</a:t>
+              <a:t>11/1/12</a:t>
             </a:fld>
             <a:endParaRPr lang="en-US"/>
           </a:p>
@@ -6845,7 +8129,7 @@
                   <a:spcPct val="0"/>
                 </a:spcAft>
               </a:pPr>
-              <a:t>8/4/12</a:t>
+              <a:t>11/1/12</a:t>
             </a:fld>
             <a:endParaRPr lang="ru-RU">
               <a:solidFill>
@@ -7206,7 +8490,7 @@
           <a:p>
             <a:fld id="{7793EDCB-5B64-3143-AFED-AA1357A092FA}" type="datetimeFigureOut">
               <a:rPr lang="en-US" smtClean="0"/>
-              <a:t>8/4/12</a:t>
+              <a:t>11/1/12</a:t>
             </a:fld>
             <a:endParaRPr lang="en-US"/>
           </a:p>
@@ -12176,7 +13460,7 @@
           <a:p>
             <a:fld id="{7793EDCB-5B64-3143-AFED-AA1357A092FA}" type="datetimeFigureOut">
               <a:rPr lang="en-US" smtClean="0"/>
-              <a:t>8/4/12</a:t>
+              <a:t>11/1/12</a:t>
             </a:fld>
             <a:endParaRPr lang="en-US"/>
           </a:p>
@@ -13302,6 +14586,137 @@
 </p:sldLayout>
 </file>
 
+<file path=ppt/slideLayouts/slideLayout44.xml><?xml version="1.0" encoding="utf-8"?>
+<p:sldLayout xmlns:a="http://schemas.openxmlformats.org/drawingml/2006/main" xmlns:r="http://schemas.openxmlformats.org/officeDocument/2006/relationships" xmlns:p="http://schemas.openxmlformats.org/presentationml/2006/main" type="titleOnly">
+  <p:cSld name="Title Only">
+    <p:spTree>
+      <p:nvGrpSpPr>
+        <p:cNvPr id="1" name=""/>
+        <p:cNvGrpSpPr/>
+        <p:nvPr/>
+      </p:nvGrpSpPr>
+      <p:grpSpPr>
+        <a:xfrm>
+          <a:off x="0" y="0"/>
+          <a:ext cx="0" cy="0"/>
+          <a:chOff x="0" y="0"/>
+          <a:chExt cx="0" cy="0"/>
+        </a:xfrm>
+      </p:grpSpPr>
+      <p:sp>
+        <p:nvSpPr>
+          <p:cNvPr id="2" name="Title 1"/>
+          <p:cNvSpPr>
+            <a:spLocks noGrp="1"/>
+          </p:cNvSpPr>
+          <p:nvPr>
+            <p:ph type="title"/>
+          </p:nvPr>
+        </p:nvSpPr>
+        <p:spPr/>
+        <p:txBody>
+          <a:bodyPr/>
+          <a:lstStyle/>
+          <a:p>
+            <a:r>
+              <a:rPr lang="en-US" smtClean="0"/>
+              <a:t>Click to edit Master title style</a:t>
+            </a:r>
+            <a:endParaRPr lang="ru-RU"/>
+          </a:p>
+        </p:txBody>
+      </p:sp>
+      <p:sp>
+        <p:nvSpPr>
+          <p:cNvPr id="3" name="doc id"/>
+          <p:cNvSpPr>
+            <a:spLocks noGrp="1" noChangeArrowheads="1"/>
+          </p:cNvSpPr>
+          <p:nvPr>
+            <p:ph type="ftr" sz="quarter" idx="10"/>
+          </p:nvPr>
+        </p:nvSpPr>
+        <p:spPr>
+          <a:xfrm>
+            <a:off x="8613775" y="36513"/>
+            <a:ext cx="301625" cy="125412"/>
+          </a:xfrm>
+          <a:prstGeom prst="rect">
+            <a:avLst/>
+          </a:prstGeom>
+        </p:spPr>
+        <p:txBody>
+          <a:bodyPr lIns="93296" tIns="46648" rIns="93296" bIns="46648"/>
+          <a:lstStyle>
+            <a:lvl1pPr>
+              <a:defRPr>
+                <a:latin typeface="Arial" pitchFamily="34" charset="0"/>
+                <a:ea typeface="+mn-ea"/>
+                <a:cs typeface="Arial" pitchFamily="34" charset="0"/>
+              </a:defRPr>
+            </a:lvl1pPr>
+          </a:lstStyle>
+          <a:p>
+            <a:pPr>
+              <a:defRPr/>
+            </a:pPr>
+            <a:endParaRPr lang="ru-RU"/>
+          </a:p>
+        </p:txBody>
+      </p:sp>
+      <p:sp>
+        <p:nvSpPr>
+          <p:cNvPr id="4" name="Rectangle 6"/>
+          <p:cNvSpPr>
+            <a:spLocks noGrp="1" noChangeArrowheads="1"/>
+          </p:cNvSpPr>
+          <p:nvPr>
+            <p:ph type="sldNum" sz="quarter" idx="11"/>
+          </p:nvPr>
+        </p:nvSpPr>
+        <p:spPr>
+          <a:xfrm>
+            <a:off x="7597775" y="6551613"/>
+            <a:ext cx="1511300" cy="333375"/>
+          </a:xfrm>
+          <a:prstGeom prst="rect">
+            <a:avLst/>
+          </a:prstGeom>
+        </p:spPr>
+        <p:txBody>
+          <a:bodyPr vert="horz" wrap="square" lIns="91440" tIns="45720" rIns="91440" bIns="45720" numCol="1" anchor="t" anchorCtr="0" compatLnSpc="1">
+            <a:prstTxWarp prst="textNoShape">
+              <a:avLst/>
+            </a:prstTxWarp>
+          </a:bodyPr>
+          <a:lstStyle>
+            <a:lvl1pPr>
+              <a:defRPr/>
+            </a:lvl1pPr>
+          </a:lstStyle>
+          <a:p>
+            <a:fld id="{E3313FD0-C96E-C740-ABC8-745704B6E7B1}" type="slidenum">
+              <a:rPr lang="en-US"/>
+              <a:pPr/>
+              <a:t>‹#›</a:t>
+            </a:fld>
+            <a:endParaRPr lang="en-US"/>
+          </a:p>
+        </p:txBody>
+      </p:sp>
+    </p:spTree>
+    <p:extLst>
+      <p:ext uri="{BB962C8B-B14F-4D97-AF65-F5344CB8AC3E}">
+        <p14:creationId xmlns:p14="http://schemas.microsoft.com/office/powerpoint/2010/main" val="91492496"/>
+      </p:ext>
+    </p:extLst>
+  </p:cSld>
+  <p:clrMapOvr>
+    <a:masterClrMapping/>
+  </p:clrMapOvr>
+</p:sldLayout>
+</file>
+
 <file path=ppt/slideLayouts/slideLayout5.xml><?xml version="1.0" encoding="utf-8"?>
 <p:sldLayout xmlns:a="http://schemas.openxmlformats.org/drawingml/2006/main" xmlns:r="http://schemas.openxmlformats.org/officeDocument/2006/relationships" xmlns:p="http://schemas.openxmlformats.org/presentationml/2006/main" type="twoTxTwoObj" preserve="1">
   <p:cSld name="Comparison">
@@ -13663,7 +15078,7 @@
           <a:p>
             <a:fld id="{7793EDCB-5B64-3143-AFED-AA1357A092FA}" type="datetimeFigureOut">
               <a:rPr lang="en-US" smtClean="0"/>
-              <a:t>8/4/12</a:t>
+              <a:t>11/1/12</a:t>
             </a:fld>
             <a:endParaRPr lang="en-US"/>
           </a:p>
@@ -13781,7 +15196,7 @@
           <a:p>
             <a:fld id="{7793EDCB-5B64-3143-AFED-AA1357A092FA}" type="datetimeFigureOut">
               <a:rPr lang="en-US" smtClean="0"/>
-              <a:t>8/4/12</a:t>
+              <a:t>11/1/12</a:t>
             </a:fld>
             <a:endParaRPr lang="en-US"/>
           </a:p>
@@ -13876,7 +15291,7 @@
           <a:p>
             <a:fld id="{7793EDCB-5B64-3143-AFED-AA1357A092FA}" type="datetimeFigureOut">
               <a:rPr lang="en-US" smtClean="0"/>
-              <a:t>8/4/12</a:t>
+              <a:t>11/1/12</a:t>
             </a:fld>
             <a:endParaRPr lang="en-US"/>
           </a:p>
@@ -14153,7 +15568,7 @@
           <a:p>
             <a:fld id="{7793EDCB-5B64-3143-AFED-AA1357A092FA}" type="datetimeFigureOut">
               <a:rPr lang="en-US" smtClean="0"/>
-              <a:t>8/4/12</a:t>
+              <a:t>11/1/12</a:t>
             </a:fld>
             <a:endParaRPr lang="en-US"/>
           </a:p>
@@ -14406,7 +15821,7 @@
           <a:p>
             <a:fld id="{7793EDCB-5B64-3143-AFED-AA1357A092FA}" type="datetimeFigureOut">
               <a:rPr lang="en-US" smtClean="0"/>
-              <a:t>8/4/12</a:t>
+              <a:t>11/1/12</a:t>
             </a:fld>
             <a:endParaRPr lang="en-US"/>
           </a:p>
@@ -14619,7 +16034,7 @@
           <a:p>
             <a:fld id="{7793EDCB-5B64-3143-AFED-AA1357A092FA}" type="datetimeFigureOut">
               <a:rPr lang="en-US" smtClean="0"/>
-              <a:t>8/4/12</a:t>
+              <a:t>11/1/12</a:t>
             </a:fld>
             <a:endParaRPr lang="en-US"/>
           </a:p>
@@ -16701,7 +18116,7 @@
           <p:nvPr userDrawn="1"/>
         </p:nvPicPr>
         <p:blipFill>
-          <a:blip r:embed="rId13">
+          <a:blip r:embed="rId14">
             <a:extLst>
               <a:ext uri="{28A0092B-C50C-407E-A947-70E740481C1C}">
                 <a14:useLocalDpi xmlns:a14="http://schemas.microsoft.com/office/drawing/2010/main" val="0"/>
@@ -16761,6 +18176,7 @@
     <p:sldLayoutId id="2147483703" r:id="rId9"/>
     <p:sldLayoutId id="2147483704" r:id="rId10"/>
     <p:sldLayoutId id="2147483705" r:id="rId11"/>
+    <p:sldLayoutId id="2147483706" r:id="rId12"/>
   </p:sldLayoutIdLst>
   <p:transition xmlns:p14="http://schemas.microsoft.com/office/powerpoint/2010/main" spd="slow">
     <p:fade/>
@@ -17295,7 +18711,7 @@
       </p:grpSpPr>
       <p:sp>
         <p:nvSpPr>
-          <p:cNvPr id="9221" name="Title 1"/>
+          <p:cNvPr id="2" name="Title 1"/>
           <p:cNvSpPr>
             <a:spLocks noGrp="1"/>
           </p:cNvSpPr>
@@ -17309,79 +18725,208 @@
           <a:lstStyle/>
           <a:p>
             <a:r>
-              <a:rPr lang="ru-RU" dirty="0">
-                <a:solidFill>
-                  <a:srgbClr val="161645"/>
-                </a:solidFill>
-                <a:latin typeface="Arial" charset="0"/>
-              </a:rPr>
-              <a:t>Почему автоматизированные тесты?</a:t>
-            </a:r>
-          </a:p>
-        </p:txBody>
-      </p:sp>
-      <p:sp>
-        <p:nvSpPr>
-          <p:cNvPr id="5" name="TextBox 4"/>
-          <p:cNvSpPr txBox="1"/>
-          <p:nvPr/>
-        </p:nvSpPr>
-        <p:spPr>
+              <a:rPr lang="ru-RU" dirty="0"/>
+              <a:t>Уровни тестирования</a:t>
+            </a:r>
+            <a:endParaRPr lang="en-US" dirty="0"/>
+          </a:p>
+        </p:txBody>
+      </p:sp>
+      <p:sp>
+        <p:nvSpPr>
+          <p:cNvPr id="5" name="Rectangle 4"/>
+          <p:cNvSpPr>
+            <a:spLocks noChangeArrowheads="1"/>
+          </p:cNvSpPr>
+          <p:nvPr>
+            <p:custDataLst>
+              <p:tags r:id="rId1"/>
+            </p:custDataLst>
+          </p:nvPr>
+        </p:nvSpPr>
+        <p:spPr bwMode="auto">
           <a:xfrm>
-            <a:off x="8731250" y="6683375"/>
-            <a:ext cx="184666" cy="369332"/>
+            <a:off x="1257300" y="2201198"/>
+            <a:ext cx="6629400" cy="2455605"/>
           </a:xfrm>
           <a:prstGeom prst="rect">
             <a:avLst/>
           </a:prstGeom>
           <a:noFill/>
+          <a:ln w="19050">
+            <a:noFill/>
+            <a:miter lim="800000"/>
+            <a:headEnd/>
+            <a:tailEnd/>
+          </a:ln>
         </p:spPr>
         <p:txBody>
-          <a:bodyPr wrap="none" rtlCol="0">
+          <a:bodyPr wrap="square" lIns="93296" tIns="144000" rIns="93296" bIns="93296">
             <a:spAutoFit/>
           </a:bodyPr>
           <a:lstStyle/>
           <a:p>
-            <a:endParaRPr lang="en-US" dirty="0"/>
-          </a:p>
-        </p:txBody>
-      </p:sp>
-      <p:pic>
-        <p:nvPicPr>
-          <p:cNvPr id="6" name="Picture 5"/>
-          <p:cNvPicPr>
-            <a:picLocks noChangeAspect="1"/>
-          </p:cNvPicPr>
-          <p:nvPr/>
-        </p:nvPicPr>
-        <p:blipFill rotWithShape="1">
-          <a:blip r:embed="rId2"/>
-          <a:srcRect l="2924" t="14583" r="2470" b="9747"/>
-          <a:stretch/>
-        </p:blipFill>
-        <p:spPr>
-          <a:xfrm>
-            <a:off x="267368" y="1287529"/>
-            <a:ext cx="8648548" cy="5189471"/>
-          </a:xfrm>
-          <a:prstGeom prst="rect">
-            <a:avLst/>
-          </a:prstGeom>
-        </p:spPr>
-      </p:pic>
+            <a:pPr marL="287338" indent="-287338" defTabSz="803275">
+              <a:buClr>
+                <a:srgbClr val="FF6600"/>
+              </a:buClr>
+              <a:buSzPct val="125000"/>
+              <a:buFont typeface="Wingdings" charset="0"/>
+              <a:buChar char="§"/>
+            </a:pPr>
+            <a:r>
+              <a:rPr lang="en-US" dirty="0">
+                <a:solidFill>
+                  <a:schemeClr val="accent4"/>
+                </a:solidFill>
+              </a:rPr>
+              <a:t>C</a:t>
+            </a:r>
+            <a:r>
+              <a:rPr lang="ru-RU" dirty="0" smtClean="0">
+                <a:solidFill>
+                  <a:schemeClr val="accent4"/>
+                </a:solidFill>
+              </a:rPr>
+              <a:t>истемное </a:t>
+            </a:r>
+            <a:r>
+              <a:rPr lang="ru-RU" dirty="0">
+                <a:solidFill>
+                  <a:schemeClr val="accent4"/>
+                </a:solidFill>
+              </a:rPr>
+              <a:t>тестирование, в ходе которого тестируется система в </a:t>
+            </a:r>
+            <a:r>
+              <a:rPr lang="ru-RU" dirty="0" smtClean="0">
+                <a:solidFill>
+                  <a:schemeClr val="accent4"/>
+                </a:solidFill>
+              </a:rPr>
+              <a:t>целом</a:t>
+            </a:r>
+            <a:endParaRPr lang="en-US" dirty="0" smtClean="0">
+              <a:solidFill>
+                <a:schemeClr val="accent4"/>
+              </a:solidFill>
+            </a:endParaRPr>
+          </a:p>
+          <a:p>
+            <a:pPr marL="287338" indent="-287338" defTabSz="803275">
+              <a:buClr>
+                <a:srgbClr val="FF6600"/>
+              </a:buClr>
+              <a:buSzPct val="125000"/>
+              <a:buFont typeface="Wingdings" charset="0"/>
+              <a:buChar char="§"/>
+            </a:pPr>
+            <a:endParaRPr lang="ru-RU" dirty="0">
+              <a:solidFill>
+                <a:schemeClr val="accent4"/>
+              </a:solidFill>
+            </a:endParaRPr>
+          </a:p>
+          <a:p>
+            <a:pPr marL="287338" indent="-287338" defTabSz="803275">
+              <a:buClr>
+                <a:srgbClr val="FF6600"/>
+              </a:buClr>
+              <a:buSzPct val="125000"/>
+              <a:buFont typeface="Wingdings" charset="0"/>
+              <a:buChar char="§"/>
+            </a:pPr>
+            <a:r>
+              <a:rPr lang="ru-RU" dirty="0">
+                <a:solidFill>
+                  <a:schemeClr val="accent4"/>
+                </a:solidFill>
+              </a:rPr>
+              <a:t>И</a:t>
+            </a:r>
+            <a:r>
+              <a:rPr lang="ru-RU" dirty="0" smtClean="0">
+                <a:solidFill>
+                  <a:schemeClr val="accent4"/>
+                </a:solidFill>
+              </a:rPr>
+              <a:t>нтеграционное </a:t>
+            </a:r>
+            <a:r>
+              <a:rPr lang="ru-RU" dirty="0">
+                <a:solidFill>
+                  <a:schemeClr val="accent4"/>
+                </a:solidFill>
+              </a:rPr>
+              <a:t>тестирование, в ходе которого тестируются группы взаимодействующих модулей и компонент </a:t>
+            </a:r>
+            <a:r>
+              <a:rPr lang="ru-RU" dirty="0" smtClean="0">
+                <a:solidFill>
+                  <a:schemeClr val="accent4"/>
+                </a:solidFill>
+              </a:rPr>
+              <a:t>системы</a:t>
+            </a:r>
+            <a:endParaRPr lang="ru-RU" dirty="0" smtClean="0">
+              <a:solidFill>
+                <a:schemeClr val="accent4"/>
+              </a:solidFill>
+            </a:endParaRPr>
+          </a:p>
+          <a:p>
+            <a:pPr marL="287338" indent="-287338" defTabSz="803275">
+              <a:buClr>
+                <a:srgbClr val="FF6600"/>
+              </a:buClr>
+              <a:buSzPct val="125000"/>
+              <a:buFont typeface="Wingdings" charset="0"/>
+              <a:buChar char="§"/>
+            </a:pPr>
+            <a:endParaRPr lang="ru-RU" dirty="0">
+              <a:solidFill>
+                <a:schemeClr val="accent4"/>
+              </a:solidFill>
+            </a:endParaRPr>
+          </a:p>
+          <a:p>
+            <a:pPr marL="287338" indent="-287338" defTabSz="803275">
+              <a:buClr>
+                <a:srgbClr val="FF6600"/>
+              </a:buClr>
+              <a:buSzPct val="125000"/>
+              <a:buFont typeface="Wingdings" charset="0"/>
+              <a:buChar char="§"/>
+            </a:pPr>
+            <a:r>
+              <a:rPr lang="ru-RU" dirty="0" smtClean="0">
+                <a:solidFill>
+                  <a:schemeClr val="accent4"/>
+                </a:solidFill>
+              </a:rPr>
+              <a:t>Модульное </a:t>
+            </a:r>
+            <a:r>
+              <a:rPr lang="ru-RU" dirty="0">
+                <a:solidFill>
+                  <a:schemeClr val="accent4"/>
+                </a:solidFill>
+              </a:rPr>
+              <a:t>тестирование, в ходе которого тестируются отдельные компоненты</a:t>
+            </a:r>
+          </a:p>
+        </p:txBody>
+      </p:sp>
     </p:spTree>
     <p:extLst>
       <p:ext uri="{BB962C8B-B14F-4D97-AF65-F5344CB8AC3E}">
-        <p14:creationId xmlns:p14="http://schemas.microsoft.com/office/powerpoint/2010/main" val="1418233353"/>
+        <p14:creationId xmlns:p14="http://schemas.microsoft.com/office/powerpoint/2010/main" val="3472250515"/>
       </p:ext>
     </p:extLst>
   </p:cSld>
   <p:clrMapOvr>
     <a:masterClrMapping/>
   </p:clrMapOvr>
-  <p:transition xmlns:p14="http://schemas.microsoft.com/office/powerpoint/2010/main" spd="slow">
-    <p:fade/>
-  </p:transition>
   <p:timing>
     <p:tnLst>
       <p:par>
@@ -17411,7 +18956,7 @@
       </p:grpSpPr>
       <p:sp>
         <p:nvSpPr>
-          <p:cNvPr id="9221" name="Title 1"/>
+          <p:cNvPr id="2" name="Title 1"/>
           <p:cNvSpPr>
             <a:spLocks noGrp="1"/>
           </p:cNvSpPr>
@@ -17425,85 +18970,74 @@
           <a:lstStyle/>
           <a:p>
             <a:r>
-              <a:rPr lang="ru-RU" dirty="0" smtClean="0">
-                <a:solidFill>
-                  <a:srgbClr val="161645"/>
-                </a:solidFill>
-                <a:latin typeface="Arial" charset="0"/>
-              </a:rPr>
-              <a:t>Риски ручного тестирования</a:t>
-            </a:r>
-            <a:endParaRPr lang="ru-RU" dirty="0">
-              <a:solidFill>
-                <a:srgbClr val="161645"/>
-              </a:solidFill>
-              <a:latin typeface="Arial" charset="0"/>
-            </a:endParaRPr>
-          </a:p>
-        </p:txBody>
-      </p:sp>
-      <p:sp>
-        <p:nvSpPr>
-          <p:cNvPr id="5" name="TextBox 4"/>
-          <p:cNvSpPr txBox="1"/>
-          <p:nvPr/>
-        </p:nvSpPr>
-        <p:spPr>
+              <a:rPr lang="ru-RU" dirty="0"/>
+              <a:t>Системное тестирование</a:t>
+            </a:r>
+            <a:endParaRPr lang="en-US" dirty="0"/>
+          </a:p>
+        </p:txBody>
+      </p:sp>
+      <p:sp>
+        <p:nvSpPr>
+          <p:cNvPr id="5" name="Rectangle 4"/>
+          <p:cNvSpPr>
+            <a:spLocks noChangeArrowheads="1"/>
+          </p:cNvSpPr>
+          <p:nvPr>
+            <p:custDataLst>
+              <p:tags r:id="rId1"/>
+            </p:custDataLst>
+          </p:nvPr>
+        </p:nvSpPr>
+        <p:spPr bwMode="auto">
           <a:xfrm>
-            <a:off x="8731250" y="6683375"/>
-            <a:ext cx="184666" cy="369332"/>
+            <a:off x="1600200" y="2893695"/>
+            <a:ext cx="5943600" cy="1070610"/>
           </a:xfrm>
           <a:prstGeom prst="rect">
             <a:avLst/>
           </a:prstGeom>
           <a:noFill/>
+          <a:ln w="19050">
+            <a:noFill/>
+            <a:miter lim="800000"/>
+            <a:headEnd/>
+            <a:tailEnd/>
+          </a:ln>
         </p:spPr>
         <p:txBody>
-          <a:bodyPr wrap="none" rtlCol="0">
+          <a:bodyPr wrap="square" lIns="93296" tIns="144000" rIns="93296" bIns="93296">
             <a:spAutoFit/>
           </a:bodyPr>
           <a:lstStyle/>
           <a:p>
-            <a:endParaRPr lang="en-US" dirty="0"/>
-          </a:p>
-        </p:txBody>
-      </p:sp>
-      <p:pic>
-        <p:nvPicPr>
-          <p:cNvPr id="2" name="Picture 1"/>
-          <p:cNvPicPr>
-            <a:picLocks noChangeAspect="1"/>
-          </p:cNvPicPr>
-          <p:nvPr/>
-        </p:nvPicPr>
-        <p:blipFill rotWithShape="1">
-          <a:blip r:embed="rId2"/>
-          <a:srcRect l="4167" t="14583" r="6702" b="10137"/>
-          <a:stretch/>
-        </p:blipFill>
-        <p:spPr>
-          <a:xfrm>
-            <a:off x="614947" y="1314266"/>
-            <a:ext cx="8148053" cy="5162734"/>
-          </a:xfrm>
-          <a:prstGeom prst="rect">
-            <a:avLst/>
-          </a:prstGeom>
-        </p:spPr>
-      </p:pic>
+            <a:pPr algn="ctr" defTabSz="803275">
+              <a:buClr>
+                <a:srgbClr val="FF6600"/>
+              </a:buClr>
+              <a:buSzPct val="125000"/>
+            </a:pPr>
+            <a:r>
+              <a:rPr lang="ru-RU" dirty="0">
+                <a:solidFill>
+                  <a:schemeClr val="accent4"/>
+                </a:solidFill>
+              </a:rPr>
+              <a:t>Основной задачей системного тестирования является проверка как функциональных, так и нефункциональных требований в системе в целом</a:t>
+            </a:r>
+          </a:p>
+        </p:txBody>
+      </p:sp>
     </p:spTree>
     <p:extLst>
       <p:ext uri="{BB962C8B-B14F-4D97-AF65-F5344CB8AC3E}">
-        <p14:creationId xmlns:p14="http://schemas.microsoft.com/office/powerpoint/2010/main" val="1962186204"/>
+        <p14:creationId xmlns:p14="http://schemas.microsoft.com/office/powerpoint/2010/main" val="1959349145"/>
       </p:ext>
     </p:extLst>
   </p:cSld>
   <p:clrMapOvr>
     <a:masterClrMapping/>
   </p:clrMapOvr>
-  <p:transition xmlns:p14="http://schemas.microsoft.com/office/powerpoint/2010/main" spd="slow">
-    <p:fade/>
-  </p:transition>
   <p:timing>
     <p:tnLst>
       <p:par>
@@ -17533,7 +19067,7 @@
       </p:grpSpPr>
       <p:sp>
         <p:nvSpPr>
-          <p:cNvPr id="9221" name="Title 1"/>
+          <p:cNvPr id="2" name="Title 1"/>
           <p:cNvSpPr>
             <a:spLocks noGrp="1"/>
           </p:cNvSpPr>
@@ -17547,94 +19081,374 @@
           <a:lstStyle/>
           <a:p>
             <a:r>
-              <a:rPr lang="ru-RU" dirty="0" smtClean="0">
-                <a:solidFill>
-                  <a:srgbClr val="161645"/>
-                </a:solidFill>
-                <a:latin typeface="Arial" charset="0"/>
-              </a:rPr>
-              <a:t>Почему </a:t>
-            </a:r>
-            <a:r>
-              <a:rPr lang="en-US" dirty="0" smtClean="0">
-                <a:solidFill>
-                  <a:srgbClr val="161645"/>
-                </a:solidFill>
-                <a:latin typeface="Arial" charset="0"/>
-              </a:rPr>
-              <a:t>Test First?</a:t>
-            </a:r>
-            <a:endParaRPr lang="ru-RU" dirty="0">
-              <a:solidFill>
-                <a:srgbClr val="161645"/>
-              </a:solidFill>
-              <a:latin typeface="Arial" charset="0"/>
-            </a:endParaRPr>
-          </a:p>
-        </p:txBody>
-      </p:sp>
-      <p:sp>
-        <p:nvSpPr>
-          <p:cNvPr id="5" name="TextBox 4"/>
-          <p:cNvSpPr txBox="1"/>
-          <p:nvPr/>
-        </p:nvSpPr>
-        <p:spPr>
+              <a:rPr lang="ru-RU" dirty="0"/>
+              <a:t>Системное тестирование</a:t>
+            </a:r>
+            <a:endParaRPr lang="en-US" dirty="0"/>
+          </a:p>
+        </p:txBody>
+      </p:sp>
+      <p:sp>
+        <p:nvSpPr>
+          <p:cNvPr id="5" name="Rectangle 4"/>
+          <p:cNvSpPr>
+            <a:spLocks noChangeArrowheads="1"/>
+          </p:cNvSpPr>
+          <p:nvPr>
+            <p:custDataLst>
+              <p:tags r:id="rId1"/>
+            </p:custDataLst>
+          </p:nvPr>
+        </p:nvSpPr>
+        <p:spPr bwMode="auto">
           <a:xfrm>
-            <a:off x="8731250" y="6683375"/>
-            <a:ext cx="184666" cy="369332"/>
+            <a:off x="762000" y="1508701"/>
+            <a:ext cx="7391400" cy="3840599"/>
           </a:xfrm>
           <a:prstGeom prst="rect">
             <a:avLst/>
           </a:prstGeom>
           <a:noFill/>
+          <a:ln w="19050">
+            <a:noFill/>
+            <a:miter lim="800000"/>
+            <a:headEnd/>
+            <a:tailEnd/>
+          </a:ln>
         </p:spPr>
         <p:txBody>
-          <a:bodyPr wrap="none" rtlCol="0">
+          <a:bodyPr wrap="square" lIns="93296" tIns="144000" rIns="93296" bIns="93296">
             <a:spAutoFit/>
           </a:bodyPr>
           <a:lstStyle/>
           <a:p>
-            <a:endParaRPr lang="en-US" dirty="0"/>
-          </a:p>
-        </p:txBody>
-      </p:sp>
-      <p:pic>
-        <p:nvPicPr>
-          <p:cNvPr id="4" name="Picture 3"/>
-          <p:cNvPicPr>
-            <a:picLocks noChangeAspect="1"/>
-          </p:cNvPicPr>
-          <p:nvPr/>
-        </p:nvPicPr>
-        <p:blipFill rotWithShape="1">
-          <a:blip r:embed="rId2"/>
-          <a:srcRect l="3959" t="13332" r="4490" b="8741"/>
-          <a:stretch/>
-        </p:blipFill>
-        <p:spPr>
-          <a:xfrm>
-            <a:off x="361950" y="1209040"/>
-            <a:ext cx="8369300" cy="5344160"/>
-          </a:xfrm>
-          <a:prstGeom prst="rect">
-            <a:avLst/>
-          </a:prstGeom>
-        </p:spPr>
-      </p:pic>
+            <a:pPr defTabSz="803275">
+              <a:buClr>
+                <a:srgbClr val="FF6600"/>
+              </a:buClr>
+              <a:buSzPct val="125000"/>
+            </a:pPr>
+            <a:r>
+              <a:rPr lang="ru-RU" dirty="0">
+                <a:solidFill>
+                  <a:schemeClr val="accent4"/>
+                </a:solidFill>
+              </a:rPr>
+              <a:t>В ходе системного тестирования выявляются следующие дефекты</a:t>
+            </a:r>
+            <a:r>
+              <a:rPr lang="ru-RU" dirty="0" smtClean="0">
+                <a:solidFill>
+                  <a:schemeClr val="accent4"/>
+                </a:solidFill>
+              </a:rPr>
+              <a:t>:</a:t>
+            </a:r>
+          </a:p>
+          <a:p>
+            <a:pPr defTabSz="803275">
+              <a:buClr>
+                <a:srgbClr val="FF6600"/>
+              </a:buClr>
+              <a:buSzPct val="125000"/>
+            </a:pPr>
+            <a:endParaRPr lang="ru-RU" dirty="0">
+              <a:solidFill>
+                <a:schemeClr val="accent4"/>
+              </a:solidFill>
+            </a:endParaRPr>
+          </a:p>
+          <a:p>
+            <a:pPr marL="287338" indent="-287338" defTabSz="803275">
+              <a:buClr>
+                <a:srgbClr val="FF6600"/>
+              </a:buClr>
+              <a:buSzPct val="125000"/>
+              <a:buFont typeface="Wingdings" charset="0"/>
+              <a:buChar char="§"/>
+            </a:pPr>
+            <a:r>
+              <a:rPr lang="ru-RU" dirty="0">
+                <a:solidFill>
+                  <a:schemeClr val="accent4"/>
+                </a:solidFill>
+              </a:rPr>
+              <a:t>Н</a:t>
+            </a:r>
+            <a:r>
+              <a:rPr lang="ru-RU" dirty="0" smtClean="0">
+                <a:solidFill>
+                  <a:schemeClr val="accent4"/>
+                </a:solidFill>
+              </a:rPr>
+              <a:t>еверное </a:t>
+            </a:r>
+            <a:r>
+              <a:rPr lang="ru-RU" dirty="0">
+                <a:solidFill>
+                  <a:schemeClr val="accent4"/>
+                </a:solidFill>
+              </a:rPr>
+              <a:t>использование ресурсов </a:t>
+            </a:r>
+            <a:r>
+              <a:rPr lang="ru-RU" dirty="0" smtClean="0">
+                <a:solidFill>
+                  <a:schemeClr val="accent4"/>
+                </a:solidFill>
+              </a:rPr>
+              <a:t>системы</a:t>
+            </a:r>
+          </a:p>
+          <a:p>
+            <a:pPr marL="287338" indent="-287338" defTabSz="803275">
+              <a:buClr>
+                <a:srgbClr val="FF6600"/>
+              </a:buClr>
+              <a:buSzPct val="125000"/>
+              <a:buFont typeface="Wingdings" charset="0"/>
+              <a:buChar char="§"/>
+            </a:pPr>
+            <a:endParaRPr lang="ru-RU" dirty="0">
+              <a:solidFill>
+                <a:schemeClr val="accent4"/>
+              </a:solidFill>
+            </a:endParaRPr>
+          </a:p>
+          <a:p>
+            <a:pPr marL="287338" indent="-287338" defTabSz="803275">
+              <a:buClr>
+                <a:srgbClr val="FF6600"/>
+              </a:buClr>
+              <a:buSzPct val="125000"/>
+              <a:buFont typeface="Wingdings" charset="0"/>
+              <a:buChar char="§"/>
+            </a:pPr>
+            <a:r>
+              <a:rPr lang="ru-RU" dirty="0" smtClean="0">
+                <a:solidFill>
+                  <a:schemeClr val="accent4"/>
+                </a:solidFill>
+              </a:rPr>
+              <a:t>Непредусмотренные </a:t>
+            </a:r>
+            <a:r>
+              <a:rPr lang="ru-RU" dirty="0">
+                <a:solidFill>
+                  <a:schemeClr val="accent4"/>
+                </a:solidFill>
+              </a:rPr>
+              <a:t>комбинации данных пользовательского </a:t>
+            </a:r>
+            <a:r>
+              <a:rPr lang="ru-RU" dirty="0" smtClean="0">
+                <a:solidFill>
+                  <a:schemeClr val="accent4"/>
+                </a:solidFill>
+              </a:rPr>
+              <a:t>уровня</a:t>
+            </a:r>
+          </a:p>
+          <a:p>
+            <a:pPr marL="287338" indent="-287338" defTabSz="803275">
+              <a:buClr>
+                <a:srgbClr val="FF6600"/>
+              </a:buClr>
+              <a:buSzPct val="125000"/>
+              <a:buFont typeface="Wingdings" charset="0"/>
+              <a:buChar char="§"/>
+            </a:pPr>
+            <a:endParaRPr lang="ru-RU" dirty="0">
+              <a:solidFill>
+                <a:schemeClr val="accent4"/>
+              </a:solidFill>
+            </a:endParaRPr>
+          </a:p>
+          <a:p>
+            <a:pPr marL="287338" indent="-287338" defTabSz="803275">
+              <a:buClr>
+                <a:srgbClr val="FF6600"/>
+              </a:buClr>
+              <a:buSzPct val="125000"/>
+              <a:buFont typeface="Wingdings" charset="0"/>
+              <a:buChar char="§"/>
+            </a:pPr>
+            <a:r>
+              <a:rPr lang="ru-RU" dirty="0" smtClean="0">
+                <a:solidFill>
+                  <a:schemeClr val="accent4"/>
+                </a:solidFill>
+              </a:rPr>
+              <a:t>Несовместимость </a:t>
+            </a:r>
+            <a:r>
+              <a:rPr lang="ru-RU" dirty="0">
+                <a:solidFill>
+                  <a:schemeClr val="accent4"/>
+                </a:solidFill>
+              </a:rPr>
+              <a:t>с </a:t>
+            </a:r>
+            <a:r>
+              <a:rPr lang="ru-RU" dirty="0" smtClean="0">
+                <a:solidFill>
+                  <a:schemeClr val="accent4"/>
+                </a:solidFill>
+              </a:rPr>
+              <a:t>окружением</a:t>
+            </a:r>
+          </a:p>
+          <a:p>
+            <a:pPr marL="287338" indent="-287338" defTabSz="803275">
+              <a:buClr>
+                <a:srgbClr val="FF6600"/>
+              </a:buClr>
+              <a:buSzPct val="125000"/>
+              <a:buFont typeface="Wingdings" charset="0"/>
+              <a:buChar char="§"/>
+            </a:pPr>
+            <a:endParaRPr lang="ru-RU" dirty="0">
+              <a:solidFill>
+                <a:schemeClr val="accent4"/>
+              </a:solidFill>
+            </a:endParaRPr>
+          </a:p>
+          <a:p>
+            <a:pPr marL="287338" indent="-287338" defTabSz="803275">
+              <a:buClr>
+                <a:srgbClr val="FF6600"/>
+              </a:buClr>
+              <a:buSzPct val="125000"/>
+              <a:buFont typeface="Wingdings" charset="0"/>
+              <a:buChar char="§"/>
+            </a:pPr>
+            <a:r>
+              <a:rPr lang="ru-RU" dirty="0" smtClean="0">
+                <a:solidFill>
+                  <a:schemeClr val="accent4"/>
+                </a:solidFill>
+              </a:rPr>
+              <a:t>Непредусмотренные </a:t>
+            </a:r>
+            <a:r>
+              <a:rPr lang="ru-RU" dirty="0">
+                <a:solidFill>
+                  <a:schemeClr val="accent4"/>
+                </a:solidFill>
+              </a:rPr>
+              <a:t>сценарии </a:t>
+            </a:r>
+            <a:r>
+              <a:rPr lang="ru-RU" dirty="0" smtClean="0">
+                <a:solidFill>
+                  <a:schemeClr val="accent4"/>
+                </a:solidFill>
+              </a:rPr>
+              <a:t>использования</a:t>
+            </a:r>
+          </a:p>
+          <a:p>
+            <a:pPr marL="287338" indent="-287338" defTabSz="803275">
+              <a:buClr>
+                <a:srgbClr val="FF6600"/>
+              </a:buClr>
+              <a:buSzPct val="125000"/>
+              <a:buFont typeface="Wingdings" charset="0"/>
+              <a:buChar char="§"/>
+            </a:pPr>
+            <a:endParaRPr lang="ru-RU" dirty="0">
+              <a:solidFill>
+                <a:schemeClr val="accent4"/>
+              </a:solidFill>
+            </a:endParaRPr>
+          </a:p>
+          <a:p>
+            <a:pPr marL="287338" indent="-287338" defTabSz="803275">
+              <a:buClr>
+                <a:srgbClr val="FF6600"/>
+              </a:buClr>
+              <a:buSzPct val="125000"/>
+              <a:buFont typeface="Wingdings" charset="0"/>
+              <a:buChar char="§"/>
+            </a:pPr>
+            <a:r>
+              <a:rPr lang="ru-RU" dirty="0" smtClean="0">
+                <a:solidFill>
+                  <a:schemeClr val="accent4"/>
+                </a:solidFill>
+              </a:rPr>
+              <a:t>Отсутствующая </a:t>
+            </a:r>
+            <a:r>
+              <a:rPr lang="ru-RU" dirty="0">
+                <a:solidFill>
+                  <a:schemeClr val="accent4"/>
+                </a:solidFill>
+              </a:rPr>
+              <a:t>или неверная </a:t>
+            </a:r>
+            <a:r>
+              <a:rPr lang="ru-RU" dirty="0" smtClean="0">
+                <a:solidFill>
+                  <a:schemeClr val="accent4"/>
+                </a:solidFill>
+              </a:rPr>
+              <a:t>функциональность</a:t>
+            </a:r>
+          </a:p>
+          <a:p>
+            <a:pPr marL="287338" indent="-287338" defTabSz="803275">
+              <a:buClr>
+                <a:srgbClr val="FF6600"/>
+              </a:buClr>
+              <a:buSzPct val="125000"/>
+              <a:buFont typeface="Wingdings" charset="0"/>
+              <a:buChar char="§"/>
+            </a:pPr>
+            <a:endParaRPr lang="ru-RU" dirty="0">
+              <a:solidFill>
+                <a:schemeClr val="accent4"/>
+              </a:solidFill>
+            </a:endParaRPr>
+          </a:p>
+          <a:p>
+            <a:pPr marL="287338" indent="-287338" defTabSz="803275">
+              <a:buClr>
+                <a:srgbClr val="FF6600"/>
+              </a:buClr>
+              <a:buSzPct val="125000"/>
+              <a:buFont typeface="Wingdings" charset="0"/>
+              <a:buChar char="§"/>
+            </a:pPr>
+            <a:r>
+              <a:rPr lang="ru-RU" dirty="0" smtClean="0">
+                <a:solidFill>
+                  <a:schemeClr val="accent4"/>
+                </a:solidFill>
+              </a:rPr>
+              <a:t>Неудобство </a:t>
+            </a:r>
+            <a:r>
+              <a:rPr lang="ru-RU" dirty="0">
+                <a:solidFill>
+                  <a:schemeClr val="accent4"/>
+                </a:solidFill>
+              </a:rPr>
+              <a:t>использования и т.д.</a:t>
+            </a:r>
+          </a:p>
+        </p:txBody>
+      </p:sp>
     </p:spTree>
     <p:extLst>
       <p:ext uri="{BB962C8B-B14F-4D97-AF65-F5344CB8AC3E}">
-        <p14:creationId xmlns:p14="http://schemas.microsoft.com/office/powerpoint/2010/main" val="1567566554"/>
+        <p14:creationId xmlns:p14="http://schemas.microsoft.com/office/powerpoint/2010/main" val="3423441693"/>
       </p:ext>
     </p:extLst>
   </p:cSld>
   <p:clrMapOvr>
     <a:masterClrMapping/>
   </p:clrMapOvr>
-  <p:transition xmlns:p14="http://schemas.microsoft.com/office/powerpoint/2010/main" spd="slow">
-    <p:fade/>
-  </p:transition>
   <p:timing>
     <p:tnLst>
       <p:par>
@@ -17664,7 +19478,7 @@
       </p:grpSpPr>
       <p:sp>
         <p:nvSpPr>
-          <p:cNvPr id="9221" name="Title 1"/>
+          <p:cNvPr id="2" name="Title 1"/>
           <p:cNvSpPr>
             <a:spLocks noGrp="1"/>
           </p:cNvSpPr>
@@ -17678,94 +19492,74 @@
           <a:lstStyle/>
           <a:p>
             <a:r>
-              <a:rPr lang="ru-RU" dirty="0" smtClean="0">
-                <a:solidFill>
-                  <a:srgbClr val="161645"/>
-                </a:solidFill>
-                <a:latin typeface="Arial" charset="0"/>
-              </a:rPr>
-              <a:t>Почему </a:t>
-            </a:r>
-            <a:r>
-              <a:rPr lang="en-US" dirty="0" smtClean="0">
-                <a:solidFill>
-                  <a:srgbClr val="161645"/>
-                </a:solidFill>
-                <a:latin typeface="Arial" charset="0"/>
-              </a:rPr>
-              <a:t>Test First?</a:t>
-            </a:r>
-            <a:endParaRPr lang="ru-RU" dirty="0">
-              <a:solidFill>
-                <a:srgbClr val="161645"/>
-              </a:solidFill>
-              <a:latin typeface="Arial" charset="0"/>
-            </a:endParaRPr>
-          </a:p>
-        </p:txBody>
-      </p:sp>
-      <p:sp>
-        <p:nvSpPr>
-          <p:cNvPr id="5" name="TextBox 4"/>
-          <p:cNvSpPr txBox="1"/>
-          <p:nvPr/>
-        </p:nvSpPr>
-        <p:spPr>
+              <a:rPr lang="ru-RU" dirty="0"/>
+              <a:t>Интеграционное тестирование </a:t>
+            </a:r>
+            <a:endParaRPr lang="en-US" dirty="0"/>
+          </a:p>
+        </p:txBody>
+      </p:sp>
+      <p:sp>
+        <p:nvSpPr>
+          <p:cNvPr id="5" name="Rectangle 4"/>
+          <p:cNvSpPr>
+            <a:spLocks noChangeArrowheads="1"/>
+          </p:cNvSpPr>
+          <p:nvPr>
+            <p:custDataLst>
+              <p:tags r:id="rId1"/>
+            </p:custDataLst>
+          </p:nvPr>
+        </p:nvSpPr>
+        <p:spPr bwMode="auto">
           <a:xfrm>
-            <a:off x="8731250" y="6683375"/>
-            <a:ext cx="184666" cy="369332"/>
+            <a:off x="762000" y="2755196"/>
+            <a:ext cx="7391400" cy="1347609"/>
           </a:xfrm>
           <a:prstGeom prst="rect">
             <a:avLst/>
           </a:prstGeom>
           <a:noFill/>
+          <a:ln w="19050">
+            <a:noFill/>
+            <a:miter lim="800000"/>
+            <a:headEnd/>
+            <a:tailEnd/>
+          </a:ln>
         </p:spPr>
         <p:txBody>
-          <a:bodyPr wrap="none" rtlCol="0">
+          <a:bodyPr wrap="square" lIns="93296" tIns="144000" rIns="93296" bIns="93296">
             <a:spAutoFit/>
           </a:bodyPr>
           <a:lstStyle/>
           <a:p>
-            <a:endParaRPr lang="en-US" dirty="0"/>
-          </a:p>
-        </p:txBody>
-      </p:sp>
-      <p:pic>
-        <p:nvPicPr>
-          <p:cNvPr id="3" name="Picture 2"/>
-          <p:cNvPicPr>
-            <a:picLocks noChangeAspect="1"/>
-          </p:cNvPicPr>
-          <p:nvPr/>
-        </p:nvPicPr>
-        <p:blipFill rotWithShape="1">
-          <a:blip r:embed="rId2"/>
-          <a:srcRect l="5891" t="13855" r="6532" b="9185"/>
-          <a:stretch/>
-        </p:blipFill>
-        <p:spPr>
-          <a:xfrm>
-            <a:off x="604520" y="1257300"/>
-            <a:ext cx="8006080" cy="5277889"/>
-          </a:xfrm>
-          <a:prstGeom prst="rect">
-            <a:avLst/>
-          </a:prstGeom>
-        </p:spPr>
-      </p:pic>
+            <a:pPr algn="ctr" defTabSz="803275">
+              <a:buClr>
+                <a:srgbClr val="FF6600"/>
+              </a:buClr>
+              <a:buSzPct val="125000"/>
+            </a:pPr>
+            <a:r>
+              <a:rPr lang="ru-RU" dirty="0">
+                <a:solidFill>
+                  <a:schemeClr val="accent4"/>
+                </a:solidFill>
+              </a:rPr>
+              <a:t>Интеграционное тестирование предназначено для проверки связи между компонентами, а также взаимодействия с различными частями системы (операционной системой, оборудованием либо связи между различными системами)</a:t>
+            </a:r>
+          </a:p>
+        </p:txBody>
+      </p:sp>
     </p:spTree>
     <p:extLst>
       <p:ext uri="{BB962C8B-B14F-4D97-AF65-F5344CB8AC3E}">
-        <p14:creationId xmlns:p14="http://schemas.microsoft.com/office/powerpoint/2010/main" val="4264143821"/>
+        <p14:creationId xmlns:p14="http://schemas.microsoft.com/office/powerpoint/2010/main" val="4249563870"/>
       </p:ext>
     </p:extLst>
   </p:cSld>
   <p:clrMapOvr>
     <a:masterClrMapping/>
   </p:clrMapOvr>
-  <p:transition xmlns:p14="http://schemas.microsoft.com/office/powerpoint/2010/main" spd="slow">
-    <p:fade/>
-  </p:transition>
   <p:timing>
     <p:tnLst>
       <p:par>
@@ -17795,7 +19589,7 @@
       </p:grpSpPr>
       <p:sp>
         <p:nvSpPr>
-          <p:cNvPr id="9221" name="Title 1"/>
+          <p:cNvPr id="2" name="Title 1"/>
           <p:cNvSpPr>
             <a:spLocks noGrp="1"/>
           </p:cNvSpPr>
@@ -17809,86 +19603,154 @@
           <a:lstStyle/>
           <a:p>
             <a:r>
-              <a:rPr lang="ru-RU" dirty="0" smtClean="0">
-                <a:solidFill>
-                  <a:srgbClr val="161645"/>
-                </a:solidFill>
-                <a:latin typeface="Arial" charset="0"/>
-              </a:rPr>
-              <a:t>Итеративный процесс</a:t>
-            </a:r>
-            <a:endParaRPr lang="ru-RU" dirty="0">
-              <a:solidFill>
-                <a:srgbClr val="161645"/>
-              </a:solidFill>
-              <a:latin typeface="Arial" charset="0"/>
-            </a:endParaRPr>
-          </a:p>
-        </p:txBody>
-      </p:sp>
-      <p:sp>
-        <p:nvSpPr>
-          <p:cNvPr id="5" name="TextBox 4"/>
-          <p:cNvSpPr txBox="1"/>
-          <p:nvPr/>
-        </p:nvSpPr>
-        <p:spPr>
+              <a:rPr lang="ru-RU" dirty="0"/>
+              <a:t>Интеграционное тестирование </a:t>
+            </a:r>
+            <a:endParaRPr lang="en-US" dirty="0"/>
+          </a:p>
+        </p:txBody>
+      </p:sp>
+      <p:sp>
+        <p:nvSpPr>
+          <p:cNvPr id="5" name="Rectangle 4"/>
+          <p:cNvSpPr>
+            <a:spLocks noChangeArrowheads="1"/>
+          </p:cNvSpPr>
+          <p:nvPr>
+            <p:custDataLst>
+              <p:tags r:id="rId1"/>
+            </p:custDataLst>
+          </p:nvPr>
+        </p:nvSpPr>
+        <p:spPr bwMode="auto">
           <a:xfrm>
-            <a:off x="8731250" y="6683375"/>
-            <a:ext cx="184666" cy="369332"/>
+            <a:off x="876300" y="2062698"/>
+            <a:ext cx="7391400" cy="2732604"/>
           </a:xfrm>
           <a:prstGeom prst="rect">
             <a:avLst/>
           </a:prstGeom>
           <a:noFill/>
+          <a:ln w="19050">
+            <a:noFill/>
+            <a:miter lim="800000"/>
+            <a:headEnd/>
+            <a:tailEnd/>
+          </a:ln>
         </p:spPr>
         <p:txBody>
-          <a:bodyPr wrap="none" rtlCol="0">
+          <a:bodyPr wrap="square" lIns="93296" tIns="144000" rIns="93296" bIns="93296">
             <a:spAutoFit/>
           </a:bodyPr>
           <a:lstStyle/>
           <a:p>
-            <a:endParaRPr lang="en-US" dirty="0"/>
-          </a:p>
-        </p:txBody>
-      </p:sp>
-      <p:pic>
-        <p:nvPicPr>
-          <p:cNvPr id="4" name="Picture 3"/>
-          <p:cNvPicPr>
-            <a:picLocks noChangeAspect="1"/>
-          </p:cNvPicPr>
-          <p:nvPr/>
-        </p:nvPicPr>
-        <p:blipFill>
-          <a:blip r:embed="rId2"/>
-          <a:stretch>
-            <a:fillRect/>
-          </a:stretch>
-        </p:blipFill>
-        <p:spPr>
-          <a:xfrm>
-            <a:off x="2692400" y="1549400"/>
-            <a:ext cx="3746500" cy="3746500"/>
-          </a:xfrm>
-          <a:prstGeom prst="rect">
-            <a:avLst/>
-          </a:prstGeom>
-        </p:spPr>
-      </p:pic>
+            <a:pPr defTabSz="803275">
+              <a:buClr>
+                <a:srgbClr val="FF6600"/>
+              </a:buClr>
+              <a:buSzPct val="125000"/>
+            </a:pPr>
+            <a:r>
+              <a:rPr lang="ru-RU" dirty="0">
+                <a:solidFill>
+                  <a:schemeClr val="accent4"/>
+                </a:solidFill>
+              </a:rPr>
+              <a:t>Интеграционное тестирование так же может проводиться на различных уровнях</a:t>
+            </a:r>
+            <a:r>
+              <a:rPr lang="ru-RU" dirty="0" smtClean="0">
+                <a:solidFill>
+                  <a:schemeClr val="accent4"/>
+                </a:solidFill>
+              </a:rPr>
+              <a:t>:</a:t>
+            </a:r>
+          </a:p>
+          <a:p>
+            <a:pPr defTabSz="803275">
+              <a:buClr>
+                <a:srgbClr val="FF6600"/>
+              </a:buClr>
+              <a:buSzPct val="125000"/>
+            </a:pPr>
+            <a:endParaRPr lang="ru-RU" dirty="0">
+              <a:solidFill>
+                <a:schemeClr val="accent4"/>
+              </a:solidFill>
+            </a:endParaRPr>
+          </a:p>
+          <a:p>
+            <a:pPr marL="285750" indent="-285750" defTabSz="803275">
+              <a:buClr>
+                <a:srgbClr val="FF6600"/>
+              </a:buClr>
+              <a:buSzPct val="125000"/>
+              <a:buFont typeface="Wingdings" pitchFamily="2" charset="2"/>
+              <a:buChar char="§"/>
+            </a:pPr>
+            <a:r>
+              <a:rPr lang="ru-RU" dirty="0">
+                <a:solidFill>
+                  <a:schemeClr val="accent4"/>
+                </a:solidFill>
+              </a:rPr>
+              <a:t>Компонентный: проверяется взаимодействие между компонентами системы после проведения компонентного (модульного) </a:t>
+            </a:r>
+            <a:r>
+              <a:rPr lang="ru-RU" dirty="0" smtClean="0">
+                <a:solidFill>
+                  <a:schemeClr val="accent4"/>
+                </a:solidFill>
+              </a:rPr>
+              <a:t>тестирования</a:t>
+            </a:r>
+          </a:p>
+          <a:p>
+            <a:pPr marL="285750" indent="-285750" defTabSz="803275">
+              <a:buClr>
+                <a:srgbClr val="FF6600"/>
+              </a:buClr>
+              <a:buSzPct val="125000"/>
+              <a:buFont typeface="Wingdings" pitchFamily="2" charset="2"/>
+              <a:buChar char="§"/>
+            </a:pPr>
+            <a:endParaRPr lang="ru-RU" dirty="0">
+              <a:solidFill>
+                <a:schemeClr val="accent4"/>
+              </a:solidFill>
+            </a:endParaRPr>
+          </a:p>
+          <a:p>
+            <a:pPr marL="285750" indent="-285750" defTabSz="803275">
+              <a:buClr>
+                <a:srgbClr val="FF6600"/>
+              </a:buClr>
+              <a:buSzPct val="125000"/>
+              <a:buFont typeface="Wingdings" pitchFamily="2" charset="2"/>
+              <a:buChar char="§"/>
+            </a:pPr>
+            <a:r>
+              <a:rPr lang="ru-RU" dirty="0">
+                <a:solidFill>
+                  <a:schemeClr val="accent4"/>
+                </a:solidFill>
+              </a:rPr>
+              <a:t>Системный: проверяется взаимодействие между разными системами после проведения системного тестирования</a:t>
+            </a:r>
+          </a:p>
+        </p:txBody>
+      </p:sp>
     </p:spTree>
     <p:extLst>
       <p:ext uri="{BB962C8B-B14F-4D97-AF65-F5344CB8AC3E}">
-        <p14:creationId xmlns:p14="http://schemas.microsoft.com/office/powerpoint/2010/main" val="3318239091"/>
+        <p14:creationId xmlns:p14="http://schemas.microsoft.com/office/powerpoint/2010/main" val="2881784733"/>
       </p:ext>
     </p:extLst>
   </p:cSld>
   <p:clrMapOvr>
     <a:masterClrMapping/>
   </p:clrMapOvr>
-  <p:transition xmlns:p14="http://schemas.microsoft.com/office/powerpoint/2010/main" spd="slow">
-    <p:fade/>
-  </p:transition>
   <p:timing>
     <p:tnLst>
       <p:par>
@@ -17918,7 +19780,7 @@
       </p:grpSpPr>
       <p:sp>
         <p:nvSpPr>
-          <p:cNvPr id="9221" name="Title 1"/>
+          <p:cNvPr id="2" name="Title 1"/>
           <p:cNvSpPr>
             <a:spLocks noGrp="1"/>
           </p:cNvSpPr>
@@ -17932,61 +19794,31 @@
           <a:lstStyle/>
           <a:p>
             <a:r>
-              <a:rPr lang="ru-RU" dirty="0" smtClean="0">
-                <a:solidFill>
-                  <a:srgbClr val="161645"/>
-                </a:solidFill>
-                <a:latin typeface="Arial" charset="0"/>
-              </a:rPr>
-              <a:t>Почему </a:t>
-            </a:r>
-            <a:r>
-              <a:rPr lang="en-US" dirty="0" smtClean="0">
-                <a:solidFill>
-                  <a:srgbClr val="161645"/>
-                </a:solidFill>
-                <a:latin typeface="Arial" charset="0"/>
-              </a:rPr>
-              <a:t>TDD?</a:t>
-            </a:r>
-            <a:endParaRPr lang="ru-RU" dirty="0">
-              <a:solidFill>
-                <a:srgbClr val="161645"/>
-              </a:solidFill>
-              <a:latin typeface="Arial" charset="0"/>
-            </a:endParaRPr>
-          </a:p>
-        </p:txBody>
-      </p:sp>
-      <p:sp>
-        <p:nvSpPr>
-          <p:cNvPr id="5" name="TextBox 4"/>
-          <p:cNvSpPr txBox="1"/>
-          <p:nvPr/>
-        </p:nvSpPr>
-        <p:spPr>
-          <a:xfrm>
-            <a:off x="8731250" y="6683375"/>
-            <a:ext cx="184666" cy="369332"/>
-          </a:xfrm>
-          <a:prstGeom prst="rect">
-            <a:avLst/>
-          </a:prstGeom>
-          <a:noFill/>
-        </p:spPr>
-        <p:txBody>
-          <a:bodyPr wrap="none" rtlCol="0">
-            <a:spAutoFit/>
-          </a:bodyPr>
-          <a:lstStyle/>
-          <a:p>
+              <a:rPr lang="ru-RU" dirty="0"/>
+              <a:t>Компонентное или </a:t>
+            </a:r>
+            <a:r>
+              <a:rPr lang="ru-RU" dirty="0" smtClean="0"/>
+              <a:t/>
+            </a:r>
+            <a:br>
+              <a:rPr lang="ru-RU" dirty="0" smtClean="0"/>
+            </a:br>
+            <a:r>
+              <a:rPr lang="ru-RU" dirty="0" smtClean="0"/>
+              <a:t>Модульное </a:t>
+            </a:r>
+            <a:r>
+              <a:rPr lang="ru-RU" dirty="0"/>
+              <a:t>тестирование </a:t>
+            </a:r>
             <a:endParaRPr lang="en-US" dirty="0"/>
           </a:p>
         </p:txBody>
       </p:sp>
       <p:sp>
         <p:nvSpPr>
-          <p:cNvPr id="6" name="Rectangle 5"/>
+          <p:cNvPr id="5" name="Rectangle 4"/>
           <p:cNvSpPr>
             <a:spLocks noChangeArrowheads="1"/>
           </p:cNvSpPr>
@@ -17998,8 +19830,8 @@
         </p:nvSpPr>
         <p:spPr bwMode="auto">
           <a:xfrm>
-            <a:off x="381000" y="1219200"/>
-            <a:ext cx="6715125" cy="4394598"/>
+            <a:off x="876300" y="2755196"/>
+            <a:ext cx="7391400" cy="1347609"/>
           </a:xfrm>
           <a:prstGeom prst="rect">
             <a:avLst/>
@@ -18018,284 +19850,33 @@
           </a:bodyPr>
           <a:lstStyle/>
           <a:p>
-            <a:pPr marL="287338" indent="-287338" defTabSz="803275">
+            <a:pPr algn="ctr" defTabSz="803275">
               <a:buClr>
                 <a:srgbClr val="FF6600"/>
               </a:buClr>
               <a:buSzPct val="125000"/>
-              <a:buFont typeface="Wingdings" charset="0"/>
-              <a:buChar char="§"/>
             </a:pPr>
             <a:r>
-              <a:rPr lang="en-US" dirty="0" smtClean="0">
-                <a:solidFill>
-                  <a:srgbClr val="004080"/>
-                </a:solidFill>
-                <a:cs typeface="Tahoma" charset="0"/>
+              <a:rPr lang="ru-RU" dirty="0">
+                <a:solidFill>
+                  <a:schemeClr val="accent4"/>
+                </a:solidFill>
               </a:rPr>
-              <a:t>Testable code is cleaner</a:t>
-            </a:r>
-          </a:p>
-          <a:p>
-            <a:pPr marL="287338" indent="-287338" defTabSz="803275">
-              <a:buClr>
-                <a:srgbClr val="FF6600"/>
-              </a:buClr>
-              <a:buSzPct val="125000"/>
-              <a:buFont typeface="Wingdings" charset="0"/>
-              <a:buChar char="§"/>
-            </a:pPr>
-            <a:endParaRPr lang="en-US" dirty="0" smtClean="0">
-              <a:solidFill>
-                <a:srgbClr val="004080"/>
-              </a:solidFill>
-              <a:cs typeface="Tahoma" charset="0"/>
-            </a:endParaRPr>
-          </a:p>
-          <a:p>
-            <a:pPr marL="744538" lvl="1" indent="-287338" defTabSz="803275">
-              <a:buClr>
-                <a:srgbClr val="FF6600"/>
-              </a:buClr>
-              <a:buSzPct val="125000"/>
-              <a:buFont typeface="Wingdings" charset="0"/>
-              <a:buChar char="§"/>
-            </a:pPr>
-            <a:r>
-              <a:rPr lang="en-US" dirty="0" smtClean="0">
-                <a:solidFill>
-                  <a:srgbClr val="004080"/>
-                </a:solidFill>
-                <a:cs typeface="Tahoma" charset="0"/>
-              </a:rPr>
-              <a:t>Lower Complexity</a:t>
-            </a:r>
-          </a:p>
-          <a:p>
-            <a:pPr marL="744538" lvl="1" indent="-287338" defTabSz="803275">
-              <a:buClr>
-                <a:srgbClr val="FF6600"/>
-              </a:buClr>
-              <a:buSzPct val="125000"/>
-              <a:buFont typeface="Wingdings" charset="0"/>
-              <a:buChar char="§"/>
-            </a:pPr>
-            <a:r>
-              <a:rPr lang="en-US" dirty="0" smtClean="0">
-                <a:solidFill>
-                  <a:srgbClr val="004080"/>
-                </a:solidFill>
-                <a:cs typeface="Tahoma" charset="0"/>
-              </a:rPr>
-              <a:t>Loosely Coupled</a:t>
-            </a:r>
-          </a:p>
-          <a:p>
-            <a:pPr marL="744538" lvl="1" indent="-287338" defTabSz="803275">
-              <a:buClr>
-                <a:srgbClr val="FF6600"/>
-              </a:buClr>
-              <a:buSzPct val="125000"/>
-              <a:buFont typeface="Wingdings" charset="0"/>
-              <a:buChar char="§"/>
-            </a:pPr>
-            <a:r>
-              <a:rPr lang="en-US" dirty="0" smtClean="0">
-                <a:solidFill>
-                  <a:srgbClr val="004080"/>
-                </a:solidFill>
-                <a:cs typeface="Tahoma" charset="0"/>
-              </a:rPr>
-              <a:t>Tighter Cohesion</a:t>
-            </a:r>
-          </a:p>
-          <a:p>
-            <a:pPr marL="287338" indent="-287338" defTabSz="803275">
-              <a:buClr>
-                <a:srgbClr val="FF6600"/>
-              </a:buClr>
-              <a:buSzPct val="125000"/>
-              <a:buFont typeface="Wingdings" charset="0"/>
-              <a:buChar char="§"/>
-            </a:pPr>
-            <a:endParaRPr lang="en-US" dirty="0" smtClean="0">
-              <a:solidFill>
-                <a:srgbClr val="004080"/>
-              </a:solidFill>
-              <a:cs typeface="Tahoma" charset="0"/>
-            </a:endParaRPr>
-          </a:p>
-          <a:p>
-            <a:pPr marL="287338" indent="-287338" defTabSz="803275">
-              <a:buClr>
-                <a:srgbClr val="FF6600"/>
-              </a:buClr>
-              <a:buSzPct val="125000"/>
-              <a:buFont typeface="Wingdings" charset="0"/>
-              <a:buChar char="§"/>
-            </a:pPr>
-            <a:r>
-              <a:rPr lang="en-US" dirty="0" smtClean="0">
-                <a:solidFill>
-                  <a:srgbClr val="004080"/>
-                </a:solidFill>
-                <a:cs typeface="Tahoma" charset="0"/>
-              </a:rPr>
-              <a:t>Keeps focus on Simple Design</a:t>
-            </a:r>
-          </a:p>
-          <a:p>
-            <a:pPr marL="287338" indent="-287338" defTabSz="803275">
-              <a:buClr>
-                <a:srgbClr val="FF6600"/>
-              </a:buClr>
-              <a:buSzPct val="125000"/>
-              <a:buFont typeface="Wingdings" charset="0"/>
-              <a:buChar char="§"/>
-            </a:pPr>
-            <a:endParaRPr lang="en-US" dirty="0" smtClean="0">
-              <a:solidFill>
-                <a:srgbClr val="004080"/>
-              </a:solidFill>
-              <a:cs typeface="Tahoma" charset="0"/>
-            </a:endParaRPr>
-          </a:p>
-          <a:p>
-            <a:pPr marL="744538" lvl="1" indent="-287338" defTabSz="803275">
-              <a:buClr>
-                <a:srgbClr val="FF6600"/>
-              </a:buClr>
-              <a:buSzPct val="125000"/>
-              <a:buFont typeface="Wingdings" charset="0"/>
-              <a:buChar char="§"/>
-            </a:pPr>
-            <a:r>
-              <a:rPr lang="en-US" dirty="0" smtClean="0">
-                <a:solidFill>
-                  <a:srgbClr val="004080"/>
-                </a:solidFill>
-                <a:cs typeface="Tahoma" charset="0"/>
-              </a:rPr>
-              <a:t>YAGNI</a:t>
-            </a:r>
-          </a:p>
-          <a:p>
-            <a:pPr marL="744538" lvl="1" indent="-287338" defTabSz="803275">
-              <a:buClr>
-                <a:srgbClr val="FF6600"/>
-              </a:buClr>
-              <a:buSzPct val="125000"/>
-              <a:buFont typeface="Wingdings" charset="0"/>
-              <a:buChar char="§"/>
-            </a:pPr>
-            <a:r>
-              <a:rPr lang="en-US" dirty="0" smtClean="0">
-                <a:solidFill>
-                  <a:srgbClr val="004080"/>
-                </a:solidFill>
-                <a:cs typeface="Tahoma" charset="0"/>
-              </a:rPr>
-              <a:t>DRY</a:t>
-            </a:r>
-          </a:p>
-          <a:p>
-            <a:pPr marL="287338" indent="-287338" defTabSz="803275">
-              <a:buClr>
-                <a:srgbClr val="FF6600"/>
-              </a:buClr>
-              <a:buSzPct val="125000"/>
-              <a:buFont typeface="Wingdings" charset="0"/>
-              <a:buChar char="§"/>
-            </a:pPr>
-            <a:endParaRPr lang="en-US" dirty="0" smtClean="0">
-              <a:solidFill>
-                <a:srgbClr val="004080"/>
-              </a:solidFill>
-              <a:cs typeface="Tahoma" charset="0"/>
-            </a:endParaRPr>
-          </a:p>
-          <a:p>
-            <a:pPr marL="287338" indent="-287338" defTabSz="803275">
-              <a:buClr>
-                <a:srgbClr val="FF6600"/>
-              </a:buClr>
-              <a:buSzPct val="125000"/>
-              <a:buFont typeface="Wingdings" charset="0"/>
-              <a:buChar char="§"/>
-            </a:pPr>
-            <a:r>
-              <a:rPr lang="en-US" dirty="0" smtClean="0">
-                <a:solidFill>
-                  <a:srgbClr val="004080"/>
-                </a:solidFill>
-                <a:cs typeface="Tahoma" charset="0"/>
-              </a:rPr>
-              <a:t>Continuous Refactoring</a:t>
-            </a:r>
-          </a:p>
-          <a:p>
-            <a:pPr marL="287338" indent="-287338" defTabSz="803275">
-              <a:buClr>
-                <a:srgbClr val="FF6600"/>
-              </a:buClr>
-              <a:buSzPct val="125000"/>
-              <a:buFont typeface="Wingdings" charset="0"/>
-              <a:buChar char="§"/>
-            </a:pPr>
-            <a:endParaRPr lang="en-US" dirty="0" smtClean="0">
-              <a:solidFill>
-                <a:srgbClr val="004080"/>
-              </a:solidFill>
-              <a:cs typeface="Tahoma" charset="0"/>
-            </a:endParaRPr>
-          </a:p>
-          <a:p>
-            <a:pPr marL="287338" indent="-287338" defTabSz="803275">
-              <a:buClr>
-                <a:srgbClr val="FF6600"/>
-              </a:buClr>
-              <a:buSzPct val="125000"/>
-              <a:buFont typeface="Wingdings" charset="0"/>
-              <a:buChar char="§"/>
-            </a:pPr>
-            <a:endParaRPr lang="en-US" dirty="0" smtClean="0">
-              <a:solidFill>
-                <a:srgbClr val="004080"/>
-              </a:solidFill>
-              <a:cs typeface="Tahoma" charset="0"/>
-            </a:endParaRPr>
-          </a:p>
-          <a:p>
-            <a:pPr marL="287338" indent="-287338" defTabSz="803275">
-              <a:buClr>
-                <a:srgbClr val="FF6600"/>
-              </a:buClr>
-              <a:buSzPct val="125000"/>
-              <a:buFont typeface="Wingdings" charset="0"/>
-              <a:buChar char="§"/>
-            </a:pPr>
-            <a:endParaRPr lang="nb-NO" dirty="0" smtClean="0">
-              <a:solidFill>
-                <a:srgbClr val="004080"/>
-              </a:solidFill>
-              <a:cs typeface="Tahoma" charset="0"/>
-            </a:endParaRPr>
+              <a:t>Модульное тестирование проверяет функциональность и ищет дефекты в частях приложения, которые доступны и могут быть протестированы по отдельности (модули программ, объекты, классы, функции и т.д.)</a:t>
+            </a:r>
           </a:p>
         </p:txBody>
       </p:sp>
     </p:spTree>
     <p:extLst>
       <p:ext uri="{BB962C8B-B14F-4D97-AF65-F5344CB8AC3E}">
-        <p14:creationId xmlns:p14="http://schemas.microsoft.com/office/powerpoint/2010/main" val="2302689440"/>
+        <p14:creationId xmlns:p14="http://schemas.microsoft.com/office/powerpoint/2010/main" val="1590054689"/>
       </p:ext>
     </p:extLst>
   </p:cSld>
   <p:clrMapOvr>
     <a:masterClrMapping/>
   </p:clrMapOvr>
-  <p:transition xmlns:p14="http://schemas.microsoft.com/office/powerpoint/2010/main" spd="slow">
-    <p:fade/>
-  </p:transition>
   <p:timing>
     <p:tnLst>
       <p:par>
@@ -18325,36 +19906,301 @@
       </p:grpSpPr>
       <p:sp>
         <p:nvSpPr>
-          <p:cNvPr id="7" name="Text Placeholder 6"/>
+          <p:cNvPr id="3" name="Title 2"/>
           <p:cNvSpPr>
             <a:spLocks noGrp="1"/>
           </p:cNvSpPr>
           <p:nvPr>
-            <p:ph type="body" sz="quarter" idx="20"/>
-          </p:nvPr>
-        </p:nvSpPr>
-        <p:spPr>
-          <a:xfrm>
-            <a:off x="2127250" y="2432649"/>
-            <a:ext cx="6467476" cy="576293"/>
-          </a:xfrm>
-        </p:spPr>
+            <p:ph type="title"/>
+          </p:nvPr>
+        </p:nvSpPr>
+        <p:spPr/>
         <p:txBody>
           <a:bodyPr/>
           <a:lstStyle/>
           <a:p>
             <a:r>
               <a:rPr lang="ru-RU" dirty="0" smtClean="0"/>
-              <a:t>Вопросы ?</a:t>
+              <a:t>Почему</a:t>
+            </a:r>
+            <a:r>
+              <a:rPr lang="en-US" dirty="0" smtClean="0"/>
+              <a:t> </a:t>
+            </a:r>
+            <a:r>
+              <a:rPr lang="en-US" dirty="0"/>
+              <a:t>TDD? </a:t>
+            </a:r>
+            <a:r>
+              <a:rPr lang="ru-RU" dirty="0" smtClean="0"/>
+              <a:t>Потому что</a:t>
+            </a:r>
+            <a:r>
+              <a:rPr lang="en-US" dirty="0" smtClean="0"/>
+              <a:t>:</a:t>
             </a:r>
             <a:endParaRPr lang="en-US" dirty="0"/>
+          </a:p>
+        </p:txBody>
+      </p:sp>
+      <p:sp>
+        <p:nvSpPr>
+          <p:cNvPr id="21" name="Rectangle 20"/>
+          <p:cNvSpPr>
+            <a:spLocks noChangeArrowheads="1"/>
+          </p:cNvSpPr>
+          <p:nvPr>
+            <p:custDataLst>
+              <p:tags r:id="rId1"/>
+            </p:custDataLst>
+          </p:nvPr>
+        </p:nvSpPr>
+        <p:spPr bwMode="auto">
+          <a:xfrm>
+            <a:off x="2133600" y="2209800"/>
+            <a:ext cx="4952999" cy="3009602"/>
+          </a:xfrm>
+          <a:prstGeom prst="rect">
+            <a:avLst/>
+          </a:prstGeom>
+          <a:noFill/>
+          <a:ln w="19050">
+            <a:noFill/>
+            <a:miter lim="800000"/>
+            <a:headEnd/>
+            <a:tailEnd/>
+          </a:ln>
+        </p:spPr>
+        <p:txBody>
+          <a:bodyPr wrap="square" lIns="93296" tIns="144000" rIns="93296" bIns="93296">
+            <a:spAutoFit/>
+          </a:bodyPr>
+          <a:lstStyle/>
+          <a:p>
+            <a:pPr defTabSz="803275">
+              <a:buClr>
+                <a:srgbClr val="FF6600"/>
+              </a:buClr>
+              <a:buSzPct val="125000"/>
+            </a:pPr>
+            <a:r>
+              <a:rPr lang="en-US" b="1" dirty="0">
+                <a:solidFill>
+                  <a:srgbClr val="004080"/>
+                </a:solidFill>
+                <a:cs typeface="Tahoma" charset="0"/>
+              </a:rPr>
+              <a:t>In many software processes:</a:t>
+            </a:r>
+          </a:p>
+          <a:p>
+            <a:pPr defTabSz="803275">
+              <a:buClr>
+                <a:srgbClr val="FF6600"/>
+              </a:buClr>
+              <a:buSzPct val="125000"/>
+            </a:pPr>
+            <a:endParaRPr lang="en-US" dirty="0" smtClean="0">
+              <a:solidFill>
+                <a:srgbClr val="004080"/>
+              </a:solidFill>
+              <a:cs typeface="Tahoma" charset="0"/>
+            </a:endParaRPr>
+          </a:p>
+          <a:p>
+            <a:pPr marL="285750" indent="-285750" defTabSz="803275">
+              <a:buClr>
+                <a:srgbClr val="FF6600"/>
+              </a:buClr>
+              <a:buSzPct val="125000"/>
+              <a:buFont typeface="Wingdings" pitchFamily="2" charset="2"/>
+              <a:buChar char="§"/>
+            </a:pPr>
+            <a:r>
+              <a:rPr lang="en-US" dirty="0" smtClean="0">
+                <a:solidFill>
+                  <a:srgbClr val="004080"/>
+                </a:solidFill>
+                <a:cs typeface="Tahoma" charset="0"/>
+              </a:rPr>
+              <a:t>Testing </a:t>
+            </a:r>
+            <a:r>
+              <a:rPr lang="en-US" dirty="0">
+                <a:solidFill>
+                  <a:srgbClr val="004080"/>
+                </a:solidFill>
+                <a:cs typeface="Tahoma" charset="0"/>
+              </a:rPr>
+              <a:t>is planned late in the </a:t>
+            </a:r>
+            <a:r>
+              <a:rPr lang="en-US" dirty="0" smtClean="0">
+                <a:solidFill>
+                  <a:srgbClr val="004080"/>
+                </a:solidFill>
+                <a:cs typeface="Tahoma" charset="0"/>
+              </a:rPr>
+              <a:t>development </a:t>
+            </a:r>
+            <a:r>
+              <a:rPr lang="en-US" dirty="0">
+                <a:solidFill>
+                  <a:srgbClr val="004080"/>
+                </a:solidFill>
+                <a:cs typeface="Tahoma" charset="0"/>
+              </a:rPr>
+              <a:t>cycle</a:t>
+            </a:r>
+          </a:p>
+          <a:p>
+            <a:pPr marL="287338" indent="-287338" defTabSz="803275">
+              <a:buClr>
+                <a:srgbClr val="FF6600"/>
+              </a:buClr>
+              <a:buSzPct val="125000"/>
+              <a:buFont typeface="Wingdings" charset="0"/>
+              <a:buChar char="§"/>
+            </a:pPr>
+            <a:endParaRPr lang="en-US" dirty="0">
+              <a:solidFill>
+                <a:srgbClr val="004080"/>
+              </a:solidFill>
+              <a:cs typeface="Tahoma" charset="0"/>
+            </a:endParaRPr>
+          </a:p>
+          <a:p>
+            <a:pPr defTabSz="803275">
+              <a:buClr>
+                <a:srgbClr val="FF6600"/>
+              </a:buClr>
+              <a:buSzPct val="125000"/>
+            </a:pPr>
+            <a:r>
+              <a:rPr lang="en-US" b="1" dirty="0" smtClean="0">
+                <a:solidFill>
+                  <a:srgbClr val="004080"/>
+                </a:solidFill>
+                <a:cs typeface="Tahoma" charset="0"/>
+              </a:rPr>
+              <a:t>Insufficient </a:t>
+            </a:r>
+            <a:r>
+              <a:rPr lang="en-US" b="1" dirty="0">
+                <a:solidFill>
+                  <a:srgbClr val="004080"/>
+                </a:solidFill>
+                <a:cs typeface="Tahoma" charset="0"/>
+              </a:rPr>
+              <a:t>Time/budget</a:t>
+            </a:r>
+          </a:p>
+          <a:p>
+            <a:pPr marL="287338" indent="-287338" defTabSz="803275">
+              <a:buClr>
+                <a:srgbClr val="FF6600"/>
+              </a:buClr>
+              <a:buSzPct val="125000"/>
+              <a:buFont typeface="Wingdings" charset="0"/>
+              <a:buChar char="§"/>
+            </a:pPr>
+            <a:endParaRPr lang="en-US" dirty="0">
+              <a:solidFill>
+                <a:srgbClr val="004080"/>
+              </a:solidFill>
+              <a:cs typeface="Tahoma" charset="0"/>
+            </a:endParaRPr>
+          </a:p>
+          <a:p>
+            <a:pPr marL="285750" indent="-285750" defTabSz="803275">
+              <a:buClr>
+                <a:srgbClr val="FF6600"/>
+              </a:buClr>
+              <a:buSzPct val="125000"/>
+              <a:buFont typeface="Wingdings" pitchFamily="2" charset="2"/>
+              <a:buChar char="§"/>
+            </a:pPr>
+            <a:r>
+              <a:rPr lang="en-US" dirty="0" smtClean="0">
+                <a:solidFill>
+                  <a:srgbClr val="004080"/>
+                </a:solidFill>
+                <a:cs typeface="Tahoma" charset="0"/>
+              </a:rPr>
+              <a:t>Shorten </a:t>
+            </a:r>
+            <a:r>
+              <a:rPr lang="en-US" dirty="0">
+                <a:solidFill>
+                  <a:srgbClr val="004080"/>
+                </a:solidFill>
+                <a:cs typeface="Tahoma" charset="0"/>
+              </a:rPr>
+              <a:t>test period </a:t>
+            </a:r>
+            <a:endParaRPr lang="ru-RU" dirty="0" smtClean="0">
+              <a:solidFill>
+                <a:srgbClr val="004080"/>
+              </a:solidFill>
+              <a:cs typeface="Tahoma" charset="0"/>
+            </a:endParaRPr>
+          </a:p>
+          <a:p>
+            <a:pPr marL="285750" indent="-285750" defTabSz="803275">
+              <a:buClr>
+                <a:srgbClr val="FF6600"/>
+              </a:buClr>
+              <a:buSzPct val="125000"/>
+              <a:buFont typeface="Wingdings" pitchFamily="2" charset="2"/>
+              <a:buChar char="§"/>
+            </a:pPr>
+            <a:endParaRPr lang="en-US" dirty="0">
+              <a:solidFill>
+                <a:srgbClr val="004080"/>
+              </a:solidFill>
+              <a:cs typeface="Tahoma" charset="0"/>
+            </a:endParaRPr>
+          </a:p>
+          <a:p>
+            <a:pPr marL="285750" indent="-285750" defTabSz="803275">
+              <a:buClr>
+                <a:srgbClr val="FF6600"/>
+              </a:buClr>
+              <a:buSzPct val="125000"/>
+              <a:buFont typeface="Wingdings" pitchFamily="2" charset="2"/>
+              <a:buChar char="§"/>
+            </a:pPr>
+            <a:r>
+              <a:rPr lang="en-US" dirty="0" smtClean="0">
+                <a:solidFill>
+                  <a:srgbClr val="004080"/>
+                </a:solidFill>
+                <a:cs typeface="Tahoma" charset="0"/>
+              </a:rPr>
+              <a:t>Drop </a:t>
+            </a:r>
+            <a:r>
+              <a:rPr lang="en-US" dirty="0">
+                <a:solidFill>
+                  <a:srgbClr val="004080"/>
+                </a:solidFill>
+                <a:cs typeface="Tahoma" charset="0"/>
+              </a:rPr>
+              <a:t>the tests </a:t>
+            </a:r>
+            <a:endParaRPr lang="nb-NO" dirty="0" smtClean="0">
+              <a:solidFill>
+                <a:srgbClr val="004080"/>
+              </a:solidFill>
+              <a:cs typeface="Tahoma" charset="0"/>
+            </a:endParaRPr>
           </a:p>
         </p:txBody>
       </p:sp>
     </p:spTree>
     <p:extLst>
       <p:ext uri="{BB962C8B-B14F-4D97-AF65-F5344CB8AC3E}">
-        <p14:creationId xmlns:p14="http://schemas.microsoft.com/office/powerpoint/2010/main" val="2964007123"/>
+        <p14:creationId xmlns:p14="http://schemas.microsoft.com/office/powerpoint/2010/main" val="1390307067"/>
       </p:ext>
     </p:extLst>
   </p:cSld>
@@ -18393,12 +20239,12 @@
       </p:grpSpPr>
       <p:sp>
         <p:nvSpPr>
-          <p:cNvPr id="7" name="Subtitle 6"/>
+          <p:cNvPr id="2" name="Title 1"/>
           <p:cNvSpPr>
             <a:spLocks noGrp="1"/>
           </p:cNvSpPr>
           <p:nvPr>
-            <p:ph type="subTitle" idx="1"/>
+            <p:ph type="title"/>
           </p:nvPr>
         </p:nvSpPr>
         <p:spPr/>
@@ -18407,185 +20253,667 @@
           <a:lstStyle/>
           <a:p>
             <a:r>
-              <a:rPr lang="en-US" dirty="0">
-                <a:latin typeface="Arial" charset="0"/>
+              <a:rPr lang="ru-RU" dirty="0"/>
+              <a:t>Эффективность автоматизации</a:t>
+            </a:r>
+            <a:endParaRPr lang="en-US" dirty="0"/>
+          </a:p>
+        </p:txBody>
+      </p:sp>
+      <p:sp>
+        <p:nvSpPr>
+          <p:cNvPr id="5" name="Rectangle 4"/>
+          <p:cNvSpPr>
+            <a:spLocks noChangeArrowheads="1"/>
+          </p:cNvSpPr>
+          <p:nvPr>
+            <p:custDataLst>
+              <p:tags r:id="rId1"/>
+            </p:custDataLst>
+          </p:nvPr>
+        </p:nvSpPr>
+        <p:spPr bwMode="auto">
+          <a:xfrm>
+            <a:off x="762000" y="5334000"/>
+            <a:ext cx="8077200" cy="793611"/>
+          </a:xfrm>
+          <a:prstGeom prst="rect">
+            <a:avLst/>
+          </a:prstGeom>
+          <a:noFill/>
+          <a:ln w="19050">
+            <a:noFill/>
+            <a:miter lim="800000"/>
+            <a:headEnd/>
+            <a:tailEnd/>
+          </a:ln>
+        </p:spPr>
+        <p:txBody>
+          <a:bodyPr wrap="square" lIns="93296" tIns="144000" rIns="93296" bIns="93296">
+            <a:spAutoFit/>
+          </a:bodyPr>
+          <a:lstStyle/>
+          <a:p>
+            <a:pPr algn="ctr" defTabSz="803275">
+              <a:buClr>
+                <a:srgbClr val="FF6600"/>
+              </a:buClr>
+              <a:buSzPct val="125000"/>
+            </a:pPr>
+            <a:r>
+              <a:rPr lang="ru-RU" dirty="0">
+                <a:solidFill>
+                  <a:schemeClr val="accent4"/>
+                </a:solidFill>
               </a:rPr>
-              <a:t>Разработка через </a:t>
-            </a:r>
-            <a:r>
-              <a:rPr lang="en-US" dirty="0" smtClean="0">
-                <a:latin typeface="Arial" charset="0"/>
+              <a:t>О</a:t>
+            </a:r>
+            <a:r>
+              <a:rPr lang="ru-RU" dirty="0" smtClean="0">
+                <a:solidFill>
+                  <a:schemeClr val="accent4"/>
+                </a:solidFill>
               </a:rPr>
-              <a:t>тестирование</a:t>
-            </a:r>
-            <a:r>
-              <a:rPr lang="en-US" dirty="0">
-                <a:latin typeface="Arial" charset="0"/>
+              <a:t>ценка </a:t>
+            </a:r>
+            <a:r>
+              <a:rPr lang="ru-RU" dirty="0">
+                <a:solidFill>
+                  <a:schemeClr val="accent4"/>
+                </a:solidFill>
               </a:rPr>
-              <a:t/>
-            </a:r>
-            <a:br>
-              <a:rPr lang="en-US" dirty="0">
-                <a:latin typeface="Arial" charset="0"/>
+              <a:t>распределения трудоемкости между фазами создания программного продукта: 40%-20%-40</a:t>
+            </a:r>
+            <a:r>
+              <a:rPr lang="ru-RU" dirty="0" smtClean="0">
+                <a:solidFill>
+                  <a:schemeClr val="accent4"/>
+                </a:solidFill>
               </a:rPr>
-            </a:br>
-            <a:endParaRPr lang="en-US" dirty="0"/>
-          </a:p>
-        </p:txBody>
-      </p:sp>
-      <p:sp>
-        <p:nvSpPr>
-          <p:cNvPr id="8" name="Text Placeholder 7"/>
-          <p:cNvSpPr>
-            <a:spLocks noGrp="1"/>
-          </p:cNvSpPr>
-          <p:nvPr>
-            <p:ph type="body" sz="quarter" idx="11"/>
-          </p:nvPr>
-        </p:nvSpPr>
-        <p:spPr/>
-        <p:txBody>
-          <a:bodyPr/>
-          <a:lstStyle/>
-          <a:p>
-            <a:r>
-              <a:rPr lang="en-US" dirty="0" err="1" smtClean="0"/>
-              <a:t>git</a:t>
-            </a:r>
-            <a:r>
-              <a:rPr lang="en-US" dirty="0" smtClean="0"/>
-              <a:t> </a:t>
-            </a:r>
-            <a:r>
-              <a:rPr lang="en-US" dirty="0"/>
-              <a:t>clone </a:t>
-            </a:r>
-            <a:r>
-              <a:rPr lang="en-US" dirty="0" err="1"/>
-              <a:t>git</a:t>
-            </a:r>
-            <a:r>
-              <a:rPr lang="en-US" dirty="0"/>
-              <a:t>://</a:t>
-            </a:r>
-            <a:r>
-              <a:rPr lang="en-US" dirty="0" err="1"/>
-              <a:t>github.com</a:t>
-            </a:r>
-            <a:r>
-              <a:rPr lang="en-US" dirty="0"/>
-              <a:t>/</a:t>
-            </a:r>
-            <a:r>
-              <a:rPr lang="en-US" dirty="0" err="1"/>
-              <a:t>ivan-dyachenko</a:t>
-            </a:r>
-            <a:r>
-              <a:rPr lang="en-US" dirty="0"/>
-              <a:t>/</a:t>
-            </a:r>
-            <a:r>
-              <a:rPr lang="en-US" dirty="0" err="1"/>
-              <a:t>Trainings.git</a:t>
-            </a:r>
-            <a:endParaRPr lang="en-US" dirty="0"/>
-          </a:p>
-        </p:txBody>
-      </p:sp>
-      <p:sp>
-        <p:nvSpPr>
-          <p:cNvPr id="9" name="Text Placeholder 8"/>
-          <p:cNvSpPr>
-            <a:spLocks noGrp="1"/>
-          </p:cNvSpPr>
-          <p:nvPr>
-            <p:ph type="body" sz="quarter" idx="12"/>
-          </p:nvPr>
-        </p:nvSpPr>
-        <p:spPr/>
-        <p:txBody>
-          <a:bodyPr/>
-          <a:lstStyle/>
-          <a:p>
-            <a:r>
-              <a:rPr lang="en-US" dirty="0" err="1" smtClean="0"/>
-              <a:t>IDyachenko@luxoft.com</a:t>
-            </a:r>
-            <a:endParaRPr lang="en-US" dirty="0"/>
-          </a:p>
-        </p:txBody>
-      </p:sp>
-      <p:sp>
-        <p:nvSpPr>
-          <p:cNvPr id="10" name="Text Placeholder 9"/>
-          <p:cNvSpPr>
-            <a:spLocks noGrp="1"/>
-          </p:cNvSpPr>
-          <p:nvPr>
-            <p:ph type="body" sz="quarter" idx="13"/>
-          </p:nvPr>
-        </p:nvSpPr>
-        <p:spPr/>
-        <p:txBody>
-          <a:bodyPr/>
-          <a:lstStyle/>
-          <a:p>
-            <a:r>
-              <a:rPr lang="en-US" dirty="0"/>
-              <a:t>https://</a:t>
-            </a:r>
-            <a:r>
-              <a:rPr lang="en-US" dirty="0" err="1"/>
-              <a:t>github.com</a:t>
-            </a:r>
-            <a:r>
-              <a:rPr lang="en-US" dirty="0"/>
-              <a:t>/</a:t>
-            </a:r>
-            <a:r>
-              <a:rPr lang="en-US" dirty="0" err="1"/>
-              <a:t>ivan-dyachenko</a:t>
-            </a:r>
-            <a:r>
-              <a:rPr lang="en-US" dirty="0"/>
-              <a:t>/Trainings</a:t>
-            </a:r>
-            <a:endParaRPr lang="en-US" dirty="0"/>
-          </a:p>
-        </p:txBody>
-      </p:sp>
-      <p:sp>
-        <p:nvSpPr>
-          <p:cNvPr id="11" name="Text Placeholder 10"/>
-          <p:cNvSpPr>
-            <a:spLocks noGrp="1"/>
-          </p:cNvSpPr>
-          <p:nvPr>
-            <p:ph type="body" sz="quarter" idx="14"/>
-          </p:nvPr>
-        </p:nvSpPr>
-        <p:spPr/>
-        <p:txBody>
-          <a:bodyPr/>
-          <a:lstStyle/>
-          <a:p>
-            <a:endParaRPr lang="en-US"/>
-          </a:p>
-        </p:txBody>
-      </p:sp>
+              <a:t>%</a:t>
+            </a:r>
+            <a:endParaRPr lang="ru-RU" dirty="0">
+              <a:solidFill>
+                <a:schemeClr val="accent4"/>
+              </a:solidFill>
+            </a:endParaRPr>
+          </a:p>
+        </p:txBody>
+      </p:sp>
+      <p:pic>
+        <p:nvPicPr>
+          <p:cNvPr id="1026" name="Picture 2" descr="http://swsys.ru/uploaded/image/2011-4/image2743.png"/>
+          <p:cNvPicPr>
+            <a:picLocks noChangeAspect="1" noChangeArrowheads="1"/>
+          </p:cNvPicPr>
+          <p:nvPr/>
+        </p:nvPicPr>
+        <p:blipFill>
+          <a:blip r:embed="rId4">
+            <a:extLst>
+              <a:ext uri="{28A0092B-C50C-407E-A947-70E740481C1C}">
+                <a14:useLocalDpi xmlns:a14="http://schemas.microsoft.com/office/drawing/2010/main" val="0"/>
+              </a:ext>
+            </a:extLst>
+          </a:blip>
+          <a:srcRect/>
+          <a:stretch>
+            <a:fillRect/>
+          </a:stretch>
+        </p:blipFill>
+        <p:spPr bwMode="auto">
+          <a:xfrm>
+            <a:off x="3433762" y="1828800"/>
+            <a:ext cx="2733675" cy="2181226"/>
+          </a:xfrm>
+          <a:prstGeom prst="rect">
+            <a:avLst/>
+          </a:prstGeom>
+          <a:noFill/>
+          <a:extLst>
+            <a:ext uri="{909E8E84-426E-40dd-AFC4-6F175D3DCCD1}">
+              <a14:hiddenFill xmlns:a14="http://schemas.microsoft.com/office/drawing/2010/main">
+                <a:solidFill>
+                  <a:srgbClr val="FFFFFF"/>
+                </a:solidFill>
+              </a14:hiddenFill>
+            </a:ext>
+          </a:extLst>
+        </p:spPr>
+      </p:pic>
     </p:spTree>
     <p:extLst>
       <p:ext uri="{BB962C8B-B14F-4D97-AF65-F5344CB8AC3E}">
-        <p14:creationId xmlns:p14="http://schemas.microsoft.com/office/powerpoint/2010/main" val="1157964761"/>
+        <p14:creationId xmlns:p14="http://schemas.microsoft.com/office/powerpoint/2010/main" val="727255701"/>
       </p:ext>
     </p:extLst>
   </p:cSld>
   <p:clrMapOvr>
     <a:masterClrMapping/>
   </p:clrMapOvr>
-  <p:transition xmlns:p14="http://schemas.microsoft.com/office/powerpoint/2010/main">
-    <p:zoom/>
+  <p:timing>
+    <p:tnLst>
+      <p:par>
+        <p:cTn xmlns:p14="http://schemas.microsoft.com/office/powerpoint/2010/main" id="1" dur="indefinite" restart="never" nodeType="tmRoot"/>
+      </p:par>
+    </p:tnLst>
+  </p:timing>
+</p:sld>
+</file>
+
+<file path=ppt/slides/slide18.xml><?xml version="1.0" encoding="utf-8"?>
+<p:sld xmlns:a="http://schemas.openxmlformats.org/drawingml/2006/main" xmlns:r="http://schemas.openxmlformats.org/officeDocument/2006/relationships" xmlns:p="http://schemas.openxmlformats.org/presentationml/2006/main">
+  <p:cSld>
+    <p:spTree>
+      <p:nvGrpSpPr>
+        <p:cNvPr id="1" name=""/>
+        <p:cNvGrpSpPr/>
+        <p:nvPr/>
+      </p:nvGrpSpPr>
+      <p:grpSpPr>
+        <a:xfrm>
+          <a:off x="0" y="0"/>
+          <a:ext cx="0" cy="0"/>
+          <a:chOff x="0" y="0"/>
+          <a:chExt cx="0" cy="0"/>
+        </a:xfrm>
+      </p:grpSpPr>
+      <p:sp>
+        <p:nvSpPr>
+          <p:cNvPr id="2" name="Title 1"/>
+          <p:cNvSpPr>
+            <a:spLocks noGrp="1"/>
+          </p:cNvSpPr>
+          <p:nvPr>
+            <p:ph type="title"/>
+          </p:nvPr>
+        </p:nvSpPr>
+        <p:spPr/>
+        <p:txBody>
+          <a:bodyPr/>
+          <a:lstStyle/>
+          <a:p>
+            <a:r>
+              <a:rPr lang="ru-RU" dirty="0"/>
+              <a:t>Эффективность автоматизации</a:t>
+            </a:r>
+            <a:endParaRPr lang="en-US" dirty="0"/>
+          </a:p>
+        </p:txBody>
+      </p:sp>
+      <p:sp>
+        <p:nvSpPr>
+          <p:cNvPr id="6" name="Rectangle 5"/>
+          <p:cNvSpPr>
+            <a:spLocks noChangeArrowheads="1"/>
+          </p:cNvSpPr>
+          <p:nvPr>
+            <p:custDataLst>
+              <p:tags r:id="rId1"/>
+            </p:custDataLst>
+          </p:nvPr>
+        </p:nvSpPr>
+        <p:spPr bwMode="auto">
+          <a:xfrm>
+            <a:off x="1295400" y="2339697"/>
+            <a:ext cx="6553200" cy="2178606"/>
+          </a:xfrm>
+          <a:prstGeom prst="rect">
+            <a:avLst/>
+          </a:prstGeom>
+          <a:noFill/>
+          <a:ln w="19050">
+            <a:noFill/>
+            <a:miter lim="800000"/>
+            <a:headEnd/>
+            <a:tailEnd/>
+          </a:ln>
+        </p:spPr>
+        <p:txBody>
+          <a:bodyPr wrap="square" lIns="93296" tIns="144000" rIns="93296" bIns="93296">
+            <a:spAutoFit/>
+          </a:bodyPr>
+          <a:lstStyle/>
+          <a:p>
+            <a:pPr marL="287338" indent="-287338" defTabSz="803275">
+              <a:buClr>
+                <a:srgbClr val="FF6600"/>
+              </a:buClr>
+              <a:buSzPct val="125000"/>
+              <a:buFont typeface="Wingdings" charset="0"/>
+              <a:buChar char="§"/>
+            </a:pPr>
+            <a:r>
+              <a:rPr lang="ru-RU" dirty="0" smtClean="0">
+                <a:solidFill>
+                  <a:schemeClr val="accent4"/>
+                </a:solidFill>
+              </a:rPr>
+              <a:t>Следовательно</a:t>
+            </a:r>
+            <a:r>
+              <a:rPr lang="ru-RU" dirty="0">
+                <a:solidFill>
+                  <a:schemeClr val="accent4"/>
+                </a:solidFill>
+              </a:rPr>
+              <a:t>, наибольший эффект в снижении трудоемкости может быть получен прежде всего на фазах Design и </a:t>
+            </a:r>
+            <a:r>
+              <a:rPr lang="ru-RU" dirty="0" smtClean="0">
+                <a:solidFill>
+                  <a:schemeClr val="accent4"/>
+                </a:solidFill>
+              </a:rPr>
+              <a:t>Testing</a:t>
+            </a:r>
+          </a:p>
+          <a:p>
+            <a:pPr marL="287338" indent="-287338" defTabSz="803275">
+              <a:buClr>
+                <a:srgbClr val="FF6600"/>
+              </a:buClr>
+              <a:buSzPct val="125000"/>
+              <a:buFont typeface="Wingdings" charset="0"/>
+              <a:buChar char="§"/>
+            </a:pPr>
+            <a:endParaRPr lang="ru-RU" dirty="0">
+              <a:solidFill>
+                <a:schemeClr val="accent4"/>
+              </a:solidFill>
+            </a:endParaRPr>
+          </a:p>
+          <a:p>
+            <a:pPr marL="287338" indent="-287338" defTabSz="803275">
+              <a:buClr>
+                <a:srgbClr val="FF6600"/>
+              </a:buClr>
+              <a:buSzPct val="125000"/>
+              <a:buFont typeface="Wingdings" charset="0"/>
+              <a:buChar char="§"/>
+            </a:pPr>
+            <a:r>
+              <a:rPr lang="ru-RU" dirty="0">
+                <a:solidFill>
+                  <a:schemeClr val="accent4"/>
+                </a:solidFill>
+              </a:rPr>
+              <a:t>А значит и основные вложения в автоматизацию или генерацию кода следует осуществлять, прежде всего, на этих фазах</a:t>
+            </a:r>
+          </a:p>
+        </p:txBody>
+      </p:sp>
+    </p:spTree>
+    <p:extLst>
+      <p:ext uri="{BB962C8B-B14F-4D97-AF65-F5344CB8AC3E}">
+        <p14:creationId xmlns:p14="http://schemas.microsoft.com/office/powerpoint/2010/main" val="2603391948"/>
+      </p:ext>
+    </p:extLst>
+  </p:cSld>
+  <p:clrMapOvr>
+    <a:masterClrMapping/>
+  </p:clrMapOvr>
+  <p:timing>
+    <p:tnLst>
+      <p:par>
+        <p:cTn xmlns:p14="http://schemas.microsoft.com/office/powerpoint/2010/main" id="1" dur="indefinite" restart="never" nodeType="tmRoot"/>
+      </p:par>
+    </p:tnLst>
+  </p:timing>
+</p:sld>
+</file>
+
+<file path=ppt/slides/slide19.xml><?xml version="1.0" encoding="utf-8"?>
+<p:sld xmlns:a="http://schemas.openxmlformats.org/drawingml/2006/main" xmlns:r="http://schemas.openxmlformats.org/officeDocument/2006/relationships" xmlns:p="http://schemas.openxmlformats.org/presentationml/2006/main">
+  <p:cSld>
+    <p:spTree>
+      <p:nvGrpSpPr>
+        <p:cNvPr id="1" name=""/>
+        <p:cNvGrpSpPr/>
+        <p:nvPr/>
+      </p:nvGrpSpPr>
+      <p:grpSpPr>
+        <a:xfrm>
+          <a:off x="0" y="0"/>
+          <a:ext cx="0" cy="0"/>
+          <a:chOff x="0" y="0"/>
+          <a:chExt cx="0" cy="0"/>
+        </a:xfrm>
+      </p:grpSpPr>
+      <p:sp>
+        <p:nvSpPr>
+          <p:cNvPr id="9221" name="Title 1"/>
+          <p:cNvSpPr>
+            <a:spLocks noGrp="1"/>
+          </p:cNvSpPr>
+          <p:nvPr>
+            <p:ph type="title"/>
+          </p:nvPr>
+        </p:nvSpPr>
+        <p:spPr/>
+        <p:txBody>
+          <a:bodyPr/>
+          <a:lstStyle/>
+          <a:p>
+            <a:r>
+              <a:rPr lang="en-US" dirty="0" smtClean="0">
+                <a:solidFill>
+                  <a:srgbClr val="161645"/>
+                </a:solidFill>
+                <a:latin typeface="Arial" charset="0"/>
+              </a:rPr>
+              <a:t>Unit Testing</a:t>
+            </a:r>
+            <a:endParaRPr lang="ru-RU" dirty="0">
+              <a:solidFill>
+                <a:srgbClr val="161645"/>
+              </a:solidFill>
+              <a:latin typeface="Arial" charset="0"/>
+            </a:endParaRPr>
+          </a:p>
+        </p:txBody>
+      </p:sp>
+      <p:sp>
+        <p:nvSpPr>
+          <p:cNvPr id="5" name="TextBox 4"/>
+          <p:cNvSpPr txBox="1"/>
+          <p:nvPr/>
+        </p:nvSpPr>
+        <p:spPr>
+          <a:xfrm>
+            <a:off x="8731250" y="6683375"/>
+            <a:ext cx="184666" cy="369332"/>
+          </a:xfrm>
+          <a:prstGeom prst="rect">
+            <a:avLst/>
+          </a:prstGeom>
+          <a:noFill/>
+        </p:spPr>
+        <p:txBody>
+          <a:bodyPr wrap="none" rtlCol="0">
+            <a:spAutoFit/>
+          </a:bodyPr>
+          <a:lstStyle/>
+          <a:p>
+            <a:endParaRPr lang="en-US" dirty="0"/>
+          </a:p>
+        </p:txBody>
+      </p:sp>
+      <p:sp>
+        <p:nvSpPr>
+          <p:cNvPr id="19" name="Rectangle 18"/>
+          <p:cNvSpPr>
+            <a:spLocks noChangeArrowheads="1"/>
+          </p:cNvSpPr>
+          <p:nvPr>
+            <p:custDataLst>
+              <p:tags r:id="rId1"/>
+            </p:custDataLst>
+          </p:nvPr>
+        </p:nvSpPr>
+        <p:spPr bwMode="auto">
+          <a:xfrm>
+            <a:off x="1214438" y="2057400"/>
+            <a:ext cx="6862762" cy="3009603"/>
+          </a:xfrm>
+          <a:prstGeom prst="rect">
+            <a:avLst/>
+          </a:prstGeom>
+          <a:noFill/>
+          <a:ln w="19050">
+            <a:noFill/>
+            <a:miter lim="800000"/>
+            <a:headEnd/>
+            <a:tailEnd/>
+          </a:ln>
+        </p:spPr>
+        <p:txBody>
+          <a:bodyPr wrap="square" lIns="93296" tIns="144000" rIns="93296" bIns="93296">
+            <a:spAutoFit/>
+          </a:bodyPr>
+          <a:lstStyle/>
+          <a:p>
+            <a:pPr marL="287338" indent="-287338" defTabSz="803275">
+              <a:buClr>
+                <a:srgbClr val="FF6600"/>
+              </a:buClr>
+              <a:buSzPct val="125000"/>
+              <a:buFont typeface="Wingdings" charset="0"/>
+              <a:buChar char="§"/>
+            </a:pPr>
+            <a:r>
+              <a:rPr lang="ru-RU" dirty="0" smtClean="0">
+                <a:solidFill>
+                  <a:srgbClr val="004080"/>
+                </a:solidFill>
+                <a:cs typeface="Tahoma" charset="0"/>
+              </a:rPr>
+              <a:t>Облегчает </a:t>
+            </a:r>
+            <a:r>
+              <a:rPr lang="ru-RU" dirty="0">
+                <a:solidFill>
+                  <a:srgbClr val="004080"/>
+                </a:solidFill>
+                <a:cs typeface="Tahoma" charset="0"/>
+              </a:rPr>
+              <a:t>работу программиста, позволяя маленькими шажками реализовывать большой функционал. И гарантирует работоспособность на каждом </a:t>
+            </a:r>
+            <a:r>
+              <a:rPr lang="ru-RU" dirty="0" smtClean="0">
+                <a:solidFill>
+                  <a:srgbClr val="004080"/>
+                </a:solidFill>
+                <a:cs typeface="Tahoma" charset="0"/>
+              </a:rPr>
+              <a:t>шаге</a:t>
+            </a:r>
+            <a:endParaRPr lang="en-US" dirty="0" smtClean="0">
+              <a:solidFill>
+                <a:srgbClr val="004080"/>
+              </a:solidFill>
+              <a:cs typeface="Tahoma" charset="0"/>
+            </a:endParaRPr>
+          </a:p>
+          <a:p>
+            <a:pPr marL="287338" indent="-287338" defTabSz="803275">
+              <a:buClr>
+                <a:srgbClr val="FF6600"/>
+              </a:buClr>
+              <a:buSzPct val="125000"/>
+              <a:buFont typeface="Wingdings" charset="0"/>
+              <a:buChar char="§"/>
+            </a:pPr>
+            <a:endParaRPr lang="ru-RU" dirty="0">
+              <a:solidFill>
+                <a:srgbClr val="004080"/>
+              </a:solidFill>
+              <a:cs typeface="Tahoma" charset="0"/>
+            </a:endParaRPr>
+          </a:p>
+          <a:p>
+            <a:pPr marL="287338" indent="-287338" defTabSz="803275">
+              <a:buClr>
+                <a:srgbClr val="FF6600"/>
+              </a:buClr>
+              <a:buSzPct val="125000"/>
+              <a:buFont typeface="Wingdings" charset="0"/>
+              <a:buChar char="§"/>
+            </a:pPr>
+            <a:r>
+              <a:rPr lang="ru-RU" dirty="0" smtClean="0">
+                <a:solidFill>
+                  <a:srgbClr val="004080"/>
+                </a:solidFill>
+                <a:cs typeface="Tahoma" charset="0"/>
+              </a:rPr>
+              <a:t>Вынуждает </a:t>
+            </a:r>
+            <a:r>
+              <a:rPr lang="ru-RU" dirty="0">
+                <a:solidFill>
+                  <a:srgbClr val="004080"/>
+                </a:solidFill>
+                <a:cs typeface="Tahoma" charset="0"/>
+              </a:rPr>
+              <a:t>проектировать красивый дизайн проекта, который в дальнейшем легче </a:t>
+            </a:r>
+            <a:r>
+              <a:rPr lang="ru-RU" dirty="0" smtClean="0">
+                <a:solidFill>
+                  <a:srgbClr val="004080"/>
+                </a:solidFill>
+                <a:cs typeface="Tahoma" charset="0"/>
+              </a:rPr>
+              <a:t>использовать</a:t>
+            </a:r>
+            <a:endParaRPr lang="ru-RU" dirty="0">
+              <a:solidFill>
+                <a:srgbClr val="004080"/>
+              </a:solidFill>
+              <a:cs typeface="Tahoma" charset="0"/>
+            </a:endParaRPr>
+          </a:p>
+          <a:p>
+            <a:pPr marL="287338" indent="-287338" defTabSz="803275">
+              <a:buClr>
+                <a:srgbClr val="FF6600"/>
+              </a:buClr>
+              <a:buSzPct val="125000"/>
+              <a:buFont typeface="Wingdings" charset="0"/>
+              <a:buChar char="§"/>
+            </a:pPr>
+            <a:endParaRPr lang="en-US" dirty="0">
+              <a:solidFill>
+                <a:srgbClr val="004080"/>
+              </a:solidFill>
+              <a:cs typeface="Tahoma" charset="0"/>
+            </a:endParaRPr>
+          </a:p>
+          <a:p>
+            <a:pPr marL="287338" indent="-287338" defTabSz="803275">
+              <a:buClr>
+                <a:srgbClr val="FF6600"/>
+              </a:buClr>
+              <a:buSzPct val="125000"/>
+              <a:buFont typeface="Wingdings" charset="0"/>
+              <a:buChar char="§"/>
+            </a:pPr>
+            <a:r>
+              <a:rPr lang="ru-RU" dirty="0" smtClean="0">
+                <a:solidFill>
+                  <a:srgbClr val="004080"/>
+                </a:solidFill>
+                <a:cs typeface="Tahoma" charset="0"/>
+              </a:rPr>
+              <a:t>Есть </a:t>
+            </a:r>
+            <a:r>
+              <a:rPr lang="ru-RU" dirty="0">
+                <a:solidFill>
+                  <a:srgbClr val="004080"/>
+                </a:solidFill>
+                <a:cs typeface="Tahoma" charset="0"/>
+              </a:rPr>
+              <a:t>гарантия, что покрытый тестами код - работает</a:t>
+            </a:r>
+            <a:r>
+              <a:rPr lang="ru-RU" dirty="0" smtClean="0">
+                <a:solidFill>
+                  <a:srgbClr val="004080"/>
+                </a:solidFill>
+                <a:cs typeface="Tahoma" charset="0"/>
+              </a:rPr>
+              <a:t>!</a:t>
+            </a:r>
+            <a:endParaRPr lang="en-US" dirty="0" smtClean="0">
+              <a:solidFill>
+                <a:srgbClr val="004080"/>
+              </a:solidFill>
+              <a:cs typeface="Tahoma" charset="0"/>
+            </a:endParaRPr>
+          </a:p>
+          <a:p>
+            <a:pPr marL="287338" indent="-287338" defTabSz="803275">
+              <a:buClr>
+                <a:srgbClr val="FF6600"/>
+              </a:buClr>
+              <a:buSzPct val="125000"/>
+              <a:buFont typeface="Wingdings" charset="0"/>
+              <a:buChar char="§"/>
+            </a:pPr>
+            <a:endParaRPr lang="ru-RU" dirty="0">
+              <a:solidFill>
+                <a:srgbClr val="004080"/>
+              </a:solidFill>
+              <a:cs typeface="Tahoma" charset="0"/>
+            </a:endParaRPr>
+          </a:p>
+          <a:p>
+            <a:pPr marL="287338" indent="-287338" defTabSz="803275">
+              <a:buClr>
+                <a:srgbClr val="FF6600"/>
+              </a:buClr>
+              <a:buSzPct val="125000"/>
+              <a:buFont typeface="Wingdings" charset="0"/>
+              <a:buChar char="§"/>
+            </a:pPr>
+            <a:r>
+              <a:rPr lang="ru-RU" dirty="0" err="1" smtClean="0">
+                <a:solidFill>
+                  <a:srgbClr val="004080"/>
+                </a:solidFill>
+                <a:cs typeface="Tahoma" charset="0"/>
+              </a:rPr>
+              <a:t>Рефакторинг</a:t>
+            </a:r>
+            <a:r>
+              <a:rPr lang="ru-RU" dirty="0" smtClean="0">
+                <a:solidFill>
+                  <a:srgbClr val="004080"/>
+                </a:solidFill>
+                <a:cs typeface="Tahoma" charset="0"/>
+              </a:rPr>
+              <a:t> </a:t>
+            </a:r>
+            <a:r>
+              <a:rPr lang="ru-RU" dirty="0">
+                <a:solidFill>
+                  <a:srgbClr val="004080"/>
+                </a:solidFill>
+                <a:cs typeface="Tahoma" charset="0"/>
+              </a:rPr>
+              <a:t>становится почти безболезненным.</a:t>
+            </a:r>
+            <a:endParaRPr lang="nb-NO" dirty="0" smtClean="0">
+              <a:solidFill>
+                <a:srgbClr val="004080"/>
+              </a:solidFill>
+              <a:cs typeface="Tahoma" charset="0"/>
+            </a:endParaRPr>
+          </a:p>
+        </p:txBody>
+      </p:sp>
+    </p:spTree>
+    <p:extLst>
+      <p:ext uri="{BB962C8B-B14F-4D97-AF65-F5344CB8AC3E}">
+        <p14:creationId xmlns:p14="http://schemas.microsoft.com/office/powerpoint/2010/main" val="1064261335"/>
+      </p:ext>
+    </p:extLst>
+  </p:cSld>
+  <p:clrMapOvr>
+    <a:masterClrMapping/>
+  </p:clrMapOvr>
+  <p:transition xmlns:p14="http://schemas.microsoft.com/office/powerpoint/2010/main" spd="slow">
+    <p:fade/>
   </p:transition>
+  <p:timing>
+    <p:tnLst>
+      <p:par>
+        <p:cTn xmlns:p14="http://schemas.microsoft.com/office/powerpoint/2010/main" id="1" dur="indefinite" restart="never" nodeType="tmRoot"/>
+      </p:par>
+    </p:tnLst>
+  </p:timing>
 </p:sld>
 </file>
 
@@ -20624,6 +22952,1538 @@
       </p:par>
     </p:tnLst>
   </p:timing>
+</p:sld>
+</file>
+
+<file path=ppt/slides/slide20.xml><?xml version="1.0" encoding="utf-8"?>
+<p:sld xmlns:a="http://schemas.openxmlformats.org/drawingml/2006/main" xmlns:r="http://schemas.openxmlformats.org/officeDocument/2006/relationships" xmlns:p="http://schemas.openxmlformats.org/presentationml/2006/main">
+  <p:cSld>
+    <p:spTree>
+      <p:nvGrpSpPr>
+        <p:cNvPr id="1" name=""/>
+        <p:cNvGrpSpPr/>
+        <p:nvPr/>
+      </p:nvGrpSpPr>
+      <p:grpSpPr>
+        <a:xfrm>
+          <a:off x="0" y="0"/>
+          <a:ext cx="0" cy="0"/>
+          <a:chOff x="0" y="0"/>
+          <a:chExt cx="0" cy="0"/>
+        </a:xfrm>
+      </p:grpSpPr>
+      <p:sp>
+        <p:nvSpPr>
+          <p:cNvPr id="9221" name="Title 1"/>
+          <p:cNvSpPr>
+            <a:spLocks noGrp="1"/>
+          </p:cNvSpPr>
+          <p:nvPr>
+            <p:ph type="title"/>
+          </p:nvPr>
+        </p:nvSpPr>
+        <p:spPr>
+          <a:xfrm>
+            <a:off x="1423194" y="3036093"/>
+            <a:ext cx="6297613" cy="585787"/>
+          </a:xfrm>
+        </p:spPr>
+        <p:txBody>
+          <a:bodyPr/>
+          <a:lstStyle/>
+          <a:p>
+            <a:pPr algn="ctr"/>
+            <a:r>
+              <a:rPr lang="ru-RU" sz="2400" b="0" kern="1200" dirty="0">
+                <a:solidFill>
+                  <a:srgbClr val="004080"/>
+                </a:solidFill>
+                <a:latin typeface="+mn-lt"/>
+                <a:ea typeface="+mn-ea"/>
+                <a:cs typeface="Tahoma" charset="0"/>
+              </a:rPr>
+              <a:t>TDD</a:t>
+            </a:r>
+            <a:r>
+              <a:rPr lang="en-US" sz="2400" b="0" kern="1200" dirty="0">
+                <a:solidFill>
+                  <a:srgbClr val="004080"/>
+                </a:solidFill>
+                <a:latin typeface="+mn-lt"/>
+                <a:ea typeface="+mn-ea"/>
+                <a:cs typeface="Tahoma" charset="0"/>
+              </a:rPr>
+              <a:t> – </a:t>
+            </a:r>
+            <a:r>
+              <a:rPr lang="ru-RU" sz="2400" b="0" kern="1200" dirty="0">
+                <a:solidFill>
+                  <a:srgbClr val="004080"/>
+                </a:solidFill>
+                <a:latin typeface="+mn-lt"/>
+                <a:ea typeface="+mn-ea"/>
+                <a:cs typeface="Tahoma" charset="0"/>
+              </a:rPr>
+              <a:t>это о дизайне!</a:t>
+            </a:r>
+          </a:p>
+        </p:txBody>
+      </p:sp>
+    </p:spTree>
+    <p:extLst>
+      <p:ext uri="{BB962C8B-B14F-4D97-AF65-F5344CB8AC3E}">
+        <p14:creationId xmlns:p14="http://schemas.microsoft.com/office/powerpoint/2010/main" val="4184177622"/>
+      </p:ext>
+    </p:extLst>
+  </p:cSld>
+  <p:clrMapOvr>
+    <a:masterClrMapping/>
+  </p:clrMapOvr>
+  <p:transition xmlns:p14="http://schemas.microsoft.com/office/powerpoint/2010/main" spd="slow">
+    <p:fade/>
+  </p:transition>
+  <p:timing>
+    <p:tnLst>
+      <p:par>
+        <p:cTn xmlns:p14="http://schemas.microsoft.com/office/powerpoint/2010/main" id="1" dur="indefinite" restart="never" nodeType="tmRoot"/>
+      </p:par>
+    </p:tnLst>
+  </p:timing>
+</p:sld>
+</file>
+
+<file path=ppt/slides/slide21.xml><?xml version="1.0" encoding="utf-8"?>
+<p:sld xmlns:a="http://schemas.openxmlformats.org/drawingml/2006/main" xmlns:r="http://schemas.openxmlformats.org/officeDocument/2006/relationships" xmlns:p="http://schemas.openxmlformats.org/presentationml/2006/main">
+  <p:cSld>
+    <p:spTree>
+      <p:nvGrpSpPr>
+        <p:cNvPr id="1" name=""/>
+        <p:cNvGrpSpPr/>
+        <p:nvPr/>
+      </p:nvGrpSpPr>
+      <p:grpSpPr>
+        <a:xfrm>
+          <a:off x="0" y="0"/>
+          <a:ext cx="0" cy="0"/>
+          <a:chOff x="0" y="0"/>
+          <a:chExt cx="0" cy="0"/>
+        </a:xfrm>
+      </p:grpSpPr>
+      <p:sp>
+        <p:nvSpPr>
+          <p:cNvPr id="9221" name="Title 1"/>
+          <p:cNvSpPr>
+            <a:spLocks noGrp="1"/>
+          </p:cNvSpPr>
+          <p:nvPr>
+            <p:ph type="title"/>
+          </p:nvPr>
+        </p:nvSpPr>
+        <p:spPr/>
+        <p:txBody>
+          <a:bodyPr/>
+          <a:lstStyle/>
+          <a:p>
+            <a:r>
+              <a:rPr lang="ru-RU" dirty="0" smtClean="0">
+                <a:solidFill>
+                  <a:srgbClr val="161645"/>
+                </a:solidFill>
+                <a:latin typeface="Arial" charset="0"/>
+              </a:rPr>
+              <a:t>Влияние хорошего дизайна</a:t>
+            </a:r>
+            <a:endParaRPr lang="ru-RU" dirty="0">
+              <a:solidFill>
+                <a:srgbClr val="161645"/>
+              </a:solidFill>
+              <a:latin typeface="Arial" charset="0"/>
+            </a:endParaRPr>
+          </a:p>
+        </p:txBody>
+      </p:sp>
+      <p:sp>
+        <p:nvSpPr>
+          <p:cNvPr id="5" name="TextBox 4"/>
+          <p:cNvSpPr txBox="1"/>
+          <p:nvPr/>
+        </p:nvSpPr>
+        <p:spPr>
+          <a:xfrm>
+            <a:off x="8731250" y="6683375"/>
+            <a:ext cx="184666" cy="369332"/>
+          </a:xfrm>
+          <a:prstGeom prst="rect">
+            <a:avLst/>
+          </a:prstGeom>
+          <a:noFill/>
+        </p:spPr>
+        <p:txBody>
+          <a:bodyPr wrap="none" rtlCol="0">
+            <a:spAutoFit/>
+          </a:bodyPr>
+          <a:lstStyle/>
+          <a:p>
+            <a:endParaRPr lang="en-US" dirty="0"/>
+          </a:p>
+        </p:txBody>
+      </p:sp>
+      <p:pic>
+        <p:nvPicPr>
+          <p:cNvPr id="3" name="Picture 2"/>
+          <p:cNvPicPr>
+            <a:picLocks noChangeAspect="1"/>
+          </p:cNvPicPr>
+          <p:nvPr/>
+        </p:nvPicPr>
+        <p:blipFill>
+          <a:blip r:embed="rId2"/>
+          <a:stretch>
+            <a:fillRect/>
+          </a:stretch>
+        </p:blipFill>
+        <p:spPr>
+          <a:xfrm>
+            <a:off x="506663" y="1676400"/>
+            <a:ext cx="8128000" cy="4445000"/>
+          </a:xfrm>
+          <a:prstGeom prst="rect">
+            <a:avLst/>
+          </a:prstGeom>
+        </p:spPr>
+      </p:pic>
+    </p:spTree>
+    <p:extLst>
+      <p:ext uri="{BB962C8B-B14F-4D97-AF65-F5344CB8AC3E}">
+        <p14:creationId xmlns:p14="http://schemas.microsoft.com/office/powerpoint/2010/main" val="3826108667"/>
+      </p:ext>
+    </p:extLst>
+  </p:cSld>
+  <p:clrMapOvr>
+    <a:masterClrMapping/>
+  </p:clrMapOvr>
+  <p:transition xmlns:p14="http://schemas.microsoft.com/office/powerpoint/2010/main" spd="slow">
+    <p:fade/>
+  </p:transition>
+  <p:timing>
+    <p:tnLst>
+      <p:par>
+        <p:cTn xmlns:p14="http://schemas.microsoft.com/office/powerpoint/2010/main" id="1" dur="indefinite" restart="never" nodeType="tmRoot"/>
+      </p:par>
+    </p:tnLst>
+  </p:timing>
+</p:sld>
+</file>
+
+<file path=ppt/slides/slide22.xml><?xml version="1.0" encoding="utf-8"?>
+<p:sld xmlns:a="http://schemas.openxmlformats.org/drawingml/2006/main" xmlns:r="http://schemas.openxmlformats.org/officeDocument/2006/relationships" xmlns:p="http://schemas.openxmlformats.org/presentationml/2006/main">
+  <p:cSld>
+    <p:spTree>
+      <p:nvGrpSpPr>
+        <p:cNvPr id="1" name=""/>
+        <p:cNvGrpSpPr/>
+        <p:nvPr/>
+      </p:nvGrpSpPr>
+      <p:grpSpPr>
+        <a:xfrm>
+          <a:off x="0" y="0"/>
+          <a:ext cx="0" cy="0"/>
+          <a:chOff x="0" y="0"/>
+          <a:chExt cx="0" cy="0"/>
+        </a:xfrm>
+      </p:grpSpPr>
+      <p:sp>
+        <p:nvSpPr>
+          <p:cNvPr id="9221" name="Title 1"/>
+          <p:cNvSpPr>
+            <a:spLocks noGrp="1"/>
+          </p:cNvSpPr>
+          <p:nvPr>
+            <p:ph type="title"/>
+          </p:nvPr>
+        </p:nvSpPr>
+        <p:spPr/>
+        <p:txBody>
+          <a:bodyPr/>
+          <a:lstStyle/>
+          <a:p>
+            <a:r>
+              <a:rPr lang="ru-RU" dirty="0">
+                <a:solidFill>
+                  <a:srgbClr val="161645"/>
+                </a:solidFill>
+                <a:latin typeface="Arial" charset="0"/>
+              </a:rPr>
+              <a:t>Почему автоматизированные тесты?</a:t>
+            </a:r>
+          </a:p>
+        </p:txBody>
+      </p:sp>
+      <p:sp>
+        <p:nvSpPr>
+          <p:cNvPr id="5" name="TextBox 4"/>
+          <p:cNvSpPr txBox="1"/>
+          <p:nvPr/>
+        </p:nvSpPr>
+        <p:spPr>
+          <a:xfrm>
+            <a:off x="8731250" y="6683375"/>
+            <a:ext cx="184666" cy="369332"/>
+          </a:xfrm>
+          <a:prstGeom prst="rect">
+            <a:avLst/>
+          </a:prstGeom>
+          <a:noFill/>
+        </p:spPr>
+        <p:txBody>
+          <a:bodyPr wrap="none" rtlCol="0">
+            <a:spAutoFit/>
+          </a:bodyPr>
+          <a:lstStyle/>
+          <a:p>
+            <a:endParaRPr lang="en-US" dirty="0"/>
+          </a:p>
+        </p:txBody>
+      </p:sp>
+      <p:pic>
+        <p:nvPicPr>
+          <p:cNvPr id="6" name="Picture 5"/>
+          <p:cNvPicPr>
+            <a:picLocks noChangeAspect="1"/>
+          </p:cNvPicPr>
+          <p:nvPr/>
+        </p:nvPicPr>
+        <p:blipFill rotWithShape="1">
+          <a:blip r:embed="rId2"/>
+          <a:srcRect l="2924" t="14583" r="2470" b="9747"/>
+          <a:stretch/>
+        </p:blipFill>
+        <p:spPr>
+          <a:xfrm>
+            <a:off x="267368" y="1287529"/>
+            <a:ext cx="8648548" cy="5189471"/>
+          </a:xfrm>
+          <a:prstGeom prst="rect">
+            <a:avLst/>
+          </a:prstGeom>
+        </p:spPr>
+      </p:pic>
+    </p:spTree>
+    <p:extLst>
+      <p:ext uri="{BB962C8B-B14F-4D97-AF65-F5344CB8AC3E}">
+        <p14:creationId xmlns:p14="http://schemas.microsoft.com/office/powerpoint/2010/main" val="1418233353"/>
+      </p:ext>
+    </p:extLst>
+  </p:cSld>
+  <p:clrMapOvr>
+    <a:masterClrMapping/>
+  </p:clrMapOvr>
+  <p:transition xmlns:p14="http://schemas.microsoft.com/office/powerpoint/2010/main" spd="slow">
+    <p:fade/>
+  </p:transition>
+  <p:timing>
+    <p:tnLst>
+      <p:par>
+        <p:cTn xmlns:p14="http://schemas.microsoft.com/office/powerpoint/2010/main" id="1" dur="indefinite" restart="never" nodeType="tmRoot"/>
+      </p:par>
+    </p:tnLst>
+  </p:timing>
+</p:sld>
+</file>
+
+<file path=ppt/slides/slide23.xml><?xml version="1.0" encoding="utf-8"?>
+<p:sld xmlns:a="http://schemas.openxmlformats.org/drawingml/2006/main" xmlns:r="http://schemas.openxmlformats.org/officeDocument/2006/relationships" xmlns:p="http://schemas.openxmlformats.org/presentationml/2006/main">
+  <p:cSld>
+    <p:spTree>
+      <p:nvGrpSpPr>
+        <p:cNvPr id="1" name=""/>
+        <p:cNvGrpSpPr/>
+        <p:nvPr/>
+      </p:nvGrpSpPr>
+      <p:grpSpPr>
+        <a:xfrm>
+          <a:off x="0" y="0"/>
+          <a:ext cx="0" cy="0"/>
+          <a:chOff x="0" y="0"/>
+          <a:chExt cx="0" cy="0"/>
+        </a:xfrm>
+      </p:grpSpPr>
+      <p:sp>
+        <p:nvSpPr>
+          <p:cNvPr id="9221" name="Title 1"/>
+          <p:cNvSpPr>
+            <a:spLocks noGrp="1"/>
+          </p:cNvSpPr>
+          <p:nvPr>
+            <p:ph type="title"/>
+          </p:nvPr>
+        </p:nvSpPr>
+        <p:spPr/>
+        <p:txBody>
+          <a:bodyPr/>
+          <a:lstStyle/>
+          <a:p>
+            <a:r>
+              <a:rPr lang="ru-RU" dirty="0" smtClean="0">
+                <a:solidFill>
+                  <a:srgbClr val="161645"/>
+                </a:solidFill>
+                <a:latin typeface="Arial" charset="0"/>
+              </a:rPr>
+              <a:t>Риски ручного тестирования</a:t>
+            </a:r>
+            <a:endParaRPr lang="ru-RU" dirty="0">
+              <a:solidFill>
+                <a:srgbClr val="161645"/>
+              </a:solidFill>
+              <a:latin typeface="Arial" charset="0"/>
+            </a:endParaRPr>
+          </a:p>
+        </p:txBody>
+      </p:sp>
+      <p:sp>
+        <p:nvSpPr>
+          <p:cNvPr id="5" name="TextBox 4"/>
+          <p:cNvSpPr txBox="1"/>
+          <p:nvPr/>
+        </p:nvSpPr>
+        <p:spPr>
+          <a:xfrm>
+            <a:off x="8731250" y="6683375"/>
+            <a:ext cx="184666" cy="369332"/>
+          </a:xfrm>
+          <a:prstGeom prst="rect">
+            <a:avLst/>
+          </a:prstGeom>
+          <a:noFill/>
+        </p:spPr>
+        <p:txBody>
+          <a:bodyPr wrap="none" rtlCol="0">
+            <a:spAutoFit/>
+          </a:bodyPr>
+          <a:lstStyle/>
+          <a:p>
+            <a:endParaRPr lang="en-US" dirty="0"/>
+          </a:p>
+        </p:txBody>
+      </p:sp>
+      <p:pic>
+        <p:nvPicPr>
+          <p:cNvPr id="2" name="Picture 1"/>
+          <p:cNvPicPr>
+            <a:picLocks noChangeAspect="1"/>
+          </p:cNvPicPr>
+          <p:nvPr/>
+        </p:nvPicPr>
+        <p:blipFill rotWithShape="1">
+          <a:blip r:embed="rId2"/>
+          <a:srcRect l="4167" t="14583" r="6702" b="10137"/>
+          <a:stretch/>
+        </p:blipFill>
+        <p:spPr>
+          <a:xfrm>
+            <a:off x="614947" y="1314266"/>
+            <a:ext cx="8148053" cy="5162734"/>
+          </a:xfrm>
+          <a:prstGeom prst="rect">
+            <a:avLst/>
+          </a:prstGeom>
+        </p:spPr>
+      </p:pic>
+    </p:spTree>
+    <p:extLst>
+      <p:ext uri="{BB962C8B-B14F-4D97-AF65-F5344CB8AC3E}">
+        <p14:creationId xmlns:p14="http://schemas.microsoft.com/office/powerpoint/2010/main" val="1962186204"/>
+      </p:ext>
+    </p:extLst>
+  </p:cSld>
+  <p:clrMapOvr>
+    <a:masterClrMapping/>
+  </p:clrMapOvr>
+  <p:transition xmlns:p14="http://schemas.microsoft.com/office/powerpoint/2010/main" spd="slow">
+    <p:fade/>
+  </p:transition>
+  <p:timing>
+    <p:tnLst>
+      <p:par>
+        <p:cTn xmlns:p14="http://schemas.microsoft.com/office/powerpoint/2010/main" id="1" dur="indefinite" restart="never" nodeType="tmRoot"/>
+      </p:par>
+    </p:tnLst>
+  </p:timing>
+</p:sld>
+</file>
+
+<file path=ppt/slides/slide24.xml><?xml version="1.0" encoding="utf-8"?>
+<p:sld xmlns:a="http://schemas.openxmlformats.org/drawingml/2006/main" xmlns:r="http://schemas.openxmlformats.org/officeDocument/2006/relationships" xmlns:p="http://schemas.openxmlformats.org/presentationml/2006/main">
+  <p:cSld>
+    <p:spTree>
+      <p:nvGrpSpPr>
+        <p:cNvPr id="1" name=""/>
+        <p:cNvGrpSpPr/>
+        <p:nvPr/>
+      </p:nvGrpSpPr>
+      <p:grpSpPr>
+        <a:xfrm>
+          <a:off x="0" y="0"/>
+          <a:ext cx="0" cy="0"/>
+          <a:chOff x="0" y="0"/>
+          <a:chExt cx="0" cy="0"/>
+        </a:xfrm>
+      </p:grpSpPr>
+      <p:sp>
+        <p:nvSpPr>
+          <p:cNvPr id="9221" name="Title 1"/>
+          <p:cNvSpPr>
+            <a:spLocks noGrp="1"/>
+          </p:cNvSpPr>
+          <p:nvPr>
+            <p:ph type="title"/>
+          </p:nvPr>
+        </p:nvSpPr>
+        <p:spPr/>
+        <p:txBody>
+          <a:bodyPr/>
+          <a:lstStyle/>
+          <a:p>
+            <a:r>
+              <a:rPr lang="ru-RU" dirty="0" smtClean="0">
+                <a:solidFill>
+                  <a:srgbClr val="161645"/>
+                </a:solidFill>
+                <a:latin typeface="Arial" charset="0"/>
+              </a:rPr>
+              <a:t>Почему </a:t>
+            </a:r>
+            <a:r>
+              <a:rPr lang="en-US" dirty="0" smtClean="0">
+                <a:solidFill>
+                  <a:srgbClr val="161645"/>
+                </a:solidFill>
+                <a:latin typeface="Arial" charset="0"/>
+              </a:rPr>
+              <a:t>Test First?</a:t>
+            </a:r>
+            <a:endParaRPr lang="ru-RU" dirty="0">
+              <a:solidFill>
+                <a:srgbClr val="161645"/>
+              </a:solidFill>
+              <a:latin typeface="Arial" charset="0"/>
+            </a:endParaRPr>
+          </a:p>
+        </p:txBody>
+      </p:sp>
+      <p:sp>
+        <p:nvSpPr>
+          <p:cNvPr id="5" name="TextBox 4"/>
+          <p:cNvSpPr txBox="1"/>
+          <p:nvPr/>
+        </p:nvSpPr>
+        <p:spPr>
+          <a:xfrm>
+            <a:off x="8731250" y="6683375"/>
+            <a:ext cx="184666" cy="369332"/>
+          </a:xfrm>
+          <a:prstGeom prst="rect">
+            <a:avLst/>
+          </a:prstGeom>
+          <a:noFill/>
+        </p:spPr>
+        <p:txBody>
+          <a:bodyPr wrap="none" rtlCol="0">
+            <a:spAutoFit/>
+          </a:bodyPr>
+          <a:lstStyle/>
+          <a:p>
+            <a:endParaRPr lang="en-US" dirty="0"/>
+          </a:p>
+        </p:txBody>
+      </p:sp>
+      <p:pic>
+        <p:nvPicPr>
+          <p:cNvPr id="4" name="Picture 3"/>
+          <p:cNvPicPr>
+            <a:picLocks noChangeAspect="1"/>
+          </p:cNvPicPr>
+          <p:nvPr/>
+        </p:nvPicPr>
+        <p:blipFill rotWithShape="1">
+          <a:blip r:embed="rId2"/>
+          <a:srcRect l="3959" t="13332" r="4490" b="8741"/>
+          <a:stretch/>
+        </p:blipFill>
+        <p:spPr>
+          <a:xfrm>
+            <a:off x="361950" y="1209040"/>
+            <a:ext cx="8369300" cy="5344160"/>
+          </a:xfrm>
+          <a:prstGeom prst="rect">
+            <a:avLst/>
+          </a:prstGeom>
+        </p:spPr>
+      </p:pic>
+    </p:spTree>
+    <p:extLst>
+      <p:ext uri="{BB962C8B-B14F-4D97-AF65-F5344CB8AC3E}">
+        <p14:creationId xmlns:p14="http://schemas.microsoft.com/office/powerpoint/2010/main" val="1567566554"/>
+      </p:ext>
+    </p:extLst>
+  </p:cSld>
+  <p:clrMapOvr>
+    <a:masterClrMapping/>
+  </p:clrMapOvr>
+  <p:transition xmlns:p14="http://schemas.microsoft.com/office/powerpoint/2010/main" spd="slow">
+    <p:fade/>
+  </p:transition>
+  <p:timing>
+    <p:tnLst>
+      <p:par>
+        <p:cTn xmlns:p14="http://schemas.microsoft.com/office/powerpoint/2010/main" id="1" dur="indefinite" restart="never" nodeType="tmRoot"/>
+      </p:par>
+    </p:tnLst>
+  </p:timing>
+</p:sld>
+</file>
+
+<file path=ppt/slides/slide25.xml><?xml version="1.0" encoding="utf-8"?>
+<p:sld xmlns:a="http://schemas.openxmlformats.org/drawingml/2006/main" xmlns:r="http://schemas.openxmlformats.org/officeDocument/2006/relationships" xmlns:p="http://schemas.openxmlformats.org/presentationml/2006/main">
+  <p:cSld>
+    <p:spTree>
+      <p:nvGrpSpPr>
+        <p:cNvPr id="1" name=""/>
+        <p:cNvGrpSpPr/>
+        <p:nvPr/>
+      </p:nvGrpSpPr>
+      <p:grpSpPr>
+        <a:xfrm>
+          <a:off x="0" y="0"/>
+          <a:ext cx="0" cy="0"/>
+          <a:chOff x="0" y="0"/>
+          <a:chExt cx="0" cy="0"/>
+        </a:xfrm>
+      </p:grpSpPr>
+      <p:sp>
+        <p:nvSpPr>
+          <p:cNvPr id="9221" name="Title 1"/>
+          <p:cNvSpPr>
+            <a:spLocks noGrp="1"/>
+          </p:cNvSpPr>
+          <p:nvPr>
+            <p:ph type="title"/>
+          </p:nvPr>
+        </p:nvSpPr>
+        <p:spPr/>
+        <p:txBody>
+          <a:bodyPr/>
+          <a:lstStyle/>
+          <a:p>
+            <a:r>
+              <a:rPr lang="ru-RU" dirty="0" smtClean="0">
+                <a:solidFill>
+                  <a:srgbClr val="161645"/>
+                </a:solidFill>
+                <a:latin typeface="Arial" charset="0"/>
+              </a:rPr>
+              <a:t>Почему </a:t>
+            </a:r>
+            <a:r>
+              <a:rPr lang="en-US" dirty="0" smtClean="0">
+                <a:solidFill>
+                  <a:srgbClr val="161645"/>
+                </a:solidFill>
+                <a:latin typeface="Arial" charset="0"/>
+              </a:rPr>
+              <a:t>Test First?</a:t>
+            </a:r>
+            <a:endParaRPr lang="ru-RU" dirty="0">
+              <a:solidFill>
+                <a:srgbClr val="161645"/>
+              </a:solidFill>
+              <a:latin typeface="Arial" charset="0"/>
+            </a:endParaRPr>
+          </a:p>
+        </p:txBody>
+      </p:sp>
+      <p:sp>
+        <p:nvSpPr>
+          <p:cNvPr id="5" name="TextBox 4"/>
+          <p:cNvSpPr txBox="1"/>
+          <p:nvPr/>
+        </p:nvSpPr>
+        <p:spPr>
+          <a:xfrm>
+            <a:off x="8731250" y="6683375"/>
+            <a:ext cx="184666" cy="369332"/>
+          </a:xfrm>
+          <a:prstGeom prst="rect">
+            <a:avLst/>
+          </a:prstGeom>
+          <a:noFill/>
+        </p:spPr>
+        <p:txBody>
+          <a:bodyPr wrap="none" rtlCol="0">
+            <a:spAutoFit/>
+          </a:bodyPr>
+          <a:lstStyle/>
+          <a:p>
+            <a:endParaRPr lang="en-US" dirty="0"/>
+          </a:p>
+        </p:txBody>
+      </p:sp>
+      <p:pic>
+        <p:nvPicPr>
+          <p:cNvPr id="3" name="Picture 2"/>
+          <p:cNvPicPr>
+            <a:picLocks noChangeAspect="1"/>
+          </p:cNvPicPr>
+          <p:nvPr/>
+        </p:nvPicPr>
+        <p:blipFill rotWithShape="1">
+          <a:blip r:embed="rId2"/>
+          <a:srcRect l="5891" t="13855" r="6532" b="9185"/>
+          <a:stretch/>
+        </p:blipFill>
+        <p:spPr>
+          <a:xfrm>
+            <a:off x="604520" y="1257300"/>
+            <a:ext cx="8006080" cy="5277889"/>
+          </a:xfrm>
+          <a:prstGeom prst="rect">
+            <a:avLst/>
+          </a:prstGeom>
+        </p:spPr>
+      </p:pic>
+    </p:spTree>
+    <p:extLst>
+      <p:ext uri="{BB962C8B-B14F-4D97-AF65-F5344CB8AC3E}">
+        <p14:creationId xmlns:p14="http://schemas.microsoft.com/office/powerpoint/2010/main" val="4264143821"/>
+      </p:ext>
+    </p:extLst>
+  </p:cSld>
+  <p:clrMapOvr>
+    <a:masterClrMapping/>
+  </p:clrMapOvr>
+  <p:transition xmlns:p14="http://schemas.microsoft.com/office/powerpoint/2010/main" spd="slow">
+    <p:fade/>
+  </p:transition>
+  <p:timing>
+    <p:tnLst>
+      <p:par>
+        <p:cTn xmlns:p14="http://schemas.microsoft.com/office/powerpoint/2010/main" id="1" dur="indefinite" restart="never" nodeType="tmRoot"/>
+      </p:par>
+    </p:tnLst>
+  </p:timing>
+</p:sld>
+</file>
+
+<file path=ppt/slides/slide26.xml><?xml version="1.0" encoding="utf-8"?>
+<p:sld xmlns:a="http://schemas.openxmlformats.org/drawingml/2006/main" xmlns:r="http://schemas.openxmlformats.org/officeDocument/2006/relationships" xmlns:p="http://schemas.openxmlformats.org/presentationml/2006/main">
+  <p:cSld>
+    <p:spTree>
+      <p:nvGrpSpPr>
+        <p:cNvPr id="1" name=""/>
+        <p:cNvGrpSpPr/>
+        <p:nvPr/>
+      </p:nvGrpSpPr>
+      <p:grpSpPr>
+        <a:xfrm>
+          <a:off x="0" y="0"/>
+          <a:ext cx="0" cy="0"/>
+          <a:chOff x="0" y="0"/>
+          <a:chExt cx="0" cy="0"/>
+        </a:xfrm>
+      </p:grpSpPr>
+      <p:sp>
+        <p:nvSpPr>
+          <p:cNvPr id="9221" name="Title 1"/>
+          <p:cNvSpPr>
+            <a:spLocks noGrp="1"/>
+          </p:cNvSpPr>
+          <p:nvPr>
+            <p:ph type="title"/>
+          </p:nvPr>
+        </p:nvSpPr>
+        <p:spPr/>
+        <p:txBody>
+          <a:bodyPr/>
+          <a:lstStyle/>
+          <a:p>
+            <a:r>
+              <a:rPr lang="ru-RU" dirty="0" smtClean="0">
+                <a:solidFill>
+                  <a:srgbClr val="161645"/>
+                </a:solidFill>
+                <a:latin typeface="Arial" charset="0"/>
+              </a:rPr>
+              <a:t>Итеративный процесс</a:t>
+            </a:r>
+            <a:endParaRPr lang="ru-RU" dirty="0">
+              <a:solidFill>
+                <a:srgbClr val="161645"/>
+              </a:solidFill>
+              <a:latin typeface="Arial" charset="0"/>
+            </a:endParaRPr>
+          </a:p>
+        </p:txBody>
+      </p:sp>
+      <p:sp>
+        <p:nvSpPr>
+          <p:cNvPr id="5" name="TextBox 4"/>
+          <p:cNvSpPr txBox="1"/>
+          <p:nvPr/>
+        </p:nvSpPr>
+        <p:spPr>
+          <a:xfrm>
+            <a:off x="8731250" y="6683375"/>
+            <a:ext cx="184666" cy="369332"/>
+          </a:xfrm>
+          <a:prstGeom prst="rect">
+            <a:avLst/>
+          </a:prstGeom>
+          <a:noFill/>
+        </p:spPr>
+        <p:txBody>
+          <a:bodyPr wrap="none" rtlCol="0">
+            <a:spAutoFit/>
+          </a:bodyPr>
+          <a:lstStyle/>
+          <a:p>
+            <a:endParaRPr lang="en-US" dirty="0"/>
+          </a:p>
+        </p:txBody>
+      </p:sp>
+      <p:pic>
+        <p:nvPicPr>
+          <p:cNvPr id="4" name="Picture 3"/>
+          <p:cNvPicPr>
+            <a:picLocks noChangeAspect="1"/>
+          </p:cNvPicPr>
+          <p:nvPr/>
+        </p:nvPicPr>
+        <p:blipFill>
+          <a:blip r:embed="rId2"/>
+          <a:stretch>
+            <a:fillRect/>
+          </a:stretch>
+        </p:blipFill>
+        <p:spPr>
+          <a:xfrm>
+            <a:off x="2692400" y="1549400"/>
+            <a:ext cx="3746500" cy="3746500"/>
+          </a:xfrm>
+          <a:prstGeom prst="rect">
+            <a:avLst/>
+          </a:prstGeom>
+        </p:spPr>
+      </p:pic>
+    </p:spTree>
+    <p:extLst>
+      <p:ext uri="{BB962C8B-B14F-4D97-AF65-F5344CB8AC3E}">
+        <p14:creationId xmlns:p14="http://schemas.microsoft.com/office/powerpoint/2010/main" val="3318239091"/>
+      </p:ext>
+    </p:extLst>
+  </p:cSld>
+  <p:clrMapOvr>
+    <a:masterClrMapping/>
+  </p:clrMapOvr>
+  <p:transition xmlns:p14="http://schemas.microsoft.com/office/powerpoint/2010/main" spd="slow">
+    <p:fade/>
+  </p:transition>
+  <p:timing>
+    <p:tnLst>
+      <p:par>
+        <p:cTn xmlns:p14="http://schemas.microsoft.com/office/powerpoint/2010/main" id="1" dur="indefinite" restart="never" nodeType="tmRoot"/>
+      </p:par>
+    </p:tnLst>
+  </p:timing>
+</p:sld>
+</file>
+
+<file path=ppt/slides/slide27.xml><?xml version="1.0" encoding="utf-8"?>
+<p:sld xmlns:a="http://schemas.openxmlformats.org/drawingml/2006/main" xmlns:r="http://schemas.openxmlformats.org/officeDocument/2006/relationships" xmlns:p="http://schemas.openxmlformats.org/presentationml/2006/main">
+  <p:cSld>
+    <p:spTree>
+      <p:nvGrpSpPr>
+        <p:cNvPr id="1" name=""/>
+        <p:cNvGrpSpPr/>
+        <p:nvPr/>
+      </p:nvGrpSpPr>
+      <p:grpSpPr>
+        <a:xfrm>
+          <a:off x="0" y="0"/>
+          <a:ext cx="0" cy="0"/>
+          <a:chOff x="0" y="0"/>
+          <a:chExt cx="0" cy="0"/>
+        </a:xfrm>
+      </p:grpSpPr>
+      <p:sp>
+        <p:nvSpPr>
+          <p:cNvPr id="9221" name="Title 1"/>
+          <p:cNvSpPr>
+            <a:spLocks noGrp="1"/>
+          </p:cNvSpPr>
+          <p:nvPr>
+            <p:ph type="title"/>
+          </p:nvPr>
+        </p:nvSpPr>
+        <p:spPr/>
+        <p:txBody>
+          <a:bodyPr/>
+          <a:lstStyle/>
+          <a:p>
+            <a:r>
+              <a:rPr lang="ru-RU" dirty="0" smtClean="0">
+                <a:solidFill>
+                  <a:srgbClr val="161645"/>
+                </a:solidFill>
+                <a:latin typeface="Arial" charset="0"/>
+              </a:rPr>
+              <a:t>Почему </a:t>
+            </a:r>
+            <a:r>
+              <a:rPr lang="en-US" dirty="0" smtClean="0">
+                <a:solidFill>
+                  <a:srgbClr val="161645"/>
+                </a:solidFill>
+                <a:latin typeface="Arial" charset="0"/>
+              </a:rPr>
+              <a:t>TDD?</a:t>
+            </a:r>
+            <a:endParaRPr lang="ru-RU" dirty="0">
+              <a:solidFill>
+                <a:srgbClr val="161645"/>
+              </a:solidFill>
+              <a:latin typeface="Arial" charset="0"/>
+            </a:endParaRPr>
+          </a:p>
+        </p:txBody>
+      </p:sp>
+      <p:sp>
+        <p:nvSpPr>
+          <p:cNvPr id="5" name="TextBox 4"/>
+          <p:cNvSpPr txBox="1"/>
+          <p:nvPr/>
+        </p:nvSpPr>
+        <p:spPr>
+          <a:xfrm>
+            <a:off x="8731250" y="6683375"/>
+            <a:ext cx="184666" cy="369332"/>
+          </a:xfrm>
+          <a:prstGeom prst="rect">
+            <a:avLst/>
+          </a:prstGeom>
+          <a:noFill/>
+        </p:spPr>
+        <p:txBody>
+          <a:bodyPr wrap="none" rtlCol="0">
+            <a:spAutoFit/>
+          </a:bodyPr>
+          <a:lstStyle/>
+          <a:p>
+            <a:endParaRPr lang="en-US" dirty="0"/>
+          </a:p>
+        </p:txBody>
+      </p:sp>
+      <p:sp>
+        <p:nvSpPr>
+          <p:cNvPr id="6" name="Rectangle 5"/>
+          <p:cNvSpPr>
+            <a:spLocks noChangeArrowheads="1"/>
+          </p:cNvSpPr>
+          <p:nvPr>
+            <p:custDataLst>
+              <p:tags r:id="rId1"/>
+            </p:custDataLst>
+          </p:nvPr>
+        </p:nvSpPr>
+        <p:spPr bwMode="auto">
+          <a:xfrm>
+            <a:off x="392289" y="1219200"/>
+            <a:ext cx="4876800" cy="4394598"/>
+          </a:xfrm>
+          <a:prstGeom prst="rect">
+            <a:avLst/>
+          </a:prstGeom>
+          <a:noFill/>
+          <a:ln w="19050">
+            <a:noFill/>
+            <a:miter lim="800000"/>
+            <a:headEnd/>
+            <a:tailEnd/>
+          </a:ln>
+        </p:spPr>
+        <p:txBody>
+          <a:bodyPr wrap="square" lIns="93296" tIns="144000" rIns="93296" bIns="93296">
+            <a:spAutoFit/>
+          </a:bodyPr>
+          <a:lstStyle/>
+          <a:p>
+            <a:pPr marL="287338" indent="-287338" defTabSz="803275">
+              <a:buClr>
+                <a:srgbClr val="FF6600"/>
+              </a:buClr>
+              <a:buSzPct val="125000"/>
+              <a:buFont typeface="Wingdings" charset="0"/>
+              <a:buChar char="§"/>
+            </a:pPr>
+            <a:r>
+              <a:rPr lang="en-US" dirty="0" smtClean="0">
+                <a:solidFill>
+                  <a:srgbClr val="004080"/>
+                </a:solidFill>
+                <a:cs typeface="Tahoma" charset="0"/>
+              </a:rPr>
+              <a:t>Testable code is cleaner</a:t>
+            </a:r>
+          </a:p>
+          <a:p>
+            <a:pPr marL="287338" indent="-287338" defTabSz="803275">
+              <a:buClr>
+                <a:srgbClr val="FF6600"/>
+              </a:buClr>
+              <a:buSzPct val="125000"/>
+              <a:buFont typeface="Wingdings" charset="0"/>
+              <a:buChar char="§"/>
+            </a:pPr>
+            <a:endParaRPr lang="en-US" dirty="0" smtClean="0">
+              <a:solidFill>
+                <a:srgbClr val="004080"/>
+              </a:solidFill>
+              <a:cs typeface="Tahoma" charset="0"/>
+            </a:endParaRPr>
+          </a:p>
+          <a:p>
+            <a:pPr marL="744538" lvl="1" indent="-287338" defTabSz="803275">
+              <a:buClr>
+                <a:srgbClr val="FF6600"/>
+              </a:buClr>
+              <a:buSzPct val="125000"/>
+              <a:buFont typeface="Wingdings" charset="0"/>
+              <a:buChar char="§"/>
+            </a:pPr>
+            <a:r>
+              <a:rPr lang="en-US" dirty="0" smtClean="0">
+                <a:solidFill>
+                  <a:srgbClr val="004080"/>
+                </a:solidFill>
+                <a:cs typeface="Tahoma" charset="0"/>
+              </a:rPr>
+              <a:t>Lower Complexity</a:t>
+            </a:r>
+          </a:p>
+          <a:p>
+            <a:pPr marL="744538" lvl="1" indent="-287338" defTabSz="803275">
+              <a:buClr>
+                <a:srgbClr val="FF6600"/>
+              </a:buClr>
+              <a:buSzPct val="125000"/>
+              <a:buFont typeface="Wingdings" charset="0"/>
+              <a:buChar char="§"/>
+            </a:pPr>
+            <a:r>
+              <a:rPr lang="en-US" dirty="0" smtClean="0">
+                <a:solidFill>
+                  <a:srgbClr val="004080"/>
+                </a:solidFill>
+                <a:cs typeface="Tahoma" charset="0"/>
+              </a:rPr>
+              <a:t>Loosely Coupled</a:t>
+            </a:r>
+          </a:p>
+          <a:p>
+            <a:pPr marL="744538" lvl="1" indent="-287338" defTabSz="803275">
+              <a:buClr>
+                <a:srgbClr val="FF6600"/>
+              </a:buClr>
+              <a:buSzPct val="125000"/>
+              <a:buFont typeface="Wingdings" charset="0"/>
+              <a:buChar char="§"/>
+            </a:pPr>
+            <a:r>
+              <a:rPr lang="en-US" dirty="0" smtClean="0">
+                <a:solidFill>
+                  <a:srgbClr val="004080"/>
+                </a:solidFill>
+                <a:cs typeface="Tahoma" charset="0"/>
+              </a:rPr>
+              <a:t>Tighter Cohesion</a:t>
+            </a:r>
+          </a:p>
+          <a:p>
+            <a:pPr marL="287338" indent="-287338" defTabSz="803275">
+              <a:buClr>
+                <a:srgbClr val="FF6600"/>
+              </a:buClr>
+              <a:buSzPct val="125000"/>
+              <a:buFont typeface="Wingdings" charset="0"/>
+              <a:buChar char="§"/>
+            </a:pPr>
+            <a:endParaRPr lang="en-US" dirty="0" smtClean="0">
+              <a:solidFill>
+                <a:srgbClr val="004080"/>
+              </a:solidFill>
+              <a:cs typeface="Tahoma" charset="0"/>
+            </a:endParaRPr>
+          </a:p>
+          <a:p>
+            <a:pPr marL="287338" indent="-287338" defTabSz="803275">
+              <a:buClr>
+                <a:srgbClr val="FF6600"/>
+              </a:buClr>
+              <a:buSzPct val="125000"/>
+              <a:buFont typeface="Wingdings" charset="0"/>
+              <a:buChar char="§"/>
+            </a:pPr>
+            <a:r>
+              <a:rPr lang="en-US" dirty="0" smtClean="0">
+                <a:solidFill>
+                  <a:srgbClr val="004080"/>
+                </a:solidFill>
+                <a:cs typeface="Tahoma" charset="0"/>
+              </a:rPr>
+              <a:t>Keeps focus on Simple Design</a:t>
+            </a:r>
+          </a:p>
+          <a:p>
+            <a:pPr marL="287338" indent="-287338" defTabSz="803275">
+              <a:buClr>
+                <a:srgbClr val="FF6600"/>
+              </a:buClr>
+              <a:buSzPct val="125000"/>
+              <a:buFont typeface="Wingdings" charset="0"/>
+              <a:buChar char="§"/>
+            </a:pPr>
+            <a:endParaRPr lang="en-US" dirty="0" smtClean="0">
+              <a:solidFill>
+                <a:srgbClr val="004080"/>
+              </a:solidFill>
+              <a:cs typeface="Tahoma" charset="0"/>
+            </a:endParaRPr>
+          </a:p>
+          <a:p>
+            <a:pPr marL="744538" lvl="1" indent="-287338" defTabSz="803275">
+              <a:buClr>
+                <a:srgbClr val="FF6600"/>
+              </a:buClr>
+              <a:buSzPct val="125000"/>
+              <a:buFont typeface="Wingdings" charset="0"/>
+              <a:buChar char="§"/>
+            </a:pPr>
+            <a:r>
+              <a:rPr lang="en-US" dirty="0" smtClean="0">
+                <a:solidFill>
+                  <a:srgbClr val="004080"/>
+                </a:solidFill>
+                <a:cs typeface="Tahoma" charset="0"/>
+              </a:rPr>
+              <a:t>YAGNI</a:t>
+            </a:r>
+          </a:p>
+          <a:p>
+            <a:pPr marL="744538" lvl="1" indent="-287338" defTabSz="803275">
+              <a:buClr>
+                <a:srgbClr val="FF6600"/>
+              </a:buClr>
+              <a:buSzPct val="125000"/>
+              <a:buFont typeface="Wingdings" charset="0"/>
+              <a:buChar char="§"/>
+            </a:pPr>
+            <a:r>
+              <a:rPr lang="en-US" dirty="0" smtClean="0">
+                <a:solidFill>
+                  <a:srgbClr val="004080"/>
+                </a:solidFill>
+                <a:cs typeface="Tahoma" charset="0"/>
+              </a:rPr>
+              <a:t>DRY</a:t>
+            </a:r>
+          </a:p>
+          <a:p>
+            <a:pPr marL="287338" indent="-287338" defTabSz="803275">
+              <a:buClr>
+                <a:srgbClr val="FF6600"/>
+              </a:buClr>
+              <a:buSzPct val="125000"/>
+              <a:buFont typeface="Wingdings" charset="0"/>
+              <a:buChar char="§"/>
+            </a:pPr>
+            <a:endParaRPr lang="en-US" dirty="0" smtClean="0">
+              <a:solidFill>
+                <a:srgbClr val="004080"/>
+              </a:solidFill>
+              <a:cs typeface="Tahoma" charset="0"/>
+            </a:endParaRPr>
+          </a:p>
+          <a:p>
+            <a:pPr marL="287338" indent="-287338" defTabSz="803275">
+              <a:buClr>
+                <a:srgbClr val="FF6600"/>
+              </a:buClr>
+              <a:buSzPct val="125000"/>
+              <a:buFont typeface="Wingdings" charset="0"/>
+              <a:buChar char="§"/>
+            </a:pPr>
+            <a:r>
+              <a:rPr lang="en-US" dirty="0" smtClean="0">
+                <a:solidFill>
+                  <a:srgbClr val="004080"/>
+                </a:solidFill>
+                <a:cs typeface="Tahoma" charset="0"/>
+              </a:rPr>
+              <a:t>Continuous Refactoring</a:t>
+            </a:r>
+          </a:p>
+          <a:p>
+            <a:pPr marL="287338" indent="-287338" defTabSz="803275">
+              <a:buClr>
+                <a:srgbClr val="FF6600"/>
+              </a:buClr>
+              <a:buSzPct val="125000"/>
+              <a:buFont typeface="Wingdings" charset="0"/>
+              <a:buChar char="§"/>
+            </a:pPr>
+            <a:endParaRPr lang="en-US" dirty="0" smtClean="0">
+              <a:solidFill>
+                <a:srgbClr val="004080"/>
+              </a:solidFill>
+              <a:cs typeface="Tahoma" charset="0"/>
+            </a:endParaRPr>
+          </a:p>
+          <a:p>
+            <a:pPr marL="287338" indent="-287338" defTabSz="803275">
+              <a:buClr>
+                <a:srgbClr val="FF6600"/>
+              </a:buClr>
+              <a:buSzPct val="125000"/>
+              <a:buFont typeface="Wingdings" charset="0"/>
+              <a:buChar char="§"/>
+            </a:pPr>
+            <a:endParaRPr lang="en-US" dirty="0" smtClean="0">
+              <a:solidFill>
+                <a:srgbClr val="004080"/>
+              </a:solidFill>
+              <a:cs typeface="Tahoma" charset="0"/>
+            </a:endParaRPr>
+          </a:p>
+          <a:p>
+            <a:pPr marL="287338" indent="-287338" defTabSz="803275">
+              <a:buClr>
+                <a:srgbClr val="FF6600"/>
+              </a:buClr>
+              <a:buSzPct val="125000"/>
+              <a:buFont typeface="Wingdings" charset="0"/>
+              <a:buChar char="§"/>
+            </a:pPr>
+            <a:endParaRPr lang="nb-NO" dirty="0" smtClean="0">
+              <a:solidFill>
+                <a:srgbClr val="004080"/>
+              </a:solidFill>
+              <a:cs typeface="Tahoma" charset="0"/>
+            </a:endParaRPr>
+          </a:p>
+        </p:txBody>
+      </p:sp>
+    </p:spTree>
+    <p:extLst>
+      <p:ext uri="{BB962C8B-B14F-4D97-AF65-F5344CB8AC3E}">
+        <p14:creationId xmlns:p14="http://schemas.microsoft.com/office/powerpoint/2010/main" val="2302689440"/>
+      </p:ext>
+    </p:extLst>
+  </p:cSld>
+  <p:clrMapOvr>
+    <a:masterClrMapping/>
+  </p:clrMapOvr>
+  <p:transition xmlns:p14="http://schemas.microsoft.com/office/powerpoint/2010/main" spd="slow">
+    <p:fade/>
+  </p:transition>
+  <p:timing>
+    <p:tnLst>
+      <p:par>
+        <p:cTn xmlns:p14="http://schemas.microsoft.com/office/powerpoint/2010/main" id="1" dur="indefinite" restart="never" nodeType="tmRoot"/>
+      </p:par>
+    </p:tnLst>
+  </p:timing>
+</p:sld>
+</file>
+
+<file path=ppt/slides/slide28.xml><?xml version="1.0" encoding="utf-8"?>
+<p:sld xmlns:a="http://schemas.openxmlformats.org/drawingml/2006/main" xmlns:r="http://schemas.openxmlformats.org/officeDocument/2006/relationships" xmlns:p="http://schemas.openxmlformats.org/presentationml/2006/main">
+  <p:cSld>
+    <p:spTree>
+      <p:nvGrpSpPr>
+        <p:cNvPr id="1" name=""/>
+        <p:cNvGrpSpPr/>
+        <p:nvPr/>
+      </p:nvGrpSpPr>
+      <p:grpSpPr>
+        <a:xfrm>
+          <a:off x="0" y="0"/>
+          <a:ext cx="0" cy="0"/>
+          <a:chOff x="0" y="0"/>
+          <a:chExt cx="0" cy="0"/>
+        </a:xfrm>
+      </p:grpSpPr>
+      <p:sp>
+        <p:nvSpPr>
+          <p:cNvPr id="7" name="Text Placeholder 6"/>
+          <p:cNvSpPr>
+            <a:spLocks noGrp="1"/>
+          </p:cNvSpPr>
+          <p:nvPr>
+            <p:ph type="body" sz="quarter" idx="20"/>
+          </p:nvPr>
+        </p:nvSpPr>
+        <p:spPr>
+          <a:xfrm>
+            <a:off x="2127250" y="2432649"/>
+            <a:ext cx="6467476" cy="576293"/>
+          </a:xfrm>
+        </p:spPr>
+        <p:txBody>
+          <a:bodyPr/>
+          <a:lstStyle/>
+          <a:p>
+            <a:r>
+              <a:rPr lang="ru-RU" dirty="0" smtClean="0"/>
+              <a:t>Вопросы ?</a:t>
+            </a:r>
+            <a:endParaRPr lang="en-US" dirty="0"/>
+          </a:p>
+        </p:txBody>
+      </p:sp>
+    </p:spTree>
+    <p:extLst>
+      <p:ext uri="{BB962C8B-B14F-4D97-AF65-F5344CB8AC3E}">
+        <p14:creationId xmlns:p14="http://schemas.microsoft.com/office/powerpoint/2010/main" val="2964007123"/>
+      </p:ext>
+    </p:extLst>
+  </p:cSld>
+  <p:clrMapOvr>
+    <a:masterClrMapping/>
+  </p:clrMapOvr>
+  <p:transition xmlns:p14="http://schemas.microsoft.com/office/powerpoint/2010/main">
+    <p:zoom/>
+  </p:transition>
+  <p:timing>
+    <p:tnLst>
+      <p:par>
+        <p:cTn xmlns:p14="http://schemas.microsoft.com/office/powerpoint/2010/main" id="1" dur="indefinite" restart="never" nodeType="tmRoot"/>
+      </p:par>
+    </p:tnLst>
+  </p:timing>
+</p:sld>
+</file>
+
+<file path=ppt/slides/slide29.xml><?xml version="1.0" encoding="utf-8"?>
+<p:sld xmlns:a="http://schemas.openxmlformats.org/drawingml/2006/main" xmlns:r="http://schemas.openxmlformats.org/officeDocument/2006/relationships" xmlns:p="http://schemas.openxmlformats.org/presentationml/2006/main">
+  <p:cSld>
+    <p:spTree>
+      <p:nvGrpSpPr>
+        <p:cNvPr id="1" name=""/>
+        <p:cNvGrpSpPr/>
+        <p:nvPr/>
+      </p:nvGrpSpPr>
+      <p:grpSpPr>
+        <a:xfrm>
+          <a:off x="0" y="0"/>
+          <a:ext cx="0" cy="0"/>
+          <a:chOff x="0" y="0"/>
+          <a:chExt cx="0" cy="0"/>
+        </a:xfrm>
+      </p:grpSpPr>
+      <p:sp>
+        <p:nvSpPr>
+          <p:cNvPr id="7" name="Subtitle 6"/>
+          <p:cNvSpPr>
+            <a:spLocks noGrp="1"/>
+          </p:cNvSpPr>
+          <p:nvPr>
+            <p:ph type="subTitle" idx="1"/>
+          </p:nvPr>
+        </p:nvSpPr>
+        <p:spPr/>
+        <p:txBody>
+          <a:bodyPr/>
+          <a:lstStyle/>
+          <a:p>
+            <a:r>
+              <a:rPr lang="en-US" dirty="0">
+                <a:latin typeface="Arial" charset="0"/>
+              </a:rPr>
+              <a:t>Разработка через </a:t>
+            </a:r>
+            <a:r>
+              <a:rPr lang="en-US" dirty="0" smtClean="0">
+                <a:latin typeface="Arial" charset="0"/>
+              </a:rPr>
+              <a:t>тестирование</a:t>
+            </a:r>
+            <a:r>
+              <a:rPr lang="en-US" dirty="0">
+                <a:latin typeface="Arial" charset="0"/>
+              </a:rPr>
+              <a:t/>
+            </a:r>
+            <a:br>
+              <a:rPr lang="en-US" dirty="0">
+                <a:latin typeface="Arial" charset="0"/>
+              </a:rPr>
+            </a:br>
+            <a:endParaRPr lang="en-US" dirty="0"/>
+          </a:p>
+        </p:txBody>
+      </p:sp>
+      <p:sp>
+        <p:nvSpPr>
+          <p:cNvPr id="8" name="Text Placeholder 7"/>
+          <p:cNvSpPr>
+            <a:spLocks noGrp="1"/>
+          </p:cNvSpPr>
+          <p:nvPr>
+            <p:ph type="body" sz="quarter" idx="11"/>
+          </p:nvPr>
+        </p:nvSpPr>
+        <p:spPr/>
+        <p:txBody>
+          <a:bodyPr/>
+          <a:lstStyle/>
+          <a:p>
+            <a:r>
+              <a:rPr lang="en-US" dirty="0" err="1" smtClean="0"/>
+              <a:t>git</a:t>
+            </a:r>
+            <a:r>
+              <a:rPr lang="en-US" dirty="0" smtClean="0"/>
+              <a:t> </a:t>
+            </a:r>
+            <a:r>
+              <a:rPr lang="en-US" dirty="0"/>
+              <a:t>clone </a:t>
+            </a:r>
+            <a:r>
+              <a:rPr lang="en-US" dirty="0" err="1"/>
+              <a:t>git</a:t>
+            </a:r>
+            <a:r>
+              <a:rPr lang="en-US" dirty="0"/>
+              <a:t>://</a:t>
+            </a:r>
+            <a:r>
+              <a:rPr lang="en-US" dirty="0" err="1"/>
+              <a:t>github.com</a:t>
+            </a:r>
+            <a:r>
+              <a:rPr lang="en-US" dirty="0"/>
+              <a:t>/</a:t>
+            </a:r>
+            <a:r>
+              <a:rPr lang="en-US" dirty="0" err="1"/>
+              <a:t>ivan-dyachenko</a:t>
+            </a:r>
+            <a:r>
+              <a:rPr lang="en-US" dirty="0"/>
+              <a:t>/</a:t>
+            </a:r>
+            <a:r>
+              <a:rPr lang="en-US" dirty="0" err="1"/>
+              <a:t>Trainings.git</a:t>
+            </a:r>
+            <a:endParaRPr lang="en-US" dirty="0"/>
+          </a:p>
+        </p:txBody>
+      </p:sp>
+      <p:sp>
+        <p:nvSpPr>
+          <p:cNvPr id="9" name="Text Placeholder 8"/>
+          <p:cNvSpPr>
+            <a:spLocks noGrp="1"/>
+          </p:cNvSpPr>
+          <p:nvPr>
+            <p:ph type="body" sz="quarter" idx="12"/>
+          </p:nvPr>
+        </p:nvSpPr>
+        <p:spPr/>
+        <p:txBody>
+          <a:bodyPr/>
+          <a:lstStyle/>
+          <a:p>
+            <a:r>
+              <a:rPr lang="en-US" dirty="0" err="1" smtClean="0"/>
+              <a:t>IDyachenko@luxoft.com</a:t>
+            </a:r>
+            <a:endParaRPr lang="en-US" dirty="0"/>
+          </a:p>
+        </p:txBody>
+      </p:sp>
+      <p:sp>
+        <p:nvSpPr>
+          <p:cNvPr id="10" name="Text Placeholder 9"/>
+          <p:cNvSpPr>
+            <a:spLocks noGrp="1"/>
+          </p:cNvSpPr>
+          <p:nvPr>
+            <p:ph type="body" sz="quarter" idx="13"/>
+          </p:nvPr>
+        </p:nvSpPr>
+        <p:spPr/>
+        <p:txBody>
+          <a:bodyPr/>
+          <a:lstStyle/>
+          <a:p>
+            <a:r>
+              <a:rPr lang="en-US" dirty="0"/>
+              <a:t>https://</a:t>
+            </a:r>
+            <a:r>
+              <a:rPr lang="en-US" dirty="0" err="1"/>
+              <a:t>github.com</a:t>
+            </a:r>
+            <a:r>
+              <a:rPr lang="en-US" dirty="0"/>
+              <a:t>/</a:t>
+            </a:r>
+            <a:r>
+              <a:rPr lang="en-US" dirty="0" err="1"/>
+              <a:t>ivan-dyachenko</a:t>
+            </a:r>
+            <a:r>
+              <a:rPr lang="en-US" dirty="0"/>
+              <a:t>/Trainings</a:t>
+            </a:r>
+          </a:p>
+        </p:txBody>
+      </p:sp>
+      <p:sp>
+        <p:nvSpPr>
+          <p:cNvPr id="11" name="Text Placeholder 10"/>
+          <p:cNvSpPr>
+            <a:spLocks noGrp="1"/>
+          </p:cNvSpPr>
+          <p:nvPr>
+            <p:ph type="body" sz="quarter" idx="14"/>
+          </p:nvPr>
+        </p:nvSpPr>
+        <p:spPr/>
+        <p:txBody>
+          <a:bodyPr/>
+          <a:lstStyle/>
+          <a:p>
+            <a:endParaRPr lang="en-US"/>
+          </a:p>
+        </p:txBody>
+      </p:sp>
+    </p:spTree>
+    <p:extLst>
+      <p:ext uri="{BB962C8B-B14F-4D97-AF65-F5344CB8AC3E}">
+        <p14:creationId xmlns:p14="http://schemas.microsoft.com/office/powerpoint/2010/main" val="1157964761"/>
+      </p:ext>
+    </p:extLst>
+  </p:cSld>
+  <p:clrMapOvr>
+    <a:masterClrMapping/>
+  </p:clrMapOvr>
+  <p:transition xmlns:p14="http://schemas.microsoft.com/office/powerpoint/2010/main">
+    <p:zoom/>
+  </p:transition>
 </p:sld>
 </file>
 
@@ -21547,7 +25407,7 @@
       </p:grpSpPr>
       <p:sp>
         <p:nvSpPr>
-          <p:cNvPr id="3" name="Title 2"/>
+          <p:cNvPr id="2" name="Title 1"/>
           <p:cNvSpPr>
             <a:spLocks noGrp="1"/>
           </p:cNvSpPr>
@@ -21561,12 +25421,12 @@
           <a:lstStyle/>
           <a:p>
             <a:r>
-              <a:rPr lang="en-US" dirty="0"/>
-              <a:t>Why TDD? </a:t>
+              <a:rPr lang="ru-RU" dirty="0" smtClean="0"/>
+              <a:t>Что такое тестирование</a:t>
             </a:r>
             <a:r>
               <a:rPr lang="en-US" dirty="0" smtClean="0"/>
-              <a:t>Because</a:t>
+              <a:t>?</a:t>
             </a:r>
             <a:endParaRPr lang="en-US" dirty="0"/>
           </a:p>
@@ -21574,7 +25434,7 @@
       </p:sp>
       <p:sp>
         <p:nvSpPr>
-          <p:cNvPr id="21" name="Rectangle 20"/>
+          <p:cNvPr id="5" name="Rectangle 4"/>
           <p:cNvSpPr>
             <a:spLocks noChangeArrowheads="1"/>
           </p:cNvSpPr>
@@ -21586,8 +25446,8 @@
         </p:nvSpPr>
         <p:spPr bwMode="auto">
           <a:xfrm>
-            <a:off x="2133600" y="2209800"/>
-            <a:ext cx="4952999" cy="2455605"/>
+            <a:off x="1800539" y="2939862"/>
+            <a:ext cx="5542922" cy="916722"/>
           </a:xfrm>
           <a:prstGeom prst="rect">
             <a:avLst/>
@@ -21606,211 +25466,33 @@
           </a:bodyPr>
           <a:lstStyle/>
           <a:p>
-            <a:pPr defTabSz="803275">
+            <a:pPr algn="ctr" defTabSz="803275">
               <a:buClr>
                 <a:srgbClr val="FF6600"/>
               </a:buClr>
               <a:buSzPct val="125000"/>
             </a:pPr>
             <a:r>
-              <a:rPr lang="en-US" b="1" dirty="0">
-                <a:solidFill>
-                  <a:srgbClr val="004080"/>
-                </a:solidFill>
-                <a:cs typeface="Tahoma" charset="0"/>
+              <a:rPr lang="ru-RU" sz="2200" dirty="0">
+                <a:solidFill>
+                  <a:schemeClr val="accent4"/>
+                </a:solidFill>
               </a:rPr>
-              <a:t>In many software processes:</a:t>
-            </a:r>
-          </a:p>
-          <a:p>
-            <a:pPr defTabSz="803275">
-              <a:buClr>
-                <a:srgbClr val="FF6600"/>
-              </a:buClr>
-              <a:buSzPct val="125000"/>
-            </a:pPr>
-            <a:endParaRPr lang="en-US" dirty="0" smtClean="0">
-              <a:solidFill>
-                <a:srgbClr val="004080"/>
-              </a:solidFill>
-              <a:cs typeface="Tahoma" charset="0"/>
-            </a:endParaRPr>
-          </a:p>
-          <a:p>
-            <a:pPr defTabSz="803275">
-              <a:buClr>
-                <a:srgbClr val="FF6600"/>
-              </a:buClr>
-              <a:buSzPct val="125000"/>
-            </a:pPr>
-            <a:r>
-              <a:rPr lang="en-US" dirty="0" smtClean="0">
-                <a:solidFill>
-                  <a:srgbClr val="004080"/>
-                </a:solidFill>
-                <a:cs typeface="Tahoma" charset="0"/>
-              </a:rPr>
-              <a:t>– </a:t>
-            </a:r>
-            <a:r>
-              <a:rPr lang="en-US" dirty="0">
-                <a:solidFill>
-                  <a:srgbClr val="004080"/>
-                </a:solidFill>
-                <a:cs typeface="Tahoma" charset="0"/>
-              </a:rPr>
-              <a:t>testing is planned late in the </a:t>
-            </a:r>
-            <a:r>
-              <a:rPr lang="en-US" dirty="0" smtClean="0">
-                <a:solidFill>
-                  <a:srgbClr val="004080"/>
-                </a:solidFill>
-                <a:cs typeface="Tahoma" charset="0"/>
-              </a:rPr>
-              <a:t>development </a:t>
-            </a:r>
-            <a:r>
-              <a:rPr lang="en-US" dirty="0">
-                <a:solidFill>
-                  <a:srgbClr val="004080"/>
-                </a:solidFill>
-                <a:cs typeface="Tahoma" charset="0"/>
-              </a:rPr>
-              <a:t>cycle</a:t>
-            </a:r>
-          </a:p>
-          <a:p>
-            <a:pPr marL="287338" indent="-287338" defTabSz="803275">
-              <a:buClr>
-                <a:srgbClr val="FF6600"/>
-              </a:buClr>
-              <a:buSzPct val="125000"/>
-              <a:buFont typeface="Wingdings" charset="0"/>
-              <a:buChar char="§"/>
-            </a:pPr>
-            <a:endParaRPr lang="en-US" dirty="0">
-              <a:solidFill>
-                <a:srgbClr val="004080"/>
-              </a:solidFill>
-              <a:cs typeface="Tahoma" charset="0"/>
-            </a:endParaRPr>
-          </a:p>
-          <a:p>
-            <a:pPr defTabSz="803275">
-              <a:buClr>
-                <a:srgbClr val="FF6600"/>
-              </a:buClr>
-              <a:buSzPct val="125000"/>
-            </a:pPr>
-            <a:r>
-              <a:rPr lang="en-US" b="1" dirty="0" smtClean="0">
-                <a:solidFill>
-                  <a:srgbClr val="004080"/>
-                </a:solidFill>
-                <a:cs typeface="Tahoma" charset="0"/>
-              </a:rPr>
-              <a:t>Insufficient </a:t>
-            </a:r>
-            <a:r>
-              <a:rPr lang="en-US" b="1" dirty="0">
-                <a:solidFill>
-                  <a:srgbClr val="004080"/>
-                </a:solidFill>
-                <a:cs typeface="Tahoma" charset="0"/>
-              </a:rPr>
-              <a:t>Time/budget</a:t>
-            </a:r>
-          </a:p>
-          <a:p>
-            <a:pPr marL="287338" indent="-287338" defTabSz="803275">
-              <a:buClr>
-                <a:srgbClr val="FF6600"/>
-              </a:buClr>
-              <a:buSzPct val="125000"/>
-              <a:buFont typeface="Wingdings" charset="0"/>
-              <a:buChar char="§"/>
-            </a:pPr>
-            <a:endParaRPr lang="en-US" dirty="0">
-              <a:solidFill>
-                <a:srgbClr val="004080"/>
-              </a:solidFill>
-              <a:cs typeface="Tahoma" charset="0"/>
-            </a:endParaRPr>
-          </a:p>
-          <a:p>
-            <a:pPr defTabSz="803275">
-              <a:buClr>
-                <a:srgbClr val="FF6600"/>
-              </a:buClr>
-              <a:buSzPct val="125000"/>
-            </a:pPr>
-            <a:r>
-              <a:rPr lang="en-US" dirty="0" smtClean="0">
-                <a:solidFill>
-                  <a:srgbClr val="004080"/>
-                </a:solidFill>
-                <a:cs typeface="Tahoma" charset="0"/>
-              </a:rPr>
-              <a:t>– </a:t>
-            </a:r>
-            <a:r>
-              <a:rPr lang="en-US" dirty="0">
-                <a:solidFill>
-                  <a:srgbClr val="004080"/>
-                </a:solidFill>
-                <a:cs typeface="Tahoma" charset="0"/>
-              </a:rPr>
-              <a:t>shorten test period </a:t>
-            </a:r>
-          </a:p>
-          <a:p>
-            <a:pPr defTabSz="803275">
-              <a:buClr>
-                <a:srgbClr val="FF6600"/>
-              </a:buClr>
-              <a:buSzPct val="125000"/>
-            </a:pPr>
-            <a:r>
-              <a:rPr lang="en-US" dirty="0" smtClean="0">
-                <a:solidFill>
-                  <a:srgbClr val="004080"/>
-                </a:solidFill>
-                <a:cs typeface="Tahoma" charset="0"/>
-              </a:rPr>
-              <a:t>– </a:t>
-            </a:r>
-            <a:r>
-              <a:rPr lang="en-US" dirty="0">
-                <a:solidFill>
-                  <a:srgbClr val="004080"/>
-                </a:solidFill>
-                <a:cs typeface="Tahoma" charset="0"/>
-              </a:rPr>
-              <a:t>drop the tests </a:t>
-            </a:r>
-            <a:endParaRPr lang="nb-NO" dirty="0" smtClean="0">
-              <a:solidFill>
-                <a:srgbClr val="004080"/>
-              </a:solidFill>
-              <a:cs typeface="Tahoma" charset="0"/>
-            </a:endParaRPr>
+              <a:t>Тестирование – способ обеспечения качества продукта</a:t>
+            </a:r>
           </a:p>
         </p:txBody>
       </p:sp>
     </p:spTree>
     <p:extLst>
       <p:ext uri="{BB962C8B-B14F-4D97-AF65-F5344CB8AC3E}">
-        <p14:creationId xmlns:p14="http://schemas.microsoft.com/office/powerpoint/2010/main" val="1390307067"/>
+        <p14:creationId xmlns:p14="http://schemas.microsoft.com/office/powerpoint/2010/main" val="2722554363"/>
       </p:ext>
     </p:extLst>
   </p:cSld>
   <p:clrMapOvr>
     <a:masterClrMapping/>
   </p:clrMapOvr>
-  <p:transition xmlns:p14="http://schemas.microsoft.com/office/powerpoint/2010/main">
-    <p:zoom/>
-  </p:transition>
   <p:timing>
     <p:tnLst>
       <p:par>
@@ -21840,7 +25522,7 @@
       </p:grpSpPr>
       <p:sp>
         <p:nvSpPr>
-          <p:cNvPr id="3" name="Title 2"/>
+          <p:cNvPr id="2" name="Title 1"/>
           <p:cNvSpPr>
             <a:spLocks noGrp="1"/>
           </p:cNvSpPr>
@@ -21854,16 +25536,19 @@
           <a:lstStyle/>
           <a:p>
             <a:r>
-              <a:rPr lang="en-US" dirty="0" smtClean="0"/>
-              <a:t>Agile</a:t>
-            </a:r>
-            <a:endParaRPr lang="en-US" dirty="0"/>
-          </a:p>
-        </p:txBody>
-      </p:sp>
-      <p:sp>
-        <p:nvSpPr>
-          <p:cNvPr id="21" name="Rectangle 20"/>
+              <a:rPr lang="ru-RU" dirty="0"/>
+              <a:t>Что такое тестирование</a:t>
+            </a:r>
+            <a:r>
+              <a:rPr lang="en-US" dirty="0"/>
+              <a:t>?</a:t>
+            </a:r>
+          </a:p>
+        </p:txBody>
+      </p:sp>
+      <p:sp>
+        <p:nvSpPr>
+          <p:cNvPr id="5" name="Rectangle 4"/>
           <p:cNvSpPr>
             <a:spLocks noChangeArrowheads="1"/>
           </p:cNvSpPr>
@@ -21875,8 +25560,8 @@
         </p:nvSpPr>
         <p:spPr bwMode="auto">
           <a:xfrm>
-            <a:off x="2133600" y="2209800"/>
-            <a:ext cx="4952999" cy="2455605"/>
+            <a:off x="2000878" y="2062698"/>
+            <a:ext cx="5023841" cy="3286601"/>
           </a:xfrm>
           <a:prstGeom prst="rect">
             <a:avLst/>
@@ -21902,13 +25587,20 @@
               <a:buSzPct val="125000"/>
             </a:pPr>
             <a:r>
-              <a:rPr lang="en-US" b="1" dirty="0">
-                <a:solidFill>
-                  <a:srgbClr val="004080"/>
-                </a:solidFill>
-                <a:cs typeface="Tahoma" charset="0"/>
+              <a:rPr lang="ru-RU" dirty="0">
+                <a:solidFill>
+                  <a:schemeClr val="accent4"/>
+                </a:solidFill>
               </a:rPr>
-              <a:t>In many software processes:</a:t>
+              <a:t>С технической точки зрения, тестирование заключается в</a:t>
+            </a:r>
+            <a:r>
+              <a:rPr lang="ru-RU" dirty="0" smtClean="0">
+                <a:solidFill>
+                  <a:schemeClr val="accent4"/>
+                </a:solidFill>
+              </a:rPr>
+              <a:t>:</a:t>
             </a:r>
           </a:p>
           <a:p>
@@ -21918,188 +25610,107 @@
               </a:buClr>
               <a:buSzPct val="125000"/>
             </a:pPr>
-            <a:endParaRPr lang="en-US" dirty="0" smtClean="0">
+            <a:endParaRPr lang="ru-RU" dirty="0">
               <a:solidFill>
-                <a:srgbClr val="004080"/>
+                <a:schemeClr val="accent4"/>
               </a:solidFill>
-              <a:cs typeface="Tahoma" charset="0"/>
             </a:endParaRPr>
           </a:p>
           <a:p>
-            <a:pPr defTabSz="803275">
+            <a:pPr marL="285750" indent="-285750" defTabSz="803275">
               <a:buClr>
                 <a:srgbClr val="FF6600"/>
               </a:buClr>
               <a:buSzPct val="125000"/>
+              <a:buFont typeface="Wingdings" pitchFamily="2" charset="2"/>
+              <a:buChar char="§"/>
             </a:pPr>
             <a:r>
-              <a:rPr lang="en-US" dirty="0" smtClean="0">
-                <a:solidFill>
-                  <a:srgbClr val="004080"/>
-                </a:solidFill>
-                <a:cs typeface="Tahoma" charset="0"/>
+              <a:rPr lang="ru-RU" dirty="0">
+                <a:solidFill>
+                  <a:schemeClr val="accent4"/>
+                </a:solidFill>
               </a:rPr>
-              <a:t>– </a:t>
-            </a:r>
-            <a:r>
-              <a:rPr lang="en-US" dirty="0">
-                <a:solidFill>
-                  <a:srgbClr val="004080"/>
-                </a:solidFill>
-                <a:cs typeface="Tahoma" charset="0"/>
+              <a:t>В</a:t>
+            </a:r>
+            <a:r>
+              <a:rPr lang="ru-RU" dirty="0" smtClean="0">
+                <a:solidFill>
+                  <a:schemeClr val="accent4"/>
+                </a:solidFill>
               </a:rPr>
-              <a:t>testing is planned late in the </a:t>
-            </a:r>
-            <a:r>
-              <a:rPr lang="en-US" dirty="0" smtClean="0">
-                <a:solidFill>
-                  <a:srgbClr val="004080"/>
-                </a:solidFill>
-                <a:cs typeface="Tahoma" charset="0"/>
+              <a:t>ыполнении </a:t>
+            </a:r>
+            <a:r>
+              <a:rPr lang="ru-RU" dirty="0">
+                <a:solidFill>
+                  <a:schemeClr val="accent4"/>
+                </a:solidFill>
               </a:rPr>
-              <a:t>development </a:t>
-            </a:r>
-            <a:r>
-              <a:rPr lang="en-US" dirty="0">
-                <a:solidFill>
-                  <a:srgbClr val="004080"/>
-                </a:solidFill>
-                <a:cs typeface="Tahoma" charset="0"/>
+              <a:t>приложения на некотором множестве исходных </a:t>
+            </a:r>
+            <a:r>
+              <a:rPr lang="ru-RU" dirty="0" smtClean="0">
+                <a:solidFill>
+                  <a:schemeClr val="accent4"/>
+                </a:solidFill>
               </a:rPr>
-              <a:t>cycle</a:t>
-            </a:r>
-          </a:p>
-          <a:p>
-            <a:pPr marL="287338" indent="-287338" defTabSz="803275">
+              <a:t>данных</a:t>
+            </a:r>
+          </a:p>
+          <a:p>
+            <a:pPr marL="285750" indent="-285750" defTabSz="803275">
               <a:buClr>
                 <a:srgbClr val="FF6600"/>
               </a:buClr>
               <a:buSzPct val="125000"/>
-              <a:buFont typeface="Wingdings" charset="0"/>
+              <a:buFont typeface="Wingdings" pitchFamily="2" charset="2"/>
               <a:buChar char="§"/>
             </a:pPr>
-            <a:endParaRPr lang="en-US" dirty="0">
+            <a:endParaRPr lang="ru-RU" dirty="0">
               <a:solidFill>
-                <a:srgbClr val="004080"/>
+                <a:schemeClr val="accent4"/>
               </a:solidFill>
-              <a:cs typeface="Tahoma" charset="0"/>
             </a:endParaRPr>
           </a:p>
           <a:p>
-            <a:pPr defTabSz="803275">
+            <a:pPr marL="285750" indent="-285750" defTabSz="803275">
               <a:buClr>
                 <a:srgbClr val="FF6600"/>
               </a:buClr>
               <a:buSzPct val="125000"/>
-            </a:pPr>
-            <a:r>
-              <a:rPr lang="en-US" b="1" dirty="0" smtClean="0">
-                <a:solidFill>
-                  <a:srgbClr val="004080"/>
-                </a:solidFill>
-                <a:cs typeface="Tahoma" charset="0"/>
-              </a:rPr>
-              <a:t>Insufficient </a:t>
-            </a:r>
-            <a:r>
-              <a:rPr lang="en-US" b="1" dirty="0">
-                <a:solidFill>
-                  <a:srgbClr val="004080"/>
-                </a:solidFill>
-                <a:cs typeface="Tahoma" charset="0"/>
-              </a:rPr>
-              <a:t>Time/budget</a:t>
-            </a:r>
-          </a:p>
-          <a:p>
-            <a:pPr marL="287338" indent="-287338" defTabSz="803275">
-              <a:buClr>
-                <a:srgbClr val="FF6600"/>
-              </a:buClr>
-              <a:buSzPct val="125000"/>
-              <a:buFont typeface="Wingdings" charset="0"/>
+              <a:buFont typeface="Wingdings" pitchFamily="2" charset="2"/>
               <a:buChar char="§"/>
             </a:pPr>
-            <a:endParaRPr lang="en-US" dirty="0">
-              <a:solidFill>
-                <a:srgbClr val="004080"/>
-              </a:solidFill>
-              <a:cs typeface="Tahoma" charset="0"/>
-            </a:endParaRPr>
-          </a:p>
-          <a:p>
-            <a:pPr defTabSz="803275">
-              <a:buClr>
-                <a:srgbClr val="FF6600"/>
-              </a:buClr>
-              <a:buSzPct val="125000"/>
-            </a:pPr>
-            <a:r>
-              <a:rPr lang="en-US" dirty="0" smtClean="0">
-                <a:solidFill>
-                  <a:srgbClr val="004080"/>
-                </a:solidFill>
-                <a:cs typeface="Tahoma" charset="0"/>
+            <a:r>
+              <a:rPr lang="ru-RU" dirty="0" smtClean="0">
+                <a:solidFill>
+                  <a:schemeClr val="accent4"/>
+                </a:solidFill>
               </a:rPr>
-              <a:t>– </a:t>
-            </a:r>
-            <a:r>
-              <a:rPr lang="en-US" dirty="0">
-                <a:solidFill>
-                  <a:srgbClr val="004080"/>
-                </a:solidFill>
-                <a:cs typeface="Tahoma" charset="0"/>
+              <a:t>Сверке </a:t>
+            </a:r>
+            <a:r>
+              <a:rPr lang="ru-RU" dirty="0">
+                <a:solidFill>
+                  <a:schemeClr val="accent4"/>
+                </a:solidFill>
               </a:rPr>
-              <a:t>shorten test period </a:t>
-            </a:r>
-          </a:p>
-          <a:p>
-            <a:pPr defTabSz="803275">
-              <a:buClr>
-                <a:srgbClr val="FF6600"/>
-              </a:buClr>
-              <a:buSzPct val="125000"/>
-            </a:pPr>
-            <a:r>
-              <a:rPr lang="en-US" dirty="0" smtClean="0">
-                <a:solidFill>
-                  <a:srgbClr val="004080"/>
-                </a:solidFill>
-                <a:cs typeface="Tahoma" charset="0"/>
-              </a:rPr>
-              <a:t>– </a:t>
-            </a:r>
-            <a:r>
-              <a:rPr lang="en-US" dirty="0">
-                <a:solidFill>
-                  <a:srgbClr val="004080"/>
-                </a:solidFill>
-                <a:cs typeface="Tahoma" charset="0"/>
-              </a:rPr>
-              <a:t>drop the tests </a:t>
-            </a:r>
-            <a:endParaRPr lang="nb-NO" dirty="0" smtClean="0">
-              <a:solidFill>
-                <a:srgbClr val="004080"/>
-              </a:solidFill>
-              <a:cs typeface="Tahoma" charset="0"/>
-            </a:endParaRPr>
+              <a:t>получаемых результатов с заранее известными (эталонными) с целью установить соответствие различных свойств и характеристик приложения заказанным свойствам</a:t>
+            </a:r>
           </a:p>
         </p:txBody>
       </p:sp>
     </p:spTree>
     <p:extLst>
       <p:ext uri="{BB962C8B-B14F-4D97-AF65-F5344CB8AC3E}">
-        <p14:creationId xmlns:p14="http://schemas.microsoft.com/office/powerpoint/2010/main" val="2198442198"/>
+        <p14:creationId xmlns:p14="http://schemas.microsoft.com/office/powerpoint/2010/main" val="797536892"/>
       </p:ext>
     </p:extLst>
   </p:cSld>
   <p:clrMapOvr>
     <a:masterClrMapping/>
   </p:clrMapOvr>
-  <p:transition xmlns:p14="http://schemas.microsoft.com/office/powerpoint/2010/main">
-    <p:zoom/>
-  </p:transition>
   <p:timing>
     <p:tnLst>
       <p:par>
@@ -22129,7 +25740,7 @@
       </p:grpSpPr>
       <p:sp>
         <p:nvSpPr>
-          <p:cNvPr id="3" name="Title 2"/>
+          <p:cNvPr id="2" name="Title 1"/>
           <p:cNvSpPr>
             <a:spLocks noGrp="1"/>
           </p:cNvSpPr>
@@ -22143,8 +25754,782 @@
           <a:lstStyle/>
           <a:p>
             <a:r>
+              <a:rPr lang="ru-RU" dirty="0"/>
+              <a:t>Что такое тестирование</a:t>
+            </a:r>
+            <a:r>
+              <a:rPr lang="en-US" dirty="0"/>
+              <a:t>?</a:t>
+            </a:r>
+          </a:p>
+        </p:txBody>
+      </p:sp>
+      <p:sp>
+        <p:nvSpPr>
+          <p:cNvPr id="5" name="Rectangle 4"/>
+          <p:cNvSpPr>
+            <a:spLocks noChangeArrowheads="1"/>
+          </p:cNvSpPr>
+          <p:nvPr>
+            <p:custDataLst>
+              <p:tags r:id="rId1"/>
+            </p:custDataLst>
+          </p:nvPr>
+        </p:nvSpPr>
+        <p:spPr bwMode="auto">
+          <a:xfrm>
+            <a:off x="2060080" y="2201198"/>
+            <a:ext cx="5023841" cy="2455605"/>
+          </a:xfrm>
+          <a:prstGeom prst="rect">
+            <a:avLst/>
+          </a:prstGeom>
+          <a:noFill/>
+          <a:ln w="19050">
+            <a:noFill/>
+            <a:miter lim="800000"/>
+            <a:headEnd/>
+            <a:tailEnd/>
+          </a:ln>
+        </p:spPr>
+        <p:txBody>
+          <a:bodyPr wrap="square" lIns="93296" tIns="144000" rIns="93296" bIns="93296">
+            <a:spAutoFit/>
+          </a:bodyPr>
+          <a:lstStyle/>
+          <a:p>
+            <a:pPr marL="285750" indent="-285750" defTabSz="803275">
+              <a:buClr>
+                <a:srgbClr val="FF6600"/>
+              </a:buClr>
+              <a:buSzPct val="125000"/>
+              <a:buFont typeface="Wingdings" pitchFamily="2" charset="2"/>
+              <a:buChar char="§"/>
+            </a:pPr>
+            <a:r>
+              <a:rPr lang="ru-RU" dirty="0" smtClean="0">
+                <a:solidFill>
+                  <a:schemeClr val="accent4"/>
+                </a:solidFill>
+              </a:rPr>
+              <a:t>Тестирование </a:t>
+            </a:r>
+            <a:r>
+              <a:rPr lang="ru-RU" dirty="0">
+                <a:solidFill>
+                  <a:schemeClr val="accent4"/>
+                </a:solidFill>
+              </a:rPr>
+              <a:t>является одной из основных фаз разработки программного продукта (наряду с Дизайном приложения и Разработкой кода</a:t>
+            </a:r>
+            <a:r>
+              <a:rPr lang="ru-RU" dirty="0" smtClean="0">
+                <a:solidFill>
+                  <a:schemeClr val="accent4"/>
+                </a:solidFill>
+              </a:rPr>
+              <a:t>)</a:t>
+            </a:r>
+          </a:p>
+          <a:p>
+            <a:pPr marL="285750" indent="-285750" defTabSz="803275">
+              <a:buClr>
+                <a:srgbClr val="FF6600"/>
+              </a:buClr>
+              <a:buSzPct val="125000"/>
+              <a:buFont typeface="Wingdings" pitchFamily="2" charset="2"/>
+              <a:buChar char="§"/>
+            </a:pPr>
+            <a:endParaRPr lang="ru-RU" dirty="0">
+              <a:solidFill>
+                <a:schemeClr val="accent4"/>
+              </a:solidFill>
+            </a:endParaRPr>
+          </a:p>
+          <a:p>
+            <a:pPr marL="285750" indent="-285750" defTabSz="803275">
+              <a:buClr>
+                <a:srgbClr val="FF6600"/>
+              </a:buClr>
+              <a:buSzPct val="125000"/>
+              <a:buFont typeface="Wingdings" pitchFamily="2" charset="2"/>
+              <a:buChar char="§"/>
+            </a:pPr>
+            <a:r>
+              <a:rPr lang="ru-RU" dirty="0">
+                <a:solidFill>
+                  <a:schemeClr val="accent4"/>
+                </a:solidFill>
+              </a:rPr>
+              <a:t>Оно характеризуется достаточно большим вкладом в суммарную трудоемкость разработки продукта</a:t>
+            </a:r>
+          </a:p>
+        </p:txBody>
+      </p:sp>
+    </p:spTree>
+    <p:extLst>
+      <p:ext uri="{BB962C8B-B14F-4D97-AF65-F5344CB8AC3E}">
+        <p14:creationId xmlns:p14="http://schemas.microsoft.com/office/powerpoint/2010/main" val="1116612799"/>
+      </p:ext>
+    </p:extLst>
+  </p:cSld>
+  <p:clrMapOvr>
+    <a:masterClrMapping/>
+  </p:clrMapOvr>
+  <p:timing>
+    <p:tnLst>
+      <p:par>
+        <p:cTn xmlns:p14="http://schemas.microsoft.com/office/powerpoint/2010/main" id="1" dur="indefinite" restart="never" nodeType="tmRoot"/>
+      </p:par>
+    </p:tnLst>
+  </p:timing>
+</p:sld>
+</file>
+
+<file path=ppt/slides/slide7.xml><?xml version="1.0" encoding="utf-8"?>
+<p:sld xmlns:a="http://schemas.openxmlformats.org/drawingml/2006/main" xmlns:r="http://schemas.openxmlformats.org/officeDocument/2006/relationships" xmlns:p="http://schemas.openxmlformats.org/presentationml/2006/main">
+  <p:cSld>
+    <p:spTree>
+      <p:nvGrpSpPr>
+        <p:cNvPr id="1" name=""/>
+        <p:cNvGrpSpPr/>
+        <p:nvPr/>
+      </p:nvGrpSpPr>
+      <p:grpSpPr>
+        <a:xfrm>
+          <a:off x="0" y="0"/>
+          <a:ext cx="0" cy="0"/>
+          <a:chOff x="0" y="0"/>
+          <a:chExt cx="0" cy="0"/>
+        </a:xfrm>
+      </p:grpSpPr>
+      <p:sp>
+        <p:nvSpPr>
+          <p:cNvPr id="2" name="Title 1"/>
+          <p:cNvSpPr>
+            <a:spLocks noGrp="1"/>
+          </p:cNvSpPr>
+          <p:nvPr>
+            <p:ph type="title"/>
+          </p:nvPr>
+        </p:nvSpPr>
+        <p:spPr/>
+        <p:txBody>
+          <a:bodyPr/>
+          <a:lstStyle/>
+          <a:p>
+            <a:r>
+              <a:rPr lang="ru-RU" dirty="0"/>
+              <a:t>Качество ПО</a:t>
+            </a:r>
+            <a:endParaRPr lang="en-US" dirty="0"/>
+          </a:p>
+        </p:txBody>
+      </p:sp>
+      <p:sp>
+        <p:nvSpPr>
+          <p:cNvPr id="5" name="Rectangle 4"/>
+          <p:cNvSpPr>
+            <a:spLocks noChangeArrowheads="1"/>
+          </p:cNvSpPr>
+          <p:nvPr>
+            <p:custDataLst>
+              <p:tags r:id="rId1"/>
+            </p:custDataLst>
+          </p:nvPr>
+        </p:nvSpPr>
+        <p:spPr bwMode="auto">
+          <a:xfrm>
+            <a:off x="2000878" y="2062698"/>
+            <a:ext cx="5023841" cy="3009602"/>
+          </a:xfrm>
+          <a:prstGeom prst="rect">
+            <a:avLst/>
+          </a:prstGeom>
+          <a:noFill/>
+          <a:ln w="19050">
+            <a:noFill/>
+            <a:miter lim="800000"/>
+            <a:headEnd/>
+            <a:tailEnd/>
+          </a:ln>
+        </p:spPr>
+        <p:txBody>
+          <a:bodyPr wrap="square" lIns="93296" tIns="144000" rIns="93296" bIns="93296">
+            <a:spAutoFit/>
+          </a:bodyPr>
+          <a:lstStyle/>
+          <a:p>
+            <a:pPr defTabSz="803275">
+              <a:buClr>
+                <a:srgbClr val="FF6600"/>
+              </a:buClr>
+              <a:buSzPct val="125000"/>
+            </a:pPr>
+            <a:r>
+              <a:rPr lang="ru-RU" dirty="0">
+                <a:solidFill>
+                  <a:schemeClr val="accent4"/>
+                </a:solidFill>
+              </a:rPr>
+              <a:t>Заинтересованными сторонами являются: </a:t>
+            </a:r>
+            <a:endParaRPr lang="ru-RU" dirty="0" smtClean="0">
+              <a:solidFill>
+                <a:schemeClr val="accent4"/>
+              </a:solidFill>
+            </a:endParaRPr>
+          </a:p>
+          <a:p>
+            <a:pPr defTabSz="803275">
+              <a:buClr>
+                <a:srgbClr val="FF6600"/>
+              </a:buClr>
+              <a:buSzPct val="125000"/>
+            </a:pPr>
+            <a:endParaRPr lang="ru-RU" dirty="0">
+              <a:solidFill>
+                <a:schemeClr val="accent4"/>
+              </a:solidFill>
+            </a:endParaRPr>
+          </a:p>
+          <a:p>
+            <a:pPr marL="287338" indent="-287338" defTabSz="803275">
+              <a:buClr>
+                <a:srgbClr val="FF6600"/>
+              </a:buClr>
+              <a:buSzPct val="125000"/>
+              <a:buFont typeface="Wingdings" charset="0"/>
+              <a:buChar char="§"/>
+            </a:pPr>
+            <a:r>
+              <a:rPr lang="ru-RU" dirty="0">
+                <a:solidFill>
+                  <a:schemeClr val="accent4"/>
+                </a:solidFill>
+              </a:rPr>
+              <a:t>З</a:t>
+            </a:r>
+            <a:r>
+              <a:rPr lang="ru-RU" dirty="0" smtClean="0">
+                <a:solidFill>
+                  <a:schemeClr val="accent4"/>
+                </a:solidFill>
+              </a:rPr>
+              <a:t>аказчик </a:t>
+            </a:r>
+            <a:r>
+              <a:rPr lang="ru-RU" dirty="0">
+                <a:solidFill>
+                  <a:schemeClr val="accent4"/>
+                </a:solidFill>
+              </a:rPr>
+              <a:t>продукта</a:t>
+            </a:r>
+          </a:p>
+          <a:p>
+            <a:pPr marL="287338" indent="-287338" defTabSz="803275">
+              <a:buClr>
+                <a:srgbClr val="FF6600"/>
+              </a:buClr>
+              <a:buSzPct val="125000"/>
+              <a:buFont typeface="Wingdings" charset="0"/>
+              <a:buChar char="§"/>
+            </a:pPr>
+            <a:r>
+              <a:rPr lang="ru-RU" dirty="0" smtClean="0">
+                <a:solidFill>
+                  <a:schemeClr val="accent4"/>
+                </a:solidFill>
+              </a:rPr>
+              <a:t>Спонсор</a:t>
+            </a:r>
+            <a:endParaRPr lang="ru-RU" dirty="0">
+              <a:solidFill>
+                <a:schemeClr val="accent4"/>
+              </a:solidFill>
+            </a:endParaRPr>
+          </a:p>
+          <a:p>
+            <a:pPr marL="287338" indent="-287338" defTabSz="803275">
+              <a:buClr>
+                <a:srgbClr val="FF6600"/>
+              </a:buClr>
+              <a:buSzPct val="125000"/>
+              <a:buFont typeface="Wingdings" charset="0"/>
+              <a:buChar char="§"/>
+            </a:pPr>
+            <a:r>
+              <a:rPr lang="ru-RU" dirty="0" smtClean="0">
+                <a:solidFill>
+                  <a:schemeClr val="accent4"/>
+                </a:solidFill>
+              </a:rPr>
+              <a:t>Конечный </a:t>
+            </a:r>
+            <a:r>
+              <a:rPr lang="ru-RU" dirty="0">
+                <a:solidFill>
+                  <a:schemeClr val="accent4"/>
+                </a:solidFill>
+              </a:rPr>
+              <a:t>пользователь</a:t>
+            </a:r>
+          </a:p>
+          <a:p>
+            <a:pPr marL="287338" indent="-287338" defTabSz="803275">
+              <a:buClr>
+                <a:srgbClr val="FF6600"/>
+              </a:buClr>
+              <a:buSzPct val="125000"/>
+              <a:buFont typeface="Wingdings" charset="0"/>
+              <a:buChar char="§"/>
+            </a:pPr>
+            <a:r>
+              <a:rPr lang="ru-RU" dirty="0" smtClean="0">
+                <a:solidFill>
+                  <a:schemeClr val="accent4"/>
+                </a:solidFill>
+              </a:rPr>
+              <a:t>Разработчики</a:t>
+            </a:r>
+            <a:endParaRPr lang="ru-RU" dirty="0">
+              <a:solidFill>
+                <a:schemeClr val="accent4"/>
+              </a:solidFill>
+            </a:endParaRPr>
+          </a:p>
+          <a:p>
+            <a:pPr marL="287338" indent="-287338" defTabSz="803275">
+              <a:buClr>
+                <a:srgbClr val="FF6600"/>
+              </a:buClr>
+              <a:buSzPct val="125000"/>
+              <a:buFont typeface="Wingdings" charset="0"/>
+              <a:buChar char="§"/>
+            </a:pPr>
+            <a:r>
+              <a:rPr lang="ru-RU" dirty="0" smtClean="0">
+                <a:solidFill>
+                  <a:schemeClr val="accent4"/>
+                </a:solidFill>
+              </a:rPr>
+              <a:t>Тестировщики </a:t>
+            </a:r>
+            <a:r>
+              <a:rPr lang="ru-RU" dirty="0">
+                <a:solidFill>
+                  <a:schemeClr val="accent4"/>
+                </a:solidFill>
+              </a:rPr>
+              <a:t>продукта</a:t>
+            </a:r>
+          </a:p>
+          <a:p>
+            <a:pPr marL="287338" indent="-287338" defTabSz="803275">
+              <a:buClr>
+                <a:srgbClr val="FF6600"/>
+              </a:buClr>
+              <a:buSzPct val="125000"/>
+              <a:buFont typeface="Wingdings" charset="0"/>
+              <a:buChar char="§"/>
+            </a:pPr>
+            <a:r>
+              <a:rPr lang="ru-RU" dirty="0" smtClean="0">
+                <a:solidFill>
+                  <a:schemeClr val="accent4"/>
+                </a:solidFill>
+              </a:rPr>
+              <a:t>Инженеры </a:t>
+            </a:r>
+            <a:r>
+              <a:rPr lang="ru-RU" dirty="0">
+                <a:solidFill>
+                  <a:schemeClr val="accent4"/>
+                </a:solidFill>
+              </a:rPr>
+              <a:t>поддержки</a:t>
+            </a:r>
+          </a:p>
+          <a:p>
+            <a:pPr marL="287338" indent="-287338" defTabSz="803275">
+              <a:buClr>
+                <a:srgbClr val="FF6600"/>
+              </a:buClr>
+              <a:buSzPct val="125000"/>
+              <a:buFont typeface="Wingdings" charset="0"/>
+              <a:buChar char="§"/>
+            </a:pPr>
+            <a:r>
+              <a:rPr lang="ru-RU" dirty="0" smtClean="0">
+                <a:solidFill>
+                  <a:schemeClr val="accent4"/>
+                </a:solidFill>
+              </a:rPr>
+              <a:t>Сотрудники </a:t>
+            </a:r>
+            <a:r>
+              <a:rPr lang="ru-RU" dirty="0">
+                <a:solidFill>
+                  <a:schemeClr val="accent4"/>
+                </a:solidFill>
+              </a:rPr>
+              <a:t>отделов маркетинга, обучения и продаж</a:t>
+            </a:r>
+          </a:p>
+        </p:txBody>
+      </p:sp>
+    </p:spTree>
+    <p:extLst>
+      <p:ext uri="{BB962C8B-B14F-4D97-AF65-F5344CB8AC3E}">
+        <p14:creationId xmlns:p14="http://schemas.microsoft.com/office/powerpoint/2010/main" val="3197555719"/>
+      </p:ext>
+    </p:extLst>
+  </p:cSld>
+  <p:clrMapOvr>
+    <a:masterClrMapping/>
+  </p:clrMapOvr>
+  <p:timing>
+    <p:tnLst>
+      <p:par>
+        <p:cTn xmlns:p14="http://schemas.microsoft.com/office/powerpoint/2010/main" id="1" dur="indefinite" restart="never" nodeType="tmRoot"/>
+      </p:par>
+    </p:tnLst>
+  </p:timing>
+</p:sld>
+</file>
+
+<file path=ppt/slides/slide8.xml><?xml version="1.0" encoding="utf-8"?>
+<p:sld xmlns:a="http://schemas.openxmlformats.org/drawingml/2006/main" xmlns:r="http://schemas.openxmlformats.org/officeDocument/2006/relationships" xmlns:p="http://schemas.openxmlformats.org/presentationml/2006/main">
+  <p:cSld>
+    <p:spTree>
+      <p:nvGrpSpPr>
+        <p:cNvPr id="1" name=""/>
+        <p:cNvGrpSpPr/>
+        <p:nvPr/>
+      </p:nvGrpSpPr>
+      <p:grpSpPr>
+        <a:xfrm>
+          <a:off x="0" y="0"/>
+          <a:ext cx="0" cy="0"/>
+          <a:chOff x="0" y="0"/>
+          <a:chExt cx="0" cy="0"/>
+        </a:xfrm>
+      </p:grpSpPr>
+      <p:sp>
+        <p:nvSpPr>
+          <p:cNvPr id="2" name="Title 1"/>
+          <p:cNvSpPr>
+            <a:spLocks noGrp="1"/>
+          </p:cNvSpPr>
+          <p:nvPr>
+            <p:ph type="title"/>
+          </p:nvPr>
+        </p:nvSpPr>
+        <p:spPr/>
+        <p:txBody>
+          <a:bodyPr/>
+          <a:lstStyle/>
+          <a:p>
+            <a:r>
+              <a:rPr lang="ru-RU" dirty="0"/>
+              <a:t>Качество ПО</a:t>
+            </a:r>
+            <a:endParaRPr lang="en-US" dirty="0"/>
+          </a:p>
+        </p:txBody>
+      </p:sp>
+      <p:sp>
+        <p:nvSpPr>
+          <p:cNvPr id="5" name="Rectangle 4"/>
+          <p:cNvSpPr>
+            <a:spLocks noChangeArrowheads="1"/>
+          </p:cNvSpPr>
+          <p:nvPr>
+            <p:custDataLst>
+              <p:tags r:id="rId1"/>
+            </p:custDataLst>
+          </p:nvPr>
+        </p:nvSpPr>
+        <p:spPr bwMode="auto">
+          <a:xfrm>
+            <a:off x="1447800" y="2062698"/>
+            <a:ext cx="6248400" cy="2732604"/>
+          </a:xfrm>
+          <a:prstGeom prst="rect">
+            <a:avLst/>
+          </a:prstGeom>
+          <a:noFill/>
+          <a:ln w="19050">
+            <a:noFill/>
+            <a:miter lim="800000"/>
+            <a:headEnd/>
+            <a:tailEnd/>
+          </a:ln>
+        </p:spPr>
+        <p:txBody>
+          <a:bodyPr wrap="square" lIns="93296" tIns="144000" rIns="93296" bIns="93296">
+            <a:spAutoFit/>
+          </a:bodyPr>
+          <a:lstStyle/>
+          <a:p>
+            <a:pPr defTabSz="803275">
+              <a:buClr>
+                <a:srgbClr val="FF6600"/>
+              </a:buClr>
+              <a:buSzPct val="125000"/>
+            </a:pPr>
+            <a:r>
+              <a:rPr lang="ru-RU" dirty="0" smtClean="0">
+                <a:solidFill>
+                  <a:schemeClr val="accent4"/>
+                </a:solidFill>
+              </a:rPr>
+              <a:t>Таким </a:t>
+            </a:r>
+            <a:r>
+              <a:rPr lang="ru-RU" dirty="0">
+                <a:solidFill>
+                  <a:schemeClr val="accent4"/>
+                </a:solidFill>
+              </a:rPr>
+              <a:t>образом, постановка задачи обеспечения качества продукта выливается в задачи</a:t>
+            </a:r>
+            <a:r>
+              <a:rPr lang="ru-RU" dirty="0" smtClean="0">
+                <a:solidFill>
+                  <a:schemeClr val="accent4"/>
+                </a:solidFill>
+              </a:rPr>
+              <a:t>:</a:t>
+            </a:r>
+          </a:p>
+          <a:p>
+            <a:pPr defTabSz="803275">
+              <a:buClr>
+                <a:srgbClr val="FF6600"/>
+              </a:buClr>
+              <a:buSzPct val="125000"/>
+            </a:pPr>
+            <a:endParaRPr lang="ru-RU" dirty="0">
+              <a:solidFill>
+                <a:schemeClr val="accent4"/>
+              </a:solidFill>
+            </a:endParaRPr>
+          </a:p>
+          <a:p>
+            <a:pPr marL="287338" indent="-287338" defTabSz="803275">
+              <a:buClr>
+                <a:srgbClr val="FF6600"/>
+              </a:buClr>
+              <a:buSzPct val="125000"/>
+              <a:buFont typeface="Wingdings" charset="0"/>
+              <a:buChar char="§"/>
+            </a:pPr>
+            <a:r>
+              <a:rPr lang="ru-RU" dirty="0">
+                <a:solidFill>
+                  <a:schemeClr val="accent4"/>
+                </a:solidFill>
+              </a:rPr>
+              <a:t>О</a:t>
+            </a:r>
+            <a:r>
+              <a:rPr lang="ru-RU" dirty="0" smtClean="0">
+                <a:solidFill>
+                  <a:schemeClr val="accent4"/>
+                </a:solidFill>
+              </a:rPr>
+              <a:t>пределения </a:t>
+            </a:r>
+            <a:r>
+              <a:rPr lang="ru-RU" dirty="0">
+                <a:solidFill>
+                  <a:schemeClr val="accent4"/>
+                </a:solidFill>
+              </a:rPr>
+              <a:t>заинтересованных </a:t>
+            </a:r>
+            <a:r>
+              <a:rPr lang="ru-RU" dirty="0" smtClean="0">
+                <a:solidFill>
+                  <a:schemeClr val="accent4"/>
+                </a:solidFill>
+              </a:rPr>
+              <a:t>лиц</a:t>
+            </a:r>
+          </a:p>
+          <a:p>
+            <a:pPr marL="287338" indent="-287338" defTabSz="803275">
+              <a:buClr>
+                <a:srgbClr val="FF6600"/>
+              </a:buClr>
+              <a:buSzPct val="125000"/>
+              <a:buFont typeface="Wingdings" charset="0"/>
+              <a:buChar char="§"/>
+            </a:pPr>
+            <a:endParaRPr lang="ru-RU" dirty="0">
+              <a:solidFill>
+                <a:schemeClr val="accent4"/>
+              </a:solidFill>
+            </a:endParaRPr>
+          </a:p>
+          <a:p>
+            <a:pPr marL="287338" indent="-287338" defTabSz="803275">
+              <a:buClr>
+                <a:srgbClr val="FF6600"/>
+              </a:buClr>
+              <a:buSzPct val="125000"/>
+              <a:buFont typeface="Wingdings" charset="0"/>
+              <a:buChar char="§"/>
+            </a:pPr>
+            <a:r>
+              <a:rPr lang="ru-RU" dirty="0" smtClean="0">
+                <a:solidFill>
+                  <a:schemeClr val="accent4"/>
+                </a:solidFill>
+              </a:rPr>
+              <a:t>Их </a:t>
+            </a:r>
+            <a:r>
+              <a:rPr lang="ru-RU" dirty="0">
+                <a:solidFill>
+                  <a:schemeClr val="accent4"/>
+                </a:solidFill>
+              </a:rPr>
+              <a:t>критериев </a:t>
+            </a:r>
+            <a:r>
+              <a:rPr lang="ru-RU" dirty="0" smtClean="0">
+                <a:solidFill>
+                  <a:schemeClr val="accent4"/>
+                </a:solidFill>
+              </a:rPr>
+              <a:t>качества</a:t>
+            </a:r>
+          </a:p>
+          <a:p>
+            <a:pPr marL="287338" indent="-287338" defTabSz="803275">
+              <a:buClr>
+                <a:srgbClr val="FF6600"/>
+              </a:buClr>
+              <a:buSzPct val="125000"/>
+              <a:buFont typeface="Wingdings" charset="0"/>
+              <a:buChar char="§"/>
+            </a:pPr>
+            <a:endParaRPr lang="ru-RU" dirty="0">
+              <a:solidFill>
+                <a:schemeClr val="accent4"/>
+              </a:solidFill>
+            </a:endParaRPr>
+          </a:p>
+          <a:p>
+            <a:pPr marL="287338" indent="-287338" defTabSz="803275">
+              <a:buClr>
+                <a:srgbClr val="FF6600"/>
+              </a:buClr>
+              <a:buSzPct val="125000"/>
+              <a:buFont typeface="Wingdings" charset="0"/>
+              <a:buChar char="§"/>
+            </a:pPr>
+            <a:r>
+              <a:rPr lang="ru-RU" dirty="0" smtClean="0">
+                <a:solidFill>
+                  <a:schemeClr val="accent4"/>
+                </a:solidFill>
+              </a:rPr>
+              <a:t>Нахождения </a:t>
+            </a:r>
+            <a:r>
+              <a:rPr lang="ru-RU" dirty="0">
+                <a:solidFill>
+                  <a:schemeClr val="accent4"/>
+                </a:solidFill>
+              </a:rPr>
+              <a:t>оптимального </a:t>
+            </a:r>
+            <a:r>
+              <a:rPr lang="ru-RU" dirty="0" smtClean="0">
+                <a:solidFill>
+                  <a:schemeClr val="accent4"/>
+                </a:solidFill>
+              </a:rPr>
+              <a:t>решения</a:t>
+            </a:r>
+            <a:r>
+              <a:rPr lang="ru-RU" dirty="0">
+                <a:solidFill>
+                  <a:schemeClr val="accent4"/>
+                </a:solidFill>
+              </a:rPr>
+              <a:t>, удовлетворяющего этим критериям</a:t>
+            </a:r>
+          </a:p>
+        </p:txBody>
+      </p:sp>
+    </p:spTree>
+    <p:extLst>
+      <p:ext uri="{BB962C8B-B14F-4D97-AF65-F5344CB8AC3E}">
+        <p14:creationId xmlns:p14="http://schemas.microsoft.com/office/powerpoint/2010/main" val="3820701711"/>
+      </p:ext>
+    </p:extLst>
+  </p:cSld>
+  <p:clrMapOvr>
+    <a:masterClrMapping/>
+  </p:clrMapOvr>
+  <p:timing>
+    <p:tnLst>
+      <p:par>
+        <p:cTn xmlns:p14="http://schemas.microsoft.com/office/powerpoint/2010/main" id="1" dur="indefinite" restart="never" nodeType="tmRoot"/>
+      </p:par>
+    </p:tnLst>
+  </p:timing>
+</p:sld>
+</file>
+
+<file path=ppt/slides/slide9.xml><?xml version="1.0" encoding="utf-8"?>
+<p:sld xmlns:a="http://schemas.openxmlformats.org/drawingml/2006/main" xmlns:r="http://schemas.openxmlformats.org/officeDocument/2006/relationships" xmlns:p="http://schemas.openxmlformats.org/presentationml/2006/main">
+  <p:cSld>
+    <p:spTree>
+      <p:nvGrpSpPr>
+        <p:cNvPr id="1" name=""/>
+        <p:cNvGrpSpPr/>
+        <p:nvPr/>
+      </p:nvGrpSpPr>
+      <p:grpSpPr>
+        <a:xfrm>
+          <a:off x="0" y="0"/>
+          <a:ext cx="0" cy="0"/>
+          <a:chOff x="0" y="0"/>
+          <a:chExt cx="0" cy="0"/>
+        </a:xfrm>
+      </p:grpSpPr>
+      <p:sp>
+        <p:nvSpPr>
+          <p:cNvPr id="3" name="Title 2"/>
+          <p:cNvSpPr>
+            <a:spLocks noGrp="1"/>
+          </p:cNvSpPr>
+          <p:nvPr>
+            <p:ph type="title"/>
+          </p:nvPr>
+        </p:nvSpPr>
+        <p:spPr/>
+        <p:txBody>
+          <a:bodyPr/>
+          <a:lstStyle/>
+          <a:p>
+            <a:r>
               <a:rPr lang="ru-RU" dirty="0" smtClean="0"/>
-              <a:t>Уровни качества</a:t>
+              <a:t>Уровни </a:t>
+            </a:r>
+            <a:r>
+              <a:rPr lang="ru-RU" dirty="0"/>
+              <a:t>к</a:t>
+            </a:r>
+            <a:r>
+              <a:rPr lang="ru-RU" dirty="0" smtClean="0"/>
+              <a:t>ачества ПО</a:t>
             </a:r>
             <a:endParaRPr lang="en-US" dirty="0"/>
           </a:p>
@@ -22956,581 +27341,56 @@
 </p:sld>
 </file>
 
-<file path=ppt/slides/slide7.xml><?xml version="1.0" encoding="utf-8"?>
-<p:sld xmlns:a="http://schemas.openxmlformats.org/drawingml/2006/main" xmlns:r="http://schemas.openxmlformats.org/officeDocument/2006/relationships" xmlns:p="http://schemas.openxmlformats.org/presentationml/2006/main">
-  <p:cSld>
-    <p:spTree>
-      <p:nvGrpSpPr>
-        <p:cNvPr id="1" name=""/>
-        <p:cNvGrpSpPr/>
-        <p:nvPr/>
-      </p:nvGrpSpPr>
-      <p:grpSpPr>
-        <a:xfrm>
-          <a:off x="0" y="0"/>
-          <a:ext cx="0" cy="0"/>
-          <a:chOff x="0" y="0"/>
-          <a:chExt cx="0" cy="0"/>
-        </a:xfrm>
-      </p:grpSpPr>
-      <p:sp>
-        <p:nvSpPr>
-          <p:cNvPr id="9221" name="Title 1"/>
-          <p:cNvSpPr>
-            <a:spLocks noGrp="1"/>
-          </p:cNvSpPr>
-          <p:nvPr>
-            <p:ph type="title"/>
-          </p:nvPr>
-        </p:nvSpPr>
-        <p:spPr/>
-        <p:txBody>
-          <a:bodyPr/>
-          <a:lstStyle/>
-          <a:p>
-            <a:r>
-              <a:rPr lang="ru-RU" dirty="0" smtClean="0">
-                <a:solidFill>
-                  <a:srgbClr val="161645"/>
-                </a:solidFill>
-                <a:latin typeface="Arial" charset="0"/>
-              </a:rPr>
-              <a:t>TDD</a:t>
-            </a:r>
-            <a:endParaRPr lang="ru-RU" dirty="0">
-              <a:solidFill>
-                <a:srgbClr val="161645"/>
-              </a:solidFill>
-              <a:latin typeface="Arial" charset="0"/>
-            </a:endParaRPr>
-          </a:p>
-        </p:txBody>
-      </p:sp>
-      <p:sp>
-        <p:nvSpPr>
-          <p:cNvPr id="5" name="TextBox 4"/>
-          <p:cNvSpPr txBox="1"/>
-          <p:nvPr/>
-        </p:nvSpPr>
-        <p:spPr>
-          <a:xfrm>
-            <a:off x="8731250" y="6683375"/>
-            <a:ext cx="184666" cy="369332"/>
-          </a:xfrm>
-          <a:prstGeom prst="rect">
-            <a:avLst/>
-          </a:prstGeom>
-          <a:noFill/>
-        </p:spPr>
-        <p:txBody>
-          <a:bodyPr wrap="none" rtlCol="0">
-            <a:spAutoFit/>
-          </a:bodyPr>
-          <a:lstStyle/>
-          <a:p>
-            <a:endParaRPr lang="en-US" dirty="0"/>
-          </a:p>
-        </p:txBody>
-      </p:sp>
-      <p:sp>
-        <p:nvSpPr>
-          <p:cNvPr id="19" name="Rectangle 18"/>
-          <p:cNvSpPr>
-            <a:spLocks noChangeArrowheads="1"/>
-          </p:cNvSpPr>
-          <p:nvPr>
-            <p:custDataLst>
-              <p:tags r:id="rId1"/>
-            </p:custDataLst>
-          </p:nvPr>
-        </p:nvSpPr>
-        <p:spPr bwMode="auto">
-          <a:xfrm>
-            <a:off x="1214438" y="2057400"/>
-            <a:ext cx="6715125" cy="3009603"/>
-          </a:xfrm>
-          <a:prstGeom prst="rect">
-            <a:avLst/>
-          </a:prstGeom>
-          <a:noFill/>
-          <a:ln w="19050">
-            <a:noFill/>
-            <a:miter lim="800000"/>
-            <a:headEnd/>
-            <a:tailEnd/>
-          </a:ln>
-        </p:spPr>
-        <p:txBody>
-          <a:bodyPr wrap="square" lIns="93296" tIns="144000" rIns="93296" bIns="93296">
-            <a:spAutoFit/>
-          </a:bodyPr>
-          <a:lstStyle/>
-          <a:p>
-            <a:pPr marL="287338" indent="-287338" defTabSz="803275">
-              <a:buClr>
-                <a:srgbClr val="FF6600"/>
-              </a:buClr>
-              <a:buSzPct val="125000"/>
-              <a:buFont typeface="Wingdings" charset="0"/>
-              <a:buChar char="§"/>
-            </a:pPr>
-            <a:r>
-              <a:rPr lang="ru-RU" dirty="0" smtClean="0">
-                <a:solidFill>
-                  <a:srgbClr val="004080"/>
-                </a:solidFill>
-                <a:cs typeface="Tahoma" charset="0"/>
-              </a:rPr>
-              <a:t>Облегчает </a:t>
-            </a:r>
-            <a:r>
-              <a:rPr lang="ru-RU" dirty="0">
-                <a:solidFill>
-                  <a:srgbClr val="004080"/>
-                </a:solidFill>
-                <a:cs typeface="Tahoma" charset="0"/>
-              </a:rPr>
-              <a:t>работу программиста, позволяя маленькими шажками реализовывать большой функционал. И гарантирует работоспособность на каждом </a:t>
-            </a:r>
-            <a:r>
-              <a:rPr lang="ru-RU" dirty="0" smtClean="0">
-                <a:solidFill>
-                  <a:srgbClr val="004080"/>
-                </a:solidFill>
-                <a:cs typeface="Tahoma" charset="0"/>
-              </a:rPr>
-              <a:t>шаге</a:t>
-            </a:r>
-            <a:endParaRPr lang="en-US" dirty="0" smtClean="0">
-              <a:solidFill>
-                <a:srgbClr val="004080"/>
-              </a:solidFill>
-              <a:cs typeface="Tahoma" charset="0"/>
-            </a:endParaRPr>
-          </a:p>
-          <a:p>
-            <a:pPr marL="287338" indent="-287338" defTabSz="803275">
-              <a:buClr>
-                <a:srgbClr val="FF6600"/>
-              </a:buClr>
-              <a:buSzPct val="125000"/>
-              <a:buFont typeface="Wingdings" charset="0"/>
-              <a:buChar char="§"/>
-            </a:pPr>
-            <a:endParaRPr lang="ru-RU" dirty="0">
-              <a:solidFill>
-                <a:srgbClr val="004080"/>
-              </a:solidFill>
-              <a:cs typeface="Tahoma" charset="0"/>
-            </a:endParaRPr>
-          </a:p>
-          <a:p>
-            <a:pPr marL="287338" indent="-287338" defTabSz="803275">
-              <a:buClr>
-                <a:srgbClr val="FF6600"/>
-              </a:buClr>
-              <a:buSzPct val="125000"/>
-              <a:buFont typeface="Wingdings" charset="0"/>
-              <a:buChar char="§"/>
-            </a:pPr>
-            <a:r>
-              <a:rPr lang="ru-RU" dirty="0" smtClean="0">
-                <a:solidFill>
-                  <a:srgbClr val="004080"/>
-                </a:solidFill>
-                <a:cs typeface="Tahoma" charset="0"/>
-              </a:rPr>
-              <a:t>Вынуждает </a:t>
-            </a:r>
-            <a:r>
-              <a:rPr lang="ru-RU" dirty="0">
-                <a:solidFill>
-                  <a:srgbClr val="004080"/>
-                </a:solidFill>
-                <a:cs typeface="Tahoma" charset="0"/>
-              </a:rPr>
-              <a:t>проектировать красивый дизайн проекта, который в дальнейшем легче </a:t>
-            </a:r>
-            <a:r>
-              <a:rPr lang="ru-RU" dirty="0" smtClean="0">
-                <a:solidFill>
-                  <a:srgbClr val="004080"/>
-                </a:solidFill>
-                <a:cs typeface="Tahoma" charset="0"/>
-              </a:rPr>
-              <a:t>использовать</a:t>
-            </a:r>
-            <a:endParaRPr lang="ru-RU" dirty="0">
-              <a:solidFill>
-                <a:srgbClr val="004080"/>
-              </a:solidFill>
-              <a:cs typeface="Tahoma" charset="0"/>
-            </a:endParaRPr>
-          </a:p>
-          <a:p>
-            <a:pPr marL="287338" indent="-287338" defTabSz="803275">
-              <a:buClr>
-                <a:srgbClr val="FF6600"/>
-              </a:buClr>
-              <a:buSzPct val="125000"/>
-              <a:buFont typeface="Wingdings" charset="0"/>
-              <a:buChar char="§"/>
-            </a:pPr>
-            <a:endParaRPr lang="en-US" dirty="0">
-              <a:solidFill>
-                <a:srgbClr val="004080"/>
-              </a:solidFill>
-              <a:cs typeface="Tahoma" charset="0"/>
-            </a:endParaRPr>
-          </a:p>
-          <a:p>
-            <a:pPr marL="287338" indent="-287338" defTabSz="803275">
-              <a:buClr>
-                <a:srgbClr val="FF6600"/>
-              </a:buClr>
-              <a:buSzPct val="125000"/>
-              <a:buFont typeface="Wingdings" charset="0"/>
-              <a:buChar char="§"/>
-            </a:pPr>
-            <a:r>
-              <a:rPr lang="ru-RU" dirty="0" smtClean="0">
-                <a:solidFill>
-                  <a:srgbClr val="004080"/>
-                </a:solidFill>
-                <a:cs typeface="Tahoma" charset="0"/>
-              </a:rPr>
-              <a:t>Есть </a:t>
-            </a:r>
-            <a:r>
-              <a:rPr lang="ru-RU" dirty="0">
-                <a:solidFill>
-                  <a:srgbClr val="004080"/>
-                </a:solidFill>
-                <a:cs typeface="Tahoma" charset="0"/>
-              </a:rPr>
-              <a:t>гарантия, что покрытый тестами код - работает</a:t>
-            </a:r>
-            <a:r>
-              <a:rPr lang="ru-RU" dirty="0" smtClean="0">
-                <a:solidFill>
-                  <a:srgbClr val="004080"/>
-                </a:solidFill>
-                <a:cs typeface="Tahoma" charset="0"/>
-              </a:rPr>
-              <a:t>!</a:t>
-            </a:r>
-            <a:endParaRPr lang="en-US" dirty="0" smtClean="0">
-              <a:solidFill>
-                <a:srgbClr val="004080"/>
-              </a:solidFill>
-              <a:cs typeface="Tahoma" charset="0"/>
-            </a:endParaRPr>
-          </a:p>
-          <a:p>
-            <a:pPr marL="287338" indent="-287338" defTabSz="803275">
-              <a:buClr>
-                <a:srgbClr val="FF6600"/>
-              </a:buClr>
-              <a:buSzPct val="125000"/>
-              <a:buFont typeface="Wingdings" charset="0"/>
-              <a:buChar char="§"/>
-            </a:pPr>
-            <a:endParaRPr lang="ru-RU" dirty="0">
-              <a:solidFill>
-                <a:srgbClr val="004080"/>
-              </a:solidFill>
-              <a:cs typeface="Tahoma" charset="0"/>
-            </a:endParaRPr>
-          </a:p>
-          <a:p>
-            <a:pPr marL="287338" indent="-287338" defTabSz="803275">
-              <a:buClr>
-                <a:srgbClr val="FF6600"/>
-              </a:buClr>
-              <a:buSzPct val="125000"/>
-              <a:buFont typeface="Wingdings" charset="0"/>
-              <a:buChar char="§"/>
-            </a:pPr>
-            <a:r>
-              <a:rPr lang="ru-RU" dirty="0" err="1" smtClean="0">
-                <a:solidFill>
-                  <a:srgbClr val="004080"/>
-                </a:solidFill>
-                <a:cs typeface="Tahoma" charset="0"/>
-              </a:rPr>
-              <a:t>Рефакторинг</a:t>
-            </a:r>
-            <a:r>
-              <a:rPr lang="ru-RU" dirty="0" smtClean="0">
-                <a:solidFill>
-                  <a:srgbClr val="004080"/>
-                </a:solidFill>
-                <a:cs typeface="Tahoma" charset="0"/>
-              </a:rPr>
-              <a:t> </a:t>
-            </a:r>
-            <a:r>
-              <a:rPr lang="ru-RU" dirty="0">
-                <a:solidFill>
-                  <a:srgbClr val="004080"/>
-                </a:solidFill>
-                <a:cs typeface="Tahoma" charset="0"/>
-              </a:rPr>
-              <a:t>становится почти безболезненным.</a:t>
-            </a:r>
-            <a:endParaRPr lang="nb-NO" dirty="0" smtClean="0">
-              <a:solidFill>
-                <a:srgbClr val="004080"/>
-              </a:solidFill>
-              <a:cs typeface="Tahoma" charset="0"/>
-            </a:endParaRPr>
-          </a:p>
-        </p:txBody>
-      </p:sp>
-    </p:spTree>
-    <p:extLst>
-      <p:ext uri="{BB962C8B-B14F-4D97-AF65-F5344CB8AC3E}">
-        <p14:creationId xmlns:p14="http://schemas.microsoft.com/office/powerpoint/2010/main" val="1064261335"/>
-      </p:ext>
-    </p:extLst>
-  </p:cSld>
-  <p:clrMapOvr>
-    <a:masterClrMapping/>
-  </p:clrMapOvr>
-  <p:transition xmlns:p14="http://schemas.microsoft.com/office/powerpoint/2010/main" spd="slow">
-    <p:fade/>
-  </p:transition>
-  <p:timing>
-    <p:tnLst>
-      <p:par>
-        <p:cTn xmlns:p14="http://schemas.microsoft.com/office/powerpoint/2010/main" id="1" dur="indefinite" restart="never" nodeType="tmRoot"/>
-      </p:par>
-    </p:tnLst>
-  </p:timing>
-</p:sld>
+<file path=ppt/tags/tag1.xml><?xml version="1.0" encoding="utf-8"?>
+<p:tagLst xmlns:a="http://schemas.openxmlformats.org/drawingml/2006/main" xmlns:r="http://schemas.openxmlformats.org/officeDocument/2006/relationships" xmlns:p="http://schemas.openxmlformats.org/presentationml/2006/main">
+  <p:tag name="LTOP" val=" 238.25"/>
+  <p:tag name="LLEFT" val=" 144.125"/>
+</p:tagLst>
 </file>
 
-<file path=ppt/slides/slide8.xml><?xml version="1.0" encoding="utf-8"?>
-<p:sld xmlns:a="http://schemas.openxmlformats.org/drawingml/2006/main" xmlns:r="http://schemas.openxmlformats.org/officeDocument/2006/relationships" xmlns:p="http://schemas.openxmlformats.org/presentationml/2006/main">
-  <p:cSld>
-    <p:spTree>
-      <p:nvGrpSpPr>
-        <p:cNvPr id="1" name=""/>
-        <p:cNvGrpSpPr/>
-        <p:nvPr/>
-      </p:nvGrpSpPr>
-      <p:grpSpPr>
-        <a:xfrm>
-          <a:off x="0" y="0"/>
-          <a:ext cx="0" cy="0"/>
-          <a:chOff x="0" y="0"/>
-          <a:chExt cx="0" cy="0"/>
-        </a:xfrm>
-      </p:grpSpPr>
-      <p:sp>
-        <p:nvSpPr>
-          <p:cNvPr id="9221" name="Title 1"/>
-          <p:cNvSpPr>
-            <a:spLocks noGrp="1"/>
-          </p:cNvSpPr>
-          <p:nvPr>
-            <p:ph type="title"/>
-          </p:nvPr>
-        </p:nvSpPr>
-        <p:spPr>
-          <a:xfrm>
-            <a:off x="1423194" y="3036093"/>
-            <a:ext cx="6297613" cy="585787"/>
-          </a:xfrm>
-        </p:spPr>
-        <p:txBody>
-          <a:bodyPr/>
-          <a:lstStyle/>
-          <a:p>
-            <a:pPr algn="ctr"/>
-            <a:r>
-              <a:rPr lang="ru-RU" dirty="0" smtClean="0">
-                <a:solidFill>
-                  <a:srgbClr val="161645"/>
-                </a:solidFill>
-                <a:latin typeface="Arial" charset="0"/>
-              </a:rPr>
-              <a:t>TDD</a:t>
-            </a:r>
-            <a:r>
-              <a:rPr lang="en-US" dirty="0" smtClean="0">
-                <a:solidFill>
-                  <a:srgbClr val="161645"/>
-                </a:solidFill>
-                <a:latin typeface="Arial" charset="0"/>
-              </a:rPr>
-              <a:t> – </a:t>
-            </a:r>
-            <a:r>
-              <a:rPr lang="ru-RU" dirty="0" smtClean="0">
-                <a:solidFill>
-                  <a:srgbClr val="161645"/>
-                </a:solidFill>
-                <a:latin typeface="Arial" charset="0"/>
-              </a:rPr>
-              <a:t>это о дизайне!</a:t>
-            </a:r>
-            <a:endParaRPr lang="ru-RU" dirty="0">
-              <a:solidFill>
-                <a:srgbClr val="161645"/>
-              </a:solidFill>
-              <a:latin typeface="Arial" charset="0"/>
-            </a:endParaRPr>
-          </a:p>
-        </p:txBody>
-      </p:sp>
-    </p:spTree>
-    <p:extLst>
-      <p:ext uri="{BB962C8B-B14F-4D97-AF65-F5344CB8AC3E}">
-        <p14:creationId xmlns:p14="http://schemas.microsoft.com/office/powerpoint/2010/main" val="4184177622"/>
-      </p:ext>
-    </p:extLst>
-  </p:cSld>
-  <p:clrMapOvr>
-    <a:masterClrMapping/>
-  </p:clrMapOvr>
-  <p:transition xmlns:p14="http://schemas.microsoft.com/office/powerpoint/2010/main" spd="slow">
-    <p:fade/>
-  </p:transition>
-  <p:timing>
-    <p:tnLst>
-      <p:par>
-        <p:cTn xmlns:p14="http://schemas.microsoft.com/office/powerpoint/2010/main" id="1" dur="indefinite" restart="never" nodeType="tmRoot"/>
-      </p:par>
-    </p:tnLst>
-  </p:timing>
-</p:sld>
+<file path=ppt/tags/tag10.xml><?xml version="1.0" encoding="utf-8"?>
+<p:tagLst xmlns:a="http://schemas.openxmlformats.org/drawingml/2006/main" xmlns:r="http://schemas.openxmlformats.org/officeDocument/2006/relationships" xmlns:p="http://schemas.openxmlformats.org/presentationml/2006/main">
+  <p:tag name="LTOP" val=" 238.25"/>
+  <p:tag name="LLEFT" val=" 144.125"/>
+</p:tagLst>
 </file>
 
-<file path=ppt/slides/slide9.xml><?xml version="1.0" encoding="utf-8"?>
-<p:sld xmlns:a="http://schemas.openxmlformats.org/drawingml/2006/main" xmlns:r="http://schemas.openxmlformats.org/officeDocument/2006/relationships" xmlns:p="http://schemas.openxmlformats.org/presentationml/2006/main">
-  <p:cSld>
-    <p:spTree>
-      <p:nvGrpSpPr>
-        <p:cNvPr id="1" name=""/>
-        <p:cNvGrpSpPr/>
-        <p:nvPr/>
-      </p:nvGrpSpPr>
-      <p:grpSpPr>
-        <a:xfrm>
-          <a:off x="0" y="0"/>
-          <a:ext cx="0" cy="0"/>
-          <a:chOff x="0" y="0"/>
-          <a:chExt cx="0" cy="0"/>
-        </a:xfrm>
-      </p:grpSpPr>
-      <p:sp>
-        <p:nvSpPr>
-          <p:cNvPr id="9221" name="Title 1"/>
-          <p:cNvSpPr>
-            <a:spLocks noGrp="1"/>
-          </p:cNvSpPr>
-          <p:nvPr>
-            <p:ph type="title"/>
-          </p:nvPr>
-        </p:nvSpPr>
-        <p:spPr/>
-        <p:txBody>
-          <a:bodyPr/>
-          <a:lstStyle/>
-          <a:p>
-            <a:r>
-              <a:rPr lang="ru-RU" dirty="0" smtClean="0">
-                <a:solidFill>
-                  <a:srgbClr val="161645"/>
-                </a:solidFill>
-                <a:latin typeface="Arial" charset="0"/>
-              </a:rPr>
-              <a:t>Влияние хорошего дизайна</a:t>
-            </a:r>
-            <a:endParaRPr lang="ru-RU" dirty="0">
-              <a:solidFill>
-                <a:srgbClr val="161645"/>
-              </a:solidFill>
-              <a:latin typeface="Arial" charset="0"/>
-            </a:endParaRPr>
-          </a:p>
-        </p:txBody>
-      </p:sp>
-      <p:sp>
-        <p:nvSpPr>
-          <p:cNvPr id="5" name="TextBox 4"/>
-          <p:cNvSpPr txBox="1"/>
-          <p:nvPr/>
-        </p:nvSpPr>
-        <p:spPr>
-          <a:xfrm>
-            <a:off x="8731250" y="6683375"/>
-            <a:ext cx="184666" cy="369332"/>
-          </a:xfrm>
-          <a:prstGeom prst="rect">
-            <a:avLst/>
-          </a:prstGeom>
-          <a:noFill/>
-        </p:spPr>
-        <p:txBody>
-          <a:bodyPr wrap="none" rtlCol="0">
-            <a:spAutoFit/>
-          </a:bodyPr>
-          <a:lstStyle/>
-          <a:p>
-            <a:endParaRPr lang="en-US" dirty="0"/>
-          </a:p>
-        </p:txBody>
-      </p:sp>
-      <p:pic>
-        <p:nvPicPr>
-          <p:cNvPr id="3" name="Picture 2"/>
-          <p:cNvPicPr>
-            <a:picLocks noChangeAspect="1"/>
-          </p:cNvPicPr>
-          <p:nvPr/>
-        </p:nvPicPr>
-        <p:blipFill>
-          <a:blip r:embed="rId2"/>
-          <a:stretch>
-            <a:fillRect/>
-          </a:stretch>
-        </p:blipFill>
-        <p:spPr>
-          <a:xfrm>
-            <a:off x="506663" y="1676400"/>
-            <a:ext cx="8128000" cy="4445000"/>
-          </a:xfrm>
-          <a:prstGeom prst="rect">
-            <a:avLst/>
-          </a:prstGeom>
-        </p:spPr>
-      </p:pic>
-    </p:spTree>
-    <p:extLst>
-      <p:ext uri="{BB962C8B-B14F-4D97-AF65-F5344CB8AC3E}">
-        <p14:creationId xmlns:p14="http://schemas.microsoft.com/office/powerpoint/2010/main" val="3826108667"/>
-      </p:ext>
-    </p:extLst>
-  </p:cSld>
-  <p:clrMapOvr>
-    <a:masterClrMapping/>
-  </p:clrMapOvr>
-  <p:transition xmlns:p14="http://schemas.microsoft.com/office/powerpoint/2010/main" spd="slow">
-    <p:fade/>
-  </p:transition>
-  <p:timing>
-    <p:tnLst>
-      <p:par>
-        <p:cTn xmlns:p14="http://schemas.microsoft.com/office/powerpoint/2010/main" id="1" dur="indefinite" restart="never" nodeType="tmRoot"/>
-      </p:par>
-    </p:tnLst>
-  </p:timing>
-</p:sld>
+<file path=ppt/tags/tag11.xml><?xml version="1.0" encoding="utf-8"?>
+<p:tagLst xmlns:a="http://schemas.openxmlformats.org/drawingml/2006/main" xmlns:r="http://schemas.openxmlformats.org/officeDocument/2006/relationships" xmlns:p="http://schemas.openxmlformats.org/presentationml/2006/main">
+  <p:tag name="LTOP" val=" 238.25"/>
+  <p:tag name="LLEFT" val=" 144.125"/>
+</p:tagLst>
 </file>
 
-<file path=ppt/tags/tag1.xml><?xml version="1.0" encoding="utf-8"?>
+<file path=ppt/tags/tag12.xml><?xml version="1.0" encoding="utf-8"?>
+<p:tagLst xmlns:a="http://schemas.openxmlformats.org/drawingml/2006/main" xmlns:r="http://schemas.openxmlformats.org/officeDocument/2006/relationships" xmlns:p="http://schemas.openxmlformats.org/presentationml/2006/main">
+  <p:tag name="LTOP" val=" 238.25"/>
+  <p:tag name="LLEFT" val=" 144.125"/>
+</p:tagLst>
+</file>
+
+<file path=ppt/tags/tag13.xml><?xml version="1.0" encoding="utf-8"?>
+<p:tagLst xmlns:a="http://schemas.openxmlformats.org/drawingml/2006/main" xmlns:r="http://schemas.openxmlformats.org/officeDocument/2006/relationships" xmlns:p="http://schemas.openxmlformats.org/presentationml/2006/main">
+  <p:tag name="LTOP" val=" 238.25"/>
+  <p:tag name="LLEFT" val=" 144.125"/>
+</p:tagLst>
+</file>
+
+<file path=ppt/tags/tag14.xml><?xml version="1.0" encoding="utf-8"?>
+<p:tagLst xmlns:a="http://schemas.openxmlformats.org/drawingml/2006/main" xmlns:r="http://schemas.openxmlformats.org/officeDocument/2006/relationships" xmlns:p="http://schemas.openxmlformats.org/presentationml/2006/main">
+  <p:tag name="LTOP" val=" 238.25"/>
+  <p:tag name="LLEFT" val=" 144.125"/>
+</p:tagLst>
+</file>
+
+<file path=ppt/tags/tag15.xml><?xml version="1.0" encoding="utf-8"?>
+<p:tagLst xmlns:a="http://schemas.openxmlformats.org/drawingml/2006/main" xmlns:r="http://schemas.openxmlformats.org/officeDocument/2006/relationships" xmlns:p="http://schemas.openxmlformats.org/presentationml/2006/main">
+  <p:tag name="LTOP" val=" 238.25"/>
+  <p:tag name="LLEFT" val=" 144.125"/>
+</p:tagLst>
+</file>
+
+<file path=ppt/tags/tag16.xml><?xml version="1.0" encoding="utf-8"?>
 <p:tagLst xmlns:a="http://schemas.openxmlformats.org/drawingml/2006/main" xmlns:r="http://schemas.openxmlformats.org/officeDocument/2006/relationships" xmlns:p="http://schemas.openxmlformats.org/presentationml/2006/main">
   <p:tag name="LTOP" val=" 238.25"/>
   <p:tag name="LLEFT" val=" 144.125"/>
@@ -23552,6 +27412,41 @@
 </file>
 
 <file path=ppt/tags/tag4.xml><?xml version="1.0" encoding="utf-8"?>
+<p:tagLst xmlns:a="http://schemas.openxmlformats.org/drawingml/2006/main" xmlns:r="http://schemas.openxmlformats.org/officeDocument/2006/relationships" xmlns:p="http://schemas.openxmlformats.org/presentationml/2006/main">
+  <p:tag name="LTOP" val=" 238.25"/>
+  <p:tag name="LLEFT" val=" 144.125"/>
+</p:tagLst>
+</file>
+
+<file path=ppt/tags/tag5.xml><?xml version="1.0" encoding="utf-8"?>
+<p:tagLst xmlns:a="http://schemas.openxmlformats.org/drawingml/2006/main" xmlns:r="http://schemas.openxmlformats.org/officeDocument/2006/relationships" xmlns:p="http://schemas.openxmlformats.org/presentationml/2006/main">
+  <p:tag name="LTOP" val=" 238.25"/>
+  <p:tag name="LLEFT" val=" 144.125"/>
+</p:tagLst>
+</file>
+
+<file path=ppt/tags/tag6.xml><?xml version="1.0" encoding="utf-8"?>
+<p:tagLst xmlns:a="http://schemas.openxmlformats.org/drawingml/2006/main" xmlns:r="http://schemas.openxmlformats.org/officeDocument/2006/relationships" xmlns:p="http://schemas.openxmlformats.org/presentationml/2006/main">
+  <p:tag name="LTOP" val=" 238.25"/>
+  <p:tag name="LLEFT" val=" 144.125"/>
+</p:tagLst>
+</file>
+
+<file path=ppt/tags/tag7.xml><?xml version="1.0" encoding="utf-8"?>
+<p:tagLst xmlns:a="http://schemas.openxmlformats.org/drawingml/2006/main" xmlns:r="http://schemas.openxmlformats.org/officeDocument/2006/relationships" xmlns:p="http://schemas.openxmlformats.org/presentationml/2006/main">
+  <p:tag name="LTOP" val=" 238.25"/>
+  <p:tag name="LLEFT" val=" 144.125"/>
+</p:tagLst>
+</file>
+
+<file path=ppt/tags/tag8.xml><?xml version="1.0" encoding="utf-8"?>
+<p:tagLst xmlns:a="http://schemas.openxmlformats.org/drawingml/2006/main" xmlns:r="http://schemas.openxmlformats.org/officeDocument/2006/relationships" xmlns:p="http://schemas.openxmlformats.org/presentationml/2006/main">
+  <p:tag name="LTOP" val=" 238.25"/>
+  <p:tag name="LLEFT" val=" 144.125"/>
+</p:tagLst>
+</file>
+
+<file path=ppt/tags/tag9.xml><?xml version="1.0" encoding="utf-8"?>
 <p:tagLst xmlns:a="http://schemas.openxmlformats.org/drawingml/2006/main" xmlns:r="http://schemas.openxmlformats.org/officeDocument/2006/relationships" xmlns:p="http://schemas.openxmlformats.org/presentationml/2006/main">
   <p:tag name="LTOP" val=" 238.25"/>
   <p:tag name="LLEFT" val=" 144.125"/>

--- a/Test Driven Development/materials/pptx/0. TDD-Why.pptx
+++ b/Test Driven Development/materials/pptx/0. TDD-Why.pptx
@@ -1965,6 +1965,13 @@
         </dgm:presLayoutVars>
       </dgm:prSet>
       <dgm:spPr/>
+      <dgm:t>
+        <a:bodyPr/>
+        <a:lstStyle/>
+        <a:p>
+          <a:endParaRPr lang="en-US"/>
+        </a:p>
+      </dgm:t>
     </dgm:pt>
     <dgm:pt modelId="{96AB92E8-4D43-4D5A-AF5D-7EE0C456EB17}" type="pres">
       <dgm:prSet presAssocID="{36977784-76C6-4C1E-A8AA-B6E96474172D}" presName="triangle1" presStyleLbl="node1" presStyleIdx="0" presStyleCnt="4">
@@ -1988,6 +1995,13 @@
         </dgm:presLayoutVars>
       </dgm:prSet>
       <dgm:spPr/>
+      <dgm:t>
+        <a:bodyPr/>
+        <a:lstStyle/>
+        <a:p>
+          <a:endParaRPr lang="en-US"/>
+        </a:p>
+      </dgm:t>
     </dgm:pt>
     <dgm:pt modelId="{7C53D218-055A-4603-96E2-1CF6820373C5}" type="pres">
       <dgm:prSet presAssocID="{36977784-76C6-4C1E-A8AA-B6E96474172D}" presName="triangle3" presStyleLbl="node1" presStyleIdx="2" presStyleCnt="4">
@@ -1996,6 +2010,13 @@
         </dgm:presLayoutVars>
       </dgm:prSet>
       <dgm:spPr/>
+      <dgm:t>
+        <a:bodyPr/>
+        <a:lstStyle/>
+        <a:p>
+          <a:endParaRPr lang="en-US"/>
+        </a:p>
+      </dgm:t>
     </dgm:pt>
     <dgm:pt modelId="{ADBB3D3A-39F3-4CEE-B5C5-86F6B71A54A4}" type="pres">
       <dgm:prSet presAssocID="{36977784-76C6-4C1E-A8AA-B6E96474172D}" presName="triangle4" presStyleLbl="node1" presStyleIdx="3" presStyleCnt="4">
@@ -2018,8 +2039,8 @@
     <dgm:cxn modelId="{6DA136DD-B422-4E4F-890E-397A40C94F15}" srcId="{36977784-76C6-4C1E-A8AA-B6E96474172D}" destId="{18D22633-8FD5-469F-B13E-812170FB2A62}" srcOrd="0" destOrd="0" parTransId="{96249023-3EE6-411B-9DCF-D56D1B9893E3}" sibTransId="{731FCBB5-4017-4096-87A1-762A41F6F243}"/>
     <dgm:cxn modelId="{8B7595BA-9742-4A27-A3FB-0F025B954B09}" type="presOf" srcId="{18D22633-8FD5-469F-B13E-812170FB2A62}" destId="{96AB92E8-4D43-4D5A-AF5D-7EE0C456EB17}" srcOrd="0" destOrd="0" presId="urn:microsoft.com/office/officeart/2005/8/layout/pyramid4"/>
     <dgm:cxn modelId="{D5BA666F-E66F-438F-B2E9-22AA3EDAE3DB}" srcId="{36977784-76C6-4C1E-A8AA-B6E96474172D}" destId="{7F495A00-FD78-4E0D-B025-0DF4254756B4}" srcOrd="1" destOrd="0" parTransId="{CA17610D-24F2-45F8-8A1A-6549C1170DA8}" sibTransId="{004C5A87-DCC7-46E8-BF06-485E8FA2B121}"/>
+    <dgm:cxn modelId="{1AE2A45C-0B9C-4410-92FB-FD9A7EB464FB}" type="presOf" srcId="{36977784-76C6-4C1E-A8AA-B6E96474172D}" destId="{120C9ABD-E585-4872-B49D-28F0631252A5}" srcOrd="0" destOrd="0" presId="urn:microsoft.com/office/officeart/2005/8/layout/pyramid4"/>
     <dgm:cxn modelId="{E001C57C-BC01-4948-A82F-964EBE77ED17}" srcId="{36977784-76C6-4C1E-A8AA-B6E96474172D}" destId="{AF6165F2-2D12-4179-92FA-47F5D42D27FE}" srcOrd="2" destOrd="0" parTransId="{3DE5B33A-0298-4FDB-8723-C64FD347F990}" sibTransId="{821EC018-0806-494F-8479-68BBE60F7CC5}"/>
-    <dgm:cxn modelId="{1AE2A45C-0B9C-4410-92FB-FD9A7EB464FB}" type="presOf" srcId="{36977784-76C6-4C1E-A8AA-B6E96474172D}" destId="{120C9ABD-E585-4872-B49D-28F0631252A5}" srcOrd="0" destOrd="0" presId="urn:microsoft.com/office/officeart/2005/8/layout/pyramid4"/>
     <dgm:cxn modelId="{D4850963-FB78-419F-A824-F4B1CA3A94A8}" srcId="{36977784-76C6-4C1E-A8AA-B6E96474172D}" destId="{6B7BA102-0753-41D7-A940-AE7AED7E8341}" srcOrd="3" destOrd="0" parTransId="{18E7DA51-7653-4B2D-9346-D6C2E83156FA}" sibTransId="{44111426-6BAB-4DC1-A843-6D38E7ED6FE3}"/>
     <dgm:cxn modelId="{4228F9C4-4F53-488A-9381-3B4C9F6FC2F2}" type="presOf" srcId="{AF6165F2-2D12-4179-92FA-47F5D42D27FE}" destId="{7C53D218-055A-4603-96E2-1CF6820373C5}" srcOrd="0" destOrd="0" presId="urn:microsoft.com/office/officeart/2005/8/layout/pyramid4"/>
     <dgm:cxn modelId="{4DBFB6F6-8DAF-4D20-B9B6-503E630D3CC0}" type="presOf" srcId="{7F495A00-FD78-4E0D-B025-0DF4254756B4}" destId="{2A756182-E1BE-4BDE-9E75-ECD340FC6D40}" srcOrd="0" destOrd="0" presId="urn:microsoft.com/office/officeart/2005/8/layout/pyramid4"/>
@@ -2091,7 +2112,11 @@
     </dgm:pt>
     <dgm:pt modelId="{B8AB73D2-F036-47BB-90BC-4BDC3FD942CF}">
       <dgm:prSet phldrT="[Text]"/>
-      <dgm:spPr/>
+      <dgm:spPr>
+        <a:solidFill>
+          <a:srgbClr val="DD9E09"/>
+        </a:solidFill>
+      </dgm:spPr>
       <dgm:t>
         <a:bodyPr/>
         <a:lstStyle/>
@@ -2117,7 +2142,11 @@
     </dgm:pt>
     <dgm:pt modelId="{FBFDA094-CB28-46A6-B1B8-4E8BE7E6C880}" type="sibTrans" cxnId="{C6019180-1E2A-4D5D-BDA5-3B183D84EA65}">
       <dgm:prSet/>
-      <dgm:spPr/>
+      <dgm:spPr>
+        <a:solidFill>
+          <a:srgbClr val="DD9E09"/>
+        </a:solidFill>
+      </dgm:spPr>
       <dgm:t>
         <a:bodyPr/>
         <a:lstStyle/>
@@ -2245,6 +2274,13 @@
         </dgm:presLayoutVars>
       </dgm:prSet>
       <dgm:spPr/>
+      <dgm:t>
+        <a:bodyPr/>
+        <a:lstStyle/>
+        <a:p>
+          <a:endParaRPr lang="en-US"/>
+        </a:p>
+      </dgm:t>
     </dgm:pt>
     <dgm:pt modelId="{534E0B79-8A54-42D8-9024-EC3750169F53}" type="pres">
       <dgm:prSet presAssocID="{EFBDA766-9E5D-4C39-9FEE-C611FADFB6BE}" presName="node" presStyleLbl="node1" presStyleIdx="0" presStyleCnt="5">
@@ -2264,10 +2300,24 @@
     <dgm:pt modelId="{1CAD4B06-E0A4-4EF5-8553-A5F2BE5484A9}" type="pres">
       <dgm:prSet presAssocID="{83DDC034-73B4-4733-98F9-F81BC4C9988C}" presName="sibTrans" presStyleLbl="sibTrans2D1" presStyleIdx="0" presStyleCnt="5"/>
       <dgm:spPr/>
+      <dgm:t>
+        <a:bodyPr/>
+        <a:lstStyle/>
+        <a:p>
+          <a:endParaRPr lang="en-US"/>
+        </a:p>
+      </dgm:t>
     </dgm:pt>
     <dgm:pt modelId="{7F7CC3F1-1011-4434-84E0-B1B61D71E044}" type="pres">
       <dgm:prSet presAssocID="{83DDC034-73B4-4733-98F9-F81BC4C9988C}" presName="connectorText" presStyleLbl="sibTrans2D1" presStyleIdx="0" presStyleCnt="5"/>
       <dgm:spPr/>
+      <dgm:t>
+        <a:bodyPr/>
+        <a:lstStyle/>
+        <a:p>
+          <a:endParaRPr lang="en-US"/>
+        </a:p>
+      </dgm:t>
     </dgm:pt>
     <dgm:pt modelId="{F6A15AA7-DF39-4A92-BEDD-F5372FB583C3}" type="pres">
       <dgm:prSet presAssocID="{B8AB73D2-F036-47BB-90BC-4BDC3FD942CF}" presName="node" presStyleLbl="node1" presStyleIdx="1" presStyleCnt="5">
@@ -2276,14 +2326,35 @@
         </dgm:presLayoutVars>
       </dgm:prSet>
       <dgm:spPr/>
+      <dgm:t>
+        <a:bodyPr/>
+        <a:lstStyle/>
+        <a:p>
+          <a:endParaRPr lang="en-US"/>
+        </a:p>
+      </dgm:t>
     </dgm:pt>
     <dgm:pt modelId="{4A09FE3C-F3F1-4282-AF4D-0E932788B42A}" type="pres">
       <dgm:prSet presAssocID="{FBFDA094-CB28-46A6-B1B8-4E8BE7E6C880}" presName="sibTrans" presStyleLbl="sibTrans2D1" presStyleIdx="1" presStyleCnt="5"/>
       <dgm:spPr/>
+      <dgm:t>
+        <a:bodyPr/>
+        <a:lstStyle/>
+        <a:p>
+          <a:endParaRPr lang="en-US"/>
+        </a:p>
+      </dgm:t>
     </dgm:pt>
     <dgm:pt modelId="{161789B8-2728-4EE2-8D4C-10F725E1155E}" type="pres">
       <dgm:prSet presAssocID="{FBFDA094-CB28-46A6-B1B8-4E8BE7E6C880}" presName="connectorText" presStyleLbl="sibTrans2D1" presStyleIdx="1" presStyleCnt="5"/>
       <dgm:spPr/>
+      <dgm:t>
+        <a:bodyPr/>
+        <a:lstStyle/>
+        <a:p>
+          <a:endParaRPr lang="en-US"/>
+        </a:p>
+      </dgm:t>
     </dgm:pt>
     <dgm:pt modelId="{B9F3BF9B-5388-491D-935B-8711AB57ACA6}" type="pres">
       <dgm:prSet presAssocID="{8B59E4EE-9015-4635-AC07-D48C6045F942}" presName="node" presStyleLbl="node1" presStyleIdx="2" presStyleCnt="5">
@@ -2303,10 +2374,24 @@
     <dgm:pt modelId="{4EBFB26B-B492-4EF9-805B-D1CA59F4CFC2}" type="pres">
       <dgm:prSet presAssocID="{2C473A7B-D616-4E31-9F75-6C9D107612EC}" presName="sibTrans" presStyleLbl="sibTrans2D1" presStyleIdx="2" presStyleCnt="5"/>
       <dgm:spPr/>
+      <dgm:t>
+        <a:bodyPr/>
+        <a:lstStyle/>
+        <a:p>
+          <a:endParaRPr lang="en-US"/>
+        </a:p>
+      </dgm:t>
     </dgm:pt>
     <dgm:pt modelId="{8FD74A66-BA64-425E-8C16-FE9B093C450B}" type="pres">
       <dgm:prSet presAssocID="{2C473A7B-D616-4E31-9F75-6C9D107612EC}" presName="connectorText" presStyleLbl="sibTrans2D1" presStyleIdx="2" presStyleCnt="5"/>
       <dgm:spPr/>
+      <dgm:t>
+        <a:bodyPr/>
+        <a:lstStyle/>
+        <a:p>
+          <a:endParaRPr lang="en-US"/>
+        </a:p>
+      </dgm:t>
     </dgm:pt>
     <dgm:pt modelId="{C2B17E11-9CF7-40C5-8F04-0B18B2CC92A6}" type="pres">
       <dgm:prSet presAssocID="{93479A04-182A-4E7E-9572-4EEF37B68477}" presName="node" presStyleLbl="node1" presStyleIdx="3" presStyleCnt="5">
@@ -2315,14 +2400,35 @@
         </dgm:presLayoutVars>
       </dgm:prSet>
       <dgm:spPr/>
+      <dgm:t>
+        <a:bodyPr/>
+        <a:lstStyle/>
+        <a:p>
+          <a:endParaRPr lang="en-US"/>
+        </a:p>
+      </dgm:t>
     </dgm:pt>
     <dgm:pt modelId="{5D4E16AA-6825-4571-A4DA-1D7044A96F15}" type="pres">
       <dgm:prSet presAssocID="{15E569B6-946B-4CA8-96F0-B196A9113993}" presName="sibTrans" presStyleLbl="sibTrans2D1" presStyleIdx="3" presStyleCnt="5"/>
       <dgm:spPr/>
+      <dgm:t>
+        <a:bodyPr/>
+        <a:lstStyle/>
+        <a:p>
+          <a:endParaRPr lang="en-US"/>
+        </a:p>
+      </dgm:t>
     </dgm:pt>
     <dgm:pt modelId="{A637758B-7982-4AC5-9474-1609AA172C9C}" type="pres">
       <dgm:prSet presAssocID="{15E569B6-946B-4CA8-96F0-B196A9113993}" presName="connectorText" presStyleLbl="sibTrans2D1" presStyleIdx="3" presStyleCnt="5"/>
       <dgm:spPr/>
+      <dgm:t>
+        <a:bodyPr/>
+        <a:lstStyle/>
+        <a:p>
+          <a:endParaRPr lang="en-US"/>
+        </a:p>
+      </dgm:t>
     </dgm:pt>
     <dgm:pt modelId="{46F3B198-518A-4594-BF55-7554557C5065}" type="pres">
       <dgm:prSet presAssocID="{7471745B-11D5-4F88-8BA3-AE537D55C233}" presName="node" presStyleLbl="node1" presStyleIdx="4" presStyleCnt="5">
@@ -2331,36 +2437,57 @@
         </dgm:presLayoutVars>
       </dgm:prSet>
       <dgm:spPr/>
+      <dgm:t>
+        <a:bodyPr/>
+        <a:lstStyle/>
+        <a:p>
+          <a:endParaRPr lang="en-US"/>
+        </a:p>
+      </dgm:t>
     </dgm:pt>
     <dgm:pt modelId="{87FAD7BD-9D05-4DE1-9F02-F94FBBDEF1A8}" type="pres">
       <dgm:prSet presAssocID="{4614C87B-FF84-479F-A4D4-B92E697409A3}" presName="sibTrans" presStyleLbl="sibTrans2D1" presStyleIdx="4" presStyleCnt="5"/>
       <dgm:spPr/>
+      <dgm:t>
+        <a:bodyPr/>
+        <a:lstStyle/>
+        <a:p>
+          <a:endParaRPr lang="en-US"/>
+        </a:p>
+      </dgm:t>
     </dgm:pt>
     <dgm:pt modelId="{C808135B-1F73-4485-8C03-CC17B77AC59B}" type="pres">
       <dgm:prSet presAssocID="{4614C87B-FF84-479F-A4D4-B92E697409A3}" presName="connectorText" presStyleLbl="sibTrans2D1" presStyleIdx="4" presStyleCnt="5"/>
       <dgm:spPr/>
+      <dgm:t>
+        <a:bodyPr/>
+        <a:lstStyle/>
+        <a:p>
+          <a:endParaRPr lang="en-US"/>
+        </a:p>
+      </dgm:t>
     </dgm:pt>
   </dgm:ptLst>
   <dgm:cxnLst>
     <dgm:cxn modelId="{D3345BF4-C34E-419C-90AF-5B6266485D55}" srcId="{4BBC95B7-747A-4964-8A85-70830C1BF2F4}" destId="{EFBDA766-9E5D-4C39-9FEE-C611FADFB6BE}" srcOrd="0" destOrd="0" parTransId="{E9A018A8-82D6-4CC9-942F-79874A4455F0}" sibTransId="{83DDC034-73B4-4733-98F9-F81BC4C9988C}"/>
     <dgm:cxn modelId="{35F20D55-48F5-488C-8E15-64401D326182}" type="presOf" srcId="{93479A04-182A-4E7E-9572-4EEF37B68477}" destId="{C2B17E11-9CF7-40C5-8F04-0B18B2CC92A6}" srcOrd="0" destOrd="0" presId="urn:microsoft.com/office/officeart/2005/8/layout/cycle2"/>
+    <dgm:cxn modelId="{FDC57B42-47D0-4365-874E-0CCF91E9A4B8}" type="presOf" srcId="{2C473A7B-D616-4E31-9F75-6C9D107612EC}" destId="{4EBFB26B-B492-4EF9-805B-D1CA59F4CFC2}" srcOrd="0" destOrd="0" presId="urn:microsoft.com/office/officeart/2005/8/layout/cycle2"/>
     <dgm:cxn modelId="{9D9F63DB-43F3-4334-8679-5F84EA148BD6}" srcId="{4BBC95B7-747A-4964-8A85-70830C1BF2F4}" destId="{8B59E4EE-9015-4635-AC07-D48C6045F942}" srcOrd="2" destOrd="0" parTransId="{C2240B7B-2CA8-4CC3-AF0B-12E989870682}" sibTransId="{2C473A7B-D616-4E31-9F75-6C9D107612EC}"/>
     <dgm:cxn modelId="{1A5BA153-3BC1-4AAE-A1AD-C0A3DC4D6A2B}" type="presOf" srcId="{15E569B6-946B-4CA8-96F0-B196A9113993}" destId="{A637758B-7982-4AC5-9474-1609AA172C9C}" srcOrd="1" destOrd="0" presId="urn:microsoft.com/office/officeart/2005/8/layout/cycle2"/>
-    <dgm:cxn modelId="{FDC57B42-47D0-4365-874E-0CCF91E9A4B8}" type="presOf" srcId="{2C473A7B-D616-4E31-9F75-6C9D107612EC}" destId="{4EBFB26B-B492-4EF9-805B-D1CA59F4CFC2}" srcOrd="0" destOrd="0" presId="urn:microsoft.com/office/officeart/2005/8/layout/cycle2"/>
     <dgm:cxn modelId="{557375C9-9C98-4E01-952B-4484B9273CA3}" srcId="{4BBC95B7-747A-4964-8A85-70830C1BF2F4}" destId="{7471745B-11D5-4F88-8BA3-AE537D55C233}" srcOrd="4" destOrd="0" parTransId="{ED069FFE-6C19-4234-814A-F40247398DB7}" sibTransId="{4614C87B-FF84-479F-A4D4-B92E697409A3}"/>
     <dgm:cxn modelId="{FB3B9941-FD13-4489-9494-BABF0E93D691}" type="presOf" srcId="{83DDC034-73B4-4733-98F9-F81BC4C9988C}" destId="{7F7CC3F1-1011-4434-84E0-B1B61D71E044}" srcOrd="1" destOrd="0" presId="urn:microsoft.com/office/officeart/2005/8/layout/cycle2"/>
     <dgm:cxn modelId="{5BD2291C-954A-42F1-A7FF-5EECB9264072}" type="presOf" srcId="{4BBC95B7-747A-4964-8A85-70830C1BF2F4}" destId="{05B6DEC6-0689-4052-B21D-EAB7FAFB2D64}" srcOrd="0" destOrd="0" presId="urn:microsoft.com/office/officeart/2005/8/layout/cycle2"/>
+    <dgm:cxn modelId="{F69E5BCA-021E-4D82-A5EE-08A64A9E4EA8}" type="presOf" srcId="{FBFDA094-CB28-46A6-B1B8-4E8BE7E6C880}" destId="{161789B8-2728-4EE2-8D4C-10F725E1155E}" srcOrd="1" destOrd="0" presId="urn:microsoft.com/office/officeart/2005/8/layout/cycle2"/>
     <dgm:cxn modelId="{9D74EF53-9464-43C4-A9D1-40808D384F3D}" type="presOf" srcId="{B8AB73D2-F036-47BB-90BC-4BDC3FD942CF}" destId="{F6A15AA7-DF39-4A92-BEDD-F5372FB583C3}" srcOrd="0" destOrd="0" presId="urn:microsoft.com/office/officeart/2005/8/layout/cycle2"/>
-    <dgm:cxn modelId="{F69E5BCA-021E-4D82-A5EE-08A64A9E4EA8}" type="presOf" srcId="{FBFDA094-CB28-46A6-B1B8-4E8BE7E6C880}" destId="{161789B8-2728-4EE2-8D4C-10F725E1155E}" srcOrd="1" destOrd="0" presId="urn:microsoft.com/office/officeart/2005/8/layout/cycle2"/>
     <dgm:cxn modelId="{FCEFF1B9-1F77-4C51-A546-FA5CC1892E89}" type="presOf" srcId="{4614C87B-FF84-479F-A4D4-B92E697409A3}" destId="{C808135B-1F73-4485-8C03-CC17B77AC59B}" srcOrd="1" destOrd="0" presId="urn:microsoft.com/office/officeart/2005/8/layout/cycle2"/>
+    <dgm:cxn modelId="{6EB90B61-C969-4562-BEDE-E66D34BBE550}" type="presOf" srcId="{7471745B-11D5-4F88-8BA3-AE537D55C233}" destId="{46F3B198-518A-4594-BF55-7554557C5065}" srcOrd="0" destOrd="0" presId="urn:microsoft.com/office/officeart/2005/8/layout/cycle2"/>
     <dgm:cxn modelId="{C6019180-1E2A-4D5D-BDA5-3B183D84EA65}" srcId="{4BBC95B7-747A-4964-8A85-70830C1BF2F4}" destId="{B8AB73D2-F036-47BB-90BC-4BDC3FD942CF}" srcOrd="1" destOrd="0" parTransId="{2557F74A-D07A-4AC2-A30D-8F244D30E972}" sibTransId="{FBFDA094-CB28-46A6-B1B8-4E8BE7E6C880}"/>
-    <dgm:cxn modelId="{6EB90B61-C969-4562-BEDE-E66D34BBE550}" type="presOf" srcId="{7471745B-11D5-4F88-8BA3-AE537D55C233}" destId="{46F3B198-518A-4594-BF55-7554557C5065}" srcOrd="0" destOrd="0" presId="urn:microsoft.com/office/officeart/2005/8/layout/cycle2"/>
+    <dgm:cxn modelId="{8BCA6DF3-DE17-48FC-9F84-AC45F750B553}" type="presOf" srcId="{4614C87B-FF84-479F-A4D4-B92E697409A3}" destId="{87FAD7BD-9D05-4DE1-9F02-F94FBBDEF1A8}" srcOrd="0" destOrd="0" presId="urn:microsoft.com/office/officeart/2005/8/layout/cycle2"/>
     <dgm:cxn modelId="{88360B63-1D47-48B1-AA68-1BFC2D9BF0A8}" type="presOf" srcId="{8B59E4EE-9015-4635-AC07-D48C6045F942}" destId="{B9F3BF9B-5388-491D-935B-8711AB57ACA6}" srcOrd="0" destOrd="0" presId="urn:microsoft.com/office/officeart/2005/8/layout/cycle2"/>
-    <dgm:cxn modelId="{8BCA6DF3-DE17-48FC-9F84-AC45F750B553}" type="presOf" srcId="{4614C87B-FF84-479F-A4D4-B92E697409A3}" destId="{87FAD7BD-9D05-4DE1-9F02-F94FBBDEF1A8}" srcOrd="0" destOrd="0" presId="urn:microsoft.com/office/officeart/2005/8/layout/cycle2"/>
     <dgm:cxn modelId="{A76A3BC3-F6B0-4A0F-807F-3288E41DAE6B}" type="presOf" srcId="{EFBDA766-9E5D-4C39-9FEE-C611FADFB6BE}" destId="{534E0B79-8A54-42D8-9024-EC3750169F53}" srcOrd="0" destOrd="0" presId="urn:microsoft.com/office/officeart/2005/8/layout/cycle2"/>
-    <dgm:cxn modelId="{ECB58F11-6588-4CEF-A8CB-FF1D68130283}" type="presOf" srcId="{83DDC034-73B4-4733-98F9-F81BC4C9988C}" destId="{1CAD4B06-E0A4-4EF5-8553-A5F2BE5484A9}" srcOrd="0" destOrd="0" presId="urn:microsoft.com/office/officeart/2005/8/layout/cycle2"/>
     <dgm:cxn modelId="{D29FF6BD-D8B7-41C4-A5E8-42F69E5E0A60}" type="presOf" srcId="{15E569B6-946B-4CA8-96F0-B196A9113993}" destId="{5D4E16AA-6825-4571-A4DA-1D7044A96F15}" srcOrd="0" destOrd="0" presId="urn:microsoft.com/office/officeart/2005/8/layout/cycle2"/>
     <dgm:cxn modelId="{C7CD7605-8BAD-40C3-963E-4F7A04C4BB4D}" type="presOf" srcId="{2C473A7B-D616-4E31-9F75-6C9D107612EC}" destId="{8FD74A66-BA64-425E-8C16-FE9B093C450B}" srcOrd="1" destOrd="0" presId="urn:microsoft.com/office/officeart/2005/8/layout/cycle2"/>
+    <dgm:cxn modelId="{ECB58F11-6588-4CEF-A8CB-FF1D68130283}" type="presOf" srcId="{83DDC034-73B4-4733-98F9-F81BC4C9988C}" destId="{1CAD4B06-E0A4-4EF5-8553-A5F2BE5484A9}" srcOrd="0" destOrd="0" presId="urn:microsoft.com/office/officeart/2005/8/layout/cycle2"/>
     <dgm:cxn modelId="{A5BA52AC-576B-44E5-9713-79CB4F089C50}" type="presOf" srcId="{FBFDA094-CB28-46A6-B1B8-4E8BE7E6C880}" destId="{4A09FE3C-F3F1-4282-AF4D-0E932788B42A}" srcOrd="0" destOrd="0" presId="urn:microsoft.com/office/officeart/2005/8/layout/cycle2"/>
     <dgm:cxn modelId="{11254A2B-F7DB-4430-80CD-B8C8B4B6B70A}" srcId="{4BBC95B7-747A-4964-8A85-70830C1BF2F4}" destId="{93479A04-182A-4E7E-9572-4EEF37B68477}" srcOrd="3" destOrd="0" parTransId="{B8F9C960-FCC7-4027-AD2E-2FF19E6943C7}" sibTransId="{15E569B6-946B-4CA8-96F0-B196A9113993}"/>
     <dgm:cxn modelId="{11B269E6-1AC3-4C3E-8C06-EFF723D4BD36}" type="presParOf" srcId="{05B6DEC6-0689-4052-B21D-EAB7FAFB2D64}" destId="{534E0B79-8A54-42D8-9024-EC3750169F53}" srcOrd="0" destOrd="0" presId="urn:microsoft.com/office/officeart/2005/8/layout/cycle2"/>
@@ -2501,7 +2628,7 @@
         <a:solidFill>
           <a:schemeClr val="accent4">
             <a:shade val="50000"/>
-            <a:hueOff val="415294"/>
+            <a:hueOff val="415293"/>
             <a:satOff val="-42542"/>
             <a:lumOff val="27953"/>
             <a:alphaOff val="0"/>
@@ -2585,7 +2712,7 @@
         <a:solidFill>
           <a:schemeClr val="accent4">
             <a:shade val="50000"/>
-            <a:hueOff val="830588"/>
+            <a:hueOff val="830586"/>
             <a:satOff val="-85084"/>
             <a:lumOff val="55905"/>
             <a:alphaOff val="0"/>
@@ -2669,7 +2796,7 @@
         <a:solidFill>
           <a:schemeClr val="accent4">
             <a:shade val="50000"/>
-            <a:hueOff val="415294"/>
+            <a:hueOff val="415293"/>
             <a:satOff val="-42542"/>
             <a:lumOff val="27953"/>
             <a:alphaOff val="0"/>
@@ -2798,12 +2925,12 @@
         </a:fontRef>
       </dsp:style>
       <dsp:txBody>
-        <a:bodyPr spcFirstLastPara="0" vert="horz" wrap="square" lIns="20320" tIns="20320" rIns="20320" bIns="20320" numCol="1" spcCol="1270" anchor="ctr" anchorCtr="0">
+        <a:bodyPr spcFirstLastPara="0" vert="horz" wrap="square" lIns="21590" tIns="21590" rIns="21590" bIns="21590" numCol="1" spcCol="1270" anchor="ctr" anchorCtr="0">
           <a:noAutofit/>
         </a:bodyPr>
         <a:lstStyle/>
         <a:p>
-          <a:pPr lvl="0" algn="ctr" defTabSz="711200">
+          <a:pPr lvl="0" algn="ctr" defTabSz="755650">
             <a:lnSpc>
               <a:spcPct val="90000"/>
             </a:lnSpc>
@@ -2815,10 +2942,10 @@
             </a:spcAft>
           </a:pPr>
           <a:r>
-            <a:rPr lang="en-US" sz="1600" kern="1200" dirty="0" smtClean="0"/>
+            <a:rPr lang="en-US" sz="1700" kern="1200" dirty="0" smtClean="0"/>
             <a:t>Add Test</a:t>
           </a:r>
-          <a:endParaRPr lang="ru-RU" sz="1600" kern="1200" dirty="0"/>
+          <a:endParaRPr lang="ru-RU" sz="1700" kern="1200" dirty="0"/>
         </a:p>
       </dsp:txBody>
       <dsp:txXfrm>
@@ -2875,7 +3002,7 @@
         </a:bodyPr>
         <a:lstStyle/>
         <a:p>
-          <a:pPr lvl="0" algn="ctr" defTabSz="577850">
+          <a:pPr lvl="0" algn="ctr" defTabSz="622300">
             <a:lnSpc>
               <a:spcPct val="90000"/>
             </a:lnSpc>
@@ -2886,7 +3013,7 @@
               <a:spcPct val="35000"/>
             </a:spcAft>
           </a:pPr>
-          <a:endParaRPr lang="ru-RU" sz="1300" kern="1200"/>
+          <a:endParaRPr lang="ru-RU" sz="1400" kern="1200"/>
         </a:p>
       </dsp:txBody>
       <dsp:txXfrm>
@@ -2908,12 +3035,7 @@
           <a:avLst/>
         </a:prstGeom>
         <a:solidFill>
-          <a:schemeClr val="accent5">
-            <a:hueOff val="3600000"/>
-            <a:satOff val="-12133"/>
-            <a:lumOff val="-5833"/>
-            <a:alphaOff val="0"/>
-          </a:schemeClr>
+          <a:srgbClr val="DD9E09"/>
         </a:solidFill>
         <a:ln w="25400" cap="flat" cmpd="sng" algn="ctr">
           <a:solidFill>
@@ -2943,12 +3065,12 @@
         </a:fontRef>
       </dsp:style>
       <dsp:txBody>
-        <a:bodyPr spcFirstLastPara="0" vert="horz" wrap="square" lIns="20320" tIns="20320" rIns="20320" bIns="20320" numCol="1" spcCol="1270" anchor="ctr" anchorCtr="0">
+        <a:bodyPr spcFirstLastPara="0" vert="horz" wrap="square" lIns="21590" tIns="21590" rIns="21590" bIns="21590" numCol="1" spcCol="1270" anchor="ctr" anchorCtr="0">
           <a:noAutofit/>
         </a:bodyPr>
         <a:lstStyle/>
         <a:p>
-          <a:pPr lvl="0" algn="ctr" defTabSz="711200">
+          <a:pPr lvl="0" algn="ctr" defTabSz="755650">
             <a:lnSpc>
               <a:spcPct val="90000"/>
             </a:lnSpc>
@@ -2960,10 +3082,10 @@
             </a:spcAft>
           </a:pPr>
           <a:r>
-            <a:rPr lang="en-US" sz="1600" kern="1200" dirty="0" smtClean="0"/>
+            <a:rPr lang="en-US" sz="1700" kern="1200" dirty="0" smtClean="0"/>
             <a:t>Watch Test Fail</a:t>
           </a:r>
-          <a:endParaRPr lang="ru-RU" sz="1600" kern="1200" dirty="0"/>
+          <a:endParaRPr lang="ru-RU" sz="1700" kern="1200" dirty="0"/>
         </a:p>
       </dsp:txBody>
       <dsp:txXfrm>
@@ -2988,12 +3110,7 @@
           </a:avLst>
         </a:prstGeom>
         <a:solidFill>
-          <a:schemeClr val="accent5">
-            <a:hueOff val="3600000"/>
-            <a:satOff val="-12133"/>
-            <a:lumOff val="-5833"/>
-            <a:alphaOff val="0"/>
-          </a:schemeClr>
+          <a:srgbClr val="DD9E09"/>
         </a:solidFill>
         <a:ln>
           <a:noFill/>
@@ -3020,7 +3137,7 @@
         </a:bodyPr>
         <a:lstStyle/>
         <a:p>
-          <a:pPr lvl="0" algn="ctr" defTabSz="577850">
+          <a:pPr lvl="0" algn="ctr" defTabSz="622300">
             <a:lnSpc>
               <a:spcPct val="90000"/>
             </a:lnSpc>
@@ -3031,7 +3148,7 @@
               <a:spcPct val="35000"/>
             </a:spcAft>
           </a:pPr>
-          <a:endParaRPr lang="ru-RU" sz="1300" kern="1200"/>
+          <a:endParaRPr lang="ru-RU" sz="1400" kern="1200"/>
         </a:p>
       </dsp:txBody>
       <dsp:txXfrm rot="10800000">
@@ -3088,12 +3205,12 @@
         </a:fontRef>
       </dsp:style>
       <dsp:txBody>
-        <a:bodyPr spcFirstLastPara="0" vert="horz" wrap="square" lIns="20320" tIns="20320" rIns="20320" bIns="20320" numCol="1" spcCol="1270" anchor="ctr" anchorCtr="0">
+        <a:bodyPr spcFirstLastPara="0" vert="horz" wrap="square" lIns="21590" tIns="21590" rIns="21590" bIns="21590" numCol="1" spcCol="1270" anchor="ctr" anchorCtr="0">
           <a:noAutofit/>
         </a:bodyPr>
         <a:lstStyle/>
         <a:p>
-          <a:pPr lvl="0" algn="ctr" defTabSz="711200">
+          <a:pPr lvl="0" algn="ctr" defTabSz="755650">
             <a:lnSpc>
               <a:spcPct val="90000"/>
             </a:lnSpc>
@@ -3105,10 +3222,10 @@
             </a:spcAft>
           </a:pPr>
           <a:r>
-            <a:rPr lang="en-US" sz="1600" kern="1200" dirty="0" smtClean="0"/>
+            <a:rPr lang="en-US" sz="1700" kern="1200" dirty="0" smtClean="0"/>
             <a:t>Write Code</a:t>
           </a:r>
-          <a:endParaRPr lang="ru-RU" sz="1600" kern="1200" dirty="0"/>
+          <a:endParaRPr lang="ru-RU" sz="1700" kern="1200" dirty="0"/>
         </a:p>
       </dsp:txBody>
       <dsp:txXfrm>
@@ -3165,7 +3282,7 @@
         </a:bodyPr>
         <a:lstStyle/>
         <a:p>
-          <a:pPr lvl="0" algn="ctr" defTabSz="577850">
+          <a:pPr lvl="0" algn="ctr" defTabSz="622300">
             <a:lnSpc>
               <a:spcPct val="90000"/>
             </a:lnSpc>
@@ -3176,7 +3293,7 @@
               <a:spcPct val="35000"/>
             </a:spcAft>
           </a:pPr>
-          <a:endParaRPr lang="ru-RU" sz="1300" kern="1200"/>
+          <a:endParaRPr lang="ru-RU" sz="1400" kern="1200"/>
         </a:p>
       </dsp:txBody>
       <dsp:txXfrm rot="10800000">
@@ -3233,12 +3350,12 @@
         </a:fontRef>
       </dsp:style>
       <dsp:txBody>
-        <a:bodyPr spcFirstLastPara="0" vert="horz" wrap="square" lIns="20320" tIns="20320" rIns="20320" bIns="20320" numCol="1" spcCol="1270" anchor="ctr" anchorCtr="0">
+        <a:bodyPr spcFirstLastPara="0" vert="horz" wrap="square" lIns="21590" tIns="21590" rIns="21590" bIns="21590" numCol="1" spcCol="1270" anchor="ctr" anchorCtr="0">
           <a:noAutofit/>
         </a:bodyPr>
         <a:lstStyle/>
         <a:p>
-          <a:pPr lvl="0" algn="ctr" defTabSz="711200">
+          <a:pPr lvl="0" algn="ctr" defTabSz="755650">
             <a:lnSpc>
               <a:spcPct val="90000"/>
             </a:lnSpc>
@@ -3250,10 +3367,10 @@
             </a:spcAft>
           </a:pPr>
           <a:r>
-            <a:rPr lang="en-US" sz="1600" kern="1200" dirty="0" smtClean="0"/>
+            <a:rPr lang="en-US" sz="1700" kern="1200" dirty="0" smtClean="0"/>
             <a:t>Run Tests</a:t>
           </a:r>
-          <a:endParaRPr lang="ru-RU" sz="1600" kern="1200" dirty="0"/>
+          <a:endParaRPr lang="ru-RU" sz="1700" kern="1200" dirty="0"/>
         </a:p>
       </dsp:txBody>
       <dsp:txXfrm>
@@ -3310,7 +3427,7 @@
         </a:bodyPr>
         <a:lstStyle/>
         <a:p>
-          <a:pPr lvl="0" algn="ctr" defTabSz="577850">
+          <a:pPr lvl="0" algn="ctr" defTabSz="622300">
             <a:lnSpc>
               <a:spcPct val="90000"/>
             </a:lnSpc>
@@ -3321,7 +3438,7 @@
               <a:spcPct val="35000"/>
             </a:spcAft>
           </a:pPr>
-          <a:endParaRPr lang="ru-RU" sz="1300" kern="1200"/>
+          <a:endParaRPr lang="ru-RU" sz="1400" kern="1200"/>
         </a:p>
       </dsp:txBody>
       <dsp:txXfrm rot="10800000">
@@ -3378,12 +3495,12 @@
         </a:fontRef>
       </dsp:style>
       <dsp:txBody>
-        <a:bodyPr spcFirstLastPara="0" vert="horz" wrap="square" lIns="20320" tIns="20320" rIns="20320" bIns="20320" numCol="1" spcCol="1270" anchor="ctr" anchorCtr="0">
+        <a:bodyPr spcFirstLastPara="0" vert="horz" wrap="square" lIns="21590" tIns="21590" rIns="21590" bIns="21590" numCol="1" spcCol="1270" anchor="ctr" anchorCtr="0">
           <a:noAutofit/>
         </a:bodyPr>
         <a:lstStyle/>
         <a:p>
-          <a:pPr lvl="0" algn="ctr" defTabSz="711200">
+          <a:pPr lvl="0" algn="ctr" defTabSz="755650">
             <a:lnSpc>
               <a:spcPct val="90000"/>
             </a:lnSpc>
@@ -3395,10 +3512,10 @@
             </a:spcAft>
           </a:pPr>
           <a:r>
-            <a:rPr lang="en-US" sz="1600" kern="1200" dirty="0" smtClean="0"/>
+            <a:rPr lang="en-US" sz="1700" kern="1200" dirty="0" smtClean="0"/>
             <a:t>Refactor</a:t>
           </a:r>
-          <a:endParaRPr lang="ru-RU" sz="1600" kern="1200" dirty="0"/>
+          <a:endParaRPr lang="ru-RU" sz="1700" kern="1200" dirty="0"/>
         </a:p>
       </dsp:txBody>
       <dsp:txXfrm>
@@ -3455,7 +3572,7 @@
         </a:bodyPr>
         <a:lstStyle/>
         <a:p>
-          <a:pPr lvl="0" algn="ctr" defTabSz="577850">
+          <a:pPr lvl="0" algn="ctr" defTabSz="622300">
             <a:lnSpc>
               <a:spcPct val="90000"/>
             </a:lnSpc>
@@ -3466,7 +3583,7 @@
               <a:spcPct val="35000"/>
             </a:spcAft>
           </a:pPr>
-          <a:endParaRPr lang="ru-RU" sz="1300" kern="1200"/>
+          <a:endParaRPr lang="ru-RU" sz="1400" kern="1200"/>
         </a:p>
       </dsp:txBody>
       <dsp:txXfrm>
@@ -6229,7 +6346,7 @@
           <a:p>
             <a:fld id="{B946ECE3-FD69-FE4C-B5B3-E9526994F809}" type="datetimeFigureOut">
               <a:rPr lang="en-US" smtClean="0"/>
-              <a:t>12/7/2012</a:t>
+              <a:t>12/21/12</a:t>
             </a:fld>
             <a:endParaRPr lang="en-US"/>
           </a:p>
@@ -7921,14 +8038,14 @@
             <a:noFill/>
           </a:ln>
           <a:extLst>
-            <a:ext uri="{909E8E84-426E-40DD-AFC4-6F175D3DCCD1}">
+            <a:ext uri="{909E8E84-426E-40dd-AFC4-6F175D3DCCD1}">
               <a14:hiddenFill xmlns:a14="http://schemas.microsoft.com/office/drawing/2010/main">
                 <a:solidFill>
                   <a:srgbClr val="FFFFFF"/>
                 </a:solidFill>
               </a14:hiddenFill>
             </a:ext>
-            <a:ext uri="{91240B29-F687-4F45-9708-019B960494DF}">
+            <a:ext uri="{91240B29-F687-4f45-9708-019B960494DF}">
               <a14:hiddenLine xmlns:a14="http://schemas.microsoft.com/office/drawing/2010/main" w="9525">
                 <a:solidFill>
                   <a:srgbClr val="000000"/>
@@ -7975,14 +8092,14 @@
             <a:noFill/>
           </a:ln>
           <a:extLst>
-            <a:ext uri="{909E8E84-426E-40DD-AFC4-6F175D3DCCD1}">
+            <a:ext uri="{909E8E84-426E-40dd-AFC4-6F175D3DCCD1}">
               <a14:hiddenFill xmlns:a14="http://schemas.microsoft.com/office/drawing/2010/main">
                 <a:solidFill>
                   <a:srgbClr val="FFFFFF"/>
                 </a:solidFill>
               </a14:hiddenFill>
             </a:ext>
-            <a:ext uri="{91240B29-F687-4F45-9708-019B960494DF}">
+            <a:ext uri="{91240B29-F687-4f45-9708-019B960494DF}">
               <a14:hiddenLine xmlns:a14="http://schemas.microsoft.com/office/drawing/2010/main" w="9525">
                 <a:solidFill>
                   <a:srgbClr val="000000"/>
@@ -8077,7 +8194,7 @@
   <p:clrMapOvr>
     <a:masterClrMapping/>
   </p:clrMapOvr>
-  <p:transition spd="slow">
+  <p:transition xmlns:p14="http://schemas.microsoft.com/office/powerpoint/2010/main" spd="slow">
     <p:fade/>
   </p:transition>
 </p:sldLayout>
@@ -8487,7 +8604,7 @@
   <p:clrMapOvr>
     <a:masterClrMapping/>
   </p:clrMapOvr>
-  <p:transition spd="slow">
+  <p:transition xmlns:p14="http://schemas.microsoft.com/office/powerpoint/2010/main" spd="slow">
     <p:fade/>
   </p:transition>
 </p:sldLayout>
@@ -8812,7 +8929,7 @@
   <p:clrMapOvr>
     <a:masterClrMapping/>
   </p:clrMapOvr>
-  <p:transition spd="slow">
+  <p:transition xmlns:p14="http://schemas.microsoft.com/office/powerpoint/2010/main" spd="slow">
     <p:fade/>
   </p:transition>
 </p:sldLayout>
@@ -9137,7 +9254,7 @@
   <p:clrMapOvr>
     <a:masterClrMapping/>
   </p:clrMapOvr>
-  <p:transition spd="slow">
+  <p:transition xmlns:p14="http://schemas.microsoft.com/office/powerpoint/2010/main" spd="slow">
     <p:fade/>
   </p:transition>
 </p:sldLayout>
@@ -9547,7 +9664,7 @@
   <p:clrMapOvr>
     <a:masterClrMapping/>
   </p:clrMapOvr>
-  <p:transition spd="slow">
+  <p:transition xmlns:p14="http://schemas.microsoft.com/office/powerpoint/2010/main" spd="slow">
     <p:fade/>
   </p:transition>
 </p:sldLayout>
@@ -9957,7 +10074,7 @@
   <p:clrMapOvr>
     <a:masterClrMapping/>
   </p:clrMapOvr>
-  <p:transition spd="slow">
+  <p:transition xmlns:p14="http://schemas.microsoft.com/office/powerpoint/2010/main" spd="slow">
     <p:fade/>
   </p:transition>
 </p:sldLayout>
@@ -10149,7 +10266,7 @@
   <p:clrMapOvr>
     <a:masterClrMapping/>
   </p:clrMapOvr>
-  <p:transition spd="slow">
+  <p:transition xmlns:p14="http://schemas.microsoft.com/office/powerpoint/2010/main" spd="slow">
     <p:fade/>
   </p:transition>
 </p:sldLayout>
@@ -10235,7 +10352,7 @@
   <p:clrMapOvr>
     <a:masterClrMapping/>
   </p:clrMapOvr>
-  <p:transition spd="slow">
+  <p:transition xmlns:p14="http://schemas.microsoft.com/office/powerpoint/2010/main" spd="slow">
     <p:fade/>
   </p:transition>
 </p:sldLayout>
@@ -10389,7 +10506,7 @@
                   <a:spcPct val="0"/>
                 </a:spcAft>
               </a:pPr>
-              <a:t>07.12.2012</a:t>
+              <a:t>12/21/12</a:t>
             </a:fld>
             <a:endParaRPr lang="ru-RU">
               <a:solidFill>
@@ -10559,7 +10676,7 @@
   <p:clrMapOvr>
     <a:masterClrMapping/>
   </p:clrMapOvr>
-  <p:transition spd="slow">
+  <p:transition xmlns:p14="http://schemas.microsoft.com/office/powerpoint/2010/main" spd="slow">
     <p:fade/>
   </p:transition>
 </p:sldLayout>
@@ -10919,7 +11036,7 @@
   <p:clrMapOvr>
     <a:masterClrMapping/>
   </p:clrMapOvr>
-  <p:transition spd="slow">
+  <p:transition xmlns:p14="http://schemas.microsoft.com/office/powerpoint/2010/main" spd="slow">
     <p:fade/>
   </p:transition>
 </p:sldLayout>
@@ -10976,14 +11093,14 @@
             <a:noFill/>
           </a:ln>
           <a:extLst>
-            <a:ext uri="{909E8E84-426E-40DD-AFC4-6F175D3DCCD1}">
+            <a:ext uri="{909E8E84-426E-40dd-AFC4-6F175D3DCCD1}">
               <a14:hiddenFill xmlns:a14="http://schemas.microsoft.com/office/drawing/2010/main">
                 <a:solidFill>
                   <a:srgbClr val="FFFFFF"/>
                 </a:solidFill>
               </a14:hiddenFill>
             </a:ext>
-            <a:ext uri="{91240B29-F687-4F45-9708-019B960494DF}">
+            <a:ext uri="{91240B29-F687-4f45-9708-019B960494DF}">
               <a14:hiddenLine xmlns:a14="http://schemas.microsoft.com/office/drawing/2010/main" w="9525">
                 <a:solidFill>
                   <a:srgbClr val="000000"/>
@@ -11119,14 +11236,14 @@
             <a:noFill/>
           </a:ln>
           <a:extLst>
-            <a:ext uri="{909E8E84-426E-40DD-AFC4-6F175D3DCCD1}">
+            <a:ext uri="{909E8E84-426E-40dd-AFC4-6F175D3DCCD1}">
               <a14:hiddenFill xmlns:a14="http://schemas.microsoft.com/office/drawing/2010/main">
                 <a:solidFill>
                   <a:srgbClr val="FFFFFF"/>
                 </a:solidFill>
               </a14:hiddenFill>
             </a:ext>
-            <a:ext uri="{91240B29-F687-4F45-9708-019B960494DF}">
+            <a:ext uri="{91240B29-F687-4f45-9708-019B960494DF}">
               <a14:hiddenLine xmlns:a14="http://schemas.microsoft.com/office/drawing/2010/main" w="9525">
                 <a:solidFill>
                   <a:srgbClr val="000000"/>
@@ -11173,14 +11290,14 @@
             <a:noFill/>
           </a:ln>
           <a:extLst>
-            <a:ext uri="{909E8E84-426E-40DD-AFC4-6F175D3DCCD1}">
+            <a:ext uri="{909E8E84-426E-40dd-AFC4-6F175D3DCCD1}">
               <a14:hiddenFill xmlns:a14="http://schemas.microsoft.com/office/drawing/2010/main">
                 <a:solidFill>
                   <a:srgbClr val="FFFFFF"/>
                 </a:solidFill>
               </a14:hiddenFill>
             </a:ext>
-            <a:ext uri="{91240B29-F687-4F45-9708-019B960494DF}">
+            <a:ext uri="{91240B29-F687-4f45-9708-019B960494DF}">
               <a14:hiddenLine xmlns:a14="http://schemas.microsoft.com/office/drawing/2010/main" w="9525">
                 <a:solidFill>
                   <a:srgbClr val="000000"/>
@@ -11449,7 +11566,7 @@
   <p:clrMapOvr>
     <a:masterClrMapping/>
   </p:clrMapOvr>
-  <p:transition>
+  <p:transition xmlns:p14="http://schemas.microsoft.com/office/powerpoint/2010/main">
     <p:zoom/>
   </p:transition>
 </p:sldLayout>
@@ -11678,7 +11795,7 @@
   <p:clrMapOvr>
     <a:masterClrMapping/>
   </p:clrMapOvr>
-  <p:transition spd="slow">
+  <p:transition xmlns:p14="http://schemas.microsoft.com/office/powerpoint/2010/main" spd="slow">
     <p:fade/>
   </p:transition>
 </p:sldLayout>
@@ -11735,14 +11852,14 @@
             <a:noFill/>
           </a:ln>
           <a:extLst>
-            <a:ext uri="{909E8E84-426E-40DD-AFC4-6F175D3DCCD1}">
+            <a:ext uri="{909E8E84-426E-40dd-AFC4-6F175D3DCCD1}">
               <a14:hiddenFill xmlns:a14="http://schemas.microsoft.com/office/drawing/2010/main">
                 <a:solidFill>
                   <a:srgbClr val="FFFFFF"/>
                 </a:solidFill>
               </a14:hiddenFill>
             </a:ext>
-            <a:ext uri="{91240B29-F687-4F45-9708-019B960494DF}">
+            <a:ext uri="{91240B29-F687-4f45-9708-019B960494DF}">
               <a14:hiddenLine xmlns:a14="http://schemas.microsoft.com/office/drawing/2010/main" w="9525">
                 <a:solidFill>
                   <a:srgbClr val="000000"/>
@@ -11878,14 +11995,14 @@
             <a:noFill/>
           </a:ln>
           <a:extLst>
-            <a:ext uri="{909E8E84-426E-40DD-AFC4-6F175D3DCCD1}">
+            <a:ext uri="{909E8E84-426E-40dd-AFC4-6F175D3DCCD1}">
               <a14:hiddenFill xmlns:a14="http://schemas.microsoft.com/office/drawing/2010/main">
                 <a:solidFill>
                   <a:srgbClr val="FFFFFF"/>
                 </a:solidFill>
               </a14:hiddenFill>
             </a:ext>
-            <a:ext uri="{91240B29-F687-4F45-9708-019B960494DF}">
+            <a:ext uri="{91240B29-F687-4f45-9708-019B960494DF}">
               <a14:hiddenLine xmlns:a14="http://schemas.microsoft.com/office/drawing/2010/main" w="9525">
                 <a:solidFill>
                   <a:srgbClr val="000000"/>
@@ -11932,14 +12049,14 @@
             <a:noFill/>
           </a:ln>
           <a:extLst>
-            <a:ext uri="{909E8E84-426E-40DD-AFC4-6F175D3DCCD1}">
+            <a:ext uri="{909E8E84-426E-40dd-AFC4-6F175D3DCCD1}">
               <a14:hiddenFill xmlns:a14="http://schemas.microsoft.com/office/drawing/2010/main">
                 <a:solidFill>
                   <a:srgbClr val="FFFFFF"/>
                 </a:solidFill>
               </a14:hiddenFill>
             </a:ext>
-            <a:ext uri="{91240B29-F687-4F45-9708-019B960494DF}">
+            <a:ext uri="{91240B29-F687-4f45-9708-019B960494DF}">
               <a14:hiddenLine xmlns:a14="http://schemas.microsoft.com/office/drawing/2010/main" w="9525">
                 <a:solidFill>
                   <a:srgbClr val="000000"/>
@@ -12208,7 +12325,7 @@
   <p:clrMapOvr>
     <a:masterClrMapping/>
   </p:clrMapOvr>
-  <p:transition>
+  <p:transition xmlns:p14="http://schemas.microsoft.com/office/powerpoint/2010/main">
     <p:zoom/>
   </p:transition>
 </p:sldLayout>
@@ -12265,14 +12382,14 @@
             <a:noFill/>
           </a:ln>
           <a:extLst>
-            <a:ext uri="{909E8E84-426E-40DD-AFC4-6F175D3DCCD1}">
+            <a:ext uri="{909E8E84-426E-40dd-AFC4-6F175D3DCCD1}">
               <a14:hiddenFill xmlns:a14="http://schemas.microsoft.com/office/drawing/2010/main">
                 <a:solidFill>
                   <a:srgbClr val="FFFFFF"/>
                 </a:solidFill>
               </a14:hiddenFill>
             </a:ext>
-            <a:ext uri="{91240B29-F687-4F45-9708-019B960494DF}">
+            <a:ext uri="{91240B29-F687-4f45-9708-019B960494DF}">
               <a14:hiddenLine xmlns:a14="http://schemas.microsoft.com/office/drawing/2010/main" w="9525">
                 <a:solidFill>
                   <a:srgbClr val="000000"/>
@@ -12408,14 +12525,14 @@
             <a:noFill/>
           </a:ln>
           <a:extLst>
-            <a:ext uri="{909E8E84-426E-40DD-AFC4-6F175D3DCCD1}">
+            <a:ext uri="{909E8E84-426E-40dd-AFC4-6F175D3DCCD1}">
               <a14:hiddenFill xmlns:a14="http://schemas.microsoft.com/office/drawing/2010/main">
                 <a:solidFill>
                   <a:srgbClr val="FFFFFF"/>
                 </a:solidFill>
               </a14:hiddenFill>
             </a:ext>
-            <a:ext uri="{91240B29-F687-4F45-9708-019B960494DF}">
+            <a:ext uri="{91240B29-F687-4f45-9708-019B960494DF}">
               <a14:hiddenLine xmlns:a14="http://schemas.microsoft.com/office/drawing/2010/main" w="9525">
                 <a:solidFill>
                   <a:srgbClr val="000000"/>
@@ -12462,14 +12579,14 @@
             <a:noFill/>
           </a:ln>
           <a:extLst>
-            <a:ext uri="{909E8E84-426E-40DD-AFC4-6F175D3DCCD1}">
+            <a:ext uri="{909E8E84-426E-40dd-AFC4-6F175D3DCCD1}">
               <a14:hiddenFill xmlns:a14="http://schemas.microsoft.com/office/drawing/2010/main">
                 <a:solidFill>
                   <a:srgbClr val="FFFFFF"/>
                 </a:solidFill>
               </a14:hiddenFill>
             </a:ext>
-            <a:ext uri="{91240B29-F687-4F45-9708-019B960494DF}">
+            <a:ext uri="{91240B29-F687-4f45-9708-019B960494DF}">
               <a14:hiddenLine xmlns:a14="http://schemas.microsoft.com/office/drawing/2010/main" w="9525">
                 <a:solidFill>
                   <a:srgbClr val="000000"/>
@@ -12738,7 +12855,7 @@
   <p:clrMapOvr>
     <a:masterClrMapping/>
   </p:clrMapOvr>
-  <p:transition>
+  <p:transition xmlns:p14="http://schemas.microsoft.com/office/powerpoint/2010/main">
     <p:zoom/>
   </p:transition>
   <p:hf hdr="0" ftr="0" dt="0"/>
@@ -12850,14 +12967,14 @@
             <a:noFill/>
           </a:ln>
           <a:extLst>
-            <a:ext uri="{909E8E84-426E-40DD-AFC4-6F175D3DCCD1}">
+            <a:ext uri="{909E8E84-426E-40dd-AFC4-6F175D3DCCD1}">
               <a14:hiddenFill xmlns:a14="http://schemas.microsoft.com/office/drawing/2010/main">
                 <a:solidFill>
                   <a:srgbClr val="FFFFFF"/>
                 </a:solidFill>
               </a14:hiddenFill>
             </a:ext>
-            <a:ext uri="{91240B29-F687-4F45-9708-019B960494DF}">
+            <a:ext uri="{91240B29-F687-4f45-9708-019B960494DF}">
               <a14:hiddenLine xmlns:a14="http://schemas.microsoft.com/office/drawing/2010/main" w="9525">
                 <a:solidFill>
                   <a:srgbClr val="000000"/>
@@ -12904,14 +13021,14 @@
             <a:noFill/>
           </a:ln>
           <a:extLst>
-            <a:ext uri="{909E8E84-426E-40DD-AFC4-6F175D3DCCD1}">
+            <a:ext uri="{909E8E84-426E-40dd-AFC4-6F175D3DCCD1}">
               <a14:hiddenFill xmlns:a14="http://schemas.microsoft.com/office/drawing/2010/main">
                 <a:solidFill>
                   <a:srgbClr val="FFFFFF"/>
                 </a:solidFill>
               </a14:hiddenFill>
             </a:ext>
-            <a:ext uri="{91240B29-F687-4F45-9708-019B960494DF}">
+            <a:ext uri="{91240B29-F687-4f45-9708-019B960494DF}">
               <a14:hiddenLine xmlns:a14="http://schemas.microsoft.com/office/drawing/2010/main" w="9525">
                 <a:solidFill>
                   <a:srgbClr val="000000"/>
@@ -13015,14 +13132,14 @@
             <a:noFill/>
           </a:ln>
           <a:extLst>
-            <a:ext uri="{909E8E84-426E-40DD-AFC4-6F175D3DCCD1}">
+            <a:ext uri="{909E8E84-426E-40dd-AFC4-6F175D3DCCD1}">
               <a14:hiddenFill xmlns:a14="http://schemas.microsoft.com/office/drawing/2010/main">
                 <a:solidFill>
                   <a:srgbClr val="FFFFFF"/>
                 </a:solidFill>
               </a14:hiddenFill>
             </a:ext>
-            <a:ext uri="{91240B29-F687-4F45-9708-019B960494DF}">
+            <a:ext uri="{91240B29-F687-4f45-9708-019B960494DF}">
               <a14:hiddenLine xmlns:a14="http://schemas.microsoft.com/office/drawing/2010/main" w="9525">
                 <a:solidFill>
                   <a:srgbClr val="000000"/>
@@ -13134,7 +13251,7 @@
   <p:clrMapOvr>
     <a:masterClrMapping/>
   </p:clrMapOvr>
-  <p:transition>
+  <p:transition xmlns:p14="http://schemas.microsoft.com/office/powerpoint/2010/main">
     <p:zoom/>
   </p:transition>
   <p:hf hdr="0" ftr="0" dt="0"/>
@@ -13248,7 +13365,7 @@
   <p:clrMapOvr>
     <a:masterClrMapping/>
   </p:clrMapOvr>
-  <p:transition>
+  <p:transition xmlns:p14="http://schemas.microsoft.com/office/powerpoint/2010/main">
     <p:zoom/>
   </p:transition>
   <p:hf hdr="0" ftr="0" dt="0"/>
@@ -14525,7 +14642,7 @@
   <p:clrMapOvr>
     <a:masterClrMapping/>
   </p:clrMapOvr>
-  <p:transition>
+  <p:transition xmlns:p14="http://schemas.microsoft.com/office/powerpoint/2010/main">
     <p:zoom/>
   </p:transition>
   <p:hf hdr="0" ftr="0" dt="0"/>
@@ -15326,7 +15443,7 @@
   <p:clrMapOvr>
     <a:masterClrMapping/>
   </p:clrMapOvr>
-  <p:transition>
+  <p:transition xmlns:p14="http://schemas.microsoft.com/office/powerpoint/2010/main">
     <p:zoom/>
   </p:transition>
   <p:hf hdr="0" ftr="0" dt="0"/>
@@ -15469,7 +15586,7 @@
   <p:clrMapOvr>
     <a:masterClrMapping/>
   </p:clrMapOvr>
-  <p:transition>
+  <p:transition xmlns:p14="http://schemas.microsoft.com/office/powerpoint/2010/main">
     <p:zoom/>
   </p:transition>
   <p:hf hdr="0" ftr="0" dt="0"/>
@@ -15622,7 +15739,7 @@
   <p:clrMapOvr>
     <a:masterClrMapping/>
   </p:clrMapOvr>
-  <p:transition>
+  <p:transition xmlns:p14="http://schemas.microsoft.com/office/powerpoint/2010/main">
     <p:zoom/>
   </p:transition>
   <p:hf hdr="0" ftr="0" dt="0"/>
@@ -15865,7 +15982,7 @@
   <p:clrMapOvr>
     <a:masterClrMapping/>
   </p:clrMapOvr>
-  <p:transition spd="slow">
+  <p:transition xmlns:p14="http://schemas.microsoft.com/office/powerpoint/2010/main" spd="slow">
     <p:fade/>
   </p:transition>
 </p:sldLayout>
@@ -16015,7 +16132,7 @@
   <p:clrMapOvr>
     <a:masterClrMapping/>
   </p:clrMapOvr>
-  <p:transition>
+  <p:transition xmlns:p14="http://schemas.microsoft.com/office/powerpoint/2010/main">
     <p:zoom/>
   </p:transition>
   <p:hf hdr="0" ftr="0" dt="0"/>
@@ -16073,14 +16190,14 @@
             <a:noFill/>
           </a:ln>
           <a:extLst>
-            <a:ext uri="{909E8E84-426E-40DD-AFC4-6F175D3DCCD1}">
+            <a:ext uri="{909E8E84-426E-40dd-AFC4-6F175D3DCCD1}">
               <a14:hiddenFill xmlns:a14="http://schemas.microsoft.com/office/drawing/2010/main">
                 <a:solidFill>
                   <a:srgbClr val="FFFFFF"/>
                 </a:solidFill>
               </a14:hiddenFill>
             </a:ext>
-            <a:ext uri="{91240B29-F687-4F45-9708-019B960494DF}">
+            <a:ext uri="{91240B29-F687-4f45-9708-019B960494DF}">
               <a14:hiddenLine xmlns:a14="http://schemas.microsoft.com/office/drawing/2010/main" w="9525">
                 <a:solidFill>
                   <a:srgbClr val="000000"/>
@@ -16183,14 +16300,14 @@
             <a:noFill/>
           </a:ln>
           <a:extLst>
-            <a:ext uri="{909E8E84-426E-40DD-AFC4-6F175D3DCCD1}">
+            <a:ext uri="{909E8E84-426E-40dd-AFC4-6F175D3DCCD1}">
               <a14:hiddenFill xmlns:a14="http://schemas.microsoft.com/office/drawing/2010/main">
                 <a:solidFill>
                   <a:srgbClr val="FFFFFF"/>
                 </a:solidFill>
               </a14:hiddenFill>
             </a:ext>
-            <a:ext uri="{91240B29-F687-4F45-9708-019B960494DF}">
+            <a:ext uri="{91240B29-F687-4f45-9708-019B960494DF}">
               <a14:hiddenLine xmlns:a14="http://schemas.microsoft.com/office/drawing/2010/main" w="9525">
                 <a:solidFill>
                   <a:srgbClr val="000000"/>
@@ -16237,14 +16354,14 @@
             <a:noFill/>
           </a:ln>
           <a:extLst>
-            <a:ext uri="{909E8E84-426E-40DD-AFC4-6F175D3DCCD1}">
+            <a:ext uri="{909E8E84-426E-40dd-AFC4-6F175D3DCCD1}">
               <a14:hiddenFill xmlns:a14="http://schemas.microsoft.com/office/drawing/2010/main">
                 <a:solidFill>
                   <a:srgbClr val="FFFFFF"/>
                 </a:solidFill>
               </a14:hiddenFill>
             </a:ext>
-            <a:ext uri="{91240B29-F687-4F45-9708-019B960494DF}">
+            <a:ext uri="{91240B29-F687-4f45-9708-019B960494DF}">
               <a14:hiddenLine xmlns:a14="http://schemas.microsoft.com/office/drawing/2010/main" w="9525">
                 <a:solidFill>
                   <a:srgbClr val="000000"/>
@@ -16547,7 +16664,7 @@
   <p:clrMapOvr>
     <a:masterClrMapping/>
   </p:clrMapOvr>
-  <p:transition>
+  <p:transition xmlns:p14="http://schemas.microsoft.com/office/powerpoint/2010/main">
     <p:zoom/>
   </p:transition>
   <p:hf hdr="0" ftr="0" dt="0"/>
@@ -16777,7 +16894,7 @@
   <p:clrMapOvr>
     <a:masterClrMapping/>
   </p:clrMapOvr>
-  <p:transition spd="slow">
+  <p:transition xmlns:p14="http://schemas.microsoft.com/office/powerpoint/2010/main" spd="slow">
     <p:fade/>
   </p:transition>
 </p:sldLayout>
@@ -17322,7 +17439,7 @@
   <p:clrMapOvr>
     <a:masterClrMapping/>
   </p:clrMapOvr>
-  <p:transition spd="slow">
+  <p:transition xmlns:p14="http://schemas.microsoft.com/office/powerpoint/2010/main" spd="slow">
     <p:fade/>
   </p:transition>
 </p:sldLayout>
@@ -17692,7 +17809,7 @@
   <p:clrMapOvr>
     <a:masterClrMapping/>
   </p:clrMapOvr>
-  <p:transition spd="slow">
+  <p:transition xmlns:p14="http://schemas.microsoft.com/office/powerpoint/2010/main" spd="slow">
     <p:fade/>
   </p:transition>
 </p:sldLayout>
@@ -18362,7 +18479,7 @@
   <p:clrMapOvr>
     <a:masterClrMapping/>
   </p:clrMapOvr>
-  <p:transition spd="slow">
+  <p:transition xmlns:p14="http://schemas.microsoft.com/office/powerpoint/2010/main" spd="slow">
     <p:fade/>
   </p:transition>
 </p:sldLayout>
@@ -18687,7 +18804,7 @@
   <p:clrMapOvr>
     <a:masterClrMapping/>
   </p:clrMapOvr>
-  <p:transition spd="slow">
+  <p:transition xmlns:p14="http://schemas.microsoft.com/office/powerpoint/2010/main" spd="slow">
     <p:fade/>
   </p:transition>
 </p:sldLayout>
@@ -19097,7 +19214,7 @@
   <p:clrMapOvr>
     <a:masterClrMapping/>
   </p:clrMapOvr>
-  <p:transition spd="slow">
+  <p:transition xmlns:p14="http://schemas.microsoft.com/office/powerpoint/2010/main" spd="slow">
     <p:fade/>
   </p:transition>
 </p:sldLayout>
@@ -19422,7 +19539,7 @@
   <p:clrMapOvr>
     <a:masterClrMapping/>
   </p:clrMapOvr>
-  <p:transition spd="slow">
+  <p:transition xmlns:p14="http://schemas.microsoft.com/office/powerpoint/2010/main" spd="slow">
     <p:fade/>
   </p:transition>
 </p:sldLayout>
@@ -19487,14 +19604,14 @@
             <a:noFill/>
           </a:ln>
           <a:extLst>
-            <a:ext uri="{909E8E84-426E-40DD-AFC4-6F175D3DCCD1}">
+            <a:ext uri="{909E8E84-426E-40dd-AFC4-6F175D3DCCD1}">
               <a14:hiddenFill xmlns:a14="http://schemas.microsoft.com/office/drawing/2010/main">
                 <a:solidFill>
                   <a:srgbClr val="FFFFFF"/>
                 </a:solidFill>
               </a14:hiddenFill>
             </a:ext>
-            <a:ext uri="{91240B29-F687-4F45-9708-019B960494DF}">
+            <a:ext uri="{91240B29-F687-4f45-9708-019B960494DF}">
               <a14:hiddenLine xmlns:a14="http://schemas.microsoft.com/office/drawing/2010/main" w="9525">
                 <a:solidFill>
                   <a:srgbClr val="000000"/>
@@ -19530,14 +19647,14 @@
             <a:noFill/>
           </a:ln>
           <a:extLst>
-            <a:ext uri="{909E8E84-426E-40DD-AFC4-6F175D3DCCD1}">
+            <a:ext uri="{909E8E84-426E-40dd-AFC4-6F175D3DCCD1}">
               <a14:hiddenFill xmlns:a14="http://schemas.microsoft.com/office/drawing/2010/main">
                 <a:solidFill>
                   <a:srgbClr val="FFFFFF"/>
                 </a:solidFill>
               </a14:hiddenFill>
             </a:ext>
-            <a:ext uri="{91240B29-F687-4F45-9708-019B960494DF}">
+            <a:ext uri="{91240B29-F687-4f45-9708-019B960494DF}">
               <a14:hiddenLine xmlns:a14="http://schemas.microsoft.com/office/drawing/2010/main" w="9525">
                 <a:solidFill>
                   <a:srgbClr val="000000"/>
@@ -19548,7 +19665,7 @@
               </a14:hiddenLine>
             </a:ext>
             <a:ext uri="{FAA26D3D-D897-4be2-8F04-BA451C77F1D7}">
-              <ma14:placeholderFlag xmlns:ma14="http://schemas.microsoft.com/office/mac/drawingml/2011/main" xmlns="" val="1"/>
+              <ma14:placeholderFlag xmlns:ma14="http://schemas.microsoft.com/office/mac/drawingml/2011/main" val="1"/>
             </a:ext>
           </a:extLst>
         </p:spPr>
@@ -19591,14 +19708,14 @@
             <a:noFill/>
           </a:ln>
           <a:extLst>
-            <a:ext uri="{909E8E84-426E-40DD-AFC4-6F175D3DCCD1}">
+            <a:ext uri="{909E8E84-426E-40dd-AFC4-6F175D3DCCD1}">
               <a14:hiddenFill xmlns:a14="http://schemas.microsoft.com/office/drawing/2010/main">
                 <a:solidFill>
                   <a:srgbClr val="FFFFFF"/>
                 </a:solidFill>
               </a14:hiddenFill>
             </a:ext>
-            <a:ext uri="{91240B29-F687-4F45-9708-019B960494DF}">
+            <a:ext uri="{91240B29-F687-4f45-9708-019B960494DF}">
               <a14:hiddenLine xmlns:a14="http://schemas.microsoft.com/office/drawing/2010/main" w="9525">
                 <a:solidFill>
                   <a:srgbClr val="000000"/>
@@ -19609,7 +19726,7 @@
               </a14:hiddenLine>
             </a:ext>
             <a:ext uri="{FAA26D3D-D897-4be2-8F04-BA451C77F1D7}">
-              <ma14:placeholderFlag xmlns:ma14="http://schemas.microsoft.com/office/mac/drawingml/2011/main" xmlns="" val="1"/>
+              <ma14:placeholderFlag xmlns:ma14="http://schemas.microsoft.com/office/mac/drawingml/2011/main" val="1"/>
             </a:ext>
           </a:extLst>
         </p:spPr>
@@ -19691,14 +19808,14 @@
             <a:noFill/>
           </a:ln>
           <a:extLst>
-            <a:ext uri="{909E8E84-426E-40DD-AFC4-6F175D3DCCD1}">
+            <a:ext uri="{909E8E84-426E-40dd-AFC4-6F175D3DCCD1}">
               <a14:hiddenFill xmlns:a14="http://schemas.microsoft.com/office/drawing/2010/main">
                 <a:solidFill>
                   <a:srgbClr val="FFFFFF"/>
                 </a:solidFill>
               </a14:hiddenFill>
             </a:ext>
-            <a:ext uri="{91240B29-F687-4F45-9708-019B960494DF}">
+            <a:ext uri="{91240B29-F687-4f45-9708-019B960494DF}">
               <a14:hiddenLine xmlns:a14="http://schemas.microsoft.com/office/drawing/2010/main" w="9525">
                 <a:solidFill>
                   <a:srgbClr val="000000"/>
@@ -19924,14 +20041,14 @@
             <a:noFill/>
           </a:ln>
           <a:extLst>
-            <a:ext uri="{909E8E84-426E-40DD-AFC4-6F175D3DCCD1}">
+            <a:ext uri="{909E8E84-426E-40dd-AFC4-6F175D3DCCD1}">
               <a14:hiddenFill xmlns:a14="http://schemas.microsoft.com/office/drawing/2010/main">
                 <a:solidFill>
                   <a:srgbClr val="FFFFFF"/>
                 </a:solidFill>
               </a14:hiddenFill>
             </a:ext>
-            <a:ext uri="{91240B29-F687-4F45-9708-019B960494DF}">
+            <a:ext uri="{91240B29-F687-4f45-9708-019B960494DF}">
               <a14:hiddenLine xmlns:a14="http://schemas.microsoft.com/office/drawing/2010/main" w="9525">
                 <a:solidFill>
                   <a:srgbClr val="000000"/>
@@ -19975,7 +20092,7 @@
     <p:sldLayoutId id="2147483681" r:id="rId20"/>
     <p:sldLayoutId id="2147483693" r:id="rId21"/>
   </p:sldLayoutIdLst>
-  <p:transition spd="slow">
+  <p:transition xmlns:p14="http://schemas.microsoft.com/office/powerpoint/2010/main" spd="slow">
     <p:fade/>
   </p:transition>
   <p:hf hdr="0" ftr="0" dt="0"/>
@@ -20517,14 +20634,14 @@
             <a:noFill/>
           </a:ln>
           <a:extLst>
-            <a:ext uri="{909E8E84-426E-40DD-AFC4-6F175D3DCCD1}">
+            <a:ext uri="{909E8E84-426E-40dd-AFC4-6F175D3DCCD1}">
               <a14:hiddenFill xmlns:a14="http://schemas.microsoft.com/office/drawing/2010/main">
                 <a:solidFill>
                   <a:srgbClr val="FFFFFF"/>
                 </a:solidFill>
               </a14:hiddenFill>
             </a:ext>
-            <a:ext uri="{91240B29-F687-4F45-9708-019B960494DF}">
+            <a:ext uri="{91240B29-F687-4f45-9708-019B960494DF}">
               <a14:hiddenLine xmlns:a14="http://schemas.microsoft.com/office/drawing/2010/main" w="9525">
                 <a:solidFill>
                   <a:srgbClr val="000000"/>
@@ -20535,7 +20652,7 @@
               </a14:hiddenLine>
             </a:ext>
             <a:ext uri="{FAA26D3D-D897-4be2-8F04-BA451C77F1D7}">
-              <ma14:placeholderFlag xmlns:ma14="http://schemas.microsoft.com/office/mac/drawingml/2011/main" xmlns="" val="1"/>
+              <ma14:placeholderFlag xmlns:ma14="http://schemas.microsoft.com/office/mac/drawingml/2011/main" val="1"/>
             </a:ext>
           </a:extLst>
         </p:spPr>
@@ -20756,14 +20873,14 @@
             <a:noFill/>
           </a:ln>
           <a:extLst>
-            <a:ext uri="{909E8E84-426E-40DD-AFC4-6F175D3DCCD1}">
+            <a:ext uri="{909E8E84-426E-40dd-AFC4-6F175D3DCCD1}">
               <a14:hiddenFill xmlns:a14="http://schemas.microsoft.com/office/drawing/2010/main">
                 <a:solidFill>
                   <a:srgbClr val="FFFFFF"/>
                 </a:solidFill>
               </a14:hiddenFill>
             </a:ext>
-            <a:ext uri="{91240B29-F687-4F45-9708-019B960494DF}">
+            <a:ext uri="{91240B29-F687-4f45-9708-019B960494DF}">
               <a14:hiddenLine xmlns:a14="http://schemas.microsoft.com/office/drawing/2010/main" w="9525">
                 <a:solidFill>
                   <a:srgbClr val="000000"/>
@@ -20925,14 +21042,14 @@
             <a:noFill/>
           </a:ln>
           <a:extLst>
-            <a:ext uri="{909E8E84-426E-40DD-AFC4-6F175D3DCCD1}">
+            <a:ext uri="{909E8E84-426E-40dd-AFC4-6F175D3DCCD1}">
               <a14:hiddenFill xmlns:a14="http://schemas.microsoft.com/office/drawing/2010/main">
                 <a:solidFill>
                   <a:srgbClr val="FFFFFF"/>
                 </a:solidFill>
               </a14:hiddenFill>
             </a:ext>
-            <a:ext uri="{91240B29-F687-4F45-9708-019B960494DF}">
+            <a:ext uri="{91240B29-F687-4f45-9708-019B960494DF}">
               <a14:hiddenLine xmlns:a14="http://schemas.microsoft.com/office/drawing/2010/main" w="9525">
                 <a:solidFill>
                   <a:srgbClr val="000000"/>
@@ -20943,7 +21060,7 @@
               </a14:hiddenLine>
             </a:ext>
             <a:ext uri="{FAA26D3D-D897-4be2-8F04-BA451C77F1D7}">
-              <ma14:placeholderFlag xmlns:ma14="http://schemas.microsoft.com/office/mac/drawingml/2011/main" xmlns="" val="1"/>
+              <ma14:placeholderFlag xmlns:ma14="http://schemas.microsoft.com/office/mac/drawingml/2011/main" val="1"/>
             </a:ext>
           </a:extLst>
         </p:spPr>
@@ -21177,14 +21294,14 @@
             <a:noFill/>
           </a:ln>
           <a:extLst>
-            <a:ext uri="{909E8E84-426E-40DD-AFC4-6F175D3DCCD1}">
+            <a:ext uri="{909E8E84-426E-40dd-AFC4-6F175D3DCCD1}">
               <a14:hiddenFill xmlns:a14="http://schemas.microsoft.com/office/drawing/2010/main">
                 <a:solidFill>
                   <a:srgbClr val="FFFFFF"/>
                 </a:solidFill>
               </a14:hiddenFill>
             </a:ext>
-            <a:ext uri="{91240B29-F687-4F45-9708-019B960494DF}">
+            <a:ext uri="{91240B29-F687-4f45-9708-019B960494DF}">
               <a14:hiddenLine xmlns:a14="http://schemas.microsoft.com/office/drawing/2010/main" w="9525">
                 <a:solidFill>
                   <a:srgbClr val="000000"/>
@@ -21214,13 +21331,13 @@
     <p:sldLayoutId id="2147483705" r:id="rId11"/>
     <p:sldLayoutId id="2147483706" r:id="rId12"/>
   </p:sldLayoutIdLst>
-  <p:transition spd="slow">
+  <p:transition xmlns:p14="http://schemas.microsoft.com/office/powerpoint/2010/main" spd="slow">
     <p:fade/>
   </p:transition>
   <p:timing>
     <p:tnLst>
       <p:par>
-        <p:cTn id="1" dur="indefinite" restart="never" nodeType="tmRoot"/>
+        <p:cTn xmlns:p14="http://schemas.microsoft.com/office/powerpoint/2010/main" id="1" dur="indefinite" restart="never" nodeType="tmRoot"/>
       </p:par>
     </p:tnLst>
   </p:timing>
@@ -21715,18 +21832,18 @@
   <p:clrMapOvr>
     <a:masterClrMapping/>
   </p:clrMapOvr>
-  <mc:AlternateContent xmlns:mc="http://schemas.openxmlformats.org/markup-compatibility/2006">
-    <mc:Choice xmlns:p14="http://schemas.microsoft.com/office/powerpoint/2010/main" Requires="p14">
+  <mc:AlternateContent xmlns:mc="http://schemas.openxmlformats.org/markup-compatibility/2006" xmlns:p14="http://schemas.microsoft.com/office/powerpoint/2010/main">
+    <mc:Choice Requires="p14">
       <p:transition p14:dur="0"/>
     </mc:Choice>
-    <mc:Fallback>
+    <mc:Fallback xmlns="">
       <p:transition/>
     </mc:Fallback>
   </mc:AlternateContent>
   <p:timing>
     <p:tnLst>
       <p:par>
-        <p:cTn id="1" dur="indefinite" restart="never" nodeType="tmRoot"/>
+        <p:cTn xmlns:p14="http://schemas.microsoft.com/office/powerpoint/2010/main" id="1" dur="indefinite" restart="never" nodeType="tmRoot"/>
       </p:par>
     </p:tnLst>
   </p:timing>
@@ -21989,18 +22106,18 @@
   <p:clrMapOvr>
     <a:masterClrMapping/>
   </p:clrMapOvr>
-  <mc:AlternateContent xmlns:mc="http://schemas.openxmlformats.org/markup-compatibility/2006">
-    <mc:Choice xmlns:p14="http://schemas.microsoft.com/office/powerpoint/2010/main" Requires="p14">
+  <mc:AlternateContent xmlns:mc="http://schemas.openxmlformats.org/markup-compatibility/2006" xmlns:p14="http://schemas.microsoft.com/office/powerpoint/2010/main">
+    <mc:Choice Requires="p14">
       <p:transition p14:dur="0"/>
     </mc:Choice>
-    <mc:Fallback>
+    <mc:Fallback xmlns="">
       <p:transition/>
     </mc:Fallback>
   </mc:AlternateContent>
   <p:timing>
     <p:tnLst>
       <p:par>
-        <p:cTn id="1" dur="indefinite" restart="never" nodeType="tmRoot"/>
+        <p:cTn xmlns:p14="http://schemas.microsoft.com/office/powerpoint/2010/main" id="1" dur="indefinite" restart="never" nodeType="tmRoot"/>
       </p:par>
     </p:tnLst>
   </p:timing>
@@ -22110,18 +22227,18 @@
   <p:clrMapOvr>
     <a:masterClrMapping/>
   </p:clrMapOvr>
-  <mc:AlternateContent xmlns:mc="http://schemas.openxmlformats.org/markup-compatibility/2006">
-    <mc:Choice xmlns:p14="http://schemas.microsoft.com/office/powerpoint/2010/main" Requires="p14">
+  <mc:AlternateContent xmlns:mc="http://schemas.openxmlformats.org/markup-compatibility/2006" xmlns:p14="http://schemas.microsoft.com/office/powerpoint/2010/main">
+    <mc:Choice Requires="p14">
       <p:transition p14:dur="0"/>
     </mc:Choice>
-    <mc:Fallback>
+    <mc:Fallback xmlns="">
       <p:transition/>
     </mc:Fallback>
   </mc:AlternateContent>
   <p:timing>
     <p:tnLst>
       <p:par>
-        <p:cTn id="1" dur="indefinite" restart="never" nodeType="tmRoot"/>
+        <p:cTn xmlns:p14="http://schemas.microsoft.com/office/powerpoint/2010/main" id="1" dur="indefinite" restart="never" nodeType="tmRoot"/>
       </p:par>
     </p:tnLst>
   </p:timing>
@@ -22581,18 +22698,18 @@
   <p:clrMapOvr>
     <a:masterClrMapping/>
   </p:clrMapOvr>
-  <mc:AlternateContent xmlns:mc="http://schemas.openxmlformats.org/markup-compatibility/2006">
-    <mc:Choice xmlns:p14="http://schemas.microsoft.com/office/powerpoint/2010/main" Requires="p14">
+  <mc:AlternateContent xmlns:mc="http://schemas.openxmlformats.org/markup-compatibility/2006" xmlns:p14="http://schemas.microsoft.com/office/powerpoint/2010/main">
+    <mc:Choice Requires="p14">
       <p:transition p14:dur="0"/>
     </mc:Choice>
-    <mc:Fallback>
+    <mc:Fallback xmlns="">
       <p:transition/>
     </mc:Fallback>
   </mc:AlternateContent>
   <p:timing>
     <p:tnLst>
       <p:par>
-        <p:cTn id="1" dur="indefinite" restart="never" nodeType="tmRoot"/>
+        <p:cTn xmlns:p14="http://schemas.microsoft.com/office/powerpoint/2010/main" id="1" dur="indefinite" restart="never" nodeType="tmRoot"/>
       </p:par>
     </p:tnLst>
   </p:timing>
@@ -22702,18 +22819,18 @@
   <p:clrMapOvr>
     <a:masterClrMapping/>
   </p:clrMapOvr>
-  <mc:AlternateContent xmlns:mc="http://schemas.openxmlformats.org/markup-compatibility/2006">
-    <mc:Choice xmlns:p14="http://schemas.microsoft.com/office/powerpoint/2010/main" Requires="p14">
+  <mc:AlternateContent xmlns:mc="http://schemas.openxmlformats.org/markup-compatibility/2006" xmlns:p14="http://schemas.microsoft.com/office/powerpoint/2010/main">
+    <mc:Choice Requires="p14">
       <p:transition p14:dur="0"/>
     </mc:Choice>
-    <mc:Fallback>
+    <mc:Fallback xmlns="">
       <p:transition/>
     </mc:Fallback>
   </mc:AlternateContent>
   <p:timing>
     <p:tnLst>
       <p:par>
-        <p:cTn id="1" dur="indefinite" restart="never" nodeType="tmRoot"/>
+        <p:cTn xmlns:p14="http://schemas.microsoft.com/office/powerpoint/2010/main" id="1" dur="indefinite" restart="never" nodeType="tmRoot"/>
       </p:par>
     </p:tnLst>
   </p:timing>
@@ -22915,18 +23032,18 @@
   <p:clrMapOvr>
     <a:masterClrMapping/>
   </p:clrMapOvr>
-  <mc:AlternateContent xmlns:mc="http://schemas.openxmlformats.org/markup-compatibility/2006">
-    <mc:Choice xmlns:p14="http://schemas.microsoft.com/office/powerpoint/2010/main" Requires="p14">
+  <mc:AlternateContent xmlns:mc="http://schemas.openxmlformats.org/markup-compatibility/2006" xmlns:p14="http://schemas.microsoft.com/office/powerpoint/2010/main">
+    <mc:Choice Requires="p14">
       <p:transition p14:dur="0"/>
     </mc:Choice>
-    <mc:Fallback>
+    <mc:Fallback xmlns="">
       <p:transition/>
     </mc:Fallback>
   </mc:AlternateContent>
   <p:timing>
     <p:tnLst>
       <p:par>
-        <p:cTn id="1" dur="indefinite" restart="never" nodeType="tmRoot"/>
+        <p:cTn xmlns:p14="http://schemas.microsoft.com/office/powerpoint/2010/main" id="1" dur="indefinite" restart="never" nodeType="tmRoot"/>
       </p:par>
     </p:tnLst>
   </p:timing>
@@ -23051,18 +23168,18 @@
   <p:clrMapOvr>
     <a:masterClrMapping/>
   </p:clrMapOvr>
-  <mc:AlternateContent xmlns:mc="http://schemas.openxmlformats.org/markup-compatibility/2006">
-    <mc:Choice xmlns:p14="http://schemas.microsoft.com/office/powerpoint/2010/main" Requires="p14">
+  <mc:AlternateContent xmlns:mc="http://schemas.openxmlformats.org/markup-compatibility/2006" xmlns:p14="http://schemas.microsoft.com/office/powerpoint/2010/main">
+    <mc:Choice Requires="p14">
       <p:transition p14:dur="0"/>
     </mc:Choice>
-    <mc:Fallback>
+    <mc:Fallback xmlns="">
       <p:transition/>
     </mc:Fallback>
   </mc:AlternateContent>
   <p:timing>
     <p:tnLst>
       <p:par>
-        <p:cTn id="1" dur="indefinite" restart="never" nodeType="tmRoot"/>
+        <p:cTn xmlns:p14="http://schemas.microsoft.com/office/powerpoint/2010/main" id="1" dur="indefinite" restart="never" nodeType="tmRoot"/>
       </p:par>
     </p:tnLst>
   </p:timing>
@@ -23314,13 +23431,6 @@
               </a:rPr>
               <a:t>Короткий период тестирования</a:t>
             </a:r>
-            <a:endParaRPr lang="ru-RU" dirty="0" smtClean="0">
-              <a:solidFill>
-                <a:srgbClr val="004080"/>
-              </a:solidFill>
-              <a:latin typeface="Arial" pitchFamily="34" charset="0"/>
-              <a:cs typeface="Arial" pitchFamily="34" charset="0"/>
-            </a:endParaRPr>
           </a:p>
           <a:p>
             <a:pPr marL="285750" indent="-285750" defTabSz="803275">
@@ -23378,18 +23488,18 @@
   <p:clrMapOvr>
     <a:masterClrMapping/>
   </p:clrMapOvr>
-  <mc:AlternateContent xmlns:mc="http://schemas.openxmlformats.org/markup-compatibility/2006">
-    <mc:Choice xmlns:p14="http://schemas.microsoft.com/office/powerpoint/2010/main" Requires="p14">
+  <mc:AlternateContent xmlns:mc="http://schemas.openxmlformats.org/markup-compatibility/2006" xmlns:p14="http://schemas.microsoft.com/office/powerpoint/2010/main">
+    <mc:Choice Requires="p14">
       <p:transition p14:dur="0"/>
     </mc:Choice>
-    <mc:Fallback>
+    <mc:Fallback xmlns="">
       <p:transition/>
     </mc:Fallback>
   </mc:AlternateContent>
   <p:timing>
     <p:tnLst>
       <p:par>
-        <p:cTn id="1" dur="indefinite" restart="never" nodeType="tmRoot"/>
+        <p:cTn xmlns:p14="http://schemas.microsoft.com/office/powerpoint/2010/main" id="1" dur="indefinite" restart="never" nodeType="tmRoot"/>
       </p:par>
     </p:tnLst>
   </p:timing>
@@ -23557,7 +23667,7 @@
           </a:prstGeom>
           <a:noFill/>
           <a:extLst>
-            <a:ext uri="{909E8E84-426E-40DD-AFC4-6F175D3DCCD1}">
+            <a:ext uri="{909E8E84-426E-40dd-AFC4-6F175D3DCCD1}">
               <a14:hiddenFill xmlns:a14="http://schemas.microsoft.com/office/drawing/2010/main">
                 <a:solidFill>
                   <a:srgbClr val="FFFFFF"/>
@@ -23577,18 +23687,18 @@
   <p:clrMapOvr>
     <a:masterClrMapping/>
   </p:clrMapOvr>
-  <mc:AlternateContent xmlns:mc="http://schemas.openxmlformats.org/markup-compatibility/2006">
-    <mc:Choice xmlns:p14="http://schemas.microsoft.com/office/powerpoint/2010/main" Requires="p14">
+  <mc:AlternateContent xmlns:mc="http://schemas.openxmlformats.org/markup-compatibility/2006" xmlns:p14="http://schemas.microsoft.com/office/powerpoint/2010/main">
+    <mc:Choice Requires="p14">
       <p:transition p14:dur="0"/>
     </mc:Choice>
-    <mc:Fallback>
+    <mc:Fallback xmlns="">
       <p:transition/>
     </mc:Fallback>
   </mc:AlternateContent>
   <p:timing>
     <p:tnLst>
       <p:par>
-        <p:cTn id="1" dur="indefinite" restart="never" nodeType="tmRoot"/>
+        <p:cTn xmlns:p14="http://schemas.microsoft.com/office/powerpoint/2010/main" id="1" dur="indefinite" restart="never" nodeType="tmRoot"/>
       </p:par>
     </p:tnLst>
   </p:timing>
@@ -23757,18 +23867,18 @@
   <p:clrMapOvr>
     <a:masterClrMapping/>
   </p:clrMapOvr>
-  <mc:AlternateContent xmlns:mc="http://schemas.openxmlformats.org/markup-compatibility/2006">
-    <mc:Choice xmlns:p14="http://schemas.microsoft.com/office/powerpoint/2010/main" Requires="p14">
+  <mc:AlternateContent xmlns:mc="http://schemas.openxmlformats.org/markup-compatibility/2006" xmlns:p14="http://schemas.microsoft.com/office/powerpoint/2010/main">
+    <mc:Choice Requires="p14">
       <p:transition p14:dur="0"/>
     </mc:Choice>
-    <mc:Fallback>
+    <mc:Fallback xmlns="">
       <p:transition/>
     </mc:Fallback>
   </mc:AlternateContent>
   <p:timing>
     <p:tnLst>
       <p:par>
-        <p:cTn id="1" dur="indefinite" restart="never" nodeType="tmRoot"/>
+        <p:cTn xmlns:p14="http://schemas.microsoft.com/office/powerpoint/2010/main" id="1" dur="indefinite" restart="never" nodeType="tmRoot"/>
       </p:par>
     </p:tnLst>
   </p:timing>
@@ -24135,18 +24245,18 @@
   <p:clrMapOvr>
     <a:masterClrMapping/>
   </p:clrMapOvr>
-  <mc:AlternateContent xmlns:mc="http://schemas.openxmlformats.org/markup-compatibility/2006">
-    <mc:Choice xmlns:p14="http://schemas.microsoft.com/office/powerpoint/2010/main" Requires="p14">
+  <mc:AlternateContent xmlns:mc="http://schemas.openxmlformats.org/markup-compatibility/2006" xmlns:p14="http://schemas.microsoft.com/office/powerpoint/2010/main">
+    <mc:Choice Requires="p14">
       <p:transition p14:dur="0"/>
     </mc:Choice>
-    <mc:Fallback>
+    <mc:Fallback xmlns="">
       <p:transition/>
     </mc:Fallback>
   </mc:AlternateContent>
   <p:timing>
     <p:tnLst>
       <p:par>
-        <p:cTn id="1" dur="indefinite" restart="never" nodeType="tmRoot"/>
+        <p:cTn xmlns:p14="http://schemas.microsoft.com/office/powerpoint/2010/main" id="1" dur="indefinite" restart="never" nodeType="tmRoot"/>
       </p:par>
     </p:tnLst>
   </p:timing>
@@ -26178,18 +26288,18 @@
   <p:clrMapOvr>
     <a:masterClrMapping/>
   </p:clrMapOvr>
-  <mc:AlternateContent xmlns:mc="http://schemas.openxmlformats.org/markup-compatibility/2006">
-    <mc:Choice xmlns:p14="http://schemas.microsoft.com/office/powerpoint/2010/main" Requires="p14">
+  <mc:AlternateContent xmlns:mc="http://schemas.openxmlformats.org/markup-compatibility/2006" xmlns:p14="http://schemas.microsoft.com/office/powerpoint/2010/main">
+    <mc:Choice Requires="p14">
       <p:transition p14:dur="0"/>
     </mc:Choice>
-    <mc:Fallback>
+    <mc:Fallback xmlns="">
       <p:transition/>
     </mc:Fallback>
   </mc:AlternateContent>
   <p:timing>
     <p:tnLst>
       <p:par>
-        <p:cTn id="1" dur="indefinite" restart="never" nodeType="tmRoot"/>
+        <p:cTn xmlns:p14="http://schemas.microsoft.com/office/powerpoint/2010/main" id="1" dur="indefinite" restart="never" nodeType="tmRoot"/>
       </p:par>
     </p:tnLst>
   </p:timing>
@@ -26277,18 +26387,18 @@
   <p:clrMapOvr>
     <a:masterClrMapping/>
   </p:clrMapOvr>
-  <mc:AlternateContent xmlns:mc="http://schemas.openxmlformats.org/markup-compatibility/2006">
-    <mc:Choice xmlns:p14="http://schemas.microsoft.com/office/powerpoint/2010/main" Requires="p14">
+  <mc:AlternateContent xmlns:mc="http://schemas.openxmlformats.org/markup-compatibility/2006" xmlns:p14="http://schemas.microsoft.com/office/powerpoint/2010/main">
+    <mc:Choice Requires="p14">
       <p:transition p14:dur="0"/>
     </mc:Choice>
-    <mc:Fallback>
+    <mc:Fallback xmlns="">
       <p:transition/>
     </mc:Fallback>
   </mc:AlternateContent>
   <p:timing>
     <p:tnLst>
       <p:par>
-        <p:cTn id="1" dur="indefinite" restart="never" nodeType="tmRoot"/>
+        <p:cTn xmlns:p14="http://schemas.microsoft.com/office/powerpoint/2010/main" id="1" dur="indefinite" restart="never" nodeType="tmRoot"/>
       </p:par>
     </p:tnLst>
   </p:timing>
@@ -26405,18 +26515,18 @@
   <p:clrMapOvr>
     <a:masterClrMapping/>
   </p:clrMapOvr>
-  <mc:AlternateContent xmlns:mc="http://schemas.openxmlformats.org/markup-compatibility/2006">
-    <mc:Choice xmlns:p14="http://schemas.microsoft.com/office/powerpoint/2010/main" Requires="p14">
+  <mc:AlternateContent xmlns:mc="http://schemas.openxmlformats.org/markup-compatibility/2006" xmlns:p14="http://schemas.microsoft.com/office/powerpoint/2010/main">
+    <mc:Choice Requires="p14">
       <p:transition p14:dur="0"/>
     </mc:Choice>
-    <mc:Fallback>
+    <mc:Fallback xmlns="">
       <p:transition/>
     </mc:Fallback>
   </mc:AlternateContent>
   <p:timing>
     <p:tnLst>
       <p:par>
-        <p:cTn id="1" dur="indefinite" restart="never" nodeType="tmRoot"/>
+        <p:cTn xmlns:p14="http://schemas.microsoft.com/office/powerpoint/2010/main" id="1" dur="indefinite" restart="never" nodeType="tmRoot"/>
       </p:par>
     </p:tnLst>
   </p:timing>
@@ -26526,18 +26636,18 @@
   <p:clrMapOvr>
     <a:masterClrMapping/>
   </p:clrMapOvr>
-  <mc:AlternateContent xmlns:mc="http://schemas.openxmlformats.org/markup-compatibility/2006">
-    <mc:Choice xmlns:p14="http://schemas.microsoft.com/office/powerpoint/2010/main" Requires="p14">
+  <mc:AlternateContent xmlns:mc="http://schemas.openxmlformats.org/markup-compatibility/2006" xmlns:p14="http://schemas.microsoft.com/office/powerpoint/2010/main">
+    <mc:Choice Requires="p14">
       <p:transition p14:dur="0"/>
     </mc:Choice>
-    <mc:Fallback>
+    <mc:Fallback xmlns="">
       <p:transition/>
     </mc:Fallback>
   </mc:AlternateContent>
   <p:timing>
     <p:tnLst>
       <p:par>
-        <p:cTn id="1" dur="indefinite" restart="never" nodeType="tmRoot"/>
+        <p:cTn xmlns:p14="http://schemas.microsoft.com/office/powerpoint/2010/main" id="1" dur="indefinite" restart="never" nodeType="tmRoot"/>
       </p:par>
     </p:tnLst>
   </p:timing>
@@ -26653,18 +26763,18 @@
   <p:clrMapOvr>
     <a:masterClrMapping/>
   </p:clrMapOvr>
-  <mc:AlternateContent xmlns:mc="http://schemas.openxmlformats.org/markup-compatibility/2006">
-    <mc:Choice xmlns:p14="http://schemas.microsoft.com/office/powerpoint/2010/main" Requires="p14">
+  <mc:AlternateContent xmlns:mc="http://schemas.openxmlformats.org/markup-compatibility/2006" xmlns:p14="http://schemas.microsoft.com/office/powerpoint/2010/main">
+    <mc:Choice Requires="p14">
       <p:transition p14:dur="0"/>
     </mc:Choice>
-    <mc:Fallback>
+    <mc:Fallback xmlns="">
       <p:transition/>
     </mc:Fallback>
   </mc:AlternateContent>
   <p:timing>
     <p:tnLst>
       <p:par>
-        <p:cTn id="1" dur="indefinite" restart="never" nodeType="tmRoot"/>
+        <p:cTn xmlns:p14="http://schemas.microsoft.com/office/powerpoint/2010/main" id="1" dur="indefinite" restart="never" nodeType="tmRoot"/>
       </p:par>
     </p:tnLst>
   </p:timing>
@@ -26789,18 +26899,18 @@
   <p:clrMapOvr>
     <a:masterClrMapping/>
   </p:clrMapOvr>
-  <mc:AlternateContent xmlns:mc="http://schemas.openxmlformats.org/markup-compatibility/2006">
-    <mc:Choice xmlns:p14="http://schemas.microsoft.com/office/powerpoint/2010/main" Requires="p14">
+  <mc:AlternateContent xmlns:mc="http://schemas.openxmlformats.org/markup-compatibility/2006" xmlns:p14="http://schemas.microsoft.com/office/powerpoint/2010/main">
+    <mc:Choice Requires="p14">
       <p:transition p14:dur="0"/>
     </mc:Choice>
-    <mc:Fallback>
+    <mc:Fallback xmlns="">
       <p:transition/>
     </mc:Fallback>
   </mc:AlternateContent>
   <p:timing>
     <p:tnLst>
       <p:par>
-        <p:cTn id="1" dur="indefinite" restart="never" nodeType="tmRoot"/>
+        <p:cTn xmlns:p14="http://schemas.microsoft.com/office/powerpoint/2010/main" id="1" dur="indefinite" restart="never" nodeType="tmRoot"/>
       </p:par>
     </p:tnLst>
   </p:timing>
@@ -26925,18 +27035,18 @@
   <p:clrMapOvr>
     <a:masterClrMapping/>
   </p:clrMapOvr>
-  <mc:AlternateContent xmlns:mc="http://schemas.openxmlformats.org/markup-compatibility/2006">
-    <mc:Choice xmlns:p14="http://schemas.microsoft.com/office/powerpoint/2010/main" Requires="p14">
+  <mc:AlternateContent xmlns:mc="http://schemas.openxmlformats.org/markup-compatibility/2006" xmlns:p14="http://schemas.microsoft.com/office/powerpoint/2010/main">
+    <mc:Choice Requires="p14">
       <p:transition p14:dur="0"/>
     </mc:Choice>
-    <mc:Fallback>
+    <mc:Fallback xmlns="">
       <p:transition/>
     </mc:Fallback>
   </mc:AlternateContent>
   <p:timing>
     <p:tnLst>
       <p:par>
-        <p:cTn id="1" dur="indefinite" restart="never" nodeType="tmRoot"/>
+        <p:cTn xmlns:p14="http://schemas.microsoft.com/office/powerpoint/2010/main" id="1" dur="indefinite" restart="never" nodeType="tmRoot"/>
       </p:par>
     </p:tnLst>
   </p:timing>
@@ -27026,7 +27136,7 @@
           <p:nvPr>
             <p:extLst>
               <p:ext uri="{D42A27DB-BD31-4B8C-83A1-F6EECF244321}">
-                <p14:modId xmlns:p14="http://schemas.microsoft.com/office/powerpoint/2010/main" val="442155886"/>
+                <p14:modId xmlns:p14="http://schemas.microsoft.com/office/powerpoint/2010/main" val="1268110688"/>
               </p:ext>
             </p:extLst>
           </p:nvPr>
@@ -27051,18 +27161,18 @@
   <p:clrMapOvr>
     <a:masterClrMapping/>
   </p:clrMapOvr>
-  <mc:AlternateContent xmlns:mc="http://schemas.openxmlformats.org/markup-compatibility/2006">
-    <mc:Choice xmlns:p14="http://schemas.microsoft.com/office/powerpoint/2010/main" Requires="p14">
+  <mc:AlternateContent xmlns:mc="http://schemas.openxmlformats.org/markup-compatibility/2006" xmlns:p14="http://schemas.microsoft.com/office/powerpoint/2010/main">
+    <mc:Choice Requires="p14">
       <p:transition p14:dur="10"/>
     </mc:Choice>
-    <mc:Fallback>
+    <mc:Fallback xmlns="">
       <p:transition/>
     </mc:Fallback>
   </mc:AlternateContent>
   <p:timing>
     <p:tnLst>
       <p:par>
-        <p:cTn id="1" dur="indefinite" restart="never" nodeType="tmRoot"/>
+        <p:cTn xmlns:p14="http://schemas.microsoft.com/office/powerpoint/2010/main" id="1" dur="indefinite" restart="never" nodeType="tmRoot"/>
       </p:par>
     </p:tnLst>
   </p:timing>
@@ -27478,18 +27588,18 @@
   <p:clrMapOvr>
     <a:masterClrMapping/>
   </p:clrMapOvr>
-  <mc:AlternateContent xmlns:mc="http://schemas.openxmlformats.org/markup-compatibility/2006">
-    <mc:Choice xmlns:p14="http://schemas.microsoft.com/office/powerpoint/2010/main" Requires="p14">
+  <mc:AlternateContent xmlns:mc="http://schemas.openxmlformats.org/markup-compatibility/2006" xmlns:p14="http://schemas.microsoft.com/office/powerpoint/2010/main">
+    <mc:Choice Requires="p14">
       <p:transition p14:dur="0"/>
     </mc:Choice>
-    <mc:Fallback>
+    <mc:Fallback xmlns="">
       <p:transition/>
     </mc:Fallback>
   </mc:AlternateContent>
   <p:timing>
     <p:tnLst>
       <p:par>
-        <p:cTn id="1" dur="indefinite" restart="never" nodeType="tmRoot"/>
+        <p:cTn xmlns:p14="http://schemas.microsoft.com/office/powerpoint/2010/main" id="1" dur="indefinite" restart="never" nodeType="tmRoot"/>
       </p:par>
     </p:tnLst>
   </p:timing>
@@ -27551,18 +27661,18 @@
   <p:clrMapOvr>
     <a:masterClrMapping/>
   </p:clrMapOvr>
-  <mc:AlternateContent xmlns:mc="http://schemas.openxmlformats.org/markup-compatibility/2006">
-    <mc:Choice xmlns:p14="http://schemas.microsoft.com/office/powerpoint/2010/main" Requires="p14">
+  <mc:AlternateContent xmlns:mc="http://schemas.openxmlformats.org/markup-compatibility/2006" xmlns:p14="http://schemas.microsoft.com/office/powerpoint/2010/main">
+    <mc:Choice Requires="p14">
       <p:transition p14:dur="0"/>
     </mc:Choice>
-    <mc:Fallback>
+    <mc:Fallback xmlns="">
       <p:transition/>
     </mc:Fallback>
   </mc:AlternateContent>
   <p:timing>
     <p:tnLst>
       <p:par>
-        <p:cTn id="1" dur="indefinite" restart="never" nodeType="tmRoot"/>
+        <p:cTn xmlns:p14="http://schemas.microsoft.com/office/powerpoint/2010/main" id="1" dur="indefinite" restart="never" nodeType="tmRoot"/>
       </p:par>
     </p:tnLst>
   </p:timing>
@@ -27777,18 +27887,18 @@
   <p:clrMapOvr>
     <a:masterClrMapping/>
   </p:clrMapOvr>
-  <mc:AlternateContent xmlns:mc="http://schemas.openxmlformats.org/markup-compatibility/2006">
-    <mc:Choice xmlns:p14="http://schemas.microsoft.com/office/powerpoint/2010/main" Requires="p14">
+  <mc:AlternateContent xmlns:mc="http://schemas.openxmlformats.org/markup-compatibility/2006" xmlns:p14="http://schemas.microsoft.com/office/powerpoint/2010/main">
+    <mc:Choice Requires="p14">
       <p:transition p14:dur="0"/>
     </mc:Choice>
-    <mc:Fallback>
+    <mc:Fallback xmlns="">
       <p:transition/>
     </mc:Fallback>
   </mc:AlternateContent>
   <p:timing>
     <p:tnLst>
       <p:par>
-        <p:cTn id="1" dur="indefinite" restart="never" nodeType="tmRoot"/>
+        <p:cTn xmlns:p14="http://schemas.microsoft.com/office/powerpoint/2010/main" id="1" dur="indefinite" restart="never" nodeType="tmRoot"/>
       </p:par>
     </p:tnLst>
   </p:timing>
@@ -28691,18 +28801,18 @@
   <p:clrMapOvr>
     <a:masterClrMapping/>
   </p:clrMapOvr>
-  <mc:AlternateContent xmlns:mc="http://schemas.openxmlformats.org/markup-compatibility/2006">
-    <mc:Choice xmlns:p14="http://schemas.microsoft.com/office/powerpoint/2010/main" Requires="p14">
+  <mc:AlternateContent xmlns:mc="http://schemas.openxmlformats.org/markup-compatibility/2006" xmlns:p14="http://schemas.microsoft.com/office/powerpoint/2010/main">
+    <mc:Choice Requires="p14">
       <p:transition p14:dur="0"/>
     </mc:Choice>
-    <mc:Fallback>
+    <mc:Fallback xmlns="">
       <p:transition/>
     </mc:Fallback>
   </mc:AlternateContent>
   <p:timing>
     <p:tnLst>
       <p:par>
-        <p:cTn id="1" dur="indefinite" restart="never" nodeType="tmRoot"/>
+        <p:cTn xmlns:p14="http://schemas.microsoft.com/office/powerpoint/2010/main" id="1" dur="indefinite" restart="never" nodeType="tmRoot"/>
       </p:par>
     </p:tnLst>
   </p:timing>
@@ -28816,18 +28926,18 @@
   <p:clrMapOvr>
     <a:masterClrMapping/>
   </p:clrMapOvr>
-  <mc:AlternateContent xmlns:mc="http://schemas.openxmlformats.org/markup-compatibility/2006">
-    <mc:Choice xmlns:p14="http://schemas.microsoft.com/office/powerpoint/2010/main" Requires="p14">
+  <mc:AlternateContent xmlns:mc="http://schemas.openxmlformats.org/markup-compatibility/2006" xmlns:p14="http://schemas.microsoft.com/office/powerpoint/2010/main">
+    <mc:Choice Requires="p14">
       <p:transition p14:dur="0"/>
     </mc:Choice>
-    <mc:Fallback>
+    <mc:Fallback xmlns="">
       <p:transition/>
     </mc:Fallback>
   </mc:AlternateContent>
   <p:timing>
     <p:tnLst>
       <p:par>
-        <p:cTn id="1" dur="indefinite" restart="never" nodeType="tmRoot"/>
+        <p:cTn xmlns:p14="http://schemas.microsoft.com/office/powerpoint/2010/main" id="1" dur="indefinite" restart="never" nodeType="tmRoot"/>
       </p:par>
     </p:tnLst>
   </p:timing>
@@ -29062,18 +29172,18 @@
   <p:clrMapOvr>
     <a:masterClrMapping/>
   </p:clrMapOvr>
-  <mc:AlternateContent xmlns:mc="http://schemas.openxmlformats.org/markup-compatibility/2006">
-    <mc:Choice xmlns:p14="http://schemas.microsoft.com/office/powerpoint/2010/main" Requires="p14">
+  <mc:AlternateContent xmlns:mc="http://schemas.openxmlformats.org/markup-compatibility/2006" xmlns:p14="http://schemas.microsoft.com/office/powerpoint/2010/main">
+    <mc:Choice Requires="p14">
       <p:transition p14:dur="0"/>
     </mc:Choice>
-    <mc:Fallback>
+    <mc:Fallback xmlns="">
       <p:transition/>
     </mc:Fallback>
   </mc:AlternateContent>
   <p:timing>
     <p:tnLst>
       <p:par>
-        <p:cTn id="1" dur="indefinite" restart="never" nodeType="tmRoot"/>
+        <p:cTn xmlns:p14="http://schemas.microsoft.com/office/powerpoint/2010/main" id="1" dur="indefinite" restart="never" nodeType="tmRoot"/>
       </p:par>
     </p:tnLst>
   </p:timing>
@@ -29245,18 +29355,18 @@
   <p:clrMapOvr>
     <a:masterClrMapping/>
   </p:clrMapOvr>
-  <mc:AlternateContent xmlns:mc="http://schemas.openxmlformats.org/markup-compatibility/2006">
-    <mc:Choice xmlns:p14="http://schemas.microsoft.com/office/powerpoint/2010/main" Requires="p14">
+  <mc:AlternateContent xmlns:mc="http://schemas.openxmlformats.org/markup-compatibility/2006" xmlns:p14="http://schemas.microsoft.com/office/powerpoint/2010/main">
+    <mc:Choice Requires="p14">
       <p:transition p14:dur="0"/>
     </mc:Choice>
-    <mc:Fallback>
+    <mc:Fallback xmlns="">
       <p:transition/>
     </mc:Fallback>
   </mc:AlternateContent>
   <p:timing>
     <p:tnLst>
       <p:par>
-        <p:cTn id="1" dur="indefinite" restart="never" nodeType="tmRoot"/>
+        <p:cTn xmlns:p14="http://schemas.microsoft.com/office/powerpoint/2010/main" id="1" dur="indefinite" restart="never" nodeType="tmRoot"/>
       </p:par>
     </p:tnLst>
   </p:timing>
@@ -29403,17 +29513,7 @@
                 <a:latin typeface="Arial" pitchFamily="34" charset="0"/>
                 <a:cs typeface="Arial" pitchFamily="34" charset="0"/>
               </a:rPr>
-              <a:t>аказчик </a:t>
-            </a:r>
-            <a:r>
-              <a:rPr lang="ru-RU" dirty="0" smtClean="0">
-                <a:solidFill>
-                  <a:schemeClr val="accent4"/>
-                </a:solidFill>
-                <a:latin typeface="Arial" pitchFamily="34" charset="0"/>
-                <a:cs typeface="Arial" pitchFamily="34" charset="0"/>
-              </a:rPr>
-              <a:t>продукта</a:t>
+              <a:t>аказчик продукта</a:t>
             </a:r>
             <a:endParaRPr lang="ru-RU" dirty="0">
               <a:solidFill>
@@ -29609,18 +29709,18 @@
   <p:clrMapOvr>
     <a:masterClrMapping/>
   </p:clrMapOvr>
-  <mc:AlternateContent xmlns:mc="http://schemas.openxmlformats.org/markup-compatibility/2006">
-    <mc:Choice xmlns:p14="http://schemas.microsoft.com/office/powerpoint/2010/main" Requires="p14">
+  <mc:AlternateContent xmlns:mc="http://schemas.openxmlformats.org/markup-compatibility/2006" xmlns:p14="http://schemas.microsoft.com/office/powerpoint/2010/main">
+    <mc:Choice Requires="p14">
       <p:transition p14:dur="0"/>
     </mc:Choice>
-    <mc:Fallback>
+    <mc:Fallback xmlns="">
       <p:transition/>
     </mc:Fallback>
   </mc:AlternateContent>
   <p:timing>
     <p:tnLst>
       <p:par>
-        <p:cTn id="1" dur="indefinite" restart="never" nodeType="tmRoot"/>
+        <p:cTn xmlns:p14="http://schemas.microsoft.com/office/powerpoint/2010/main" id="1" dur="indefinite" restart="never" nodeType="tmRoot"/>
       </p:par>
     </p:tnLst>
   </p:timing>
@@ -29939,18 +30039,18 @@
   <p:clrMapOvr>
     <a:masterClrMapping/>
   </p:clrMapOvr>
-  <mc:AlternateContent xmlns:mc="http://schemas.openxmlformats.org/markup-compatibility/2006">
-    <mc:Choice xmlns:p14="http://schemas.microsoft.com/office/powerpoint/2010/main" Requires="p14">
+  <mc:AlternateContent xmlns:mc="http://schemas.openxmlformats.org/markup-compatibility/2006" xmlns:p14="http://schemas.microsoft.com/office/powerpoint/2010/main">
+    <mc:Choice Requires="p14">
       <p:transition p14:dur="0"/>
     </mc:Choice>
-    <mc:Fallback>
+    <mc:Fallback xmlns="">
       <p:transition/>
     </mc:Fallback>
   </mc:AlternateContent>
   <p:timing>
     <p:tnLst>
       <p:par>
-        <p:cTn id="1" dur="indefinite" restart="never" nodeType="tmRoot"/>
+        <p:cTn xmlns:p14="http://schemas.microsoft.com/office/powerpoint/2010/main" id="1" dur="indefinite" restart="never" nodeType="tmRoot"/>
       </p:par>
     </p:tnLst>
   </p:timing>
@@ -30037,18 +30137,18 @@
   <p:clrMapOvr>
     <a:masterClrMapping/>
   </p:clrMapOvr>
-  <mc:AlternateContent xmlns:mc="http://schemas.openxmlformats.org/markup-compatibility/2006">
-    <mc:Choice xmlns:p14="http://schemas.microsoft.com/office/powerpoint/2010/main" Requires="p14">
+  <mc:AlternateContent xmlns:mc="http://schemas.openxmlformats.org/markup-compatibility/2006" xmlns:p14="http://schemas.microsoft.com/office/powerpoint/2010/main">
+    <mc:Choice Requires="p14">
       <p:transition p14:dur="0"/>
     </mc:Choice>
-    <mc:Fallback>
+    <mc:Fallback xmlns="">
       <p:transition/>
     </mc:Fallback>
   </mc:AlternateContent>
   <p:timing>
     <p:tnLst>
       <p:par>
-        <p:cTn id="1" dur="indefinite" restart="never" nodeType="tmRoot"/>
+        <p:cTn xmlns:p14="http://schemas.microsoft.com/office/powerpoint/2010/main" id="1" dur="indefinite" restart="never" nodeType="tmRoot"/>
       </p:par>
     </p:tnLst>
   </p:timing>
